--- a/groepsdocumenten/Presentatie - BKS.pptx
+++ b/groepsdocumenten/Presentatie - BKS.pptx
@@ -5,15 +5,16 @@
     <p:sldMasterId id="2147483660" r:id="rId1"/>
   </p:sldMasterIdLst>
   <p:notesMasterIdLst>
-    <p:notesMasterId r:id="rId8"/>
+    <p:notesMasterId r:id="rId9"/>
   </p:notesMasterIdLst>
   <p:sldIdLst>
     <p:sldId id="256" r:id="rId2"/>
     <p:sldId id="257" r:id="rId3"/>
-    <p:sldId id="259" r:id="rId4"/>
-    <p:sldId id="258" r:id="rId5"/>
-    <p:sldId id="261" r:id="rId6"/>
-    <p:sldId id="260" r:id="rId7"/>
+    <p:sldId id="262" r:id="rId4"/>
+    <p:sldId id="259" r:id="rId5"/>
+    <p:sldId id="258" r:id="rId6"/>
+    <p:sldId id="261" r:id="rId7"/>
+    <p:sldId id="260" r:id="rId8"/>
   </p:sldIdLst>
   <p:sldSz cx="12192000" cy="6858000"/>
   <p:notesSz cx="6858000" cy="9144000"/>
@@ -112,6 +113,11 @@
       </a:defRPr>
     </a:lvl9pPr>
   </p:defaultTextStyle>
+  <p:extLst>
+    <p:ext uri="{EFAFB233-063F-42B5-8137-9DF3F51BA10A}">
+      <p15:sldGuideLst xmlns:p15="http://schemas.microsoft.com/office/powerpoint/2012/main"/>
+    </p:ext>
+  </p:extLst>
 </p:presentation>
 </file>
 
@@ -197,7 +203,7 @@
           <a:p>
             <a:fld id="{B56EC726-22DB-4DBF-82A0-D5230AD126A6}" type="datetimeFigureOut">
               <a:rPr lang="nl-NL" smtClean="0"/>
-              <a:t>9-1-2024</a:t>
+              <a:t>11-1-2024</a:t>
             </a:fld>
             <a:endParaRPr lang="nl-NL"/>
           </a:p>
@@ -750,7 +756,7 @@
           <a:p>
             <a:fld id="{DA6312A7-78B6-4FD8-A511-D49FA668EDB3}" type="slidenum">
               <a:rPr lang="nl-NL" smtClean="0"/>
-              <a:t>3</a:t>
+              <a:t>4</a:t>
             </a:fld>
             <a:endParaRPr lang="nl-NL"/>
           </a:p>
@@ -854,7 +860,7 @@
           <a:p>
             <a:fld id="{DA6312A7-78B6-4FD8-A511-D49FA668EDB3}" type="slidenum">
               <a:rPr lang="nl-NL" smtClean="0"/>
-              <a:t>4</a:t>
+              <a:t>5</a:t>
             </a:fld>
             <a:endParaRPr lang="nl-NL"/>
           </a:p>
@@ -1012,7 +1018,7 @@
           <a:p>
             <a:fld id="{017BEC42-23C7-4C4B-ACB1-0F05F6622312}" type="datetimeFigureOut">
               <a:rPr lang="nl-NL" smtClean="0"/>
-              <a:t>9-1-2024</a:t>
+              <a:t>11-1-2024</a:t>
             </a:fld>
             <a:endParaRPr lang="nl-NL"/>
           </a:p>
@@ -1223,7 +1229,7 @@
           <a:p>
             <a:fld id="{017BEC42-23C7-4C4B-ACB1-0F05F6622312}" type="datetimeFigureOut">
               <a:rPr lang="nl-NL" smtClean="0"/>
-              <a:t>9-1-2024</a:t>
+              <a:t>11-1-2024</a:t>
             </a:fld>
             <a:endParaRPr lang="nl-NL"/>
           </a:p>
@@ -1438,7 +1444,7 @@
           <a:p>
             <a:fld id="{017BEC42-23C7-4C4B-ACB1-0F05F6622312}" type="datetimeFigureOut">
               <a:rPr lang="nl-NL" smtClean="0"/>
-              <a:t>9-1-2024</a:t>
+              <a:t>11-1-2024</a:t>
             </a:fld>
             <a:endParaRPr lang="nl-NL"/>
           </a:p>
@@ -1639,7 +1645,7 @@
           <a:p>
             <a:fld id="{017BEC42-23C7-4C4B-ACB1-0F05F6622312}" type="datetimeFigureOut">
               <a:rPr lang="nl-NL" smtClean="0"/>
-              <a:t>9-1-2024</a:t>
+              <a:t>11-1-2024</a:t>
             </a:fld>
             <a:endParaRPr lang="nl-NL"/>
           </a:p>
@@ -1918,7 +1924,7 @@
           <a:p>
             <a:fld id="{017BEC42-23C7-4C4B-ACB1-0F05F6622312}" type="datetimeFigureOut">
               <a:rPr lang="nl-NL" smtClean="0"/>
-              <a:t>9-1-2024</a:t>
+              <a:t>11-1-2024</a:t>
             </a:fld>
             <a:endParaRPr lang="nl-NL"/>
           </a:p>
@@ -2186,7 +2192,7 @@
           <a:p>
             <a:fld id="{017BEC42-23C7-4C4B-ACB1-0F05F6622312}" type="datetimeFigureOut">
               <a:rPr lang="nl-NL" smtClean="0"/>
-              <a:t>9-1-2024</a:t>
+              <a:t>11-1-2024</a:t>
             </a:fld>
             <a:endParaRPr lang="nl-NL"/>
           </a:p>
@@ -2602,7 +2608,7 @@
           <a:p>
             <a:fld id="{017BEC42-23C7-4C4B-ACB1-0F05F6622312}" type="datetimeFigureOut">
               <a:rPr lang="nl-NL" smtClean="0"/>
-              <a:t>9-1-2024</a:t>
+              <a:t>11-1-2024</a:t>
             </a:fld>
             <a:endParaRPr lang="nl-NL"/>
           </a:p>
@@ -2751,7 +2757,7 @@
           <a:p>
             <a:fld id="{017BEC42-23C7-4C4B-ACB1-0F05F6622312}" type="datetimeFigureOut">
               <a:rPr lang="nl-NL" smtClean="0"/>
-              <a:t>9-1-2024</a:t>
+              <a:t>11-1-2024</a:t>
             </a:fld>
             <a:endParaRPr lang="nl-NL"/>
           </a:p>
@@ -2877,7 +2883,7 @@
           <a:p>
             <a:fld id="{017BEC42-23C7-4C4B-ACB1-0F05F6622312}" type="datetimeFigureOut">
               <a:rPr lang="nl-NL" smtClean="0"/>
-              <a:t>9-1-2024</a:t>
+              <a:t>11-1-2024</a:t>
             </a:fld>
             <a:endParaRPr lang="nl-NL"/>
           </a:p>
@@ -3128,7 +3134,7 @@
           <a:p>
             <a:fld id="{017BEC42-23C7-4C4B-ACB1-0F05F6622312}" type="datetimeFigureOut">
               <a:rPr lang="nl-NL" smtClean="0"/>
-              <a:t>9-1-2024</a:t>
+              <a:t>11-1-2024</a:t>
             </a:fld>
             <a:endParaRPr lang="nl-NL"/>
           </a:p>
@@ -3573,7 +3579,7 @@
           <a:p>
             <a:fld id="{017BEC42-23C7-4C4B-ACB1-0F05F6622312}" type="datetimeFigureOut">
               <a:rPr lang="nl-NL" smtClean="0"/>
-              <a:t>9-1-2024</a:t>
+              <a:t>11-1-2024</a:t>
             </a:fld>
             <a:endParaRPr lang="nl-NL"/>
           </a:p>
@@ -3900,7 +3906,7 @@
           <a:p>
             <a:fld id="{017BEC42-23C7-4C4B-ACB1-0F05F6622312}" type="datetimeFigureOut">
               <a:rPr lang="nl-NL" smtClean="0"/>
-              <a:t>9-1-2024</a:t>
+              <a:t>11-1-2024</a:t>
             </a:fld>
             <a:endParaRPr lang="nl-NL"/>
           </a:p>
@@ -4565,7 +4571,7 @@
           <p:cNvPr id="2" name="Titel 1">
             <a:extLst>
               <a:ext uri="{FF2B5EF4-FFF2-40B4-BE49-F238E27FC236}">
-                <a16:creationId xmlns:a16="http://schemas.microsoft.com/office/drawing/2014/main" id="{812DA31E-FB5C-03C3-8581-01B815B17235}"/>
+                <a16:creationId xmlns:a16="http://schemas.microsoft.com/office/drawing/2014/main" id="{07CC8890-20A5-5E25-F6FD-FB769A5127BD}"/>
               </a:ext>
             </a:extLst>
           </p:cNvPr>
@@ -4583,7 +4589,7 @@
           <a:p>
             <a:r>
               <a:rPr lang="nl-NL" dirty="0"/>
-              <a:t>Zijn er tot nu toe nog Vragen?</a:t>
+              <a:t>Hoe verliep het proces?</a:t>
             </a:r>
           </a:p>
         </p:txBody>
@@ -4593,7 +4599,7 @@
           <p:cNvPr id="3" name="Tijdelijke aanduiding voor inhoud 2">
             <a:extLst>
               <a:ext uri="{FF2B5EF4-FFF2-40B4-BE49-F238E27FC236}">
-                <a16:creationId xmlns:a16="http://schemas.microsoft.com/office/drawing/2014/main" id="{37CDA7C6-ADFB-AA5F-BD7A-6E2C44E27652}"/>
+                <a16:creationId xmlns:a16="http://schemas.microsoft.com/office/drawing/2014/main" id="{F5F41857-9B74-DA4E-74FD-882BFCBEB0DE}"/>
               </a:ext>
             </a:extLst>
           </p:cNvPr>
@@ -4616,7 +4622,7 @@
     </p:spTree>
     <p:extLst>
       <p:ext uri="{BB962C8B-B14F-4D97-AF65-F5344CB8AC3E}">
-        <p14:creationId xmlns:p14="http://schemas.microsoft.com/office/powerpoint/2010/main" val="4013277048"/>
+        <p14:creationId xmlns:p14="http://schemas.microsoft.com/office/powerpoint/2010/main" val="709334141"/>
       </p:ext>
     </p:extLst>
   </p:cSld>
@@ -4648,7 +4654,7 @@
           <p:cNvPr id="2" name="Titel 1">
             <a:extLst>
               <a:ext uri="{FF2B5EF4-FFF2-40B4-BE49-F238E27FC236}">
-                <a16:creationId xmlns:a16="http://schemas.microsoft.com/office/drawing/2014/main" id="{5295E970-DEF2-3ED5-2DA2-B02A726ADAA9}"/>
+                <a16:creationId xmlns:a16="http://schemas.microsoft.com/office/drawing/2014/main" id="{812DA31E-FB5C-03C3-8581-01B815B17235}"/>
               </a:ext>
             </a:extLst>
           </p:cNvPr>
@@ -4666,7 +4672,7 @@
           <a:p>
             <a:r>
               <a:rPr lang="nl-NL" dirty="0"/>
-              <a:t>Demonstratie</a:t>
+              <a:t>Zijn er tot nu toe nog Vragen?</a:t>
             </a:r>
           </a:p>
         </p:txBody>
@@ -4676,7 +4682,7 @@
           <p:cNvPr id="3" name="Tijdelijke aanduiding voor inhoud 2">
             <a:extLst>
               <a:ext uri="{FF2B5EF4-FFF2-40B4-BE49-F238E27FC236}">
-                <a16:creationId xmlns:a16="http://schemas.microsoft.com/office/drawing/2014/main" id="{DE0CB1C0-687E-412F-05C2-41776B97EBE0}"/>
+                <a16:creationId xmlns:a16="http://schemas.microsoft.com/office/drawing/2014/main" id="{37CDA7C6-ADFB-AA5F-BD7A-6E2C44E27652}"/>
               </a:ext>
             </a:extLst>
           </p:cNvPr>
@@ -4699,7 +4705,7 @@
     </p:spTree>
     <p:extLst>
       <p:ext uri="{BB962C8B-B14F-4D97-AF65-F5344CB8AC3E}">
-        <p14:creationId xmlns:p14="http://schemas.microsoft.com/office/powerpoint/2010/main" val="2549056309"/>
+        <p14:creationId xmlns:p14="http://schemas.microsoft.com/office/powerpoint/2010/main" val="4013277048"/>
       </p:ext>
     </p:extLst>
   </p:cSld>
@@ -4731,6 +4737,89 @@
           <p:cNvPr id="2" name="Titel 1">
             <a:extLst>
               <a:ext uri="{FF2B5EF4-FFF2-40B4-BE49-F238E27FC236}">
+                <a16:creationId xmlns:a16="http://schemas.microsoft.com/office/drawing/2014/main" id="{5295E970-DEF2-3ED5-2DA2-B02A726ADAA9}"/>
+              </a:ext>
+            </a:extLst>
+          </p:cNvPr>
+          <p:cNvSpPr>
+            <a:spLocks noGrp="1"/>
+          </p:cNvSpPr>
+          <p:nvPr>
+            <p:ph type="title"/>
+          </p:nvPr>
+        </p:nvSpPr>
+        <p:spPr/>
+        <p:txBody>
+          <a:bodyPr/>
+          <a:lstStyle/>
+          <a:p>
+            <a:r>
+              <a:rPr lang="nl-NL" dirty="0"/>
+              <a:t>Demonstratie</a:t>
+            </a:r>
+          </a:p>
+        </p:txBody>
+      </p:sp>
+      <p:sp>
+        <p:nvSpPr>
+          <p:cNvPr id="3" name="Tijdelijke aanduiding voor inhoud 2">
+            <a:extLst>
+              <a:ext uri="{FF2B5EF4-FFF2-40B4-BE49-F238E27FC236}">
+                <a16:creationId xmlns:a16="http://schemas.microsoft.com/office/drawing/2014/main" id="{DE0CB1C0-687E-412F-05C2-41776B97EBE0}"/>
+              </a:ext>
+            </a:extLst>
+          </p:cNvPr>
+          <p:cNvSpPr>
+            <a:spLocks noGrp="1"/>
+          </p:cNvSpPr>
+          <p:nvPr>
+            <p:ph idx="1"/>
+          </p:nvPr>
+        </p:nvSpPr>
+        <p:spPr/>
+        <p:txBody>
+          <a:bodyPr/>
+          <a:lstStyle/>
+          <a:p>
+            <a:endParaRPr lang="nl-NL"/>
+          </a:p>
+        </p:txBody>
+      </p:sp>
+    </p:spTree>
+    <p:extLst>
+      <p:ext uri="{BB962C8B-B14F-4D97-AF65-F5344CB8AC3E}">
+        <p14:creationId xmlns:p14="http://schemas.microsoft.com/office/powerpoint/2010/main" val="2549056309"/>
+      </p:ext>
+    </p:extLst>
+  </p:cSld>
+  <p:clrMapOvr>
+    <a:masterClrMapping/>
+  </p:clrMapOvr>
+</p:sld>
+</file>
+
+<file path=ppt/slides/slide6.xml><?xml version="1.0" encoding="utf-8"?>
+<p:sld xmlns:a="http://schemas.openxmlformats.org/drawingml/2006/main" xmlns:r="http://schemas.openxmlformats.org/officeDocument/2006/relationships" xmlns:p="http://schemas.openxmlformats.org/presentationml/2006/main">
+  <p:cSld>
+    <p:spTree>
+      <p:nvGrpSpPr>
+        <p:cNvPr id="1" name=""/>
+        <p:cNvGrpSpPr/>
+        <p:nvPr/>
+      </p:nvGrpSpPr>
+      <p:grpSpPr>
+        <a:xfrm>
+          <a:off x="0" y="0"/>
+          <a:ext cx="0" cy="0"/>
+          <a:chOff x="0" y="0"/>
+          <a:chExt cx="0" cy="0"/>
+        </a:xfrm>
+      </p:grpSpPr>
+      <p:sp>
+        <p:nvSpPr>
+          <p:cNvPr id="2" name="Titel 1">
+            <a:extLst>
+              <a:ext uri="{FF2B5EF4-FFF2-40B4-BE49-F238E27FC236}">
                 <a16:creationId xmlns:a16="http://schemas.microsoft.com/office/drawing/2014/main" id="{2A7B9BB0-D245-5F65-DB5E-EE45CC997D93}"/>
               </a:ext>
             </a:extLst>
@@ -4792,7 +4881,7 @@
 </p:sld>
 </file>
 
-<file path=ppt/slides/slide6.xml><?xml version="1.0" encoding="utf-8"?>
+<file path=ppt/slides/slide7.xml><?xml version="1.0" encoding="utf-8"?>
 <p:sld xmlns:a="http://schemas.openxmlformats.org/drawingml/2006/main" xmlns:r="http://schemas.openxmlformats.org/officeDocument/2006/relationships" xmlns:p="http://schemas.openxmlformats.org/presentationml/2006/main">
   <p:cSld>
     <p:spTree>

--- a/groepsdocumenten/Presentatie - BKS.pptx
+++ b/groepsdocumenten/Presentatie - BKS.pptx
@@ -2,7 +2,7 @@
 <file path=ppt/presentation.xml><?xml version="1.0" encoding="utf-8"?>
 <p:presentation xmlns:a="http://schemas.openxmlformats.org/drawingml/2006/main" xmlns:r="http://schemas.openxmlformats.org/officeDocument/2006/relationships" xmlns:p="http://schemas.openxmlformats.org/presentationml/2006/main" saveSubsetFonts="1">
   <p:sldMasterIdLst>
-    <p:sldMasterId id="2147483660" r:id="rId1"/>
+    <p:sldMasterId id="2147483672" r:id="rId1"/>
   </p:sldMasterIdLst>
   <p:notesMasterIdLst>
     <p:notesMasterId r:id="rId9"/>
@@ -20,9 +20,9 @@
   <p:notesSz cx="6858000" cy="9144000"/>
   <p:defaultTextStyle>
     <a:defPPr>
-      <a:defRPr lang="en-US"/>
+      <a:defRPr lang="nl-NL"/>
     </a:defPPr>
-    <a:lvl1pPr marL="0" algn="l" defTabSz="457200" rtl="0" eaLnBrk="1" latinLnBrk="0" hangingPunct="1">
+    <a:lvl1pPr marL="0" algn="l" defTabSz="914400" rtl="0" eaLnBrk="1" latinLnBrk="0" hangingPunct="1">
       <a:defRPr sz="1800" kern="1200">
         <a:solidFill>
           <a:schemeClr val="tx1"/>
@@ -32,7 +32,7 @@
         <a:cs typeface="+mn-cs"/>
       </a:defRPr>
     </a:lvl1pPr>
-    <a:lvl2pPr marL="457200" algn="l" defTabSz="457200" rtl="0" eaLnBrk="1" latinLnBrk="0" hangingPunct="1">
+    <a:lvl2pPr marL="457200" algn="l" defTabSz="914400" rtl="0" eaLnBrk="1" latinLnBrk="0" hangingPunct="1">
       <a:defRPr sz="1800" kern="1200">
         <a:solidFill>
           <a:schemeClr val="tx1"/>
@@ -42,7 +42,7 @@
         <a:cs typeface="+mn-cs"/>
       </a:defRPr>
     </a:lvl2pPr>
-    <a:lvl3pPr marL="914400" algn="l" defTabSz="457200" rtl="0" eaLnBrk="1" latinLnBrk="0" hangingPunct="1">
+    <a:lvl3pPr marL="914400" algn="l" defTabSz="914400" rtl="0" eaLnBrk="1" latinLnBrk="0" hangingPunct="1">
       <a:defRPr sz="1800" kern="1200">
         <a:solidFill>
           <a:schemeClr val="tx1"/>
@@ -52,7 +52,7 @@
         <a:cs typeface="+mn-cs"/>
       </a:defRPr>
     </a:lvl3pPr>
-    <a:lvl4pPr marL="1371600" algn="l" defTabSz="457200" rtl="0" eaLnBrk="1" latinLnBrk="0" hangingPunct="1">
+    <a:lvl4pPr marL="1371600" algn="l" defTabSz="914400" rtl="0" eaLnBrk="1" latinLnBrk="0" hangingPunct="1">
       <a:defRPr sz="1800" kern="1200">
         <a:solidFill>
           <a:schemeClr val="tx1"/>
@@ -62,7 +62,7 @@
         <a:cs typeface="+mn-cs"/>
       </a:defRPr>
     </a:lvl4pPr>
-    <a:lvl5pPr marL="1828800" algn="l" defTabSz="457200" rtl="0" eaLnBrk="1" latinLnBrk="0" hangingPunct="1">
+    <a:lvl5pPr marL="1828800" algn="l" defTabSz="914400" rtl="0" eaLnBrk="1" latinLnBrk="0" hangingPunct="1">
       <a:defRPr sz="1800" kern="1200">
         <a:solidFill>
           <a:schemeClr val="tx1"/>
@@ -72,7 +72,7 @@
         <a:cs typeface="+mn-cs"/>
       </a:defRPr>
     </a:lvl5pPr>
-    <a:lvl6pPr marL="2286000" algn="l" defTabSz="457200" rtl="0" eaLnBrk="1" latinLnBrk="0" hangingPunct="1">
+    <a:lvl6pPr marL="2286000" algn="l" defTabSz="914400" rtl="0" eaLnBrk="1" latinLnBrk="0" hangingPunct="1">
       <a:defRPr sz="1800" kern="1200">
         <a:solidFill>
           <a:schemeClr val="tx1"/>
@@ -82,7 +82,7 @@
         <a:cs typeface="+mn-cs"/>
       </a:defRPr>
     </a:lvl6pPr>
-    <a:lvl7pPr marL="2743200" algn="l" defTabSz="457200" rtl="0" eaLnBrk="1" latinLnBrk="0" hangingPunct="1">
+    <a:lvl7pPr marL="2743200" algn="l" defTabSz="914400" rtl="0" eaLnBrk="1" latinLnBrk="0" hangingPunct="1">
       <a:defRPr sz="1800" kern="1200">
         <a:solidFill>
           <a:schemeClr val="tx1"/>
@@ -92,7 +92,7 @@
         <a:cs typeface="+mn-cs"/>
       </a:defRPr>
     </a:lvl7pPr>
-    <a:lvl8pPr marL="3200400" algn="l" defTabSz="457200" rtl="0" eaLnBrk="1" latinLnBrk="0" hangingPunct="1">
+    <a:lvl8pPr marL="3200400" algn="l" defTabSz="914400" rtl="0" eaLnBrk="1" latinLnBrk="0" hangingPunct="1">
       <a:defRPr sz="1800" kern="1200">
         <a:solidFill>
           <a:schemeClr val="tx1"/>
@@ -102,7 +102,7 @@
         <a:cs typeface="+mn-cs"/>
       </a:defRPr>
     </a:lvl8pPr>
-    <a:lvl9pPr marL="3657600" algn="l" defTabSz="457200" rtl="0" eaLnBrk="1" latinLnBrk="0" hangingPunct="1">
+    <a:lvl9pPr marL="3657600" algn="l" defTabSz="914400" rtl="0" eaLnBrk="1" latinLnBrk="0" hangingPunct="1">
       <a:defRPr sz="1800" kern="1200">
         <a:solidFill>
           <a:schemeClr val="tx1"/>
@@ -898,7 +898,13 @@
       </p:grpSpPr>
       <p:sp>
         <p:nvSpPr>
-          <p:cNvPr id="2" name="Title 1"/>
+          <p:cNvPr id="2" name="Titel 1">
+            <a:extLst>
+              <a:ext uri="{FF2B5EF4-FFF2-40B4-BE49-F238E27FC236}">
+                <a16:creationId xmlns:a16="http://schemas.microsoft.com/office/drawing/2014/main" id="{6149E440-D25C-42B9-4970-30AD8C801930}"/>
+              </a:ext>
+            </a:extLst>
+          </p:cNvPr>
           <p:cNvSpPr>
             <a:spLocks noGrp="1"/>
           </p:cNvSpPr>
@@ -908,17 +914,15 @@
         </p:nvSpPr>
         <p:spPr>
           <a:xfrm>
-            <a:off x="2417779" y="802298"/>
-            <a:ext cx="8637073" cy="2541431"/>
+            <a:off x="1524000" y="1122363"/>
+            <a:ext cx="9144000" cy="2387600"/>
           </a:xfrm>
         </p:spPr>
         <p:txBody>
-          <a:bodyPr bIns="0" anchor="b">
-            <a:normAutofit/>
-          </a:bodyPr>
+          <a:bodyPr anchor="b"/>
           <a:lstStyle>
-            <a:lvl1pPr algn="l">
-              <a:defRPr sz="6600"/>
+            <a:lvl1pPr algn="ctr">
+              <a:defRPr sz="6000"/>
             </a:lvl1pPr>
           </a:lstStyle>
           <a:p>
@@ -926,13 +930,18 @@
               <a:rPr lang="nl-NL"/>
               <a:t>Klik om stijl te bewerken</a:t>
             </a:r>
-            <a:endParaRPr lang="en-US" dirty="0"/>
           </a:p>
         </p:txBody>
       </p:sp>
       <p:sp>
         <p:nvSpPr>
-          <p:cNvPr id="3" name="Subtitle 2"/>
+          <p:cNvPr id="3" name="Ondertitel 2">
+            <a:extLst>
+              <a:ext uri="{FF2B5EF4-FFF2-40B4-BE49-F238E27FC236}">
+                <a16:creationId xmlns:a16="http://schemas.microsoft.com/office/drawing/2014/main" id="{72665B53-6FDA-70FA-0A7F-17F088CCCDCB}"/>
+              </a:ext>
+            </a:extLst>
+          </p:cNvPr>
           <p:cNvSpPr>
             <a:spLocks noGrp="1"/>
           </p:cNvSpPr>
@@ -942,26 +951,20 @@
         </p:nvSpPr>
         <p:spPr>
           <a:xfrm>
-            <a:off x="2417780" y="3531204"/>
-            <a:ext cx="8637072" cy="977621"/>
+            <a:off x="1524000" y="3602038"/>
+            <a:ext cx="9144000" cy="1655762"/>
           </a:xfrm>
         </p:spPr>
         <p:txBody>
-          <a:bodyPr tIns="91440" bIns="91440">
-            <a:normAutofit/>
-          </a:bodyPr>
+          <a:bodyPr/>
           <a:lstStyle>
-            <a:lvl1pPr marL="0" indent="0" algn="l">
+            <a:lvl1pPr marL="0" indent="0" algn="ctr">
               <a:buNone/>
-              <a:defRPr sz="1800" b="0" cap="all" baseline="0">
-                <a:solidFill>
-                  <a:schemeClr val="tx1"/>
-                </a:solidFill>
-              </a:defRPr>
+              <a:defRPr sz="2400"/>
             </a:lvl1pPr>
             <a:lvl2pPr marL="457200" indent="0" algn="ctr">
               <a:buNone/>
-              <a:defRPr sz="1800"/>
+              <a:defRPr sz="2000"/>
             </a:lvl2pPr>
             <a:lvl3pPr marL="914400" indent="0" algn="ctr">
               <a:buNone/>
@@ -997,13 +1000,18 @@
               <a:rPr lang="nl-NL"/>
               <a:t>Klikken om de ondertitelstijl van het model te bewerken</a:t>
             </a:r>
-            <a:endParaRPr lang="en-US" dirty="0"/>
           </a:p>
         </p:txBody>
       </p:sp>
       <p:sp>
         <p:nvSpPr>
-          <p:cNvPr id="4" name="Date Placeholder 3"/>
+          <p:cNvPr id="4" name="Tijdelijke aanduiding voor datum 3">
+            <a:extLst>
+              <a:ext uri="{FF2B5EF4-FFF2-40B4-BE49-F238E27FC236}">
+                <a16:creationId xmlns:a16="http://schemas.microsoft.com/office/drawing/2014/main" id="{3FED13CD-90B8-BEB0-1C92-72C4CA6860A0}"/>
+              </a:ext>
+            </a:extLst>
+          </p:cNvPr>
           <p:cNvSpPr>
             <a:spLocks noGrp="1"/>
           </p:cNvSpPr>
@@ -1026,7 +1034,13 @@
       </p:sp>
       <p:sp>
         <p:nvSpPr>
-          <p:cNvPr id="5" name="Footer Placeholder 4"/>
+          <p:cNvPr id="5" name="Tijdelijke aanduiding voor voettekst 4">
+            <a:extLst>
+              <a:ext uri="{FF2B5EF4-FFF2-40B4-BE49-F238E27FC236}">
+                <a16:creationId xmlns:a16="http://schemas.microsoft.com/office/drawing/2014/main" id="{882EA61F-5781-61E5-21AC-CD00329AA7D7}"/>
+              </a:ext>
+            </a:extLst>
+          </p:cNvPr>
           <p:cNvSpPr>
             <a:spLocks noGrp="1"/>
           </p:cNvSpPr>
@@ -1034,12 +1048,7 @@
             <p:ph type="ftr" sz="quarter" idx="11"/>
           </p:nvPr>
         </p:nvSpPr>
-        <p:spPr>
-          <a:xfrm>
-            <a:off x="2416500" y="329307"/>
-            <a:ext cx="4973915" cy="309201"/>
-          </a:xfrm>
-        </p:spPr>
+        <p:spPr/>
         <p:txBody>
           <a:bodyPr/>
           <a:lstStyle/>
@@ -1050,7 +1059,13 @@
       </p:sp>
       <p:sp>
         <p:nvSpPr>
-          <p:cNvPr id="6" name="Slide Number Placeholder 5"/>
+          <p:cNvPr id="6" name="Tijdelijke aanduiding voor dianummer 5">
+            <a:extLst>
+              <a:ext uri="{FF2B5EF4-FFF2-40B4-BE49-F238E27FC236}">
+                <a16:creationId xmlns:a16="http://schemas.microsoft.com/office/drawing/2014/main" id="{D0B02E3C-F2AA-810F-F46F-F06D1593918B}"/>
+              </a:ext>
+            </a:extLst>
+          </p:cNvPr>
           <p:cNvSpPr>
             <a:spLocks noGrp="1"/>
           </p:cNvSpPr>
@@ -1058,12 +1073,7 @@
             <p:ph type="sldNum" sz="quarter" idx="12"/>
           </p:nvPr>
         </p:nvSpPr>
-        <p:spPr>
-          <a:xfrm>
-            <a:off x="1437664" y="798973"/>
-            <a:ext cx="811019" cy="503578"/>
-          </a:xfrm>
-        </p:spPr>
+        <p:spPr/>
         <p:txBody>
           <a:bodyPr/>
           <a:lstStyle/>
@@ -1076,41 +1086,10 @@
           </a:p>
         </p:txBody>
       </p:sp>
-      <p:cxnSp>
-        <p:nvCxnSpPr>
-          <p:cNvPr id="15" name="Straight Connector 14"/>
-          <p:cNvCxnSpPr/>
-          <p:nvPr/>
-        </p:nvCxnSpPr>
-        <p:spPr>
-          <a:xfrm>
-            <a:off x="2417780" y="3528542"/>
-            <a:ext cx="8637072" cy="0"/>
-          </a:xfrm>
-          <a:prstGeom prst="line">
-            <a:avLst/>
-          </a:prstGeom>
-          <a:ln w="31750"/>
-        </p:spPr>
-        <p:style>
-          <a:lnRef idx="3">
-            <a:schemeClr val="accent1"/>
-          </a:lnRef>
-          <a:fillRef idx="0">
-            <a:schemeClr val="accent1"/>
-          </a:fillRef>
-          <a:effectRef idx="2">
-            <a:schemeClr val="accent1"/>
-          </a:effectRef>
-          <a:fontRef idx="minor">
-            <a:schemeClr val="tx1"/>
-          </a:fontRef>
-        </p:style>
-      </p:cxnSp>
     </p:spTree>
     <p:extLst>
       <p:ext uri="{BB962C8B-B14F-4D97-AF65-F5344CB8AC3E}">
-        <p14:creationId xmlns:p14="http://schemas.microsoft.com/office/powerpoint/2010/main" val="2142891570"/>
+        <p14:creationId xmlns:p14="http://schemas.microsoft.com/office/powerpoint/2010/main" val="2168345766"/>
       </p:ext>
     </p:extLst>
   </p:cSld>
@@ -1139,7 +1118,13 @@
       </p:grpSpPr>
       <p:sp>
         <p:nvSpPr>
-          <p:cNvPr id="2" name="Title 1"/>
+          <p:cNvPr id="2" name="Titel 1">
+            <a:extLst>
+              <a:ext uri="{FF2B5EF4-FFF2-40B4-BE49-F238E27FC236}">
+                <a16:creationId xmlns:a16="http://schemas.microsoft.com/office/drawing/2014/main" id="{448418ED-5CFF-E6E3-BF5F-51027BA920C4}"/>
+              </a:ext>
+            </a:extLst>
+          </p:cNvPr>
           <p:cNvSpPr>
             <a:spLocks noGrp="1"/>
           </p:cNvSpPr>
@@ -1156,13 +1141,18 @@
               <a:rPr lang="nl-NL"/>
               <a:t>Klik om stijl te bewerken</a:t>
             </a:r>
-            <a:endParaRPr lang="en-US" dirty="0"/>
           </a:p>
         </p:txBody>
       </p:sp>
       <p:sp>
         <p:nvSpPr>
-          <p:cNvPr id="3" name="Vertical Text Placeholder 2"/>
+          <p:cNvPr id="3" name="Tijdelijke aanduiding voor verticale tekst 2">
+            <a:extLst>
+              <a:ext uri="{FF2B5EF4-FFF2-40B4-BE49-F238E27FC236}">
+                <a16:creationId xmlns:a16="http://schemas.microsoft.com/office/drawing/2014/main" id="{58836238-894F-88A7-72C5-6D5054BBB0FF}"/>
+              </a:ext>
+            </a:extLst>
+          </p:cNvPr>
           <p:cNvSpPr>
             <a:spLocks noGrp="1"/>
           </p:cNvSpPr>
@@ -1208,13 +1198,18 @@
               <a:rPr lang="nl-NL"/>
               <a:t>Vijfde niveau</a:t>
             </a:r>
-            <a:endParaRPr lang="en-US" dirty="0"/>
           </a:p>
         </p:txBody>
       </p:sp>
       <p:sp>
         <p:nvSpPr>
-          <p:cNvPr id="4" name="Date Placeholder 3"/>
+          <p:cNvPr id="4" name="Tijdelijke aanduiding voor datum 3">
+            <a:extLst>
+              <a:ext uri="{FF2B5EF4-FFF2-40B4-BE49-F238E27FC236}">
+                <a16:creationId xmlns:a16="http://schemas.microsoft.com/office/drawing/2014/main" id="{944B9714-431C-911E-8448-436EC46711EC}"/>
+              </a:ext>
+            </a:extLst>
+          </p:cNvPr>
           <p:cNvSpPr>
             <a:spLocks noGrp="1"/>
           </p:cNvSpPr>
@@ -1237,7 +1232,13 @@
       </p:sp>
       <p:sp>
         <p:nvSpPr>
-          <p:cNvPr id="5" name="Footer Placeholder 4"/>
+          <p:cNvPr id="5" name="Tijdelijke aanduiding voor voettekst 4">
+            <a:extLst>
+              <a:ext uri="{FF2B5EF4-FFF2-40B4-BE49-F238E27FC236}">
+                <a16:creationId xmlns:a16="http://schemas.microsoft.com/office/drawing/2014/main" id="{4A2E5533-198D-B45A-6401-5B48B1D45857}"/>
+              </a:ext>
+            </a:extLst>
+          </p:cNvPr>
           <p:cNvSpPr>
             <a:spLocks noGrp="1"/>
           </p:cNvSpPr>
@@ -1256,7 +1257,13 @@
       </p:sp>
       <p:sp>
         <p:nvSpPr>
-          <p:cNvPr id="6" name="Slide Number Placeholder 5"/>
+          <p:cNvPr id="6" name="Tijdelijke aanduiding voor dianummer 5">
+            <a:extLst>
+              <a:ext uri="{FF2B5EF4-FFF2-40B4-BE49-F238E27FC236}">
+                <a16:creationId xmlns:a16="http://schemas.microsoft.com/office/drawing/2014/main" id="{A505E049-CD13-7962-D170-165DB615ABED}"/>
+              </a:ext>
+            </a:extLst>
+          </p:cNvPr>
           <p:cNvSpPr>
             <a:spLocks noGrp="1"/>
           </p:cNvSpPr>
@@ -1277,41 +1284,10 @@
           </a:p>
         </p:txBody>
       </p:sp>
-      <p:cxnSp>
-        <p:nvCxnSpPr>
-          <p:cNvPr id="26" name="Straight Connector 25"/>
-          <p:cNvCxnSpPr/>
-          <p:nvPr/>
-        </p:nvCxnSpPr>
-        <p:spPr>
-          <a:xfrm>
-            <a:off x="1453896" y="1847088"/>
-            <a:ext cx="9607522" cy="0"/>
-          </a:xfrm>
-          <a:prstGeom prst="line">
-            <a:avLst/>
-          </a:prstGeom>
-          <a:ln w="31750"/>
-        </p:spPr>
-        <p:style>
-          <a:lnRef idx="3">
-            <a:schemeClr val="accent1"/>
-          </a:lnRef>
-          <a:fillRef idx="0">
-            <a:schemeClr val="accent1"/>
-          </a:fillRef>
-          <a:effectRef idx="2">
-            <a:schemeClr val="accent1"/>
-          </a:effectRef>
-          <a:fontRef idx="minor">
-            <a:schemeClr val="tx1"/>
-          </a:fontRef>
-        </p:style>
-      </p:cxnSp>
     </p:spTree>
     <p:extLst>
       <p:ext uri="{BB962C8B-B14F-4D97-AF65-F5344CB8AC3E}">
-        <p14:creationId xmlns:p14="http://schemas.microsoft.com/office/powerpoint/2010/main" val="1072875288"/>
+        <p14:creationId xmlns:p14="http://schemas.microsoft.com/office/powerpoint/2010/main" val="2523864547"/>
       </p:ext>
     </p:extLst>
   </p:cSld>
@@ -1340,7 +1316,13 @@
       </p:grpSpPr>
       <p:sp>
         <p:nvSpPr>
-          <p:cNvPr id="2" name="Vertical Title 1"/>
+          <p:cNvPr id="2" name="Verticale titel 1">
+            <a:extLst>
+              <a:ext uri="{FF2B5EF4-FFF2-40B4-BE49-F238E27FC236}">
+                <a16:creationId xmlns:a16="http://schemas.microsoft.com/office/drawing/2014/main" id="{C3C07F37-627E-BD1A-65F4-9BAA76E52571}"/>
+              </a:ext>
+            </a:extLst>
+          </p:cNvPr>
           <p:cNvSpPr>
             <a:spLocks noGrp="1"/>
           </p:cNvSpPr>
@@ -1350,29 +1332,30 @@
         </p:nvSpPr>
         <p:spPr>
           <a:xfrm>
-            <a:off x="9439111" y="798973"/>
-            <a:ext cx="1615742" cy="4659889"/>
+            <a:off x="8724900" y="365125"/>
+            <a:ext cx="2628900" cy="5811838"/>
           </a:xfrm>
         </p:spPr>
         <p:txBody>
           <a:bodyPr vert="eaVert"/>
-          <a:lstStyle>
-            <a:lvl1pPr algn="l">
-              <a:defRPr/>
-            </a:lvl1pPr>
-          </a:lstStyle>
+          <a:lstStyle/>
           <a:p>
             <a:r>
               <a:rPr lang="nl-NL"/>
               <a:t>Klik om stijl te bewerken</a:t>
             </a:r>
-            <a:endParaRPr lang="en-US" dirty="0"/>
           </a:p>
         </p:txBody>
       </p:sp>
       <p:sp>
         <p:nvSpPr>
-          <p:cNvPr id="3" name="Vertical Text Placeholder 2"/>
+          <p:cNvPr id="3" name="Tijdelijke aanduiding voor verticale tekst 2">
+            <a:extLst>
+              <a:ext uri="{FF2B5EF4-FFF2-40B4-BE49-F238E27FC236}">
+                <a16:creationId xmlns:a16="http://schemas.microsoft.com/office/drawing/2014/main" id="{C9330FCE-6DCE-693C-3B4B-5EA838811938}"/>
+              </a:ext>
+            </a:extLst>
+          </p:cNvPr>
           <p:cNvSpPr>
             <a:spLocks noGrp="1"/>
           </p:cNvSpPr>
@@ -1382,8 +1365,8 @@
         </p:nvSpPr>
         <p:spPr>
           <a:xfrm>
-            <a:off x="1444672" y="798973"/>
-            <a:ext cx="7828830" cy="4659889"/>
+            <a:off x="838200" y="365125"/>
+            <a:ext cx="7734300" cy="5811838"/>
           </a:xfrm>
         </p:spPr>
         <p:txBody>
@@ -1423,13 +1406,18 @@
               <a:rPr lang="nl-NL"/>
               <a:t>Vijfde niveau</a:t>
             </a:r>
-            <a:endParaRPr lang="en-US" dirty="0"/>
           </a:p>
         </p:txBody>
       </p:sp>
       <p:sp>
         <p:nvSpPr>
-          <p:cNvPr id="4" name="Date Placeholder 3"/>
+          <p:cNvPr id="4" name="Tijdelijke aanduiding voor datum 3">
+            <a:extLst>
+              <a:ext uri="{FF2B5EF4-FFF2-40B4-BE49-F238E27FC236}">
+                <a16:creationId xmlns:a16="http://schemas.microsoft.com/office/drawing/2014/main" id="{0C98BE33-5783-D0C6-4056-109BA1B32AFD}"/>
+              </a:ext>
+            </a:extLst>
+          </p:cNvPr>
           <p:cNvSpPr>
             <a:spLocks noGrp="1"/>
           </p:cNvSpPr>
@@ -1452,7 +1440,13 @@
       </p:sp>
       <p:sp>
         <p:nvSpPr>
-          <p:cNvPr id="5" name="Footer Placeholder 4"/>
+          <p:cNvPr id="5" name="Tijdelijke aanduiding voor voettekst 4">
+            <a:extLst>
+              <a:ext uri="{FF2B5EF4-FFF2-40B4-BE49-F238E27FC236}">
+                <a16:creationId xmlns:a16="http://schemas.microsoft.com/office/drawing/2014/main" id="{DCD0F246-0290-D5A4-2694-D751DE580BC9}"/>
+              </a:ext>
+            </a:extLst>
+          </p:cNvPr>
           <p:cNvSpPr>
             <a:spLocks noGrp="1"/>
           </p:cNvSpPr>
@@ -1471,7 +1465,13 @@
       </p:sp>
       <p:sp>
         <p:nvSpPr>
-          <p:cNvPr id="6" name="Slide Number Placeholder 5"/>
+          <p:cNvPr id="6" name="Tijdelijke aanduiding voor dianummer 5">
+            <a:extLst>
+              <a:ext uri="{FF2B5EF4-FFF2-40B4-BE49-F238E27FC236}">
+                <a16:creationId xmlns:a16="http://schemas.microsoft.com/office/drawing/2014/main" id="{20A9353C-10F9-A890-6606-B719CBAFB3F9}"/>
+              </a:ext>
+            </a:extLst>
+          </p:cNvPr>
           <p:cNvSpPr>
             <a:spLocks noGrp="1"/>
           </p:cNvSpPr>
@@ -1492,41 +1492,10 @@
           </a:p>
         </p:txBody>
       </p:sp>
-      <p:cxnSp>
-        <p:nvCxnSpPr>
-          <p:cNvPr id="15" name="Straight Connector 14"/>
-          <p:cNvCxnSpPr/>
-          <p:nvPr/>
-        </p:nvCxnSpPr>
-        <p:spPr>
-          <a:xfrm>
-            <a:off x="9439111" y="798973"/>
-            <a:ext cx="0" cy="4659889"/>
-          </a:xfrm>
-          <a:prstGeom prst="line">
-            <a:avLst/>
-          </a:prstGeom>
-          <a:ln w="31750"/>
-        </p:spPr>
-        <p:style>
-          <a:lnRef idx="3">
-            <a:schemeClr val="accent1"/>
-          </a:lnRef>
-          <a:fillRef idx="0">
-            <a:schemeClr val="accent1"/>
-          </a:fillRef>
-          <a:effectRef idx="2">
-            <a:schemeClr val="accent1"/>
-          </a:effectRef>
-          <a:fontRef idx="minor">
-            <a:schemeClr val="tx1"/>
-          </a:fontRef>
-        </p:style>
-      </p:cxnSp>
     </p:spTree>
     <p:extLst>
       <p:ext uri="{BB962C8B-B14F-4D97-AF65-F5344CB8AC3E}">
-        <p14:creationId xmlns:p14="http://schemas.microsoft.com/office/powerpoint/2010/main" val="4069436977"/>
+        <p14:creationId xmlns:p14="http://schemas.microsoft.com/office/powerpoint/2010/main" val="2552680894"/>
       </p:ext>
     </p:extLst>
   </p:cSld>
@@ -1555,7 +1524,13 @@
       </p:grpSpPr>
       <p:sp>
         <p:nvSpPr>
-          <p:cNvPr id="2" name="Title 1"/>
+          <p:cNvPr id="2" name="Titel 1">
+            <a:extLst>
+              <a:ext uri="{FF2B5EF4-FFF2-40B4-BE49-F238E27FC236}">
+                <a16:creationId xmlns:a16="http://schemas.microsoft.com/office/drawing/2014/main" id="{EBBB3411-303B-857A-60B7-579D26956D9D}"/>
+              </a:ext>
+            </a:extLst>
+          </p:cNvPr>
           <p:cNvSpPr>
             <a:spLocks noGrp="1"/>
           </p:cNvSpPr>
@@ -1572,13 +1547,18 @@
               <a:rPr lang="nl-NL"/>
               <a:t>Klik om stijl te bewerken</a:t>
             </a:r>
-            <a:endParaRPr lang="en-US" dirty="0"/>
           </a:p>
         </p:txBody>
       </p:sp>
       <p:sp>
         <p:nvSpPr>
-          <p:cNvPr id="3" name="Content Placeholder 2"/>
+          <p:cNvPr id="3" name="Tijdelijke aanduiding voor inhoud 2">
+            <a:extLst>
+              <a:ext uri="{FF2B5EF4-FFF2-40B4-BE49-F238E27FC236}">
+                <a16:creationId xmlns:a16="http://schemas.microsoft.com/office/drawing/2014/main" id="{D0D06EF7-ABE8-BE78-A108-7410FEB445D3}"/>
+              </a:ext>
+            </a:extLst>
+          </p:cNvPr>
           <p:cNvSpPr>
             <a:spLocks noGrp="1"/>
           </p:cNvSpPr>
@@ -1588,7 +1568,7 @@
         </p:nvSpPr>
         <p:spPr/>
         <p:txBody>
-          <a:bodyPr anchor="t"/>
+          <a:bodyPr/>
           <a:lstStyle/>
           <a:p>
             <a:pPr lvl="0"/>
@@ -1624,13 +1604,18 @@
               <a:rPr lang="nl-NL"/>
               <a:t>Vijfde niveau</a:t>
             </a:r>
-            <a:endParaRPr lang="en-US" dirty="0"/>
           </a:p>
         </p:txBody>
       </p:sp>
       <p:sp>
         <p:nvSpPr>
-          <p:cNvPr id="4" name="Date Placeholder 3"/>
+          <p:cNvPr id="4" name="Tijdelijke aanduiding voor datum 3">
+            <a:extLst>
+              <a:ext uri="{FF2B5EF4-FFF2-40B4-BE49-F238E27FC236}">
+                <a16:creationId xmlns:a16="http://schemas.microsoft.com/office/drawing/2014/main" id="{347F76F0-0AB7-3147-C5FD-F66B17D1B85D}"/>
+              </a:ext>
+            </a:extLst>
+          </p:cNvPr>
           <p:cNvSpPr>
             <a:spLocks noGrp="1"/>
           </p:cNvSpPr>
@@ -1653,7 +1638,13 @@
       </p:sp>
       <p:sp>
         <p:nvSpPr>
-          <p:cNvPr id="5" name="Footer Placeholder 4"/>
+          <p:cNvPr id="5" name="Tijdelijke aanduiding voor voettekst 4">
+            <a:extLst>
+              <a:ext uri="{FF2B5EF4-FFF2-40B4-BE49-F238E27FC236}">
+                <a16:creationId xmlns:a16="http://schemas.microsoft.com/office/drawing/2014/main" id="{1994D8F1-D750-5443-8B11-05471BCEDCB1}"/>
+              </a:ext>
+            </a:extLst>
+          </p:cNvPr>
           <p:cNvSpPr>
             <a:spLocks noGrp="1"/>
           </p:cNvSpPr>
@@ -1672,7 +1663,13 @@
       </p:sp>
       <p:sp>
         <p:nvSpPr>
-          <p:cNvPr id="6" name="Slide Number Placeholder 5"/>
+          <p:cNvPr id="6" name="Tijdelijke aanduiding voor dianummer 5">
+            <a:extLst>
+              <a:ext uri="{FF2B5EF4-FFF2-40B4-BE49-F238E27FC236}">
+                <a16:creationId xmlns:a16="http://schemas.microsoft.com/office/drawing/2014/main" id="{D9BA2CEF-06E9-ABDE-7769-9E53EA2B63D8}"/>
+              </a:ext>
+            </a:extLst>
+          </p:cNvPr>
           <p:cNvSpPr>
             <a:spLocks noGrp="1"/>
           </p:cNvSpPr>
@@ -1693,41 +1690,10 @@
           </a:p>
         </p:txBody>
       </p:sp>
-      <p:cxnSp>
-        <p:nvCxnSpPr>
-          <p:cNvPr id="33" name="Straight Connector 32"/>
-          <p:cNvCxnSpPr/>
-          <p:nvPr/>
-        </p:nvCxnSpPr>
-        <p:spPr>
-          <a:xfrm>
-            <a:off x="1453896" y="1847088"/>
-            <a:ext cx="9607522" cy="0"/>
-          </a:xfrm>
-          <a:prstGeom prst="line">
-            <a:avLst/>
-          </a:prstGeom>
-          <a:ln w="31750"/>
-        </p:spPr>
-        <p:style>
-          <a:lnRef idx="3">
-            <a:schemeClr val="accent1"/>
-          </a:lnRef>
-          <a:fillRef idx="0">
-            <a:schemeClr val="accent1"/>
-          </a:fillRef>
-          <a:effectRef idx="2">
-            <a:schemeClr val="accent1"/>
-          </a:effectRef>
-          <a:fontRef idx="minor">
-            <a:schemeClr val="tx1"/>
-          </a:fontRef>
-        </p:style>
-      </p:cxnSp>
     </p:spTree>
     <p:extLst>
       <p:ext uri="{BB962C8B-B14F-4D97-AF65-F5344CB8AC3E}">
-        <p14:creationId xmlns:p14="http://schemas.microsoft.com/office/powerpoint/2010/main" val="464113508"/>
+        <p14:creationId xmlns:p14="http://schemas.microsoft.com/office/powerpoint/2010/main" val="87873818"/>
       </p:ext>
     </p:extLst>
   </p:cSld>
@@ -1756,7 +1722,13 @@
       </p:grpSpPr>
       <p:sp>
         <p:nvSpPr>
-          <p:cNvPr id="2" name="Title 1"/>
+          <p:cNvPr id="2" name="Titel 1">
+            <a:extLst>
+              <a:ext uri="{FF2B5EF4-FFF2-40B4-BE49-F238E27FC236}">
+                <a16:creationId xmlns:a16="http://schemas.microsoft.com/office/drawing/2014/main" id="{8285A540-310D-3133-65DB-5AE8E399485A}"/>
+              </a:ext>
+            </a:extLst>
+          </p:cNvPr>
           <p:cNvSpPr>
             <a:spLocks noGrp="1"/>
           </p:cNvSpPr>
@@ -1766,17 +1738,15 @@
         </p:nvSpPr>
         <p:spPr>
           <a:xfrm>
-            <a:off x="1454239" y="1756130"/>
-            <a:ext cx="8643154" cy="1887950"/>
+            <a:off x="831850" y="1709738"/>
+            <a:ext cx="10515600" cy="2852737"/>
           </a:xfrm>
         </p:spPr>
         <p:txBody>
-          <a:bodyPr anchor="b">
-            <a:normAutofit/>
-          </a:bodyPr>
+          <a:bodyPr anchor="b"/>
           <a:lstStyle>
-            <a:lvl1pPr algn="l">
-              <a:defRPr sz="3600"/>
+            <a:lvl1pPr>
+              <a:defRPr sz="6000"/>
             </a:lvl1pPr>
           </a:lstStyle>
           <a:p>
@@ -1784,13 +1754,18 @@
               <a:rPr lang="nl-NL"/>
               <a:t>Klik om stijl te bewerken</a:t>
             </a:r>
-            <a:endParaRPr lang="en-US" dirty="0"/>
           </a:p>
         </p:txBody>
       </p:sp>
       <p:sp>
         <p:nvSpPr>
-          <p:cNvPr id="3" name="Text Placeholder 2"/>
+          <p:cNvPr id="3" name="Tijdelijke aanduiding voor tekst 2">
+            <a:extLst>
+              <a:ext uri="{FF2B5EF4-FFF2-40B4-BE49-F238E27FC236}">
+                <a16:creationId xmlns:a16="http://schemas.microsoft.com/office/drawing/2014/main" id="{3A2508EE-589F-DF1C-56FB-7FC7941B3612}"/>
+              </a:ext>
+            </a:extLst>
+          </p:cNvPr>
           <p:cNvSpPr>
             <a:spLocks noGrp="1"/>
           </p:cNvSpPr>
@@ -1800,29 +1775,29 @@
         </p:nvSpPr>
         <p:spPr>
           <a:xfrm>
-            <a:off x="1454239" y="3806195"/>
-            <a:ext cx="8630446" cy="1012929"/>
+            <a:off x="831850" y="4589463"/>
+            <a:ext cx="10515600" cy="1500187"/>
           </a:xfrm>
         </p:spPr>
         <p:txBody>
-          <a:bodyPr tIns="91440">
-            <a:normAutofit/>
-          </a:bodyPr>
+          <a:bodyPr/>
           <a:lstStyle>
-            <a:lvl1pPr marL="0" indent="0" algn="l">
+            <a:lvl1pPr marL="0" indent="0">
               <a:buNone/>
-              <a:defRPr sz="1800">
+              <a:defRPr sz="2400">
                 <a:solidFill>
-                  <a:schemeClr val="tx1"/>
+                  <a:schemeClr val="tx1">
+                    <a:tint val="82000"/>
+                  </a:schemeClr>
                 </a:solidFill>
               </a:defRPr>
             </a:lvl1pPr>
             <a:lvl2pPr marL="457200" indent="0">
               <a:buNone/>
-              <a:defRPr sz="1800">
+              <a:defRPr sz="2000">
                 <a:solidFill>
                   <a:schemeClr val="tx1">
-                    <a:tint val="75000"/>
+                    <a:tint val="82000"/>
                   </a:schemeClr>
                 </a:solidFill>
               </a:defRPr>
@@ -1832,7 +1807,7 @@
               <a:defRPr sz="1800">
                 <a:solidFill>
                   <a:schemeClr val="tx1">
-                    <a:tint val="75000"/>
+                    <a:tint val="82000"/>
                   </a:schemeClr>
                 </a:solidFill>
               </a:defRPr>
@@ -1842,7 +1817,7 @@
               <a:defRPr sz="1600">
                 <a:solidFill>
                   <a:schemeClr val="tx1">
-                    <a:tint val="75000"/>
+                    <a:tint val="82000"/>
                   </a:schemeClr>
                 </a:solidFill>
               </a:defRPr>
@@ -1852,7 +1827,7 @@
               <a:defRPr sz="1600">
                 <a:solidFill>
                   <a:schemeClr val="tx1">
-                    <a:tint val="75000"/>
+                    <a:tint val="82000"/>
                   </a:schemeClr>
                 </a:solidFill>
               </a:defRPr>
@@ -1862,7 +1837,7 @@
               <a:defRPr sz="1600">
                 <a:solidFill>
                   <a:schemeClr val="tx1">
-                    <a:tint val="75000"/>
+                    <a:tint val="82000"/>
                   </a:schemeClr>
                 </a:solidFill>
               </a:defRPr>
@@ -1872,7 +1847,7 @@
               <a:defRPr sz="1600">
                 <a:solidFill>
                   <a:schemeClr val="tx1">
-                    <a:tint val="75000"/>
+                    <a:tint val="82000"/>
                   </a:schemeClr>
                 </a:solidFill>
               </a:defRPr>
@@ -1882,7 +1857,7 @@
               <a:defRPr sz="1600">
                 <a:solidFill>
                   <a:schemeClr val="tx1">
-                    <a:tint val="75000"/>
+                    <a:tint val="82000"/>
                   </a:schemeClr>
                 </a:solidFill>
               </a:defRPr>
@@ -1892,7 +1867,7 @@
               <a:defRPr sz="1600">
                 <a:solidFill>
                   <a:schemeClr val="tx1">
-                    <a:tint val="75000"/>
+                    <a:tint val="82000"/>
                   </a:schemeClr>
                 </a:solidFill>
               </a:defRPr>
@@ -1909,7 +1884,13 @@
       </p:sp>
       <p:sp>
         <p:nvSpPr>
-          <p:cNvPr id="4" name="Date Placeholder 3"/>
+          <p:cNvPr id="4" name="Tijdelijke aanduiding voor datum 3">
+            <a:extLst>
+              <a:ext uri="{FF2B5EF4-FFF2-40B4-BE49-F238E27FC236}">
+                <a16:creationId xmlns:a16="http://schemas.microsoft.com/office/drawing/2014/main" id="{7A5526A6-6FD6-19CD-CEED-03CC3ED71BFA}"/>
+              </a:ext>
+            </a:extLst>
+          </p:cNvPr>
           <p:cNvSpPr>
             <a:spLocks noGrp="1"/>
           </p:cNvSpPr>
@@ -1932,7 +1913,13 @@
       </p:sp>
       <p:sp>
         <p:nvSpPr>
-          <p:cNvPr id="5" name="Footer Placeholder 4"/>
+          <p:cNvPr id="5" name="Tijdelijke aanduiding voor voettekst 4">
+            <a:extLst>
+              <a:ext uri="{FF2B5EF4-FFF2-40B4-BE49-F238E27FC236}">
+                <a16:creationId xmlns:a16="http://schemas.microsoft.com/office/drawing/2014/main" id="{C3742161-A994-7AA5-0479-CEED51125931}"/>
+              </a:ext>
+            </a:extLst>
+          </p:cNvPr>
           <p:cNvSpPr>
             <a:spLocks noGrp="1"/>
           </p:cNvSpPr>
@@ -1951,7 +1938,13 @@
       </p:sp>
       <p:sp>
         <p:nvSpPr>
-          <p:cNvPr id="6" name="Slide Number Placeholder 5"/>
+          <p:cNvPr id="6" name="Tijdelijke aanduiding voor dianummer 5">
+            <a:extLst>
+              <a:ext uri="{FF2B5EF4-FFF2-40B4-BE49-F238E27FC236}">
+                <a16:creationId xmlns:a16="http://schemas.microsoft.com/office/drawing/2014/main" id="{FE87C5EA-887B-B884-14D1-E30BDBA547E0}"/>
+              </a:ext>
+            </a:extLst>
+          </p:cNvPr>
           <p:cNvSpPr>
             <a:spLocks noGrp="1"/>
           </p:cNvSpPr>
@@ -1972,41 +1965,10 @@
           </a:p>
         </p:txBody>
       </p:sp>
-      <p:cxnSp>
-        <p:nvCxnSpPr>
-          <p:cNvPr id="15" name="Straight Connector 14"/>
-          <p:cNvCxnSpPr/>
-          <p:nvPr/>
-        </p:nvCxnSpPr>
-        <p:spPr>
-          <a:xfrm>
-            <a:off x="1454239" y="3804985"/>
-            <a:ext cx="8630446" cy="0"/>
-          </a:xfrm>
-          <a:prstGeom prst="line">
-            <a:avLst/>
-          </a:prstGeom>
-          <a:ln w="31750"/>
-        </p:spPr>
-        <p:style>
-          <a:lnRef idx="3">
-            <a:schemeClr val="accent1"/>
-          </a:lnRef>
-          <a:fillRef idx="0">
-            <a:schemeClr val="accent1"/>
-          </a:fillRef>
-          <a:effectRef idx="2">
-            <a:schemeClr val="accent1"/>
-          </a:effectRef>
-          <a:fontRef idx="minor">
-            <a:schemeClr val="tx1"/>
-          </a:fontRef>
-        </p:style>
-      </p:cxnSp>
     </p:spTree>
     <p:extLst>
       <p:ext uri="{BB962C8B-B14F-4D97-AF65-F5344CB8AC3E}">
-        <p14:creationId xmlns:p14="http://schemas.microsoft.com/office/powerpoint/2010/main" val="675790483"/>
+        <p14:creationId xmlns:p14="http://schemas.microsoft.com/office/powerpoint/2010/main" val="2020880561"/>
       </p:ext>
     </p:extLst>
   </p:cSld>
@@ -2035,7 +1997,13 @@
       </p:grpSpPr>
       <p:sp>
         <p:nvSpPr>
-          <p:cNvPr id="2" name="Title 1"/>
+          <p:cNvPr id="2" name="Titel 1">
+            <a:extLst>
+              <a:ext uri="{FF2B5EF4-FFF2-40B4-BE49-F238E27FC236}">
+                <a16:creationId xmlns:a16="http://schemas.microsoft.com/office/drawing/2014/main" id="{C8E8A8A1-B9E5-7A7A-489C-4BD984F3CE09}"/>
+              </a:ext>
+            </a:extLst>
+          </p:cNvPr>
           <p:cNvSpPr>
             <a:spLocks noGrp="1"/>
           </p:cNvSpPr>
@@ -2043,12 +2011,7 @@
             <p:ph type="title"/>
           </p:nvPr>
         </p:nvSpPr>
-        <p:spPr>
-          <a:xfrm>
-            <a:off x="1449217" y="804889"/>
-            <a:ext cx="9605635" cy="1059305"/>
-          </a:xfrm>
-        </p:spPr>
+        <p:spPr/>
         <p:txBody>
           <a:bodyPr/>
           <a:lstStyle/>
@@ -2057,13 +2020,18 @@
               <a:rPr lang="nl-NL"/>
               <a:t>Klik om stijl te bewerken</a:t>
             </a:r>
-            <a:endParaRPr lang="en-US" dirty="0"/>
           </a:p>
         </p:txBody>
       </p:sp>
       <p:sp>
         <p:nvSpPr>
-          <p:cNvPr id="3" name="Content Placeholder 2"/>
+          <p:cNvPr id="3" name="Tijdelijke aanduiding voor inhoud 2">
+            <a:extLst>
+              <a:ext uri="{FF2B5EF4-FFF2-40B4-BE49-F238E27FC236}">
+                <a16:creationId xmlns:a16="http://schemas.microsoft.com/office/drawing/2014/main" id="{52B59368-2915-8A2A-35E6-979F09C8F97C}"/>
+              </a:ext>
+            </a:extLst>
+          </p:cNvPr>
           <p:cNvSpPr>
             <a:spLocks noGrp="1"/>
           </p:cNvSpPr>
@@ -2073,8 +2041,8 @@
         </p:nvSpPr>
         <p:spPr>
           <a:xfrm>
-            <a:off x="1447331" y="2010878"/>
-            <a:ext cx="4645152" cy="3448595"/>
+            <a:off x="838200" y="1825625"/>
+            <a:ext cx="5181600" cy="4351338"/>
           </a:xfrm>
         </p:spPr>
         <p:txBody>
@@ -2114,13 +2082,18 @@
               <a:rPr lang="nl-NL"/>
               <a:t>Vijfde niveau</a:t>
             </a:r>
-            <a:endParaRPr lang="en-US" dirty="0"/>
           </a:p>
         </p:txBody>
       </p:sp>
       <p:sp>
         <p:nvSpPr>
-          <p:cNvPr id="4" name="Content Placeholder 3"/>
+          <p:cNvPr id="4" name="Tijdelijke aanduiding voor inhoud 3">
+            <a:extLst>
+              <a:ext uri="{FF2B5EF4-FFF2-40B4-BE49-F238E27FC236}">
+                <a16:creationId xmlns:a16="http://schemas.microsoft.com/office/drawing/2014/main" id="{B1326441-23F0-6FF5-C5A8-AEEFD400E4B8}"/>
+              </a:ext>
+            </a:extLst>
+          </p:cNvPr>
           <p:cNvSpPr>
             <a:spLocks noGrp="1"/>
           </p:cNvSpPr>
@@ -2130,8 +2103,8 @@
         </p:nvSpPr>
         <p:spPr>
           <a:xfrm>
-            <a:off x="6413771" y="2017343"/>
-            <a:ext cx="4645152" cy="3441520"/>
+            <a:off x="6172200" y="1825625"/>
+            <a:ext cx="5181600" cy="4351338"/>
           </a:xfrm>
         </p:spPr>
         <p:txBody>
@@ -2171,13 +2144,18 @@
               <a:rPr lang="nl-NL"/>
               <a:t>Vijfde niveau</a:t>
             </a:r>
-            <a:endParaRPr lang="en-US" dirty="0"/>
           </a:p>
         </p:txBody>
       </p:sp>
       <p:sp>
         <p:nvSpPr>
-          <p:cNvPr id="5" name="Date Placeholder 4"/>
+          <p:cNvPr id="5" name="Tijdelijke aanduiding voor datum 4">
+            <a:extLst>
+              <a:ext uri="{FF2B5EF4-FFF2-40B4-BE49-F238E27FC236}">
+                <a16:creationId xmlns:a16="http://schemas.microsoft.com/office/drawing/2014/main" id="{68A8EA60-407D-4D0D-EA98-9BB7A8BB6942}"/>
+              </a:ext>
+            </a:extLst>
+          </p:cNvPr>
           <p:cNvSpPr>
             <a:spLocks noGrp="1"/>
           </p:cNvSpPr>
@@ -2200,7 +2178,13 @@
       </p:sp>
       <p:sp>
         <p:nvSpPr>
-          <p:cNvPr id="6" name="Footer Placeholder 5"/>
+          <p:cNvPr id="6" name="Tijdelijke aanduiding voor voettekst 5">
+            <a:extLst>
+              <a:ext uri="{FF2B5EF4-FFF2-40B4-BE49-F238E27FC236}">
+                <a16:creationId xmlns:a16="http://schemas.microsoft.com/office/drawing/2014/main" id="{A8C11316-FAEE-1C73-5209-E94FBE6E2593}"/>
+              </a:ext>
+            </a:extLst>
+          </p:cNvPr>
           <p:cNvSpPr>
             <a:spLocks noGrp="1"/>
           </p:cNvSpPr>
@@ -2219,7 +2203,13 @@
       </p:sp>
       <p:sp>
         <p:nvSpPr>
-          <p:cNvPr id="7" name="Slide Number Placeholder 6"/>
+          <p:cNvPr id="7" name="Tijdelijke aanduiding voor dianummer 6">
+            <a:extLst>
+              <a:ext uri="{FF2B5EF4-FFF2-40B4-BE49-F238E27FC236}">
+                <a16:creationId xmlns:a16="http://schemas.microsoft.com/office/drawing/2014/main" id="{10A1954A-1396-F350-A1CF-B9C340B07945}"/>
+              </a:ext>
+            </a:extLst>
+          </p:cNvPr>
           <p:cNvSpPr>
             <a:spLocks noGrp="1"/>
           </p:cNvSpPr>
@@ -2240,41 +2230,10 @@
           </a:p>
         </p:txBody>
       </p:sp>
-      <p:cxnSp>
-        <p:nvCxnSpPr>
-          <p:cNvPr id="35" name="Straight Connector 34"/>
-          <p:cNvCxnSpPr/>
-          <p:nvPr/>
-        </p:nvCxnSpPr>
-        <p:spPr>
-          <a:xfrm>
-            <a:off x="1453896" y="1847088"/>
-            <a:ext cx="9607522" cy="0"/>
-          </a:xfrm>
-          <a:prstGeom prst="line">
-            <a:avLst/>
-          </a:prstGeom>
-          <a:ln w="31750"/>
-        </p:spPr>
-        <p:style>
-          <a:lnRef idx="3">
-            <a:schemeClr val="accent1"/>
-          </a:lnRef>
-          <a:fillRef idx="0">
-            <a:schemeClr val="accent1"/>
-          </a:fillRef>
-          <a:effectRef idx="2">
-            <a:schemeClr val="accent1"/>
-          </a:effectRef>
-          <a:fontRef idx="minor">
-            <a:schemeClr val="tx1"/>
-          </a:fontRef>
-        </p:style>
-      </p:cxnSp>
     </p:spTree>
     <p:extLst>
       <p:ext uri="{BB962C8B-B14F-4D97-AF65-F5344CB8AC3E}">
-        <p14:creationId xmlns:p14="http://schemas.microsoft.com/office/powerpoint/2010/main" val="2520764260"/>
+        <p14:creationId xmlns:p14="http://schemas.microsoft.com/office/powerpoint/2010/main" val="1983145244"/>
       </p:ext>
     </p:extLst>
   </p:cSld>
@@ -2303,7 +2262,13 @@
       </p:grpSpPr>
       <p:sp>
         <p:nvSpPr>
-          <p:cNvPr id="2" name="Title 1"/>
+          <p:cNvPr id="2" name="Titel 1">
+            <a:extLst>
+              <a:ext uri="{FF2B5EF4-FFF2-40B4-BE49-F238E27FC236}">
+                <a16:creationId xmlns:a16="http://schemas.microsoft.com/office/drawing/2014/main" id="{D9836149-376F-C003-BAD1-BEA5BCB9675D}"/>
+              </a:ext>
+            </a:extLst>
+          </p:cNvPr>
           <p:cNvSpPr>
             <a:spLocks noGrp="1"/>
           </p:cNvSpPr>
@@ -2313,8 +2278,8 @@
         </p:nvSpPr>
         <p:spPr>
           <a:xfrm>
-            <a:off x="1447191" y="804163"/>
-            <a:ext cx="9607661" cy="1056319"/>
+            <a:off x="839788" y="365125"/>
+            <a:ext cx="10515600" cy="1325563"/>
           </a:xfrm>
         </p:spPr>
         <p:txBody>
@@ -2325,13 +2290,18 @@
               <a:rPr lang="nl-NL"/>
               <a:t>Klik om stijl te bewerken</a:t>
             </a:r>
-            <a:endParaRPr lang="en-US" dirty="0"/>
           </a:p>
         </p:txBody>
       </p:sp>
       <p:sp>
         <p:nvSpPr>
-          <p:cNvPr id="3" name="Text Placeholder 2"/>
+          <p:cNvPr id="3" name="Tijdelijke aanduiding voor tekst 2">
+            <a:extLst>
+              <a:ext uri="{FF2B5EF4-FFF2-40B4-BE49-F238E27FC236}">
+                <a16:creationId xmlns:a16="http://schemas.microsoft.com/office/drawing/2014/main" id="{A17C0ACE-59B1-5F97-6B87-698E1EAED366}"/>
+              </a:ext>
+            </a:extLst>
+          </p:cNvPr>
           <p:cNvSpPr>
             <a:spLocks noGrp="1"/>
           </p:cNvSpPr>
@@ -2341,25 +2311,16 @@
         </p:nvSpPr>
         <p:spPr>
           <a:xfrm>
-            <a:off x="1447191" y="2019549"/>
-            <a:ext cx="4645152" cy="801943"/>
+            <a:off x="839788" y="1681163"/>
+            <a:ext cx="5157787" cy="823912"/>
           </a:xfrm>
         </p:spPr>
         <p:txBody>
-          <a:bodyPr anchor="b">
-            <a:normAutofit/>
-          </a:bodyPr>
+          <a:bodyPr anchor="b"/>
           <a:lstStyle>
             <a:lvl1pPr marL="0" indent="0">
-              <a:lnSpc>
-                <a:spcPct val="100000"/>
-              </a:lnSpc>
               <a:buNone/>
-              <a:defRPr sz="2200" b="0" cap="all" baseline="0">
-                <a:solidFill>
-                  <a:schemeClr val="accent1"/>
-                </a:solidFill>
-              </a:defRPr>
+              <a:defRPr sz="2400" b="1"/>
             </a:lvl1pPr>
             <a:lvl2pPr marL="457200" indent="0">
               <a:buNone/>
@@ -2405,7 +2366,13 @@
       </p:sp>
       <p:sp>
         <p:nvSpPr>
-          <p:cNvPr id="4" name="Content Placeholder 3"/>
+          <p:cNvPr id="4" name="Tijdelijke aanduiding voor inhoud 3">
+            <a:extLst>
+              <a:ext uri="{FF2B5EF4-FFF2-40B4-BE49-F238E27FC236}">
+                <a16:creationId xmlns:a16="http://schemas.microsoft.com/office/drawing/2014/main" id="{9CBA4D79-A8C1-BAB3-AC2E-4A2043FF278E}"/>
+              </a:ext>
+            </a:extLst>
+          </p:cNvPr>
           <p:cNvSpPr>
             <a:spLocks noGrp="1"/>
           </p:cNvSpPr>
@@ -2415,8 +2382,8 @@
         </p:nvSpPr>
         <p:spPr>
           <a:xfrm>
-            <a:off x="1447191" y="2824269"/>
-            <a:ext cx="4645152" cy="2644457"/>
+            <a:off x="839788" y="2505075"/>
+            <a:ext cx="5157787" cy="3684588"/>
           </a:xfrm>
         </p:spPr>
         <p:txBody>
@@ -2456,13 +2423,18 @@
               <a:rPr lang="nl-NL"/>
               <a:t>Vijfde niveau</a:t>
             </a:r>
-            <a:endParaRPr lang="en-US" dirty="0"/>
           </a:p>
         </p:txBody>
       </p:sp>
       <p:sp>
         <p:nvSpPr>
-          <p:cNvPr id="5" name="Text Placeholder 4"/>
+          <p:cNvPr id="5" name="Tijdelijke aanduiding voor tekst 4">
+            <a:extLst>
+              <a:ext uri="{FF2B5EF4-FFF2-40B4-BE49-F238E27FC236}">
+                <a16:creationId xmlns:a16="http://schemas.microsoft.com/office/drawing/2014/main" id="{E4DE4B82-2F9B-165D-C518-30FEA8E8A06C}"/>
+              </a:ext>
+            </a:extLst>
+          </p:cNvPr>
           <p:cNvSpPr>
             <a:spLocks noGrp="1"/>
           </p:cNvSpPr>
@@ -2472,25 +2444,16 @@
         </p:nvSpPr>
         <p:spPr>
           <a:xfrm>
-            <a:off x="6412362" y="2023003"/>
-            <a:ext cx="4645152" cy="802237"/>
+            <a:off x="6172200" y="1681163"/>
+            <a:ext cx="5183188" cy="823912"/>
           </a:xfrm>
         </p:spPr>
         <p:txBody>
-          <a:bodyPr anchor="b">
-            <a:normAutofit/>
-          </a:bodyPr>
+          <a:bodyPr anchor="b"/>
           <a:lstStyle>
             <a:lvl1pPr marL="0" indent="0">
-              <a:lnSpc>
-                <a:spcPct val="100000"/>
-              </a:lnSpc>
               <a:buNone/>
-              <a:defRPr sz="2200" b="0" cap="all" baseline="0">
-                <a:solidFill>
-                  <a:schemeClr val="accent1"/>
-                </a:solidFill>
-              </a:defRPr>
+              <a:defRPr sz="2400" b="1"/>
             </a:lvl1pPr>
             <a:lvl2pPr marL="457200" indent="0">
               <a:buNone/>
@@ -2536,7 +2499,13 @@
       </p:sp>
       <p:sp>
         <p:nvSpPr>
-          <p:cNvPr id="6" name="Content Placeholder 5"/>
+          <p:cNvPr id="6" name="Tijdelijke aanduiding voor inhoud 5">
+            <a:extLst>
+              <a:ext uri="{FF2B5EF4-FFF2-40B4-BE49-F238E27FC236}">
+                <a16:creationId xmlns:a16="http://schemas.microsoft.com/office/drawing/2014/main" id="{CA888D12-8AD9-8063-0AD8-D20BB95E877A}"/>
+              </a:ext>
+            </a:extLst>
+          </p:cNvPr>
           <p:cNvSpPr>
             <a:spLocks noGrp="1"/>
           </p:cNvSpPr>
@@ -2546,8 +2515,8 @@
         </p:nvSpPr>
         <p:spPr>
           <a:xfrm>
-            <a:off x="6412362" y="2821491"/>
-            <a:ext cx="4645152" cy="2637371"/>
+            <a:off x="6172200" y="2505075"/>
+            <a:ext cx="5183188" cy="3684588"/>
           </a:xfrm>
         </p:spPr>
         <p:txBody>
@@ -2587,13 +2556,18 @@
               <a:rPr lang="nl-NL"/>
               <a:t>Vijfde niveau</a:t>
             </a:r>
-            <a:endParaRPr lang="en-US" dirty="0"/>
           </a:p>
         </p:txBody>
       </p:sp>
       <p:sp>
         <p:nvSpPr>
-          <p:cNvPr id="7" name="Date Placeholder 6"/>
+          <p:cNvPr id="7" name="Tijdelijke aanduiding voor datum 6">
+            <a:extLst>
+              <a:ext uri="{FF2B5EF4-FFF2-40B4-BE49-F238E27FC236}">
+                <a16:creationId xmlns:a16="http://schemas.microsoft.com/office/drawing/2014/main" id="{01AF2DBA-4A6F-AC81-CC50-D6400C2064F7}"/>
+              </a:ext>
+            </a:extLst>
+          </p:cNvPr>
           <p:cNvSpPr>
             <a:spLocks noGrp="1"/>
           </p:cNvSpPr>
@@ -2616,7 +2590,13 @@
       </p:sp>
       <p:sp>
         <p:nvSpPr>
-          <p:cNvPr id="8" name="Footer Placeholder 7"/>
+          <p:cNvPr id="8" name="Tijdelijke aanduiding voor voettekst 7">
+            <a:extLst>
+              <a:ext uri="{FF2B5EF4-FFF2-40B4-BE49-F238E27FC236}">
+                <a16:creationId xmlns:a16="http://schemas.microsoft.com/office/drawing/2014/main" id="{79D465DC-7221-6B9B-6C25-73368C1B5B8E}"/>
+              </a:ext>
+            </a:extLst>
+          </p:cNvPr>
           <p:cNvSpPr>
             <a:spLocks noGrp="1"/>
           </p:cNvSpPr>
@@ -2635,7 +2615,13 @@
       </p:sp>
       <p:sp>
         <p:nvSpPr>
-          <p:cNvPr id="9" name="Slide Number Placeholder 8"/>
+          <p:cNvPr id="9" name="Tijdelijke aanduiding voor dianummer 8">
+            <a:extLst>
+              <a:ext uri="{FF2B5EF4-FFF2-40B4-BE49-F238E27FC236}">
+                <a16:creationId xmlns:a16="http://schemas.microsoft.com/office/drawing/2014/main" id="{71E45018-F33B-75C5-DB2E-F650BFC47B9D}"/>
+              </a:ext>
+            </a:extLst>
+          </p:cNvPr>
           <p:cNvSpPr>
             <a:spLocks noGrp="1"/>
           </p:cNvSpPr>
@@ -2656,41 +2642,10 @@
           </a:p>
         </p:txBody>
       </p:sp>
-      <p:cxnSp>
-        <p:nvCxnSpPr>
-          <p:cNvPr id="29" name="Straight Connector 28"/>
-          <p:cNvCxnSpPr/>
-          <p:nvPr/>
-        </p:nvCxnSpPr>
-        <p:spPr>
-          <a:xfrm>
-            <a:off x="1453896" y="1847088"/>
-            <a:ext cx="9607522" cy="0"/>
-          </a:xfrm>
-          <a:prstGeom prst="line">
-            <a:avLst/>
-          </a:prstGeom>
-          <a:ln w="31750"/>
-        </p:spPr>
-        <p:style>
-          <a:lnRef idx="3">
-            <a:schemeClr val="accent1"/>
-          </a:lnRef>
-          <a:fillRef idx="0">
-            <a:schemeClr val="accent1"/>
-          </a:fillRef>
-          <a:effectRef idx="2">
-            <a:schemeClr val="accent1"/>
-          </a:effectRef>
-          <a:fontRef idx="minor">
-            <a:schemeClr val="tx1"/>
-          </a:fontRef>
-        </p:style>
-      </p:cxnSp>
     </p:spTree>
     <p:extLst>
       <p:ext uri="{BB962C8B-B14F-4D97-AF65-F5344CB8AC3E}">
-        <p14:creationId xmlns:p14="http://schemas.microsoft.com/office/powerpoint/2010/main" val="1405929329"/>
+        <p14:creationId xmlns:p14="http://schemas.microsoft.com/office/powerpoint/2010/main" val="3365929240"/>
       </p:ext>
     </p:extLst>
   </p:cSld>
@@ -2719,7 +2674,13 @@
       </p:grpSpPr>
       <p:sp>
         <p:nvSpPr>
-          <p:cNvPr id="2" name="Title 1"/>
+          <p:cNvPr id="2" name="Titel 1">
+            <a:extLst>
+              <a:ext uri="{FF2B5EF4-FFF2-40B4-BE49-F238E27FC236}">
+                <a16:creationId xmlns:a16="http://schemas.microsoft.com/office/drawing/2014/main" id="{AAD7524A-DA2A-994D-031B-707032B2D087}"/>
+              </a:ext>
+            </a:extLst>
+          </p:cNvPr>
           <p:cNvSpPr>
             <a:spLocks noGrp="1"/>
           </p:cNvSpPr>
@@ -2736,13 +2697,18 @@
               <a:rPr lang="nl-NL"/>
               <a:t>Klik om stijl te bewerken</a:t>
             </a:r>
-            <a:endParaRPr lang="en-US" dirty="0"/>
           </a:p>
         </p:txBody>
       </p:sp>
       <p:sp>
         <p:nvSpPr>
-          <p:cNvPr id="3" name="Date Placeholder 2"/>
+          <p:cNvPr id="3" name="Tijdelijke aanduiding voor datum 2">
+            <a:extLst>
+              <a:ext uri="{FF2B5EF4-FFF2-40B4-BE49-F238E27FC236}">
+                <a16:creationId xmlns:a16="http://schemas.microsoft.com/office/drawing/2014/main" id="{E345D2B4-F27B-04E6-5E17-7FDAEF11ED33}"/>
+              </a:ext>
+            </a:extLst>
+          </p:cNvPr>
           <p:cNvSpPr>
             <a:spLocks noGrp="1"/>
           </p:cNvSpPr>
@@ -2765,7 +2731,13 @@
       </p:sp>
       <p:sp>
         <p:nvSpPr>
-          <p:cNvPr id="4" name="Footer Placeholder 3"/>
+          <p:cNvPr id="4" name="Tijdelijke aanduiding voor voettekst 3">
+            <a:extLst>
+              <a:ext uri="{FF2B5EF4-FFF2-40B4-BE49-F238E27FC236}">
+                <a16:creationId xmlns:a16="http://schemas.microsoft.com/office/drawing/2014/main" id="{FBB11043-2CDA-5E31-48BB-B47CEB6960EB}"/>
+              </a:ext>
+            </a:extLst>
+          </p:cNvPr>
           <p:cNvSpPr>
             <a:spLocks noGrp="1"/>
           </p:cNvSpPr>
@@ -2784,7 +2756,13 @@
       </p:sp>
       <p:sp>
         <p:nvSpPr>
-          <p:cNvPr id="5" name="Slide Number Placeholder 4"/>
+          <p:cNvPr id="5" name="Tijdelijke aanduiding voor dianummer 4">
+            <a:extLst>
+              <a:ext uri="{FF2B5EF4-FFF2-40B4-BE49-F238E27FC236}">
+                <a16:creationId xmlns:a16="http://schemas.microsoft.com/office/drawing/2014/main" id="{F8558CC0-4D55-384D-4A9F-CB3BBB60BECB}"/>
+              </a:ext>
+            </a:extLst>
+          </p:cNvPr>
           <p:cNvSpPr>
             <a:spLocks noGrp="1"/>
           </p:cNvSpPr>
@@ -2805,41 +2783,10 @@
           </a:p>
         </p:txBody>
       </p:sp>
-      <p:cxnSp>
-        <p:nvCxnSpPr>
-          <p:cNvPr id="25" name="Straight Connector 24"/>
-          <p:cNvCxnSpPr/>
-          <p:nvPr/>
-        </p:nvCxnSpPr>
-        <p:spPr>
-          <a:xfrm>
-            <a:off x="1453896" y="1847088"/>
-            <a:ext cx="9607522" cy="0"/>
-          </a:xfrm>
-          <a:prstGeom prst="line">
-            <a:avLst/>
-          </a:prstGeom>
-          <a:ln w="31750"/>
-        </p:spPr>
-        <p:style>
-          <a:lnRef idx="3">
-            <a:schemeClr val="accent1"/>
-          </a:lnRef>
-          <a:fillRef idx="0">
-            <a:schemeClr val="accent1"/>
-          </a:fillRef>
-          <a:effectRef idx="2">
-            <a:schemeClr val="accent1"/>
-          </a:effectRef>
-          <a:fontRef idx="minor">
-            <a:schemeClr val="tx1"/>
-          </a:fontRef>
-        </p:style>
-      </p:cxnSp>
     </p:spTree>
     <p:extLst>
       <p:ext uri="{BB962C8B-B14F-4D97-AF65-F5344CB8AC3E}">
-        <p14:creationId xmlns:p14="http://schemas.microsoft.com/office/powerpoint/2010/main" val="1276192314"/>
+        <p14:creationId xmlns:p14="http://schemas.microsoft.com/office/powerpoint/2010/main" val="1494246734"/>
       </p:ext>
     </p:extLst>
   </p:cSld>
@@ -2868,7 +2815,13 @@
       </p:grpSpPr>
       <p:sp>
         <p:nvSpPr>
-          <p:cNvPr id="2" name="Date Placeholder 1"/>
+          <p:cNvPr id="2" name="Tijdelijke aanduiding voor datum 1">
+            <a:extLst>
+              <a:ext uri="{FF2B5EF4-FFF2-40B4-BE49-F238E27FC236}">
+                <a16:creationId xmlns:a16="http://schemas.microsoft.com/office/drawing/2014/main" id="{85794119-AF99-8992-751D-CCAEC2FA77D1}"/>
+              </a:ext>
+            </a:extLst>
+          </p:cNvPr>
           <p:cNvSpPr>
             <a:spLocks noGrp="1"/>
           </p:cNvSpPr>
@@ -2891,7 +2844,13 @@
       </p:sp>
       <p:sp>
         <p:nvSpPr>
-          <p:cNvPr id="3" name="Footer Placeholder 2"/>
+          <p:cNvPr id="3" name="Tijdelijke aanduiding voor voettekst 2">
+            <a:extLst>
+              <a:ext uri="{FF2B5EF4-FFF2-40B4-BE49-F238E27FC236}">
+                <a16:creationId xmlns:a16="http://schemas.microsoft.com/office/drawing/2014/main" id="{FFD278D7-862E-C373-8C7C-A8833D485C3E}"/>
+              </a:ext>
+            </a:extLst>
+          </p:cNvPr>
           <p:cNvSpPr>
             <a:spLocks noGrp="1"/>
           </p:cNvSpPr>
@@ -2910,7 +2869,13 @@
       </p:sp>
       <p:sp>
         <p:nvSpPr>
-          <p:cNvPr id="4" name="Slide Number Placeholder 3"/>
+          <p:cNvPr id="4" name="Tijdelijke aanduiding voor dianummer 3">
+            <a:extLst>
+              <a:ext uri="{FF2B5EF4-FFF2-40B4-BE49-F238E27FC236}">
+                <a16:creationId xmlns:a16="http://schemas.microsoft.com/office/drawing/2014/main" id="{C45413D6-13BF-A632-8B08-5E52E8E4AE99}"/>
+              </a:ext>
+            </a:extLst>
+          </p:cNvPr>
           <p:cNvSpPr>
             <a:spLocks noGrp="1"/>
           </p:cNvSpPr>
@@ -2934,7 +2899,7 @@
     </p:spTree>
     <p:extLst>
       <p:ext uri="{BB962C8B-B14F-4D97-AF65-F5344CB8AC3E}">
-        <p14:creationId xmlns:p14="http://schemas.microsoft.com/office/powerpoint/2010/main" val="3967016894"/>
+        <p14:creationId xmlns:p14="http://schemas.microsoft.com/office/powerpoint/2010/main" val="2359650686"/>
       </p:ext>
     </p:extLst>
   </p:cSld>
@@ -2963,7 +2928,13 @@
       </p:grpSpPr>
       <p:sp>
         <p:nvSpPr>
-          <p:cNvPr id="2" name="Title 1"/>
+          <p:cNvPr id="2" name="Titel 1">
+            <a:extLst>
+              <a:ext uri="{FF2B5EF4-FFF2-40B4-BE49-F238E27FC236}">
+                <a16:creationId xmlns:a16="http://schemas.microsoft.com/office/drawing/2014/main" id="{F8E56178-D5DA-C3F0-326C-5B47F08A5373}"/>
+              </a:ext>
+            </a:extLst>
+          </p:cNvPr>
           <p:cNvSpPr>
             <a:spLocks noGrp="1"/>
           </p:cNvSpPr>
@@ -2973,17 +2944,15 @@
         </p:nvSpPr>
         <p:spPr>
           <a:xfrm>
-            <a:off x="1444671" y="798973"/>
-            <a:ext cx="3273099" cy="2247117"/>
+            <a:off x="839788" y="457200"/>
+            <a:ext cx="3932237" cy="1600200"/>
           </a:xfrm>
         </p:spPr>
         <p:txBody>
-          <a:bodyPr anchor="b">
-            <a:normAutofit/>
-          </a:bodyPr>
+          <a:bodyPr anchor="b"/>
           <a:lstStyle>
-            <a:lvl1pPr algn="l">
-              <a:defRPr sz="2400"/>
+            <a:lvl1pPr>
+              <a:defRPr sz="3200"/>
             </a:lvl1pPr>
           </a:lstStyle>
           <a:p>
@@ -2991,13 +2960,18 @@
               <a:rPr lang="nl-NL"/>
               <a:t>Klik om stijl te bewerken</a:t>
             </a:r>
-            <a:endParaRPr lang="en-US" dirty="0"/>
           </a:p>
         </p:txBody>
       </p:sp>
       <p:sp>
         <p:nvSpPr>
-          <p:cNvPr id="3" name="Content Placeholder 2"/>
+          <p:cNvPr id="3" name="Tijdelijke aanduiding voor inhoud 2">
+            <a:extLst>
+              <a:ext uri="{FF2B5EF4-FFF2-40B4-BE49-F238E27FC236}">
+                <a16:creationId xmlns:a16="http://schemas.microsoft.com/office/drawing/2014/main" id="{D75AFFE1-72D6-4C36-A6C2-251FC48C640E}"/>
+              </a:ext>
+            </a:extLst>
+          </p:cNvPr>
           <p:cNvSpPr>
             <a:spLocks noGrp="1"/>
           </p:cNvSpPr>
@@ -3007,13 +2981,41 @@
         </p:nvSpPr>
         <p:spPr>
           <a:xfrm>
-            <a:off x="5043714" y="798974"/>
-            <a:ext cx="6012470" cy="4658826"/>
+            <a:off x="5183188" y="987425"/>
+            <a:ext cx="6172200" cy="4873625"/>
           </a:xfrm>
         </p:spPr>
         <p:txBody>
-          <a:bodyPr anchor="ctr"/>
-          <a:lstStyle/>
+          <a:bodyPr/>
+          <a:lstStyle>
+            <a:lvl1pPr>
+              <a:defRPr sz="3200"/>
+            </a:lvl1pPr>
+            <a:lvl2pPr>
+              <a:defRPr sz="2800"/>
+            </a:lvl2pPr>
+            <a:lvl3pPr>
+              <a:defRPr sz="2400"/>
+            </a:lvl3pPr>
+            <a:lvl4pPr>
+              <a:defRPr sz="2000"/>
+            </a:lvl4pPr>
+            <a:lvl5pPr>
+              <a:defRPr sz="2000"/>
+            </a:lvl5pPr>
+            <a:lvl6pPr>
+              <a:defRPr sz="2000"/>
+            </a:lvl6pPr>
+            <a:lvl7pPr>
+              <a:defRPr sz="2000"/>
+            </a:lvl7pPr>
+            <a:lvl8pPr>
+              <a:defRPr sz="2000"/>
+            </a:lvl8pPr>
+            <a:lvl9pPr>
+              <a:defRPr sz="2000"/>
+            </a:lvl9pPr>
+          </a:lstStyle>
           <a:p>
             <a:pPr lvl="0"/>
             <a:r>
@@ -3048,13 +3050,18 @@
               <a:rPr lang="nl-NL"/>
               <a:t>Vijfde niveau</a:t>
             </a:r>
-            <a:endParaRPr lang="en-US" dirty="0"/>
           </a:p>
         </p:txBody>
       </p:sp>
       <p:sp>
         <p:nvSpPr>
-          <p:cNvPr id="4" name="Text Placeholder 3"/>
+          <p:cNvPr id="4" name="Tijdelijke aanduiding voor tekst 3">
+            <a:extLst>
+              <a:ext uri="{FF2B5EF4-FFF2-40B4-BE49-F238E27FC236}">
+                <a16:creationId xmlns:a16="http://schemas.microsoft.com/office/drawing/2014/main" id="{2453E1C7-9F70-0120-3CC5-39FC56B2A30C}"/>
+              </a:ext>
+            </a:extLst>
+          </p:cNvPr>
           <p:cNvSpPr>
             <a:spLocks noGrp="1"/>
           </p:cNvSpPr>
@@ -3064,14 +3071,14 @@
         </p:nvSpPr>
         <p:spPr>
           <a:xfrm>
-            <a:off x="1444671" y="3205491"/>
-            <a:ext cx="3275013" cy="2248181"/>
+            <a:off x="839788" y="2057400"/>
+            <a:ext cx="3932237" cy="3811588"/>
           </a:xfrm>
         </p:spPr>
         <p:txBody>
           <a:bodyPr/>
           <a:lstStyle>
-            <a:lvl1pPr marL="0" indent="0" algn="l">
+            <a:lvl1pPr marL="0" indent="0">
               <a:buNone/>
               <a:defRPr sz="1600"/>
             </a:lvl1pPr>
@@ -3119,7 +3126,13 @@
       </p:sp>
       <p:sp>
         <p:nvSpPr>
-          <p:cNvPr id="5" name="Date Placeholder 4"/>
+          <p:cNvPr id="5" name="Tijdelijke aanduiding voor datum 4">
+            <a:extLst>
+              <a:ext uri="{FF2B5EF4-FFF2-40B4-BE49-F238E27FC236}">
+                <a16:creationId xmlns:a16="http://schemas.microsoft.com/office/drawing/2014/main" id="{EB7E8117-5A16-C618-7599-F90396D09BFC}"/>
+              </a:ext>
+            </a:extLst>
+          </p:cNvPr>
           <p:cNvSpPr>
             <a:spLocks noGrp="1"/>
           </p:cNvSpPr>
@@ -3142,7 +3155,13 @@
       </p:sp>
       <p:sp>
         <p:nvSpPr>
-          <p:cNvPr id="6" name="Footer Placeholder 5"/>
+          <p:cNvPr id="6" name="Tijdelijke aanduiding voor voettekst 5">
+            <a:extLst>
+              <a:ext uri="{FF2B5EF4-FFF2-40B4-BE49-F238E27FC236}">
+                <a16:creationId xmlns:a16="http://schemas.microsoft.com/office/drawing/2014/main" id="{EEF7F06E-B551-2EC9-18E4-BBFF6E467E8E}"/>
+              </a:ext>
+            </a:extLst>
+          </p:cNvPr>
           <p:cNvSpPr>
             <a:spLocks noGrp="1"/>
           </p:cNvSpPr>
@@ -3161,7 +3180,13 @@
       </p:sp>
       <p:sp>
         <p:nvSpPr>
-          <p:cNvPr id="7" name="Slide Number Placeholder 6"/>
+          <p:cNvPr id="7" name="Tijdelijke aanduiding voor dianummer 6">
+            <a:extLst>
+              <a:ext uri="{FF2B5EF4-FFF2-40B4-BE49-F238E27FC236}">
+                <a16:creationId xmlns:a16="http://schemas.microsoft.com/office/drawing/2014/main" id="{4856BEFB-8BE3-BAC5-A658-163051FDDC17}"/>
+              </a:ext>
+            </a:extLst>
+          </p:cNvPr>
           <p:cNvSpPr>
             <a:spLocks noGrp="1"/>
           </p:cNvSpPr>
@@ -3182,41 +3207,10 @@
           </a:p>
         </p:txBody>
       </p:sp>
-      <p:cxnSp>
-        <p:nvCxnSpPr>
-          <p:cNvPr id="17" name="Straight Connector 16"/>
-          <p:cNvCxnSpPr/>
-          <p:nvPr/>
-        </p:nvCxnSpPr>
-        <p:spPr>
-          <a:xfrm>
-            <a:off x="1448280" y="3205491"/>
-            <a:ext cx="3269490" cy="0"/>
-          </a:xfrm>
-          <a:prstGeom prst="line">
-            <a:avLst/>
-          </a:prstGeom>
-          <a:ln w="31750"/>
-        </p:spPr>
-        <p:style>
-          <a:lnRef idx="3">
-            <a:schemeClr val="accent1"/>
-          </a:lnRef>
-          <a:fillRef idx="0">
-            <a:schemeClr val="accent1"/>
-          </a:fillRef>
-          <a:effectRef idx="2">
-            <a:schemeClr val="accent1"/>
-          </a:effectRef>
-          <a:fontRef idx="minor">
-            <a:schemeClr val="tx1"/>
-          </a:fontRef>
-        </p:style>
-      </p:cxnSp>
     </p:spTree>
     <p:extLst>
       <p:ext uri="{BB962C8B-B14F-4D97-AF65-F5344CB8AC3E}">
-        <p14:creationId xmlns:p14="http://schemas.microsoft.com/office/powerpoint/2010/main" val="1158089354"/>
+        <p14:creationId xmlns:p14="http://schemas.microsoft.com/office/powerpoint/2010/main" val="793954025"/>
       </p:ext>
     </p:extLst>
   </p:cSld>
@@ -3243,143 +3237,15 @@
           <a:chExt cx="0" cy="0"/>
         </a:xfrm>
       </p:grpSpPr>
-      <p:grpSp>
-        <p:nvGrpSpPr>
-          <p:cNvPr id="8" name="Group 7"/>
-          <p:cNvGrpSpPr/>
-          <p:nvPr/>
-        </p:nvGrpSpPr>
-        <p:grpSpPr>
-          <a:xfrm>
-            <a:off x="7477387" y="482170"/>
-            <a:ext cx="4074533" cy="5149101"/>
-            <a:chOff x="7477387" y="482170"/>
-            <a:chExt cx="4074533" cy="5149101"/>
-          </a:xfrm>
-        </p:grpSpPr>
-        <p:sp>
-          <p:nvSpPr>
-            <p:cNvPr id="18" name="Rectangle 17"/>
-            <p:cNvSpPr/>
-            <p:nvPr/>
-          </p:nvSpPr>
-          <p:spPr bwMode="black">
-            <a:xfrm>
-              <a:off x="7477387" y="482170"/>
-              <a:ext cx="4074533" cy="5149101"/>
-            </a:xfrm>
-            <a:prstGeom prst="rect">
-              <a:avLst/>
-            </a:prstGeom>
-            <a:gradFill>
-              <a:gsLst>
-                <a:gs pos="0">
-                  <a:srgbClr val="000001"/>
-                </a:gs>
-                <a:gs pos="100000">
-                  <a:srgbClr val="191919"/>
-                </a:gs>
-              </a:gsLst>
-            </a:gradFill>
-            <a:ln w="76200" cmpd="sng">
-              <a:noFill/>
-              <a:miter lim="800000"/>
-            </a:ln>
-            <a:effectLst>
-              <a:outerShdw blurRad="127000" dist="228600" dir="4740000" sx="98000" sy="98000" algn="tl" rotWithShape="0">
-                <a:srgbClr val="000000">
-                  <a:alpha val="34000"/>
-                </a:srgbClr>
-              </a:outerShdw>
-            </a:effectLst>
-            <a:scene3d>
-              <a:camera prst="orthographicFront"/>
-              <a:lightRig rig="threePt" dir="t"/>
-            </a:scene3d>
-            <a:sp3d>
-              <a:bevelT w="152400" h="50800" prst="softRound"/>
-            </a:sp3d>
-          </p:spPr>
-          <p:style>
-            <a:lnRef idx="1">
-              <a:schemeClr val="accent1"/>
-            </a:lnRef>
-            <a:fillRef idx="3">
-              <a:schemeClr val="accent1"/>
-            </a:fillRef>
-            <a:effectRef idx="2">
-              <a:schemeClr val="accent1"/>
-            </a:effectRef>
-            <a:fontRef idx="minor">
-              <a:schemeClr val="lt1"/>
-            </a:fontRef>
-          </p:style>
-        </p:sp>
-        <p:sp>
-          <p:nvSpPr>
-            <p:cNvPr id="19" name="Rectangle 18"/>
-            <p:cNvSpPr/>
-            <p:nvPr/>
-          </p:nvSpPr>
-          <p:spPr bwMode="blackWhite">
-            <a:xfrm>
-              <a:off x="7790446" y="812506"/>
-              <a:ext cx="3450289" cy="4466452"/>
-            </a:xfrm>
-            <a:prstGeom prst="rect">
-              <a:avLst/>
-            </a:prstGeom>
-            <a:gradFill>
-              <a:gsLst>
-                <a:gs pos="0">
-                  <a:srgbClr val="DADADA"/>
-                </a:gs>
-                <a:gs pos="100000">
-                  <a:srgbClr val="FFFFFE"/>
-                </a:gs>
-              </a:gsLst>
-              <a:lin ang="16200000" scaled="0"/>
-            </a:gradFill>
-            <a:ln w="50800" cmpd="sng">
-              <a:solidFill>
-                <a:srgbClr val="191919"/>
-              </a:solidFill>
-              <a:miter lim="800000"/>
-            </a:ln>
-            <a:effectLst>
-              <a:innerShdw blurRad="63500" dist="88900" dir="14100000">
-                <a:srgbClr val="000000">
-                  <a:alpha val="30000"/>
-                </a:srgbClr>
-              </a:innerShdw>
-            </a:effectLst>
-            <a:scene3d>
-              <a:camera prst="orthographicFront"/>
-              <a:lightRig rig="threePt" dir="t"/>
-            </a:scene3d>
-            <a:sp3d>
-              <a:bevelT prst="relaxedInset"/>
-            </a:sp3d>
-          </p:spPr>
-          <p:style>
-            <a:lnRef idx="1">
-              <a:schemeClr val="accent1"/>
-            </a:lnRef>
-            <a:fillRef idx="3">
-              <a:schemeClr val="accent1"/>
-            </a:fillRef>
-            <a:effectRef idx="2">
-              <a:schemeClr val="accent1"/>
-            </a:effectRef>
-            <a:fontRef idx="minor">
-              <a:schemeClr val="lt1"/>
-            </a:fontRef>
-          </p:style>
-        </p:sp>
-      </p:grpSp>
       <p:sp>
         <p:nvSpPr>
-          <p:cNvPr id="2" name="Title 1"/>
+          <p:cNvPr id="2" name="Titel 1">
+            <a:extLst>
+              <a:ext uri="{FF2B5EF4-FFF2-40B4-BE49-F238E27FC236}">
+                <a16:creationId xmlns:a16="http://schemas.microsoft.com/office/drawing/2014/main" id="{90A28777-6416-FA63-90DE-EC1A8B10314C}"/>
+              </a:ext>
+            </a:extLst>
+          </p:cNvPr>
           <p:cNvSpPr>
             <a:spLocks noGrp="1"/>
           </p:cNvSpPr>
@@ -3389,14 +3255,12 @@
         </p:nvSpPr>
         <p:spPr>
           <a:xfrm>
-            <a:off x="1451206" y="1129513"/>
-            <a:ext cx="5532328" cy="1830584"/>
+            <a:off x="839788" y="457200"/>
+            <a:ext cx="3932237" cy="1600200"/>
           </a:xfrm>
         </p:spPr>
         <p:txBody>
-          <a:bodyPr anchor="b">
-            <a:normAutofit/>
-          </a:bodyPr>
+          <a:bodyPr anchor="b"/>
           <a:lstStyle>
             <a:lvl1pPr>
               <a:defRPr sz="3200"/>
@@ -3407,15 +3271,20 @@
               <a:rPr lang="nl-NL"/>
               <a:t>Klik om stijl te bewerken</a:t>
             </a:r>
-            <a:endParaRPr lang="en-US" dirty="0"/>
           </a:p>
         </p:txBody>
       </p:sp>
       <p:sp>
         <p:nvSpPr>
-          <p:cNvPr id="3" name="Picture Placeholder 2"/>
-          <p:cNvSpPr>
-            <a:spLocks noGrp="1" noChangeAspect="1"/>
+          <p:cNvPr id="3" name="Tijdelijke aanduiding voor afbeelding 2">
+            <a:extLst>
+              <a:ext uri="{FF2B5EF4-FFF2-40B4-BE49-F238E27FC236}">
+                <a16:creationId xmlns:a16="http://schemas.microsoft.com/office/drawing/2014/main" id="{CF6613ED-52D7-2B2F-113F-1F3C2DBCB595}"/>
+              </a:ext>
+            </a:extLst>
+          </p:cNvPr>
+          <p:cNvSpPr>
+            <a:spLocks noGrp="1"/>
           </p:cNvSpPr>
           <p:nvPr>
             <p:ph type="pic" idx="1"/>
@@ -3423,24 +3292,14 @@
         </p:nvSpPr>
         <p:spPr>
           <a:xfrm>
-            <a:off x="8124389" y="1122542"/>
-            <a:ext cx="2791171" cy="3866327"/>
+            <a:off x="5183188" y="987425"/>
+            <a:ext cx="6172200" cy="4873625"/>
           </a:xfrm>
-          <a:solidFill>
-            <a:schemeClr val="bg1">
-              <a:lumMod val="85000"/>
-            </a:schemeClr>
-          </a:solidFill>
-          <a:ln w="9525" cap="sq">
-            <a:noFill/>
-            <a:miter lim="800000"/>
-          </a:ln>
-          <a:effectLst/>
         </p:spPr>
         <p:txBody>
-          <a:bodyPr anchor="t"/>
+          <a:bodyPr/>
           <a:lstStyle>
-            <a:lvl1pPr marL="0" indent="0" algn="ctr">
+            <a:lvl1pPr marL="0" indent="0">
               <a:buNone/>
               <a:defRPr sz="3200"/>
             </a:lvl1pPr>
@@ -3478,17 +3337,19 @@
             </a:lvl9pPr>
           </a:lstStyle>
           <a:p>
-            <a:r>
-              <a:rPr lang="nl-NL"/>
-              <a:t>Klik op het pictogram als u een afbeelding wilt toevoegen</a:t>
-            </a:r>
-            <a:endParaRPr lang="en-US" dirty="0"/>
+            <a:endParaRPr lang="nl-NL"/>
           </a:p>
         </p:txBody>
       </p:sp>
       <p:sp>
         <p:nvSpPr>
-          <p:cNvPr id="4" name="Text Placeholder 3"/>
+          <p:cNvPr id="4" name="Tijdelijke aanduiding voor tekst 3">
+            <a:extLst>
+              <a:ext uri="{FF2B5EF4-FFF2-40B4-BE49-F238E27FC236}">
+                <a16:creationId xmlns:a16="http://schemas.microsoft.com/office/drawing/2014/main" id="{8F5C9304-A8C3-39F7-8C04-70D335281D70}"/>
+              </a:ext>
+            </a:extLst>
+          </p:cNvPr>
           <p:cNvSpPr>
             <a:spLocks noGrp="1"/>
           </p:cNvSpPr>
@@ -3498,18 +3359,16 @@
         </p:nvSpPr>
         <p:spPr>
           <a:xfrm>
-            <a:off x="1450329" y="3145992"/>
-            <a:ext cx="5524404" cy="2003742"/>
+            <a:off x="839788" y="2057400"/>
+            <a:ext cx="3932237" cy="3811588"/>
           </a:xfrm>
         </p:spPr>
         <p:txBody>
-          <a:bodyPr>
-            <a:normAutofit/>
-          </a:bodyPr>
+          <a:bodyPr/>
           <a:lstStyle>
-            <a:lvl1pPr marL="0" indent="0" algn="l">
+            <a:lvl1pPr marL="0" indent="0">
               <a:buNone/>
-              <a:defRPr sz="1800"/>
+              <a:defRPr sz="1600"/>
             </a:lvl1pPr>
             <a:lvl2pPr marL="457200" indent="0">
               <a:buNone/>
@@ -3555,7 +3414,13 @@
       </p:sp>
       <p:sp>
         <p:nvSpPr>
-          <p:cNvPr id="5" name="Date Placeholder 4"/>
+          <p:cNvPr id="5" name="Tijdelijke aanduiding voor datum 4">
+            <a:extLst>
+              <a:ext uri="{FF2B5EF4-FFF2-40B4-BE49-F238E27FC236}">
+                <a16:creationId xmlns:a16="http://schemas.microsoft.com/office/drawing/2014/main" id="{1D9553E7-1110-7155-ADB2-56A8708C682B}"/>
+              </a:ext>
+            </a:extLst>
+          </p:cNvPr>
           <p:cNvSpPr>
             <a:spLocks noGrp="1"/>
           </p:cNvSpPr>
@@ -3563,19 +3428,10 @@
             <p:ph type="dt" sz="half" idx="10"/>
           </p:nvPr>
         </p:nvSpPr>
-        <p:spPr>
-          <a:xfrm>
-            <a:off x="1447382" y="5469856"/>
-            <a:ext cx="5527351" cy="320123"/>
-          </a:xfrm>
-        </p:spPr>
+        <p:spPr/>
         <p:txBody>
           <a:bodyPr/>
-          <a:lstStyle>
-            <a:lvl1pPr algn="l">
-              <a:defRPr/>
-            </a:lvl1pPr>
-          </a:lstStyle>
+          <a:lstStyle/>
           <a:p>
             <a:fld id="{017BEC42-23C7-4C4B-ACB1-0F05F6622312}" type="datetimeFigureOut">
               <a:rPr lang="nl-NL" smtClean="0"/>
@@ -3587,7 +3443,13 @@
       </p:sp>
       <p:sp>
         <p:nvSpPr>
-          <p:cNvPr id="6" name="Footer Placeholder 5"/>
+          <p:cNvPr id="6" name="Tijdelijke aanduiding voor voettekst 5">
+            <a:extLst>
+              <a:ext uri="{FF2B5EF4-FFF2-40B4-BE49-F238E27FC236}">
+                <a16:creationId xmlns:a16="http://schemas.microsoft.com/office/drawing/2014/main" id="{8BD79343-A019-D658-78B2-B72232BD7BD1}"/>
+              </a:ext>
+            </a:extLst>
+          </p:cNvPr>
           <p:cNvSpPr>
             <a:spLocks noGrp="1"/>
           </p:cNvSpPr>
@@ -3595,12 +3457,7 @@
             <p:ph type="ftr" sz="quarter" idx="11"/>
           </p:nvPr>
         </p:nvSpPr>
-        <p:spPr>
-          <a:xfrm>
-            <a:off x="1447382" y="318640"/>
-            <a:ext cx="5541004" cy="320931"/>
-          </a:xfrm>
-        </p:spPr>
+        <p:spPr/>
         <p:txBody>
           <a:bodyPr/>
           <a:lstStyle/>
@@ -3611,7 +3468,13 @@
       </p:sp>
       <p:sp>
         <p:nvSpPr>
-          <p:cNvPr id="7" name="Slide Number Placeholder 6"/>
+          <p:cNvPr id="7" name="Tijdelijke aanduiding voor dianummer 6">
+            <a:extLst>
+              <a:ext uri="{FF2B5EF4-FFF2-40B4-BE49-F238E27FC236}">
+                <a16:creationId xmlns:a16="http://schemas.microsoft.com/office/drawing/2014/main" id="{1F0FF518-1915-33D8-AF81-FFF47F892C5D}"/>
+              </a:ext>
+            </a:extLst>
+          </p:cNvPr>
           <p:cNvSpPr>
             <a:spLocks noGrp="1"/>
           </p:cNvSpPr>
@@ -3632,41 +3495,10 @@
           </a:p>
         </p:txBody>
       </p:sp>
-      <p:cxnSp>
-        <p:nvCxnSpPr>
-          <p:cNvPr id="31" name="Straight Connector 30"/>
-          <p:cNvCxnSpPr/>
-          <p:nvPr/>
-        </p:nvCxnSpPr>
-        <p:spPr>
-          <a:xfrm>
-            <a:off x="1447382" y="3143605"/>
-            <a:ext cx="5527351" cy="0"/>
-          </a:xfrm>
-          <a:prstGeom prst="line">
-            <a:avLst/>
-          </a:prstGeom>
-          <a:ln w="31750"/>
-        </p:spPr>
-        <p:style>
-          <a:lnRef idx="3">
-            <a:schemeClr val="accent1"/>
-          </a:lnRef>
-          <a:fillRef idx="0">
-            <a:schemeClr val="accent1"/>
-          </a:fillRef>
-          <a:effectRef idx="2">
-            <a:schemeClr val="accent1"/>
-          </a:effectRef>
-          <a:fontRef idx="minor">
-            <a:schemeClr val="tx1"/>
-          </a:fontRef>
-        </p:style>
-      </p:cxnSp>
     </p:spTree>
     <p:extLst>
       <p:ext uri="{BB962C8B-B14F-4D97-AF65-F5344CB8AC3E}">
-        <p14:creationId xmlns:p14="http://schemas.microsoft.com/office/powerpoint/2010/main" val="240314626"/>
+        <p14:creationId xmlns:p14="http://schemas.microsoft.com/office/powerpoint/2010/main" val="3815460992"/>
       </p:ext>
     </p:extLst>
   </p:cSld>
@@ -3680,8 +3512,8 @@
 <p:sldMaster xmlns:a="http://schemas.openxmlformats.org/drawingml/2006/main" xmlns:r="http://schemas.openxmlformats.org/officeDocument/2006/relationships" xmlns:p="http://schemas.openxmlformats.org/presentationml/2006/main">
   <p:cSld>
     <p:bg>
-      <p:bgRef idx="1003">
-        <a:schemeClr val="bg2"/>
+      <p:bgRef idx="1001">
+        <a:schemeClr val="bg1"/>
       </p:bgRef>
     </p:bg>
     <p:spTree>
@@ -3700,191 +3532,176 @@
       </p:grpSpPr>
       <p:sp>
         <p:nvSpPr>
-          <p:cNvPr id="8" name="Rectangle 7"/>
-          <p:cNvSpPr/>
-          <p:nvPr/>
+          <p:cNvPr id="2" name="Tijdelijke aanduiding voor titel 1">
+            <a:extLst>
+              <a:ext uri="{FF2B5EF4-FFF2-40B4-BE49-F238E27FC236}">
+                <a16:creationId xmlns:a16="http://schemas.microsoft.com/office/drawing/2014/main" id="{FEC2B5AB-D0E2-281B-4B49-8A82A76224A1}"/>
+              </a:ext>
+            </a:extLst>
+          </p:cNvPr>
+          <p:cNvSpPr>
+            <a:spLocks noGrp="1"/>
+          </p:cNvSpPr>
+          <p:nvPr>
+            <p:ph type="title"/>
+          </p:nvPr>
         </p:nvSpPr>
         <p:spPr>
           <a:xfrm>
-            <a:off x="0" y="2019476"/>
-            <a:ext cx="12192000" cy="4105941"/>
-          </a:xfrm>
-          <a:prstGeom prst="rect">
-            <a:avLst/>
-          </a:prstGeom>
-          <a:gradFill flip="none" rotWithShape="1">
-            <a:gsLst>
-              <a:gs pos="0">
-                <a:schemeClr val="bg2">
-                  <a:alpha val="0"/>
-                </a:schemeClr>
-              </a:gs>
-              <a:gs pos="100000">
-                <a:schemeClr val="bg2"/>
-              </a:gs>
-            </a:gsLst>
-            <a:lin ang="5400000" scaled="0"/>
-            <a:tileRect/>
-          </a:gradFill>
-          <a:ln>
-            <a:noFill/>
-          </a:ln>
-        </p:spPr>
-        <p:style>
-          <a:lnRef idx="2">
-            <a:schemeClr val="accent1">
-              <a:shade val="50000"/>
-            </a:schemeClr>
-          </a:lnRef>
-          <a:fillRef idx="1">
-            <a:schemeClr val="accent1"/>
-          </a:fillRef>
-          <a:effectRef idx="0">
-            <a:schemeClr val="accent1"/>
-          </a:effectRef>
-          <a:fontRef idx="minor">
-            <a:schemeClr val="lt1"/>
-          </a:fontRef>
-        </p:style>
-      </p:sp>
-      <p:pic>
-        <p:nvPicPr>
-          <p:cNvPr id="7" name="Picture 6"/>
-          <p:cNvPicPr>
-            <a:picLocks noChangeAspect="1"/>
-          </p:cNvPicPr>
-          <p:nvPr/>
-        </p:nvPicPr>
-        <p:blipFill rotWithShape="1">
-          <a:blip r:embed="rId13">
-            <a:extLst>
-              <a:ext uri="{28A0092B-C50C-407E-A947-70E740481C1C}">
-                <a14:useLocalDpi xmlns:a14="http://schemas.microsoft.com/office/drawing/2010/main" val="0"/>
-              </a:ext>
-            </a:extLst>
-          </a:blip>
-          <a:srcRect t="1538" b="-1538"/>
-          <a:stretch/>
-        </p:blipFill>
-        <p:spPr bwMode="black">
-          <a:xfrm>
-            <a:off x="0" y="6126480"/>
-            <a:ext cx="12192000" cy="742950"/>
+            <a:off x="838200" y="365125"/>
+            <a:ext cx="10515600" cy="1325563"/>
           </a:xfrm>
           <a:prstGeom prst="rect">
             <a:avLst/>
           </a:prstGeom>
         </p:spPr>
-      </p:pic>
+        <p:txBody>
+          <a:bodyPr vert="horz" lIns="91440" tIns="45720" rIns="91440" bIns="45720" rtlCol="0" anchor="ctr">
+            <a:normAutofit/>
+          </a:bodyPr>
+          <a:lstStyle/>
+          <a:p>
+            <a:r>
+              <a:rPr lang="nl-NL"/>
+              <a:t>Klik om stijl te bewerken</a:t>
+            </a:r>
+          </a:p>
+        </p:txBody>
+      </p:sp>
       <p:sp>
         <p:nvSpPr>
-          <p:cNvPr id="2" name="Title Placeholder 1"/>
+          <p:cNvPr id="3" name="Tijdelijke aanduiding voor tekst 2">
+            <a:extLst>
+              <a:ext uri="{FF2B5EF4-FFF2-40B4-BE49-F238E27FC236}">
+                <a16:creationId xmlns:a16="http://schemas.microsoft.com/office/drawing/2014/main" id="{AB841167-909C-E036-0F85-549196202E9D}"/>
+              </a:ext>
+            </a:extLst>
+          </p:cNvPr>
           <p:cNvSpPr>
             <a:spLocks noGrp="1"/>
           </p:cNvSpPr>
           <p:nvPr>
-            <p:ph type="title"/>
+            <p:ph type="body" idx="1"/>
           </p:nvPr>
         </p:nvSpPr>
         <p:spPr>
           <a:xfrm>
-            <a:off x="1451579" y="804519"/>
-            <a:ext cx="9603275" cy="1049235"/>
+            <a:off x="838200" y="1825625"/>
+            <a:ext cx="10515600" cy="4351338"/>
           </a:xfrm>
           <a:prstGeom prst="rect">
             <a:avLst/>
           </a:prstGeom>
         </p:spPr>
         <p:txBody>
-          <a:bodyPr vert="horz" lIns="91440" tIns="45720" rIns="91440" bIns="45720" rtlCol="0" anchor="t">
+          <a:bodyPr vert="horz" lIns="91440" tIns="45720" rIns="91440" bIns="45720" rtlCol="0">
             <a:normAutofit/>
           </a:bodyPr>
           <a:lstStyle/>
           <a:p>
+            <a:pPr lvl="0"/>
             <a:r>
               <a:rPr lang="nl-NL"/>
-              <a:t>Klik om stijl te bewerken</a:t>
+              <a:t>Klikken om de tekststijl van het model te bewerken</a:t>
             </a:r>
-            <a:endParaRPr lang="en-US" dirty="0"/>
+          </a:p>
+          <a:p>
+            <a:pPr lvl="1"/>
+            <a:r>
+              <a:rPr lang="nl-NL"/>
+              <a:t>Tweede niveau</a:t>
+            </a:r>
+          </a:p>
+          <a:p>
+            <a:pPr lvl="2"/>
+            <a:r>
+              <a:rPr lang="nl-NL"/>
+              <a:t>Derde niveau</a:t>
+            </a:r>
+          </a:p>
+          <a:p>
+            <a:pPr lvl="3"/>
+            <a:r>
+              <a:rPr lang="nl-NL"/>
+              <a:t>Vierde niveau</a:t>
+            </a:r>
+          </a:p>
+          <a:p>
+            <a:pPr lvl="4"/>
+            <a:r>
+              <a:rPr lang="nl-NL"/>
+              <a:t>Vijfde niveau</a:t>
+            </a:r>
           </a:p>
         </p:txBody>
       </p:sp>
       <p:sp>
         <p:nvSpPr>
-          <p:cNvPr id="3" name="Text Placeholder 2"/>
+          <p:cNvPr id="4" name="Tijdelijke aanduiding voor datum 3">
+            <a:extLst>
+              <a:ext uri="{FF2B5EF4-FFF2-40B4-BE49-F238E27FC236}">
+                <a16:creationId xmlns:a16="http://schemas.microsoft.com/office/drawing/2014/main" id="{764D892A-E0A6-C06C-43FC-5164FC3BF520}"/>
+              </a:ext>
+            </a:extLst>
+          </p:cNvPr>
           <p:cNvSpPr>
             <a:spLocks noGrp="1"/>
           </p:cNvSpPr>
           <p:nvPr>
-            <p:ph type="body" idx="1"/>
+            <p:ph type="dt" sz="half" idx="2"/>
           </p:nvPr>
         </p:nvSpPr>
         <p:spPr>
           <a:xfrm>
-            <a:off x="1451579" y="2015732"/>
-            <a:ext cx="9603275" cy="3450613"/>
+            <a:off x="838200" y="6356350"/>
+            <a:ext cx="2743200" cy="365125"/>
           </a:xfrm>
           <a:prstGeom prst="rect">
             <a:avLst/>
           </a:prstGeom>
         </p:spPr>
         <p:txBody>
-          <a:bodyPr vert="horz" lIns="91440" tIns="45720" rIns="91440" bIns="45720" rtlCol="0">
-            <a:normAutofit/>
-          </a:bodyPr>
-          <a:lstStyle/>
-          <a:p>
-            <a:pPr lvl="0"/>
-            <a:r>
-              <a:rPr lang="nl-NL"/>
-              <a:t>Klikken om de tekststijl van het model te bewerken</a:t>
-            </a:r>
-          </a:p>
-          <a:p>
-            <a:pPr lvl="1"/>
-            <a:r>
-              <a:rPr lang="nl-NL"/>
-              <a:t>Tweede niveau</a:t>
-            </a:r>
-          </a:p>
-          <a:p>
-            <a:pPr lvl="2"/>
-            <a:r>
-              <a:rPr lang="nl-NL"/>
-              <a:t>Derde niveau</a:t>
-            </a:r>
-          </a:p>
-          <a:p>
-            <a:pPr lvl="3"/>
-            <a:r>
-              <a:rPr lang="nl-NL"/>
-              <a:t>Vierde niveau</a:t>
-            </a:r>
-          </a:p>
-          <a:p>
-            <a:pPr lvl="4"/>
-            <a:r>
-              <a:rPr lang="nl-NL"/>
-              <a:t>Vijfde niveau</a:t>
-            </a:r>
-            <a:endParaRPr lang="en-US" dirty="0"/>
+          <a:bodyPr vert="horz" lIns="91440" tIns="45720" rIns="91440" bIns="45720" rtlCol="0" anchor="ctr"/>
+          <a:lstStyle>
+            <a:lvl1pPr algn="l">
+              <a:defRPr sz="1200">
+                <a:solidFill>
+                  <a:schemeClr val="tx1">
+                    <a:tint val="82000"/>
+                  </a:schemeClr>
+                </a:solidFill>
+              </a:defRPr>
+            </a:lvl1pPr>
+          </a:lstStyle>
+          <a:p>
+            <a:fld id="{017BEC42-23C7-4C4B-ACB1-0F05F6622312}" type="datetimeFigureOut">
+              <a:rPr lang="nl-NL" smtClean="0"/>
+              <a:t>11-1-2024</a:t>
+            </a:fld>
+            <a:endParaRPr lang="nl-NL"/>
           </a:p>
         </p:txBody>
       </p:sp>
       <p:sp>
         <p:nvSpPr>
-          <p:cNvPr id="4" name="Date Placeholder 3"/>
+          <p:cNvPr id="5" name="Tijdelijke aanduiding voor voettekst 4">
+            <a:extLst>
+              <a:ext uri="{FF2B5EF4-FFF2-40B4-BE49-F238E27FC236}">
+                <a16:creationId xmlns:a16="http://schemas.microsoft.com/office/drawing/2014/main" id="{FE52C271-4A96-7736-2389-3F7FBD5497EE}"/>
+              </a:ext>
+            </a:extLst>
+          </p:cNvPr>
           <p:cNvSpPr>
             <a:spLocks noGrp="1"/>
           </p:cNvSpPr>
           <p:nvPr>
-            <p:ph type="dt" sz="half" idx="2"/>
+            <p:ph type="ftr" sz="quarter" idx="3"/>
           </p:nvPr>
         </p:nvSpPr>
         <p:spPr>
           <a:xfrm>
-            <a:off x="7554138" y="330370"/>
-            <a:ext cx="3500715" cy="309201"/>
+            <a:off x="4038600" y="6356350"/>
+            <a:ext cx="4114800" cy="365125"/>
           </a:xfrm>
           <a:prstGeom prst="rect">
             <a:avLst/>
@@ -3893,39 +3710,41 @@
         <p:txBody>
           <a:bodyPr vert="horz" lIns="91440" tIns="45720" rIns="91440" bIns="45720" rtlCol="0" anchor="ctr"/>
           <a:lstStyle>
-            <a:lvl1pPr algn="r">
-              <a:defRPr sz="1000">
+            <a:lvl1pPr algn="ctr">
+              <a:defRPr sz="1200">
                 <a:solidFill>
                   <a:schemeClr val="tx1">
-                    <a:tint val="75000"/>
+                    <a:tint val="82000"/>
                   </a:schemeClr>
                 </a:solidFill>
               </a:defRPr>
             </a:lvl1pPr>
           </a:lstStyle>
           <a:p>
-            <a:fld id="{017BEC42-23C7-4C4B-ACB1-0F05F6622312}" type="datetimeFigureOut">
-              <a:rPr lang="nl-NL" smtClean="0"/>
-              <a:t>11-1-2024</a:t>
-            </a:fld>
             <a:endParaRPr lang="nl-NL"/>
           </a:p>
         </p:txBody>
       </p:sp>
       <p:sp>
         <p:nvSpPr>
-          <p:cNvPr id="5" name="Footer Placeholder 4"/>
+          <p:cNvPr id="6" name="Tijdelijke aanduiding voor dianummer 5">
+            <a:extLst>
+              <a:ext uri="{FF2B5EF4-FFF2-40B4-BE49-F238E27FC236}">
+                <a16:creationId xmlns:a16="http://schemas.microsoft.com/office/drawing/2014/main" id="{1B68C0B5-3CC2-78B0-6D38-417386E80986}"/>
+              </a:ext>
+            </a:extLst>
+          </p:cNvPr>
           <p:cNvSpPr>
             <a:spLocks noGrp="1"/>
           </p:cNvSpPr>
           <p:nvPr>
-            <p:ph type="ftr" sz="quarter" idx="3"/>
+            <p:ph type="sldNum" sz="quarter" idx="4"/>
           </p:nvPr>
         </p:nvSpPr>
         <p:spPr>
           <a:xfrm>
-            <a:off x="1451579" y="329307"/>
-            <a:ext cx="5938836" cy="309201"/>
+            <a:off x="8610600" y="6356350"/>
+            <a:ext cx="2743200" cy="365125"/>
           </a:xfrm>
           <a:prstGeom prst="rect">
             <a:avLst/>
@@ -3934,52 +3753,17 @@
         <p:txBody>
           <a:bodyPr vert="horz" lIns="91440" tIns="45720" rIns="91440" bIns="45720" rtlCol="0" anchor="ctr"/>
           <a:lstStyle>
-            <a:lvl1pPr algn="l">
-              <a:defRPr sz="1000">
+            <a:lvl1pPr algn="r">
+              <a:defRPr sz="1200">
                 <a:solidFill>
                   <a:schemeClr val="tx1">
-                    <a:tint val="75000"/>
+                    <a:tint val="82000"/>
                   </a:schemeClr>
                 </a:solidFill>
               </a:defRPr>
             </a:lvl1pPr>
           </a:lstStyle>
           <a:p>
-            <a:endParaRPr lang="nl-NL"/>
-          </a:p>
-        </p:txBody>
-      </p:sp>
-      <p:sp>
-        <p:nvSpPr>
-          <p:cNvPr id="6" name="Slide Number Placeholder 5"/>
-          <p:cNvSpPr>
-            <a:spLocks noGrp="1"/>
-          </p:cNvSpPr>
-          <p:nvPr>
-            <p:ph type="sldNum" sz="quarter" idx="4"/>
-          </p:nvPr>
-        </p:nvSpPr>
-        <p:spPr>
-          <a:xfrm>
-            <a:off x="480060" y="798973"/>
-            <a:ext cx="811019" cy="503578"/>
-          </a:xfrm>
-          <a:prstGeom prst="rect">
-            <a:avLst/>
-          </a:prstGeom>
-        </p:spPr>
-        <p:txBody>
-          <a:bodyPr vert="horz" lIns="91440" tIns="45720" rIns="91440" bIns="45720" rtlCol="0" anchor="t"/>
-          <a:lstStyle>
-            <a:lvl1pPr algn="r">
-              <a:defRPr sz="2800">
-                <a:solidFill>
-                  <a:schemeClr val="accent1"/>
-                </a:solidFill>
-              </a:defRPr>
-            </a:lvl1pPr>
-          </a:lstStyle>
-          <a:p>
             <a:fld id="{A25C3AA5-853C-4152-B29E-5C5ECEE04FCB}" type="slidenum">
               <a:rPr lang="nl-NL" smtClean="0"/>
               <a:t>‹nr.›</a:t>
@@ -3988,63 +3772,26 @@
           </a:p>
         </p:txBody>
       </p:sp>
-      <p:cxnSp>
-        <p:nvCxnSpPr>
-          <p:cNvPr id="10" name="Straight Connector 9"/>
-          <p:cNvCxnSpPr/>
-          <p:nvPr/>
-        </p:nvCxnSpPr>
-        <p:spPr>
-          <a:xfrm>
-            <a:off x="0" y="6128413"/>
-            <a:ext cx="12192000" cy="0"/>
-          </a:xfrm>
-          <a:prstGeom prst="line">
-            <a:avLst/>
-          </a:prstGeom>
-          <a:ln w="12700">
-            <a:solidFill>
-              <a:srgbClr val="000001">
-                <a:alpha val="20000"/>
-              </a:srgbClr>
-            </a:solidFill>
-          </a:ln>
-        </p:spPr>
-        <p:style>
-          <a:lnRef idx="1">
-            <a:schemeClr val="accent1"/>
-          </a:lnRef>
-          <a:fillRef idx="0">
-            <a:schemeClr val="accent1"/>
-          </a:fillRef>
-          <a:effectRef idx="0">
-            <a:schemeClr val="accent1"/>
-          </a:effectRef>
-          <a:fontRef idx="minor">
-            <a:schemeClr val="tx1"/>
-          </a:fontRef>
-        </p:style>
-      </p:cxnSp>
     </p:spTree>
     <p:extLst>
       <p:ext uri="{BB962C8B-B14F-4D97-AF65-F5344CB8AC3E}">
-        <p14:creationId xmlns:p14="http://schemas.microsoft.com/office/powerpoint/2010/main" val="1221831050"/>
+        <p14:creationId xmlns:p14="http://schemas.microsoft.com/office/powerpoint/2010/main" val="1908409260"/>
       </p:ext>
     </p:extLst>
   </p:cSld>
   <p:clrMap bg1="lt1" tx1="dk1" bg2="lt2" tx2="dk2" accent1="accent1" accent2="accent2" accent3="accent3" accent4="accent4" accent5="accent5" accent6="accent6" hlink="hlink" folHlink="folHlink"/>
   <p:sldLayoutIdLst>
-    <p:sldLayoutId id="2147483661" r:id="rId1"/>
-    <p:sldLayoutId id="2147483662" r:id="rId2"/>
-    <p:sldLayoutId id="2147483663" r:id="rId3"/>
-    <p:sldLayoutId id="2147483664" r:id="rId4"/>
-    <p:sldLayoutId id="2147483665" r:id="rId5"/>
-    <p:sldLayoutId id="2147483666" r:id="rId6"/>
-    <p:sldLayoutId id="2147483667" r:id="rId7"/>
-    <p:sldLayoutId id="2147483668" r:id="rId8"/>
-    <p:sldLayoutId id="2147483669" r:id="rId9"/>
-    <p:sldLayoutId id="2147483670" r:id="rId10"/>
-    <p:sldLayoutId id="2147483671" r:id="rId11"/>
+    <p:sldLayoutId id="2147483673" r:id="rId1"/>
+    <p:sldLayoutId id="2147483674" r:id="rId2"/>
+    <p:sldLayoutId id="2147483675" r:id="rId3"/>
+    <p:sldLayoutId id="2147483676" r:id="rId4"/>
+    <p:sldLayoutId id="2147483677" r:id="rId5"/>
+    <p:sldLayoutId id="2147483678" r:id="rId6"/>
+    <p:sldLayoutId id="2147483679" r:id="rId7"/>
+    <p:sldLayoutId id="2147483680" r:id="rId8"/>
+    <p:sldLayoutId id="2147483681" r:id="rId9"/>
+    <p:sldLayoutId id="2147483682" r:id="rId10"/>
+    <p:sldLayoutId id="2147483683" r:id="rId11"/>
   </p:sldLayoutIdLst>
   <p:txStyles>
     <p:titleStyle>
@@ -4056,11 +3803,10 @@
           <a:spcPct val="0"/>
         </a:spcBef>
         <a:buNone/>
-        <a:defRPr sz="3200" b="0" i="0" kern="1200" cap="all">
+        <a:defRPr sz="4400" kern="1200">
           <a:solidFill>
             <a:schemeClr val="tx1"/>
           </a:solidFill>
-          <a:effectLst/>
           <a:latin typeface="+mj-lt"/>
           <a:ea typeface="+mj-ea"/>
           <a:cs typeface="+mj-cs"/>
@@ -4070,22 +3816,17 @@
     <p:bodyStyle>
       <a:lvl1pPr marL="228600" indent="-228600" algn="l" defTabSz="914400" rtl="0" eaLnBrk="1" latinLnBrk="0" hangingPunct="1">
         <a:lnSpc>
-          <a:spcPct val="120000"/>
+          <a:spcPct val="90000"/>
         </a:lnSpc>
         <a:spcBef>
           <a:spcPts val="1000"/>
         </a:spcBef>
-        <a:buClr>
-          <a:schemeClr val="accent1"/>
-        </a:buClr>
-        <a:buSzPct val="100000"/>
         <a:buFont typeface="Arial" panose="020B0604020202020204" pitchFamily="34" charset="0"/>
         <a:buChar char="•"/>
-        <a:defRPr sz="2000" kern="1200">
+        <a:defRPr sz="2800" kern="1200">
           <a:solidFill>
             <a:schemeClr val="tx1"/>
           </a:solidFill>
-          <a:effectLst/>
           <a:latin typeface="+mn-lt"/>
           <a:ea typeface="+mn-ea"/>
           <a:cs typeface="+mn-cs"/>
@@ -4093,22 +3834,17 @@
       </a:lvl1pPr>
       <a:lvl2pPr marL="685800" indent="-228600" algn="l" defTabSz="914400" rtl="0" eaLnBrk="1" latinLnBrk="0" hangingPunct="1">
         <a:lnSpc>
-          <a:spcPct val="120000"/>
+          <a:spcPct val="90000"/>
         </a:lnSpc>
         <a:spcBef>
           <a:spcPts val="500"/>
         </a:spcBef>
-        <a:buClr>
-          <a:schemeClr val="accent1"/>
-        </a:buClr>
-        <a:buSzPct val="100000"/>
         <a:buFont typeface="Arial" panose="020B0604020202020204" pitchFamily="34" charset="0"/>
         <a:buChar char="•"/>
-        <a:defRPr sz="1800" kern="1200" cap="none" baseline="0">
+        <a:defRPr sz="2400" kern="1200">
           <a:solidFill>
             <a:schemeClr val="tx1"/>
           </a:solidFill>
-          <a:effectLst/>
           <a:latin typeface="+mn-lt"/>
           <a:ea typeface="+mn-ea"/>
           <a:cs typeface="+mn-cs"/>
@@ -4116,22 +3852,17 @@
       </a:lvl2pPr>
       <a:lvl3pPr marL="1143000" indent="-228600" algn="l" defTabSz="914400" rtl="0" eaLnBrk="1" latinLnBrk="0" hangingPunct="1">
         <a:lnSpc>
-          <a:spcPct val="120000"/>
+          <a:spcPct val="90000"/>
         </a:lnSpc>
         <a:spcBef>
           <a:spcPts val="500"/>
         </a:spcBef>
-        <a:buClr>
-          <a:schemeClr val="accent1"/>
-        </a:buClr>
-        <a:buSzPct val="100000"/>
         <a:buFont typeface="Arial" panose="020B0604020202020204" pitchFamily="34" charset="0"/>
         <a:buChar char="•"/>
-        <a:defRPr sz="1600" kern="1200">
+        <a:defRPr sz="2000" kern="1200">
           <a:solidFill>
             <a:schemeClr val="tx1"/>
           </a:solidFill>
-          <a:effectLst/>
           <a:latin typeface="+mn-lt"/>
           <a:ea typeface="+mn-ea"/>
           <a:cs typeface="+mn-cs"/>
@@ -4139,22 +3870,17 @@
       </a:lvl3pPr>
       <a:lvl4pPr marL="1600200" indent="-228600" algn="l" defTabSz="914400" rtl="0" eaLnBrk="1" latinLnBrk="0" hangingPunct="1">
         <a:lnSpc>
-          <a:spcPct val="120000"/>
+          <a:spcPct val="90000"/>
         </a:lnSpc>
         <a:spcBef>
           <a:spcPts val="500"/>
         </a:spcBef>
-        <a:buClr>
-          <a:schemeClr val="accent1"/>
-        </a:buClr>
-        <a:buSzPct val="100000"/>
         <a:buFont typeface="Arial" panose="020B0604020202020204" pitchFamily="34" charset="0"/>
         <a:buChar char="•"/>
-        <a:defRPr sz="1400" kern="1200" cap="none" baseline="0">
+        <a:defRPr sz="1800" kern="1200">
           <a:solidFill>
             <a:schemeClr val="tx1"/>
           </a:solidFill>
-          <a:effectLst/>
           <a:latin typeface="+mn-lt"/>
           <a:ea typeface="+mn-ea"/>
           <a:cs typeface="+mn-cs"/>
@@ -4162,22 +3888,17 @@
       </a:lvl4pPr>
       <a:lvl5pPr marL="2057400" indent="-228600" algn="l" defTabSz="914400" rtl="0" eaLnBrk="1" latinLnBrk="0" hangingPunct="1">
         <a:lnSpc>
-          <a:spcPct val="120000"/>
+          <a:spcPct val="90000"/>
         </a:lnSpc>
         <a:spcBef>
           <a:spcPts val="500"/>
         </a:spcBef>
-        <a:buClr>
-          <a:schemeClr val="accent1"/>
-        </a:buClr>
-        <a:buSzPct val="100000"/>
         <a:buFont typeface="Arial" panose="020B0604020202020204" pitchFamily="34" charset="0"/>
         <a:buChar char="•"/>
-        <a:defRPr sz="1200" kern="1200">
+        <a:defRPr sz="1800" kern="1200">
           <a:solidFill>
             <a:schemeClr val="tx1"/>
           </a:solidFill>
-          <a:effectLst/>
           <a:latin typeface="+mn-lt"/>
           <a:ea typeface="+mn-ea"/>
           <a:cs typeface="+mn-cs"/>
@@ -4185,22 +3906,17 @@
       </a:lvl5pPr>
       <a:lvl6pPr marL="2514600" indent="-228600" algn="l" defTabSz="914400" rtl="0" eaLnBrk="1" latinLnBrk="0" hangingPunct="1">
         <a:lnSpc>
-          <a:spcPct val="120000"/>
+          <a:spcPct val="90000"/>
         </a:lnSpc>
         <a:spcBef>
           <a:spcPts val="500"/>
         </a:spcBef>
-        <a:buClr>
-          <a:schemeClr val="accent1"/>
-        </a:buClr>
-        <a:buSzPct val="100000"/>
         <a:buFont typeface="Arial" panose="020B0604020202020204" pitchFamily="34" charset="0"/>
         <a:buChar char="•"/>
-        <a:defRPr sz="1200" kern="1200">
+        <a:defRPr sz="1800" kern="1200">
           <a:solidFill>
             <a:schemeClr val="tx1"/>
           </a:solidFill>
-          <a:effectLst/>
           <a:latin typeface="+mn-lt"/>
           <a:ea typeface="+mn-ea"/>
           <a:cs typeface="+mn-cs"/>
@@ -4208,22 +3924,17 @@
       </a:lvl6pPr>
       <a:lvl7pPr marL="2971800" indent="-228600" algn="l" defTabSz="914400" rtl="0" eaLnBrk="1" latinLnBrk="0" hangingPunct="1">
         <a:lnSpc>
-          <a:spcPct val="120000"/>
+          <a:spcPct val="90000"/>
         </a:lnSpc>
         <a:spcBef>
           <a:spcPts val="500"/>
         </a:spcBef>
-        <a:buClr>
-          <a:schemeClr val="accent1"/>
-        </a:buClr>
-        <a:buSzPct val="100000"/>
         <a:buFont typeface="Arial" panose="020B0604020202020204" pitchFamily="34" charset="0"/>
         <a:buChar char="•"/>
-        <a:defRPr sz="1200" kern="1200">
+        <a:defRPr sz="1800" kern="1200">
           <a:solidFill>
             <a:schemeClr val="tx1"/>
           </a:solidFill>
-          <a:effectLst/>
           <a:latin typeface="+mn-lt"/>
           <a:ea typeface="+mn-ea"/>
           <a:cs typeface="+mn-cs"/>
@@ -4231,22 +3942,17 @@
       </a:lvl7pPr>
       <a:lvl8pPr marL="3429000" indent="-228600" algn="l" defTabSz="914400" rtl="0" eaLnBrk="1" latinLnBrk="0" hangingPunct="1">
         <a:lnSpc>
-          <a:spcPct val="120000"/>
+          <a:spcPct val="90000"/>
         </a:lnSpc>
         <a:spcBef>
           <a:spcPts val="500"/>
         </a:spcBef>
-        <a:buClr>
-          <a:schemeClr val="accent1"/>
-        </a:buClr>
-        <a:buSzPct val="100000"/>
         <a:buFont typeface="Arial" panose="020B0604020202020204" pitchFamily="34" charset="0"/>
         <a:buChar char="•"/>
-        <a:defRPr sz="1200" kern="1200" baseline="0">
+        <a:defRPr sz="1800" kern="1200">
           <a:solidFill>
             <a:schemeClr val="tx1"/>
           </a:solidFill>
-          <a:effectLst/>
           <a:latin typeface="+mn-lt"/>
           <a:ea typeface="+mn-ea"/>
           <a:cs typeface="+mn-cs"/>
@@ -4254,22 +3960,17 @@
       </a:lvl8pPr>
       <a:lvl9pPr marL="3886200" indent="-228600" algn="l" defTabSz="914400" rtl="0" eaLnBrk="1" latinLnBrk="0" hangingPunct="1">
         <a:lnSpc>
-          <a:spcPct val="120000"/>
+          <a:spcPct val="90000"/>
         </a:lnSpc>
         <a:spcBef>
           <a:spcPts val="500"/>
         </a:spcBef>
-        <a:buClr>
-          <a:schemeClr val="accent1"/>
-        </a:buClr>
-        <a:buSzPct val="100000"/>
         <a:buFont typeface="Arial" panose="020B0604020202020204" pitchFamily="34" charset="0"/>
         <a:buChar char="•"/>
-        <a:defRPr sz="1200" kern="1200" baseline="0">
+        <a:defRPr sz="1800" kern="1200">
           <a:solidFill>
             <a:schemeClr val="tx1"/>
           </a:solidFill>
-          <a:effectLst/>
           <a:latin typeface="+mn-lt"/>
           <a:ea typeface="+mn-ea"/>
           <a:cs typeface="+mn-cs"/>
@@ -4278,7 +3979,7 @@
     </p:bodyStyle>
     <p:otherStyle>
       <a:defPPr>
-        <a:defRPr lang="en-US"/>
+        <a:defRPr lang="nl-NL"/>
       </a:defPPr>
       <a:lvl1pPr marL="0" algn="l" defTabSz="914400" rtl="0" eaLnBrk="1" latinLnBrk="0" hangingPunct="1">
         <a:defRPr sz="1800" kern="1200">
@@ -4378,6 +4079,14 @@
 <file path=ppt/slides/slide1.xml><?xml version="1.0" encoding="utf-8"?>
 <p:sld xmlns:a="http://schemas.openxmlformats.org/drawingml/2006/main" xmlns:r="http://schemas.openxmlformats.org/officeDocument/2006/relationships" xmlns:p="http://schemas.openxmlformats.org/presentationml/2006/main">
   <p:cSld>
+    <p:bg>
+      <p:bgPr>
+        <a:solidFill>
+          <a:schemeClr val="bg1"/>
+        </a:solidFill>
+        <a:effectLst/>
+      </p:bgPr>
+    </p:bg>
     <p:spTree>
       <p:nvGrpSpPr>
         <p:cNvPr id="1" name=""/>
@@ -4394,6 +4103,82 @@
       </p:grpSpPr>
       <p:sp>
         <p:nvSpPr>
+          <p:cNvPr id="8" name="Rectangle 7">
+            <a:extLst>
+              <a:ext uri="{FF2B5EF4-FFF2-40B4-BE49-F238E27FC236}">
+                <a16:creationId xmlns:a16="http://schemas.microsoft.com/office/drawing/2014/main" id="{1A3C89F8-0D2F-47FF-B903-151248265F47}"/>
+              </a:ext>
+              <a:ext uri="{C183D7F6-B498-43B3-948B-1728B52AA6E4}">
+                <adec:decorative xmlns:adec="http://schemas.microsoft.com/office/drawing/2017/decorative" val="1"/>
+              </a:ext>
+            </a:extLst>
+          </p:cNvPr>
+          <p:cNvSpPr>
+            <a:spLocks noGrp="1" noRot="1" noChangeAspect="1" noMove="1" noResize="1" noEditPoints="1" noAdjustHandles="1" noChangeArrowheads="1" noChangeShapeType="1" noTextEdit="1"/>
+          </p:cNvSpPr>
+          <p:nvPr>
+            <p:extLst>
+              <p:ext uri="{386F3935-93C4-4BCD-93E2-E3B085C9AB24}">
+                <p16:designElem xmlns:p16="http://schemas.microsoft.com/office/powerpoint/2015/main" val="1"/>
+              </p:ext>
+            </p:extLst>
+          </p:nvPr>
+        </p:nvSpPr>
+        <p:spPr>
+          <a:xfrm>
+            <a:off x="0" y="0"/>
+            <a:ext cx="12192000" cy="6858000"/>
+          </a:xfrm>
+          <a:prstGeom prst="rect">
+            <a:avLst/>
+          </a:prstGeom>
+          <a:gradFill flip="none" rotWithShape="1">
+            <a:gsLst>
+              <a:gs pos="0">
+                <a:schemeClr val="accent1"/>
+              </a:gs>
+              <a:gs pos="100000">
+                <a:schemeClr val="accent2"/>
+              </a:gs>
+            </a:gsLst>
+            <a:lin ang="8100000" scaled="0"/>
+            <a:tileRect/>
+          </a:gradFill>
+          <a:ln>
+            <a:noFill/>
+          </a:ln>
+        </p:spPr>
+        <p:style>
+          <a:lnRef idx="2">
+            <a:schemeClr val="accent1">
+              <a:shade val="50000"/>
+            </a:schemeClr>
+          </a:lnRef>
+          <a:fillRef idx="1">
+            <a:schemeClr val="accent1"/>
+          </a:fillRef>
+          <a:effectRef idx="0">
+            <a:schemeClr val="accent1"/>
+          </a:effectRef>
+          <a:fontRef idx="minor">
+            <a:schemeClr val="lt1"/>
+          </a:fontRef>
+        </p:style>
+        <p:txBody>
+          <a:bodyPr rtlCol="0" anchor="ctr"/>
+          <a:lstStyle/>
+          <a:p>
+            <a:pPr algn="ctr"/>
+            <a:endParaRPr lang="en-US">
+              <a:solidFill>
+                <a:srgbClr val="FFFFFF"/>
+              </a:solidFill>
+            </a:endParaRPr>
+          </a:p>
+        </p:txBody>
+      </p:sp>
+      <p:sp>
+        <p:nvSpPr>
           <p:cNvPr id="2" name="Titel 1">
             <a:extLst>
               <a:ext uri="{FF2B5EF4-FFF2-40B4-BE49-F238E27FC236}">
@@ -4408,48 +4193,1090 @@
             <p:ph type="ctrTitle"/>
           </p:nvPr>
         </p:nvSpPr>
-        <p:spPr/>
-        <p:txBody>
-          <a:bodyPr/>
+        <p:spPr>
+          <a:xfrm>
+            <a:off x="3880430" y="583345"/>
+            <a:ext cx="7160357" cy="4164820"/>
+          </a:xfrm>
+        </p:spPr>
+        <p:txBody>
+          <a:bodyPr anchor="t">
+            <a:normAutofit/>
+          </a:bodyPr>
           <a:lstStyle/>
           <a:p>
+            <a:pPr algn="r"/>
             <a:r>
-              <a:rPr lang="nl-NL" dirty="0"/>
-              <a:t>BKS - Express </a:t>
+              <a:rPr lang="nl-NL" sz="8000">
+                <a:solidFill>
+                  <a:srgbClr val="FFFFFF"/>
+                </a:solidFill>
+              </a:rPr>
+              <a:t>BKS - Express Yourshelf</a:t>
             </a:r>
+          </a:p>
+        </p:txBody>
+      </p:sp>
+      <p:sp>
+        <p:nvSpPr>
+          <p:cNvPr id="3" name="Ondertitel 2">
+            <a:extLst>
+              <a:ext uri="{FF2B5EF4-FFF2-40B4-BE49-F238E27FC236}">
+                <a16:creationId xmlns:a16="http://schemas.microsoft.com/office/drawing/2014/main" id="{E83E269A-1F25-37DA-0EB0-2EDC4E2A1E1E}"/>
+              </a:ext>
+            </a:extLst>
+          </p:cNvPr>
+          <p:cNvSpPr>
+            <a:spLocks noGrp="1"/>
+          </p:cNvSpPr>
+          <p:nvPr>
+            <p:ph type="subTitle" idx="1"/>
+          </p:nvPr>
+        </p:nvSpPr>
+        <p:spPr>
+          <a:xfrm>
+            <a:off x="1208228" y="5972174"/>
+            <a:ext cx="8578699" cy="504825"/>
+          </a:xfrm>
+        </p:spPr>
+        <p:txBody>
+          <a:bodyPr>
+            <a:normAutofit/>
+          </a:bodyPr>
+          <a:lstStyle/>
+          <a:p>
+            <a:pPr algn="l"/>
             <a:r>
-              <a:rPr lang="nl-NL" dirty="0" err="1"/>
-              <a:t>Yourshelf</a:t>
-            </a:r>
-            <a:endParaRPr lang="nl-NL" dirty="0"/>
-          </a:p>
-        </p:txBody>
-      </p:sp>
-      <p:sp>
-        <p:nvSpPr>
-          <p:cNvPr id="3" name="Ondertitel 2">
-            <a:extLst>
-              <a:ext uri="{FF2B5EF4-FFF2-40B4-BE49-F238E27FC236}">
-                <a16:creationId xmlns:a16="http://schemas.microsoft.com/office/drawing/2014/main" id="{E83E269A-1F25-37DA-0EB0-2EDC4E2A1E1E}"/>
-              </a:ext>
-            </a:extLst>
-          </p:cNvPr>
-          <p:cNvSpPr>
-            <a:spLocks noGrp="1"/>
-          </p:cNvSpPr>
-          <p:nvPr>
-            <p:ph type="subTitle" idx="1"/>
-          </p:nvPr>
-        </p:nvSpPr>
-        <p:spPr/>
-        <p:txBody>
-          <a:bodyPr/>
-          <a:lstStyle/>
-          <a:p>
-            <a:r>
-              <a:rPr lang="nl-NL" dirty="0"/>
+              <a:rPr lang="nl-NL" sz="2000">
+                <a:solidFill>
+                  <a:srgbClr val="FFFFFF"/>
+                </a:solidFill>
+              </a:rPr>
               <a:t>Door Jelle, Joris, Niels, Roos en Yannick</a:t>
             </a:r>
+          </a:p>
+        </p:txBody>
+      </p:sp>
+      <p:sp>
+        <p:nvSpPr>
+          <p:cNvPr id="10" name="Graphic 13">
+            <a:extLst>
+              <a:ext uri="{FF2B5EF4-FFF2-40B4-BE49-F238E27FC236}">
+                <a16:creationId xmlns:a16="http://schemas.microsoft.com/office/drawing/2014/main" id="{C5CB530E-515E-412C-9DF1-5F8FFBD6F383}"/>
+              </a:ext>
+              <a:ext uri="{C183D7F6-B498-43B3-948B-1728B52AA6E4}">
+                <adec:decorative xmlns:adec="http://schemas.microsoft.com/office/drawing/2017/decorative" val="1"/>
+              </a:ext>
+            </a:extLst>
+          </p:cNvPr>
+          <p:cNvSpPr>
+            <a:spLocks noGrp="1" noRot="1" noChangeAspect="1" noMove="1" noResize="1" noEditPoints="1" noAdjustHandles="1" noChangeArrowheads="1" noChangeShapeType="1" noTextEdit="1"/>
+          </p:cNvSpPr>
+          <p:nvPr>
+            <p:extLst>
+              <p:ext uri="{386F3935-93C4-4BCD-93E2-E3B085C9AB24}">
+                <p16:designElem xmlns:p16="http://schemas.microsoft.com/office/powerpoint/2015/main" val="1"/>
+              </p:ext>
+            </p:extLst>
+          </p:nvPr>
+        </p:nvSpPr>
+        <p:spPr>
+          <a:xfrm>
+            <a:off x="3474359" y="583345"/>
+            <a:ext cx="139039" cy="139039"/>
+          </a:xfrm>
+          <a:custGeom>
+            <a:avLst/>
+            <a:gdLst>
+              <a:gd name="connsiteX0" fmla="*/ 129602 w 139039"/>
+              <a:gd name="connsiteY0" fmla="*/ 60082 h 139039"/>
+              <a:gd name="connsiteX1" fmla="*/ 78957 w 139039"/>
+              <a:gd name="connsiteY1" fmla="*/ 60082 h 139039"/>
+              <a:gd name="connsiteX2" fmla="*/ 78957 w 139039"/>
+              <a:gd name="connsiteY2" fmla="*/ 9437 h 139039"/>
+              <a:gd name="connsiteX3" fmla="*/ 69520 w 139039"/>
+              <a:gd name="connsiteY3" fmla="*/ 0 h 139039"/>
+              <a:gd name="connsiteX4" fmla="*/ 60082 w 139039"/>
+              <a:gd name="connsiteY4" fmla="*/ 9437 h 139039"/>
+              <a:gd name="connsiteX5" fmla="*/ 60082 w 139039"/>
+              <a:gd name="connsiteY5" fmla="*/ 60082 h 139039"/>
+              <a:gd name="connsiteX6" fmla="*/ 9437 w 139039"/>
+              <a:gd name="connsiteY6" fmla="*/ 60082 h 139039"/>
+              <a:gd name="connsiteX7" fmla="*/ 0 w 139039"/>
+              <a:gd name="connsiteY7" fmla="*/ 69520 h 139039"/>
+              <a:gd name="connsiteX8" fmla="*/ 9437 w 139039"/>
+              <a:gd name="connsiteY8" fmla="*/ 78957 h 139039"/>
+              <a:gd name="connsiteX9" fmla="*/ 60082 w 139039"/>
+              <a:gd name="connsiteY9" fmla="*/ 78957 h 139039"/>
+              <a:gd name="connsiteX10" fmla="*/ 60082 w 139039"/>
+              <a:gd name="connsiteY10" fmla="*/ 129602 h 139039"/>
+              <a:gd name="connsiteX11" fmla="*/ 69520 w 139039"/>
+              <a:gd name="connsiteY11" fmla="*/ 139039 h 139039"/>
+              <a:gd name="connsiteX12" fmla="*/ 78957 w 139039"/>
+              <a:gd name="connsiteY12" fmla="*/ 129602 h 139039"/>
+              <a:gd name="connsiteX13" fmla="*/ 78957 w 139039"/>
+              <a:gd name="connsiteY13" fmla="*/ 78957 h 139039"/>
+              <a:gd name="connsiteX14" fmla="*/ 129602 w 139039"/>
+              <a:gd name="connsiteY14" fmla="*/ 78957 h 139039"/>
+              <a:gd name="connsiteX15" fmla="*/ 139039 w 139039"/>
+              <a:gd name="connsiteY15" fmla="*/ 69520 h 139039"/>
+              <a:gd name="connsiteX16" fmla="*/ 129602 w 139039"/>
+              <a:gd name="connsiteY16" fmla="*/ 60082 h 139039"/>
+            </a:gdLst>
+            <a:ahLst/>
+            <a:cxnLst>
+              <a:cxn ang="0">
+                <a:pos x="connsiteX0" y="connsiteY0"/>
+              </a:cxn>
+              <a:cxn ang="0">
+                <a:pos x="connsiteX1" y="connsiteY1"/>
+              </a:cxn>
+              <a:cxn ang="0">
+                <a:pos x="connsiteX2" y="connsiteY2"/>
+              </a:cxn>
+              <a:cxn ang="0">
+                <a:pos x="connsiteX3" y="connsiteY3"/>
+              </a:cxn>
+              <a:cxn ang="0">
+                <a:pos x="connsiteX4" y="connsiteY4"/>
+              </a:cxn>
+              <a:cxn ang="0">
+                <a:pos x="connsiteX5" y="connsiteY5"/>
+              </a:cxn>
+              <a:cxn ang="0">
+                <a:pos x="connsiteX6" y="connsiteY6"/>
+              </a:cxn>
+              <a:cxn ang="0">
+                <a:pos x="connsiteX7" y="connsiteY7"/>
+              </a:cxn>
+              <a:cxn ang="0">
+                <a:pos x="connsiteX8" y="connsiteY8"/>
+              </a:cxn>
+              <a:cxn ang="0">
+                <a:pos x="connsiteX9" y="connsiteY9"/>
+              </a:cxn>
+              <a:cxn ang="0">
+                <a:pos x="connsiteX10" y="connsiteY10"/>
+              </a:cxn>
+              <a:cxn ang="0">
+                <a:pos x="connsiteX11" y="connsiteY11"/>
+              </a:cxn>
+              <a:cxn ang="0">
+                <a:pos x="connsiteX12" y="connsiteY12"/>
+              </a:cxn>
+              <a:cxn ang="0">
+                <a:pos x="connsiteX13" y="connsiteY13"/>
+              </a:cxn>
+              <a:cxn ang="0">
+                <a:pos x="connsiteX14" y="connsiteY14"/>
+              </a:cxn>
+              <a:cxn ang="0">
+                <a:pos x="connsiteX15" y="connsiteY15"/>
+              </a:cxn>
+              <a:cxn ang="0">
+                <a:pos x="connsiteX16" y="connsiteY16"/>
+              </a:cxn>
+            </a:cxnLst>
+            <a:rect l="l" t="t" r="r" b="b"/>
+            <a:pathLst>
+              <a:path w="139039" h="139039">
+                <a:moveTo>
+                  <a:pt x="129602" y="60082"/>
+                </a:moveTo>
+                <a:lnTo>
+                  <a:pt x="78957" y="60082"/>
+                </a:lnTo>
+                <a:lnTo>
+                  <a:pt x="78957" y="9437"/>
+                </a:lnTo>
+                <a:cubicBezTo>
+                  <a:pt x="78957" y="4225"/>
+                  <a:pt x="74731" y="0"/>
+                  <a:pt x="69520" y="0"/>
+                </a:cubicBezTo>
+                <a:cubicBezTo>
+                  <a:pt x="64308" y="0"/>
+                  <a:pt x="60082" y="4225"/>
+                  <a:pt x="60082" y="9437"/>
+                </a:cubicBezTo>
+                <a:lnTo>
+                  <a:pt x="60082" y="60082"/>
+                </a:lnTo>
+                <a:lnTo>
+                  <a:pt x="9437" y="60082"/>
+                </a:lnTo>
+                <a:cubicBezTo>
+                  <a:pt x="4225" y="60082"/>
+                  <a:pt x="0" y="64308"/>
+                  <a:pt x="0" y="69520"/>
+                </a:cubicBezTo>
+                <a:cubicBezTo>
+                  <a:pt x="0" y="74731"/>
+                  <a:pt x="4225" y="78957"/>
+                  <a:pt x="9437" y="78957"/>
+                </a:cubicBezTo>
+                <a:lnTo>
+                  <a:pt x="60082" y="78957"/>
+                </a:lnTo>
+                <a:lnTo>
+                  <a:pt x="60082" y="129602"/>
+                </a:lnTo>
+                <a:cubicBezTo>
+                  <a:pt x="60082" y="134814"/>
+                  <a:pt x="64308" y="139039"/>
+                  <a:pt x="69520" y="139039"/>
+                </a:cubicBezTo>
+                <a:cubicBezTo>
+                  <a:pt x="74731" y="139039"/>
+                  <a:pt x="78957" y="134814"/>
+                  <a:pt x="78957" y="129602"/>
+                </a:cubicBezTo>
+                <a:lnTo>
+                  <a:pt x="78957" y="78957"/>
+                </a:lnTo>
+                <a:lnTo>
+                  <a:pt x="129602" y="78957"/>
+                </a:lnTo>
+                <a:cubicBezTo>
+                  <a:pt x="134814" y="78957"/>
+                  <a:pt x="139039" y="74731"/>
+                  <a:pt x="139039" y="69520"/>
+                </a:cubicBezTo>
+                <a:cubicBezTo>
+                  <a:pt x="139039" y="64308"/>
+                  <a:pt x="134814" y="60082"/>
+                  <a:pt x="129602" y="60082"/>
+                </a:cubicBezTo>
+                <a:close/>
+              </a:path>
+            </a:pathLst>
+          </a:custGeom>
+          <a:solidFill>
+            <a:srgbClr val="FFFFFF"/>
+          </a:solidFill>
+          <a:ln w="603" cap="flat">
+            <a:noFill/>
+            <a:prstDash val="solid"/>
+            <a:miter/>
+          </a:ln>
+        </p:spPr>
+        <p:txBody>
+          <a:bodyPr rtlCol="0" anchor="ctr"/>
+          <a:lstStyle/>
+          <a:p>
+            <a:endParaRPr lang="en-US">
+              <a:solidFill>
+                <a:srgbClr val="FFFFFF"/>
+              </a:solidFill>
+            </a:endParaRPr>
+          </a:p>
+        </p:txBody>
+      </p:sp>
+      <p:sp>
+        <p:nvSpPr>
+          <p:cNvPr id="12" name="Graphic 12">
+            <a:extLst>
+              <a:ext uri="{FF2B5EF4-FFF2-40B4-BE49-F238E27FC236}">
+                <a16:creationId xmlns:a16="http://schemas.microsoft.com/office/drawing/2014/main" id="{712D4376-A578-4FF1-94FC-245E7A6A489F}"/>
+              </a:ext>
+              <a:ext uri="{C183D7F6-B498-43B3-948B-1728B52AA6E4}">
+                <adec:decorative xmlns:adec="http://schemas.microsoft.com/office/drawing/2017/decorative" val="1"/>
+              </a:ext>
+            </a:extLst>
+          </p:cNvPr>
+          <p:cNvSpPr>
+            <a:spLocks noGrp="1" noRot="1" noChangeAspect="1" noMove="1" noResize="1" noEditPoints="1" noAdjustHandles="1" noChangeArrowheads="1" noChangeShapeType="1" noTextEdit="1"/>
+          </p:cNvSpPr>
+          <p:nvPr>
+            <p:extLst>
+              <p:ext uri="{386F3935-93C4-4BCD-93E2-E3B085C9AB24}">
+                <p16:designElem xmlns:p16="http://schemas.microsoft.com/office/powerpoint/2015/main" val="1"/>
+              </p:ext>
+            </p:extLst>
+          </p:nvPr>
+        </p:nvSpPr>
+        <p:spPr>
+          <a:xfrm>
+            <a:off x="3833139" y="812640"/>
+            <a:ext cx="91138" cy="91138"/>
+          </a:xfrm>
+          <a:custGeom>
+            <a:avLst/>
+            <a:gdLst>
+              <a:gd name="connsiteX0" fmla="*/ 91138 w 91138"/>
+              <a:gd name="connsiteY0" fmla="*/ 45569 h 91138"/>
+              <a:gd name="connsiteX1" fmla="*/ 45569 w 91138"/>
+              <a:gd name="connsiteY1" fmla="*/ 91138 h 91138"/>
+              <a:gd name="connsiteX2" fmla="*/ 0 w 91138"/>
+              <a:gd name="connsiteY2" fmla="*/ 45569 h 91138"/>
+              <a:gd name="connsiteX3" fmla="*/ 45569 w 91138"/>
+              <a:gd name="connsiteY3" fmla="*/ 0 h 91138"/>
+              <a:gd name="connsiteX4" fmla="*/ 91138 w 91138"/>
+              <a:gd name="connsiteY4" fmla="*/ 45569 h 91138"/>
+            </a:gdLst>
+            <a:ahLst/>
+            <a:cxnLst>
+              <a:cxn ang="0">
+                <a:pos x="connsiteX0" y="connsiteY0"/>
+              </a:cxn>
+              <a:cxn ang="0">
+                <a:pos x="connsiteX1" y="connsiteY1"/>
+              </a:cxn>
+              <a:cxn ang="0">
+                <a:pos x="connsiteX2" y="connsiteY2"/>
+              </a:cxn>
+              <a:cxn ang="0">
+                <a:pos x="connsiteX3" y="connsiteY3"/>
+              </a:cxn>
+              <a:cxn ang="0">
+                <a:pos x="connsiteX4" y="connsiteY4"/>
+              </a:cxn>
+            </a:cxnLst>
+            <a:rect l="l" t="t" r="r" b="b"/>
+            <a:pathLst>
+              <a:path w="91138" h="91138">
+                <a:moveTo>
+                  <a:pt x="91138" y="45569"/>
+                </a:moveTo>
+                <a:cubicBezTo>
+                  <a:pt x="91138" y="70736"/>
+                  <a:pt x="70736" y="91138"/>
+                  <a:pt x="45569" y="91138"/>
+                </a:cubicBezTo>
+                <a:cubicBezTo>
+                  <a:pt x="20402" y="91138"/>
+                  <a:pt x="0" y="70736"/>
+                  <a:pt x="0" y="45569"/>
+                </a:cubicBezTo>
+                <a:cubicBezTo>
+                  <a:pt x="0" y="20402"/>
+                  <a:pt x="20402" y="0"/>
+                  <a:pt x="45569" y="0"/>
+                </a:cubicBezTo>
+                <a:cubicBezTo>
+                  <a:pt x="70736" y="0"/>
+                  <a:pt x="91138" y="20402"/>
+                  <a:pt x="91138" y="45569"/>
+                </a:cubicBezTo>
+                <a:close/>
+              </a:path>
+            </a:pathLst>
+          </a:custGeom>
+          <a:solidFill>
+            <a:srgbClr val="FFFFFF"/>
+          </a:solidFill>
+          <a:ln w="422" cap="flat">
+            <a:noFill/>
+            <a:prstDash val="solid"/>
+            <a:miter/>
+          </a:ln>
+        </p:spPr>
+        <p:txBody>
+          <a:bodyPr rtlCol="0" anchor="ctr"/>
+          <a:lstStyle/>
+          <a:p>
+            <a:endParaRPr lang="en-US">
+              <a:solidFill>
+                <a:srgbClr val="FFFFFF"/>
+              </a:solidFill>
+            </a:endParaRPr>
+          </a:p>
+        </p:txBody>
+      </p:sp>
+      <p:sp>
+        <p:nvSpPr>
+          <p:cNvPr id="14" name="Graphic 15">
+            <a:extLst>
+              <a:ext uri="{FF2B5EF4-FFF2-40B4-BE49-F238E27FC236}">
+                <a16:creationId xmlns:a16="http://schemas.microsoft.com/office/drawing/2014/main" id="{AEA7509D-F04F-40CB-A0B3-EEF16499CC9F}"/>
+              </a:ext>
+              <a:ext uri="{C183D7F6-B498-43B3-948B-1728B52AA6E4}">
+                <adec:decorative xmlns:adec="http://schemas.microsoft.com/office/drawing/2017/decorative" val="1"/>
+              </a:ext>
+            </a:extLst>
+          </p:cNvPr>
+          <p:cNvSpPr>
+            <a:spLocks noGrp="1" noRot="1" noChangeAspect="1" noMove="1" noResize="1" noEditPoints="1" noAdjustHandles="1" noChangeArrowheads="1" noChangeShapeType="1" noTextEdit="1"/>
+          </p:cNvSpPr>
+          <p:nvPr>
+            <p:extLst>
+              <p:ext uri="{386F3935-93C4-4BCD-93E2-E3B085C9AB24}">
+                <p16:designElem xmlns:p16="http://schemas.microsoft.com/office/powerpoint/2015/main" val="1"/>
+              </p:ext>
+            </p:extLst>
+          </p:nvPr>
+        </p:nvSpPr>
+        <p:spPr>
+          <a:xfrm>
+            <a:off x="3458819" y="1037066"/>
+            <a:ext cx="127714" cy="127714"/>
+          </a:xfrm>
+          <a:custGeom>
+            <a:avLst/>
+            <a:gdLst>
+              <a:gd name="connsiteX0" fmla="*/ 63857 w 127714"/>
+              <a:gd name="connsiteY0" fmla="*/ 18874 h 127714"/>
+              <a:gd name="connsiteX1" fmla="*/ 108840 w 127714"/>
+              <a:gd name="connsiteY1" fmla="*/ 63857 h 127714"/>
+              <a:gd name="connsiteX2" fmla="*/ 63857 w 127714"/>
+              <a:gd name="connsiteY2" fmla="*/ 108840 h 127714"/>
+              <a:gd name="connsiteX3" fmla="*/ 18874 w 127714"/>
+              <a:gd name="connsiteY3" fmla="*/ 63857 h 127714"/>
+              <a:gd name="connsiteX4" fmla="*/ 63857 w 127714"/>
+              <a:gd name="connsiteY4" fmla="*/ 18874 h 127714"/>
+              <a:gd name="connsiteX5" fmla="*/ 63857 w 127714"/>
+              <a:gd name="connsiteY5" fmla="*/ 0 h 127714"/>
+              <a:gd name="connsiteX6" fmla="*/ 0 w 127714"/>
+              <a:gd name="connsiteY6" fmla="*/ 63857 h 127714"/>
+              <a:gd name="connsiteX7" fmla="*/ 63857 w 127714"/>
+              <a:gd name="connsiteY7" fmla="*/ 127714 h 127714"/>
+              <a:gd name="connsiteX8" fmla="*/ 127714 w 127714"/>
+              <a:gd name="connsiteY8" fmla="*/ 63857 h 127714"/>
+              <a:gd name="connsiteX9" fmla="*/ 63857 w 127714"/>
+              <a:gd name="connsiteY9" fmla="*/ 0 h 127714"/>
+            </a:gdLst>
+            <a:ahLst/>
+            <a:cxnLst>
+              <a:cxn ang="0">
+                <a:pos x="connsiteX0" y="connsiteY0"/>
+              </a:cxn>
+              <a:cxn ang="0">
+                <a:pos x="connsiteX1" y="connsiteY1"/>
+              </a:cxn>
+              <a:cxn ang="0">
+                <a:pos x="connsiteX2" y="connsiteY2"/>
+              </a:cxn>
+              <a:cxn ang="0">
+                <a:pos x="connsiteX3" y="connsiteY3"/>
+              </a:cxn>
+              <a:cxn ang="0">
+                <a:pos x="connsiteX4" y="connsiteY4"/>
+              </a:cxn>
+              <a:cxn ang="0">
+                <a:pos x="connsiteX5" y="connsiteY5"/>
+              </a:cxn>
+              <a:cxn ang="0">
+                <a:pos x="connsiteX6" y="connsiteY6"/>
+              </a:cxn>
+              <a:cxn ang="0">
+                <a:pos x="connsiteX7" y="connsiteY7"/>
+              </a:cxn>
+              <a:cxn ang="0">
+                <a:pos x="connsiteX8" y="connsiteY8"/>
+              </a:cxn>
+              <a:cxn ang="0">
+                <a:pos x="connsiteX9" y="connsiteY9"/>
+              </a:cxn>
+            </a:cxnLst>
+            <a:rect l="l" t="t" r="r" b="b"/>
+            <a:pathLst>
+              <a:path w="127714" h="127714">
+                <a:moveTo>
+                  <a:pt x="63857" y="18874"/>
+                </a:moveTo>
+                <a:cubicBezTo>
+                  <a:pt x="88700" y="18874"/>
+                  <a:pt x="108840" y="39014"/>
+                  <a:pt x="108840" y="63857"/>
+                </a:cubicBezTo>
+                <a:cubicBezTo>
+                  <a:pt x="108840" y="88700"/>
+                  <a:pt x="88700" y="108840"/>
+                  <a:pt x="63857" y="108840"/>
+                </a:cubicBezTo>
+                <a:cubicBezTo>
+                  <a:pt x="39014" y="108840"/>
+                  <a:pt x="18874" y="88700"/>
+                  <a:pt x="18874" y="63857"/>
+                </a:cubicBezTo>
+                <a:cubicBezTo>
+                  <a:pt x="18898" y="39024"/>
+                  <a:pt x="39024" y="18898"/>
+                  <a:pt x="63857" y="18874"/>
+                </a:cubicBezTo>
+                <a:moveTo>
+                  <a:pt x="63857" y="0"/>
+                </a:moveTo>
+                <a:cubicBezTo>
+                  <a:pt x="28590" y="0"/>
+                  <a:pt x="0" y="28590"/>
+                  <a:pt x="0" y="63857"/>
+                </a:cubicBezTo>
+                <a:cubicBezTo>
+                  <a:pt x="0" y="99124"/>
+                  <a:pt x="28590" y="127714"/>
+                  <a:pt x="63857" y="127714"/>
+                </a:cubicBezTo>
+                <a:cubicBezTo>
+                  <a:pt x="99124" y="127714"/>
+                  <a:pt x="127714" y="99124"/>
+                  <a:pt x="127714" y="63857"/>
+                </a:cubicBezTo>
+                <a:cubicBezTo>
+                  <a:pt x="127714" y="28590"/>
+                  <a:pt x="99124" y="0"/>
+                  <a:pt x="63857" y="0"/>
+                </a:cubicBezTo>
+                <a:close/>
+              </a:path>
+            </a:pathLst>
+          </a:custGeom>
+          <a:solidFill>
+            <a:srgbClr val="FFFFFF"/>
+          </a:solidFill>
+          <a:ln w="610" cap="flat">
+            <a:noFill/>
+            <a:prstDash val="solid"/>
+            <a:miter/>
+          </a:ln>
+        </p:spPr>
+        <p:txBody>
+          <a:bodyPr rtlCol="0" anchor="ctr"/>
+          <a:lstStyle/>
+          <a:p>
+            <a:endParaRPr lang="en-US">
+              <a:solidFill>
+                <a:srgbClr val="FFFFFF"/>
+              </a:solidFill>
+            </a:endParaRPr>
+          </a:p>
+        </p:txBody>
+      </p:sp>
+      <p:cxnSp>
+        <p:nvCxnSpPr>
+          <p:cNvPr id="16" name="Straight Connector 15">
+            <a:extLst>
+              <a:ext uri="{FF2B5EF4-FFF2-40B4-BE49-F238E27FC236}">
+                <a16:creationId xmlns:a16="http://schemas.microsoft.com/office/drawing/2014/main" id="{56020367-4FD5-4596-8E10-C5F095CD8DBF}"/>
+              </a:ext>
+              <a:ext uri="{C183D7F6-B498-43B3-948B-1728B52AA6E4}">
+                <adec:decorative xmlns:adec="http://schemas.microsoft.com/office/drawing/2017/decorative" val="1"/>
+              </a:ext>
+            </a:extLst>
+          </p:cNvPr>
+          <p:cNvCxnSpPr>
+            <a:cxnSpLocks noGrp="1" noRot="1" noChangeAspect="1" noMove="1" noResize="1" noEditPoints="1" noAdjustHandles="1" noChangeArrowheads="1" noChangeShapeType="1"/>
+          </p:cNvCxnSpPr>
+          <p:nvPr>
+            <p:extLst>
+              <p:ext uri="{386F3935-93C4-4BCD-93E2-E3B085C9AB24}">
+                <p16:designElem xmlns:p16="http://schemas.microsoft.com/office/powerpoint/2015/main" val="1"/>
+              </p:ext>
+            </p:extLst>
+          </p:nvPr>
+        </p:nvCxnSpPr>
+        <p:spPr>
+          <a:xfrm>
+            <a:off x="856114" y="3503032"/>
+            <a:ext cx="0" cy="3346090"/>
+          </a:xfrm>
+          <a:prstGeom prst="line">
+            <a:avLst/>
+          </a:prstGeom>
+          <a:ln w="25400" cap="sq">
+            <a:solidFill>
+              <a:srgbClr val="FFFFFF"/>
+            </a:solidFill>
+            <a:bevel/>
+          </a:ln>
+        </p:spPr>
+        <p:style>
+          <a:lnRef idx="1">
+            <a:schemeClr val="accent1"/>
+          </a:lnRef>
+          <a:fillRef idx="0">
+            <a:schemeClr val="accent1"/>
+          </a:fillRef>
+          <a:effectRef idx="0">
+            <a:schemeClr val="accent1"/>
+          </a:effectRef>
+          <a:fontRef idx="minor">
+            <a:schemeClr val="tx1"/>
+          </a:fontRef>
+        </p:style>
+      </p:cxnSp>
+      <p:sp>
+        <p:nvSpPr>
+          <p:cNvPr id="18" name="Graphic 22">
+            <a:extLst>
+              <a:ext uri="{FF2B5EF4-FFF2-40B4-BE49-F238E27FC236}">
+                <a16:creationId xmlns:a16="http://schemas.microsoft.com/office/drawing/2014/main" id="{508BEF50-7B1E-49A4-BC19-5F4F1D755E64}"/>
+              </a:ext>
+              <a:ext uri="{C183D7F6-B498-43B3-948B-1728B52AA6E4}">
+                <adec:decorative xmlns:adec="http://schemas.microsoft.com/office/drawing/2017/decorative" val="1"/>
+              </a:ext>
+            </a:extLst>
+          </p:cNvPr>
+          <p:cNvSpPr>
+            <a:spLocks noGrp="1" noRot="1" noChangeAspect="1" noMove="1" noResize="1" noEditPoints="1" noAdjustHandles="1" noChangeArrowheads="1" noChangeShapeType="1" noTextEdit="1"/>
+          </p:cNvSpPr>
+          <p:nvPr>
+            <p:extLst>
+              <p:ext uri="{386F3935-93C4-4BCD-93E2-E3B085C9AB24}">
+                <p16:designElem xmlns:p16="http://schemas.microsoft.com/office/powerpoint/2015/main" val="1"/>
+              </p:ext>
+            </p:extLst>
+          </p:nvPr>
+        </p:nvSpPr>
+        <p:spPr>
+          <a:xfrm>
+            <a:off x="10836425" y="5636680"/>
+            <a:ext cx="151536" cy="151536"/>
+          </a:xfrm>
+          <a:custGeom>
+            <a:avLst/>
+            <a:gdLst>
+              <a:gd name="connsiteX0" fmla="*/ 141251 w 151536"/>
+              <a:gd name="connsiteY0" fmla="*/ 65483 h 151536"/>
+              <a:gd name="connsiteX1" fmla="*/ 86053 w 151536"/>
+              <a:gd name="connsiteY1" fmla="*/ 65483 h 151536"/>
+              <a:gd name="connsiteX2" fmla="*/ 86053 w 151536"/>
+              <a:gd name="connsiteY2" fmla="*/ 10285 h 151536"/>
+              <a:gd name="connsiteX3" fmla="*/ 75768 w 151536"/>
+              <a:gd name="connsiteY3" fmla="*/ 0 h 151536"/>
+              <a:gd name="connsiteX4" fmla="*/ 65483 w 151536"/>
+              <a:gd name="connsiteY4" fmla="*/ 10285 h 151536"/>
+              <a:gd name="connsiteX5" fmla="*/ 65483 w 151536"/>
+              <a:gd name="connsiteY5" fmla="*/ 65483 h 151536"/>
+              <a:gd name="connsiteX6" fmla="*/ 10285 w 151536"/>
+              <a:gd name="connsiteY6" fmla="*/ 65483 h 151536"/>
+              <a:gd name="connsiteX7" fmla="*/ 0 w 151536"/>
+              <a:gd name="connsiteY7" fmla="*/ 75768 h 151536"/>
+              <a:gd name="connsiteX8" fmla="*/ 10285 w 151536"/>
+              <a:gd name="connsiteY8" fmla="*/ 86053 h 151536"/>
+              <a:gd name="connsiteX9" fmla="*/ 65483 w 151536"/>
+              <a:gd name="connsiteY9" fmla="*/ 86053 h 151536"/>
+              <a:gd name="connsiteX10" fmla="*/ 65483 w 151536"/>
+              <a:gd name="connsiteY10" fmla="*/ 141251 h 151536"/>
+              <a:gd name="connsiteX11" fmla="*/ 75768 w 151536"/>
+              <a:gd name="connsiteY11" fmla="*/ 151536 h 151536"/>
+              <a:gd name="connsiteX12" fmla="*/ 86053 w 151536"/>
+              <a:gd name="connsiteY12" fmla="*/ 141251 h 151536"/>
+              <a:gd name="connsiteX13" fmla="*/ 86053 w 151536"/>
+              <a:gd name="connsiteY13" fmla="*/ 86053 h 151536"/>
+              <a:gd name="connsiteX14" fmla="*/ 141251 w 151536"/>
+              <a:gd name="connsiteY14" fmla="*/ 86053 h 151536"/>
+              <a:gd name="connsiteX15" fmla="*/ 151536 w 151536"/>
+              <a:gd name="connsiteY15" fmla="*/ 75768 h 151536"/>
+              <a:gd name="connsiteX16" fmla="*/ 141251 w 151536"/>
+              <a:gd name="connsiteY16" fmla="*/ 65483 h 151536"/>
+            </a:gdLst>
+            <a:ahLst/>
+            <a:cxnLst>
+              <a:cxn ang="0">
+                <a:pos x="connsiteX0" y="connsiteY0"/>
+              </a:cxn>
+              <a:cxn ang="0">
+                <a:pos x="connsiteX1" y="connsiteY1"/>
+              </a:cxn>
+              <a:cxn ang="0">
+                <a:pos x="connsiteX2" y="connsiteY2"/>
+              </a:cxn>
+              <a:cxn ang="0">
+                <a:pos x="connsiteX3" y="connsiteY3"/>
+              </a:cxn>
+              <a:cxn ang="0">
+                <a:pos x="connsiteX4" y="connsiteY4"/>
+              </a:cxn>
+              <a:cxn ang="0">
+                <a:pos x="connsiteX5" y="connsiteY5"/>
+              </a:cxn>
+              <a:cxn ang="0">
+                <a:pos x="connsiteX6" y="connsiteY6"/>
+              </a:cxn>
+              <a:cxn ang="0">
+                <a:pos x="connsiteX7" y="connsiteY7"/>
+              </a:cxn>
+              <a:cxn ang="0">
+                <a:pos x="connsiteX8" y="connsiteY8"/>
+              </a:cxn>
+              <a:cxn ang="0">
+                <a:pos x="connsiteX9" y="connsiteY9"/>
+              </a:cxn>
+              <a:cxn ang="0">
+                <a:pos x="connsiteX10" y="connsiteY10"/>
+              </a:cxn>
+              <a:cxn ang="0">
+                <a:pos x="connsiteX11" y="connsiteY11"/>
+              </a:cxn>
+              <a:cxn ang="0">
+                <a:pos x="connsiteX12" y="connsiteY12"/>
+              </a:cxn>
+              <a:cxn ang="0">
+                <a:pos x="connsiteX13" y="connsiteY13"/>
+              </a:cxn>
+              <a:cxn ang="0">
+                <a:pos x="connsiteX14" y="connsiteY14"/>
+              </a:cxn>
+              <a:cxn ang="0">
+                <a:pos x="connsiteX15" y="connsiteY15"/>
+              </a:cxn>
+              <a:cxn ang="0">
+                <a:pos x="connsiteX16" y="connsiteY16"/>
+              </a:cxn>
+            </a:cxnLst>
+            <a:rect l="l" t="t" r="r" b="b"/>
+            <a:pathLst>
+              <a:path w="151536" h="151536">
+                <a:moveTo>
+                  <a:pt x="141251" y="65483"/>
+                </a:moveTo>
+                <a:lnTo>
+                  <a:pt x="86053" y="65483"/>
+                </a:lnTo>
+                <a:lnTo>
+                  <a:pt x="86053" y="10285"/>
+                </a:lnTo>
+                <a:cubicBezTo>
+                  <a:pt x="86053" y="4605"/>
+                  <a:pt x="81448" y="0"/>
+                  <a:pt x="75768" y="0"/>
+                </a:cubicBezTo>
+                <a:cubicBezTo>
+                  <a:pt x="70088" y="0"/>
+                  <a:pt x="65483" y="4605"/>
+                  <a:pt x="65483" y="10285"/>
+                </a:cubicBezTo>
+                <a:lnTo>
+                  <a:pt x="65483" y="65483"/>
+                </a:lnTo>
+                <a:lnTo>
+                  <a:pt x="10285" y="65483"/>
+                </a:lnTo>
+                <a:cubicBezTo>
+                  <a:pt x="4605" y="65483"/>
+                  <a:pt x="0" y="70088"/>
+                  <a:pt x="0" y="75768"/>
+                </a:cubicBezTo>
+                <a:cubicBezTo>
+                  <a:pt x="0" y="81448"/>
+                  <a:pt x="4605" y="86053"/>
+                  <a:pt x="10285" y="86053"/>
+                </a:cubicBezTo>
+                <a:lnTo>
+                  <a:pt x="65483" y="86053"/>
+                </a:lnTo>
+                <a:lnTo>
+                  <a:pt x="65483" y="141251"/>
+                </a:lnTo>
+                <a:cubicBezTo>
+                  <a:pt x="65483" y="146931"/>
+                  <a:pt x="70088" y="151536"/>
+                  <a:pt x="75768" y="151536"/>
+                </a:cubicBezTo>
+                <a:cubicBezTo>
+                  <a:pt x="81448" y="151536"/>
+                  <a:pt x="86053" y="146931"/>
+                  <a:pt x="86053" y="141251"/>
+                </a:cubicBezTo>
+                <a:lnTo>
+                  <a:pt x="86053" y="86053"/>
+                </a:lnTo>
+                <a:lnTo>
+                  <a:pt x="141251" y="86053"/>
+                </a:lnTo>
+                <a:cubicBezTo>
+                  <a:pt x="146931" y="86053"/>
+                  <a:pt x="151536" y="81448"/>
+                  <a:pt x="151536" y="75768"/>
+                </a:cubicBezTo>
+                <a:cubicBezTo>
+                  <a:pt x="151536" y="70088"/>
+                  <a:pt x="146931" y="65483"/>
+                  <a:pt x="141251" y="65483"/>
+                </a:cubicBezTo>
+                <a:close/>
+              </a:path>
+            </a:pathLst>
+          </a:custGeom>
+          <a:solidFill>
+            <a:srgbClr val="FFFFFF"/>
+          </a:solidFill>
+          <a:ln w="646" cap="flat">
+            <a:noFill/>
+            <a:prstDash val="solid"/>
+            <a:miter/>
+          </a:ln>
+        </p:spPr>
+        <p:txBody>
+          <a:bodyPr rtlCol="0" anchor="ctr"/>
+          <a:lstStyle/>
+          <a:p>
+            <a:endParaRPr lang="en-US">
+              <a:solidFill>
+                <a:srgbClr val="FFFFFF"/>
+              </a:solidFill>
+            </a:endParaRPr>
+          </a:p>
+        </p:txBody>
+      </p:sp>
+      <p:sp>
+        <p:nvSpPr>
+          <p:cNvPr id="20" name="Graphic 23">
+            <a:extLst>
+              <a:ext uri="{FF2B5EF4-FFF2-40B4-BE49-F238E27FC236}">
+                <a16:creationId xmlns:a16="http://schemas.microsoft.com/office/drawing/2014/main" id="{3FBAD350-5664-4811-A208-657FB882D350}"/>
+              </a:ext>
+              <a:ext uri="{C183D7F6-B498-43B3-948B-1728B52AA6E4}">
+                <adec:decorative xmlns:adec="http://schemas.microsoft.com/office/drawing/2017/decorative" val="1"/>
+              </a:ext>
+            </a:extLst>
+          </p:cNvPr>
+          <p:cNvSpPr>
+            <a:spLocks noGrp="1" noRot="1" noChangeAspect="1" noMove="1" noResize="1" noEditPoints="1" noAdjustHandles="1" noChangeArrowheads="1" noChangeShapeType="1" noTextEdit="1"/>
+          </p:cNvSpPr>
+          <p:nvPr>
+            <p:extLst>
+              <p:ext uri="{386F3935-93C4-4BCD-93E2-E3B085C9AB24}">
+                <p16:designElem xmlns:p16="http://schemas.microsoft.com/office/powerpoint/2015/main" val="1"/>
+              </p:ext>
+            </p:extLst>
+          </p:nvPr>
+        </p:nvSpPr>
+        <p:spPr>
+          <a:xfrm>
+            <a:off x="11245175" y="6096759"/>
+            <a:ext cx="108625" cy="108625"/>
+          </a:xfrm>
+          <a:custGeom>
+            <a:avLst/>
+            <a:gdLst>
+              <a:gd name="connsiteX0" fmla="*/ 54313 w 108625"/>
+              <a:gd name="connsiteY0" fmla="*/ 16053 h 108625"/>
+              <a:gd name="connsiteX1" fmla="*/ 92572 w 108625"/>
+              <a:gd name="connsiteY1" fmla="*/ 54313 h 108625"/>
+              <a:gd name="connsiteX2" fmla="*/ 54313 w 108625"/>
+              <a:gd name="connsiteY2" fmla="*/ 92572 h 108625"/>
+              <a:gd name="connsiteX3" fmla="*/ 16053 w 108625"/>
+              <a:gd name="connsiteY3" fmla="*/ 54313 h 108625"/>
+              <a:gd name="connsiteX4" fmla="*/ 54313 w 108625"/>
+              <a:gd name="connsiteY4" fmla="*/ 16053 h 108625"/>
+              <a:gd name="connsiteX5" fmla="*/ 54313 w 108625"/>
+              <a:gd name="connsiteY5" fmla="*/ 0 h 108625"/>
+              <a:gd name="connsiteX6" fmla="*/ 0 w 108625"/>
+              <a:gd name="connsiteY6" fmla="*/ 54313 h 108625"/>
+              <a:gd name="connsiteX7" fmla="*/ 54313 w 108625"/>
+              <a:gd name="connsiteY7" fmla="*/ 108625 h 108625"/>
+              <a:gd name="connsiteX8" fmla="*/ 108625 w 108625"/>
+              <a:gd name="connsiteY8" fmla="*/ 54313 h 108625"/>
+              <a:gd name="connsiteX9" fmla="*/ 54313 w 108625"/>
+              <a:gd name="connsiteY9" fmla="*/ 0 h 108625"/>
+            </a:gdLst>
+            <a:ahLst/>
+            <a:cxnLst>
+              <a:cxn ang="0">
+                <a:pos x="connsiteX0" y="connsiteY0"/>
+              </a:cxn>
+              <a:cxn ang="0">
+                <a:pos x="connsiteX1" y="connsiteY1"/>
+              </a:cxn>
+              <a:cxn ang="0">
+                <a:pos x="connsiteX2" y="connsiteY2"/>
+              </a:cxn>
+              <a:cxn ang="0">
+                <a:pos x="connsiteX3" y="connsiteY3"/>
+              </a:cxn>
+              <a:cxn ang="0">
+                <a:pos x="connsiteX4" y="connsiteY4"/>
+              </a:cxn>
+              <a:cxn ang="0">
+                <a:pos x="connsiteX5" y="connsiteY5"/>
+              </a:cxn>
+              <a:cxn ang="0">
+                <a:pos x="connsiteX6" y="connsiteY6"/>
+              </a:cxn>
+              <a:cxn ang="0">
+                <a:pos x="connsiteX7" y="connsiteY7"/>
+              </a:cxn>
+              <a:cxn ang="0">
+                <a:pos x="connsiteX8" y="connsiteY8"/>
+              </a:cxn>
+              <a:cxn ang="0">
+                <a:pos x="connsiteX9" y="connsiteY9"/>
+              </a:cxn>
+            </a:cxnLst>
+            <a:rect l="l" t="t" r="r" b="b"/>
+            <a:pathLst>
+              <a:path w="108625" h="108625">
+                <a:moveTo>
+                  <a:pt x="54313" y="16053"/>
+                </a:moveTo>
+                <a:cubicBezTo>
+                  <a:pt x="75442" y="16053"/>
+                  <a:pt x="92572" y="33182"/>
+                  <a:pt x="92572" y="54313"/>
+                </a:cubicBezTo>
+                <a:cubicBezTo>
+                  <a:pt x="92572" y="75442"/>
+                  <a:pt x="75442" y="92572"/>
+                  <a:pt x="54313" y="92572"/>
+                </a:cubicBezTo>
+                <a:cubicBezTo>
+                  <a:pt x="33182" y="92572"/>
+                  <a:pt x="16053" y="75442"/>
+                  <a:pt x="16053" y="54313"/>
+                </a:cubicBezTo>
+                <a:cubicBezTo>
+                  <a:pt x="16074" y="33191"/>
+                  <a:pt x="33191" y="16074"/>
+                  <a:pt x="54313" y="16053"/>
+                </a:cubicBezTo>
+                <a:moveTo>
+                  <a:pt x="54313" y="0"/>
+                </a:moveTo>
+                <a:cubicBezTo>
+                  <a:pt x="24317" y="0"/>
+                  <a:pt x="0" y="24317"/>
+                  <a:pt x="0" y="54313"/>
+                </a:cubicBezTo>
+                <a:cubicBezTo>
+                  <a:pt x="0" y="84309"/>
+                  <a:pt x="24317" y="108625"/>
+                  <a:pt x="54313" y="108625"/>
+                </a:cubicBezTo>
+                <a:cubicBezTo>
+                  <a:pt x="84309" y="108625"/>
+                  <a:pt x="108625" y="84309"/>
+                  <a:pt x="108625" y="54313"/>
+                </a:cubicBezTo>
+                <a:cubicBezTo>
+                  <a:pt x="108625" y="24317"/>
+                  <a:pt x="84309" y="0"/>
+                  <a:pt x="54313" y="0"/>
+                </a:cubicBezTo>
+                <a:close/>
+              </a:path>
+            </a:pathLst>
+          </a:custGeom>
+          <a:solidFill>
+            <a:srgbClr val="FFFFFF"/>
+          </a:solidFill>
+          <a:ln w="516" cap="flat">
+            <a:noFill/>
+            <a:prstDash val="solid"/>
+            <a:miter/>
+          </a:ln>
+        </p:spPr>
+        <p:txBody>
+          <a:bodyPr rtlCol="0" anchor="ctr"/>
+          <a:lstStyle/>
+          <a:p>
+            <a:endParaRPr lang="en-US">
+              <a:solidFill>
+                <a:srgbClr val="FFFFFF"/>
+              </a:solidFill>
+            </a:endParaRPr>
+          </a:p>
+        </p:txBody>
+      </p:sp>
+      <p:sp>
+        <p:nvSpPr>
+          <p:cNvPr id="22" name="Graphic 21">
+            <a:extLst>
+              <a:ext uri="{FF2B5EF4-FFF2-40B4-BE49-F238E27FC236}">
+                <a16:creationId xmlns:a16="http://schemas.microsoft.com/office/drawing/2014/main" id="{C39ADB8F-D187-49D7-BDCF-C1B6DC727068}"/>
+              </a:ext>
+              <a:ext uri="{C183D7F6-B498-43B3-948B-1728B52AA6E4}">
+                <adec:decorative xmlns:adec="http://schemas.microsoft.com/office/drawing/2017/decorative" val="1"/>
+              </a:ext>
+            </a:extLst>
+          </p:cNvPr>
+          <p:cNvSpPr>
+            <a:spLocks noGrp="1" noRot="1" noChangeAspect="1" noMove="1" noResize="1" noEditPoints="1" noAdjustHandles="1" noChangeArrowheads="1" noChangeShapeType="1" noTextEdit="1"/>
+          </p:cNvSpPr>
+          <p:nvPr>
+            <p:extLst>
+              <p:ext uri="{386F3935-93C4-4BCD-93E2-E3B085C9AB24}">
+                <p16:designElem xmlns:p16="http://schemas.microsoft.com/office/powerpoint/2015/main" val="1"/>
+              </p:ext>
+            </p:extLst>
+          </p:nvPr>
+        </p:nvSpPr>
+        <p:spPr>
+          <a:xfrm>
+            <a:off x="10554288" y="6238029"/>
+            <a:ext cx="95759" cy="95759"/>
+          </a:xfrm>
+          <a:custGeom>
+            <a:avLst/>
+            <a:gdLst>
+              <a:gd name="connsiteX0" fmla="*/ 95759 w 95759"/>
+              <a:gd name="connsiteY0" fmla="*/ 47880 h 95759"/>
+              <a:gd name="connsiteX1" fmla="*/ 47880 w 95759"/>
+              <a:gd name="connsiteY1" fmla="*/ 95759 h 95759"/>
+              <a:gd name="connsiteX2" fmla="*/ 0 w 95759"/>
+              <a:gd name="connsiteY2" fmla="*/ 47880 h 95759"/>
+              <a:gd name="connsiteX3" fmla="*/ 47880 w 95759"/>
+              <a:gd name="connsiteY3" fmla="*/ 0 h 95759"/>
+              <a:gd name="connsiteX4" fmla="*/ 95759 w 95759"/>
+              <a:gd name="connsiteY4" fmla="*/ 47880 h 95759"/>
+            </a:gdLst>
+            <a:ahLst/>
+            <a:cxnLst>
+              <a:cxn ang="0">
+                <a:pos x="connsiteX0" y="connsiteY0"/>
+              </a:cxn>
+              <a:cxn ang="0">
+                <a:pos x="connsiteX1" y="connsiteY1"/>
+              </a:cxn>
+              <a:cxn ang="0">
+                <a:pos x="connsiteX2" y="connsiteY2"/>
+              </a:cxn>
+              <a:cxn ang="0">
+                <a:pos x="connsiteX3" y="connsiteY3"/>
+              </a:cxn>
+              <a:cxn ang="0">
+                <a:pos x="connsiteX4" y="connsiteY4"/>
+              </a:cxn>
+            </a:cxnLst>
+            <a:rect l="l" t="t" r="r" b="b"/>
+            <a:pathLst>
+              <a:path w="95759" h="95759">
+                <a:moveTo>
+                  <a:pt x="95759" y="47880"/>
+                </a:moveTo>
+                <a:cubicBezTo>
+                  <a:pt x="95759" y="74323"/>
+                  <a:pt x="74323" y="95759"/>
+                  <a:pt x="47880" y="95759"/>
+                </a:cubicBezTo>
+                <a:cubicBezTo>
+                  <a:pt x="21436" y="95759"/>
+                  <a:pt x="0" y="74323"/>
+                  <a:pt x="0" y="47880"/>
+                </a:cubicBezTo>
+                <a:cubicBezTo>
+                  <a:pt x="0" y="21436"/>
+                  <a:pt x="21436" y="0"/>
+                  <a:pt x="47880" y="0"/>
+                </a:cubicBezTo>
+                <a:cubicBezTo>
+                  <a:pt x="74323" y="0"/>
+                  <a:pt x="95759" y="21436"/>
+                  <a:pt x="95759" y="47880"/>
+                </a:cubicBezTo>
+                <a:close/>
+              </a:path>
+            </a:pathLst>
+          </a:custGeom>
+          <a:solidFill>
+            <a:srgbClr val="FFFFFF"/>
+          </a:solidFill>
+          <a:ln w="469" cap="flat">
+            <a:noFill/>
+            <a:prstDash val="solid"/>
+            <a:miter/>
+          </a:ln>
+        </p:spPr>
+        <p:txBody>
+          <a:bodyPr rtlCol="0" anchor="ctr"/>
+          <a:lstStyle/>
+          <a:p>
+            <a:endParaRPr lang="en-US">
+              <a:solidFill>
+                <a:srgbClr val="FFFFFF"/>
+              </a:solidFill>
+            </a:endParaRPr>
           </a:p>
         </p:txBody>
       </p:sp>
@@ -4469,6 +5296,14 @@
 <file path=ppt/slides/slide2.xml><?xml version="1.0" encoding="utf-8"?>
 <p:sld xmlns:a="http://schemas.openxmlformats.org/drawingml/2006/main" xmlns:r="http://schemas.openxmlformats.org/officeDocument/2006/relationships" xmlns:p="http://schemas.openxmlformats.org/presentationml/2006/main">
   <p:cSld>
+    <p:bg>
+      <p:bgPr>
+        <a:solidFill>
+          <a:schemeClr val="bg1"/>
+        </a:solidFill>
+        <a:effectLst/>
+      </p:bgPr>
+    </p:bg>
     <p:spTree>
       <p:nvGrpSpPr>
         <p:cNvPr id="1" name=""/>
@@ -4483,8 +5318,144 @@
           <a:chExt cx="0" cy="0"/>
         </a:xfrm>
       </p:grpSpPr>
+      <p:sp useBgFill="1">
+        <p:nvSpPr>
+          <p:cNvPr id="8" name="Rectangle 7">
+            <a:extLst>
+              <a:ext uri="{FF2B5EF4-FFF2-40B4-BE49-F238E27FC236}">
+                <a16:creationId xmlns:a16="http://schemas.microsoft.com/office/drawing/2014/main" id="{A2679492-7988-4050-9056-542444452411}"/>
+              </a:ext>
+              <a:ext uri="{C183D7F6-B498-43B3-948B-1728B52AA6E4}">
+                <adec:decorative xmlns:adec="http://schemas.microsoft.com/office/drawing/2017/decorative" val="1"/>
+              </a:ext>
+            </a:extLst>
+          </p:cNvPr>
+          <p:cNvSpPr>
+            <a:spLocks noGrp="1" noRot="1" noChangeAspect="1" noMove="1" noResize="1" noEditPoints="1" noAdjustHandles="1" noChangeArrowheads="1" noChangeShapeType="1" noTextEdit="1"/>
+          </p:cNvSpPr>
+          <p:nvPr>
+            <p:extLst>
+              <p:ext uri="{386F3935-93C4-4BCD-93E2-E3B085C9AB24}">
+                <p16:designElem xmlns:p16="http://schemas.microsoft.com/office/powerpoint/2015/main" val="1"/>
+              </p:ext>
+            </p:extLst>
+          </p:nvPr>
+        </p:nvSpPr>
+        <p:spPr>
+          <a:xfrm>
+            <a:off x="0" y="0"/>
+            <a:ext cx="12192000" cy="6858000"/>
+          </a:xfrm>
+          <a:prstGeom prst="rect">
+            <a:avLst/>
+          </a:prstGeom>
+          <a:ln>
+            <a:noFill/>
+          </a:ln>
+        </p:spPr>
+        <p:style>
+          <a:lnRef idx="2">
+            <a:schemeClr val="accent1">
+              <a:shade val="50000"/>
+            </a:schemeClr>
+          </a:lnRef>
+          <a:fillRef idx="1">
+            <a:schemeClr val="accent1"/>
+          </a:fillRef>
+          <a:effectRef idx="0">
+            <a:schemeClr val="accent1"/>
+          </a:effectRef>
+          <a:fontRef idx="minor">
+            <a:schemeClr val="lt1"/>
+          </a:fontRef>
+        </p:style>
+        <p:txBody>
+          <a:bodyPr rtlCol="0" anchor="ctr"/>
+          <a:lstStyle/>
+          <a:p>
+            <a:pPr algn="ctr"/>
+            <a:endParaRPr lang="en-US"/>
+          </a:p>
+        </p:txBody>
+      </p:sp>
       <p:sp>
         <p:nvSpPr>
+          <p:cNvPr id="10" name="Rectangle 9">
+            <a:extLst>
+              <a:ext uri="{FF2B5EF4-FFF2-40B4-BE49-F238E27FC236}">
+                <a16:creationId xmlns:a16="http://schemas.microsoft.com/office/drawing/2014/main" id="{B091B163-7D61-4891-ABCF-5C13D9C418D0}"/>
+              </a:ext>
+              <a:ext uri="{C183D7F6-B498-43B3-948B-1728B52AA6E4}">
+                <adec:decorative xmlns:adec="http://schemas.microsoft.com/office/drawing/2017/decorative" val="1"/>
+              </a:ext>
+            </a:extLst>
+          </p:cNvPr>
+          <p:cNvSpPr>
+            <a:spLocks noGrp="1" noRot="1" noChangeAspect="1" noMove="1" noResize="1" noEditPoints="1" noAdjustHandles="1" noChangeArrowheads="1" noChangeShapeType="1" noTextEdit="1"/>
+          </p:cNvSpPr>
+          <p:nvPr>
+            <p:extLst>
+              <p:ext uri="{386F3935-93C4-4BCD-93E2-E3B085C9AB24}">
+                <p16:designElem xmlns:p16="http://schemas.microsoft.com/office/powerpoint/2015/main" val="1"/>
+              </p:ext>
+            </p:extLst>
+          </p:nvPr>
+        </p:nvSpPr>
+        <p:spPr>
+          <a:xfrm>
+            <a:off x="0" y="0"/>
+            <a:ext cx="5779911" cy="6858000"/>
+          </a:xfrm>
+          <a:prstGeom prst="rect">
+            <a:avLst/>
+          </a:prstGeom>
+          <a:gradFill flip="none" rotWithShape="1">
+            <a:gsLst>
+              <a:gs pos="0">
+                <a:schemeClr val="accent1"/>
+              </a:gs>
+              <a:gs pos="100000">
+                <a:schemeClr val="accent2"/>
+              </a:gs>
+            </a:gsLst>
+            <a:lin ang="2700000" scaled="1"/>
+            <a:tileRect/>
+          </a:gradFill>
+          <a:ln>
+            <a:noFill/>
+          </a:ln>
+        </p:spPr>
+        <p:style>
+          <a:lnRef idx="2">
+            <a:schemeClr val="accent1">
+              <a:shade val="50000"/>
+            </a:schemeClr>
+          </a:lnRef>
+          <a:fillRef idx="1">
+            <a:schemeClr val="accent1"/>
+          </a:fillRef>
+          <a:effectRef idx="0">
+            <a:schemeClr val="accent1"/>
+          </a:effectRef>
+          <a:fontRef idx="minor">
+            <a:schemeClr val="lt1"/>
+          </a:fontRef>
+        </p:style>
+        <p:txBody>
+          <a:bodyPr rtlCol="0" anchor="ctr"/>
+          <a:lstStyle/>
+          <a:p>
+            <a:pPr algn="ctr"/>
+            <a:endParaRPr lang="en-US">
+              <a:solidFill>
+                <a:schemeClr val="tx1"/>
+              </a:solidFill>
+            </a:endParaRPr>
+          </a:p>
+        </p:txBody>
+      </p:sp>
+      <p:sp>
+        <p:nvSpPr>
           <p:cNvPr id="2" name="Titel 1">
             <a:extLst>
               <a:ext uri="{FF2B5EF4-FFF2-40B4-BE49-F238E27FC236}">
@@ -4499,18 +5470,525 @@
             <p:ph type="title"/>
           </p:nvPr>
         </p:nvSpPr>
-        <p:spPr/>
-        <p:txBody>
-          <a:bodyPr/>
+        <p:spPr>
+          <a:xfrm>
+            <a:off x="1188069" y="381935"/>
+            <a:ext cx="4008583" cy="5974414"/>
+          </a:xfrm>
+        </p:spPr>
+        <p:txBody>
+          <a:bodyPr anchor="ctr">
+            <a:normAutofit/>
+          </a:bodyPr>
           <a:lstStyle/>
           <a:p>
             <a:r>
-              <a:rPr lang="nl-NL" dirty="0"/>
+              <a:rPr lang="nl-NL">
+                <a:solidFill>
+                  <a:srgbClr val="FFFFFF"/>
+                </a:solidFill>
+              </a:rPr>
               <a:t>Inhoudsopgave</a:t>
             </a:r>
           </a:p>
         </p:txBody>
       </p:sp>
+      <p:grpSp>
+        <p:nvGrpSpPr>
+          <p:cNvPr id="12" name="Group 11">
+            <a:extLst>
+              <a:ext uri="{FF2B5EF4-FFF2-40B4-BE49-F238E27FC236}">
+                <a16:creationId xmlns:a16="http://schemas.microsoft.com/office/drawing/2014/main" id="{0474DF76-993E-44DE-AFB0-C416182ACECF}"/>
+              </a:ext>
+              <a:ext uri="{C183D7F6-B498-43B3-948B-1728B52AA6E4}">
+                <adec:decorative xmlns:adec="http://schemas.microsoft.com/office/drawing/2017/decorative" val="1"/>
+              </a:ext>
+            </a:extLst>
+          </p:cNvPr>
+          <p:cNvGrpSpPr>
+            <a:grpSpLocks noGrp="1" noUngrp="1" noRot="1" noChangeAspect="1" noMove="1" noResize="1"/>
+          </p:cNvGrpSpPr>
+          <p:nvPr>
+            <p:extLst>
+              <p:ext uri="{386F3935-93C4-4BCD-93E2-E3B085C9AB24}">
+                <p16:designElem xmlns:p16="http://schemas.microsoft.com/office/powerpoint/2015/main" val="1"/>
+              </p:ext>
+            </p:extLst>
+          </p:nvPr>
+        </p:nvGrpSpPr>
+        <p:grpSpPr>
+          <a:xfrm>
+            <a:off x="613892" y="554152"/>
+            <a:ext cx="574177" cy="1075866"/>
+            <a:chOff x="613892" y="554152"/>
+            <a:chExt cx="574177" cy="1075866"/>
+          </a:xfrm>
+          <a:solidFill>
+            <a:srgbClr val="FFFFFF"/>
+          </a:solidFill>
+        </p:grpSpPr>
+        <p:sp>
+          <p:nvSpPr>
+            <p:cNvPr id="13" name="Graphic 11">
+              <a:extLst>
+                <a:ext uri="{FF2B5EF4-FFF2-40B4-BE49-F238E27FC236}">
+                  <a16:creationId xmlns:a16="http://schemas.microsoft.com/office/drawing/2014/main" id="{6CB927A4-E432-4310-9CD5-E89FF5063179}"/>
+                </a:ext>
+                <a:ext uri="{C183D7F6-B498-43B3-948B-1728B52AA6E4}">
+                  <adec:decorative xmlns:adec="http://schemas.microsoft.com/office/drawing/2017/decorative" val="1"/>
+                </a:ext>
+              </a:extLst>
+            </p:cNvPr>
+            <p:cNvSpPr/>
+            <p:nvPr>
+              <p:extLst>
+                <p:ext uri="{386F3935-93C4-4BCD-93E2-E3B085C9AB24}">
+                  <p16:designElem xmlns:p16="http://schemas.microsoft.com/office/powerpoint/2015/main" val="1"/>
+                </p:ext>
+              </p:extLst>
+            </p:nvPr>
+          </p:nvSpPr>
+          <p:spPr>
+            <a:xfrm>
+              <a:off x="633061" y="554152"/>
+              <a:ext cx="171515" cy="171515"/>
+            </a:xfrm>
+            <a:custGeom>
+              <a:avLst/>
+              <a:gdLst>
+                <a:gd name="connsiteX0" fmla="*/ 159874 w 171515"/>
+                <a:gd name="connsiteY0" fmla="*/ 74116 h 171515"/>
+                <a:gd name="connsiteX1" fmla="*/ 97399 w 171515"/>
+                <a:gd name="connsiteY1" fmla="*/ 74116 h 171515"/>
+                <a:gd name="connsiteX2" fmla="*/ 97399 w 171515"/>
+                <a:gd name="connsiteY2" fmla="*/ 11641 h 171515"/>
+                <a:gd name="connsiteX3" fmla="*/ 85758 w 171515"/>
+                <a:gd name="connsiteY3" fmla="*/ 0 h 171515"/>
+                <a:gd name="connsiteX4" fmla="*/ 74116 w 171515"/>
+                <a:gd name="connsiteY4" fmla="*/ 11641 h 171515"/>
+                <a:gd name="connsiteX5" fmla="*/ 74116 w 171515"/>
+                <a:gd name="connsiteY5" fmla="*/ 74116 h 171515"/>
+                <a:gd name="connsiteX6" fmla="*/ 11641 w 171515"/>
+                <a:gd name="connsiteY6" fmla="*/ 74116 h 171515"/>
+                <a:gd name="connsiteX7" fmla="*/ 0 w 171515"/>
+                <a:gd name="connsiteY7" fmla="*/ 85758 h 171515"/>
+                <a:gd name="connsiteX8" fmla="*/ 11641 w 171515"/>
+                <a:gd name="connsiteY8" fmla="*/ 97399 h 171515"/>
+                <a:gd name="connsiteX9" fmla="*/ 74116 w 171515"/>
+                <a:gd name="connsiteY9" fmla="*/ 97399 h 171515"/>
+                <a:gd name="connsiteX10" fmla="*/ 74116 w 171515"/>
+                <a:gd name="connsiteY10" fmla="*/ 159874 h 171515"/>
+                <a:gd name="connsiteX11" fmla="*/ 85758 w 171515"/>
+                <a:gd name="connsiteY11" fmla="*/ 171515 h 171515"/>
+                <a:gd name="connsiteX12" fmla="*/ 97399 w 171515"/>
+                <a:gd name="connsiteY12" fmla="*/ 159874 h 171515"/>
+                <a:gd name="connsiteX13" fmla="*/ 97399 w 171515"/>
+                <a:gd name="connsiteY13" fmla="*/ 97399 h 171515"/>
+                <a:gd name="connsiteX14" fmla="*/ 159874 w 171515"/>
+                <a:gd name="connsiteY14" fmla="*/ 97399 h 171515"/>
+                <a:gd name="connsiteX15" fmla="*/ 171515 w 171515"/>
+                <a:gd name="connsiteY15" fmla="*/ 85758 h 171515"/>
+                <a:gd name="connsiteX16" fmla="*/ 159874 w 171515"/>
+                <a:gd name="connsiteY16" fmla="*/ 74116 h 171515"/>
+              </a:gdLst>
+              <a:ahLst/>
+              <a:cxnLst>
+                <a:cxn ang="0">
+                  <a:pos x="connsiteX0" y="connsiteY0"/>
+                </a:cxn>
+                <a:cxn ang="0">
+                  <a:pos x="connsiteX1" y="connsiteY1"/>
+                </a:cxn>
+                <a:cxn ang="0">
+                  <a:pos x="connsiteX2" y="connsiteY2"/>
+                </a:cxn>
+                <a:cxn ang="0">
+                  <a:pos x="connsiteX3" y="connsiteY3"/>
+                </a:cxn>
+                <a:cxn ang="0">
+                  <a:pos x="connsiteX4" y="connsiteY4"/>
+                </a:cxn>
+                <a:cxn ang="0">
+                  <a:pos x="connsiteX5" y="connsiteY5"/>
+                </a:cxn>
+                <a:cxn ang="0">
+                  <a:pos x="connsiteX6" y="connsiteY6"/>
+                </a:cxn>
+                <a:cxn ang="0">
+                  <a:pos x="connsiteX7" y="connsiteY7"/>
+                </a:cxn>
+                <a:cxn ang="0">
+                  <a:pos x="connsiteX8" y="connsiteY8"/>
+                </a:cxn>
+                <a:cxn ang="0">
+                  <a:pos x="connsiteX9" y="connsiteY9"/>
+                </a:cxn>
+                <a:cxn ang="0">
+                  <a:pos x="connsiteX10" y="connsiteY10"/>
+                </a:cxn>
+                <a:cxn ang="0">
+                  <a:pos x="connsiteX11" y="connsiteY11"/>
+                </a:cxn>
+                <a:cxn ang="0">
+                  <a:pos x="connsiteX12" y="connsiteY12"/>
+                </a:cxn>
+                <a:cxn ang="0">
+                  <a:pos x="connsiteX13" y="connsiteY13"/>
+                </a:cxn>
+                <a:cxn ang="0">
+                  <a:pos x="connsiteX14" y="connsiteY14"/>
+                </a:cxn>
+                <a:cxn ang="0">
+                  <a:pos x="connsiteX15" y="connsiteY15"/>
+                </a:cxn>
+                <a:cxn ang="0">
+                  <a:pos x="connsiteX16" y="connsiteY16"/>
+                </a:cxn>
+              </a:cxnLst>
+              <a:rect l="l" t="t" r="r" b="b"/>
+              <a:pathLst>
+                <a:path w="171515" h="171515">
+                  <a:moveTo>
+                    <a:pt x="159874" y="74116"/>
+                  </a:moveTo>
+                  <a:lnTo>
+                    <a:pt x="97399" y="74116"/>
+                  </a:lnTo>
+                  <a:lnTo>
+                    <a:pt x="97399" y="11641"/>
+                  </a:lnTo>
+                  <a:cubicBezTo>
+                    <a:pt x="97399" y="5212"/>
+                    <a:pt x="92187" y="0"/>
+                    <a:pt x="85758" y="0"/>
+                  </a:cubicBezTo>
+                  <a:cubicBezTo>
+                    <a:pt x="79328" y="0"/>
+                    <a:pt x="74116" y="5212"/>
+                    <a:pt x="74116" y="11641"/>
+                  </a:cubicBezTo>
+                  <a:lnTo>
+                    <a:pt x="74116" y="74116"/>
+                  </a:lnTo>
+                  <a:lnTo>
+                    <a:pt x="11641" y="74116"/>
+                  </a:lnTo>
+                  <a:cubicBezTo>
+                    <a:pt x="5212" y="74116"/>
+                    <a:pt x="0" y="79328"/>
+                    <a:pt x="0" y="85758"/>
+                  </a:cubicBezTo>
+                  <a:cubicBezTo>
+                    <a:pt x="0" y="92187"/>
+                    <a:pt x="5212" y="97399"/>
+                    <a:pt x="11641" y="97399"/>
+                  </a:cubicBezTo>
+                  <a:lnTo>
+                    <a:pt x="74116" y="97399"/>
+                  </a:lnTo>
+                  <a:lnTo>
+                    <a:pt x="74116" y="159874"/>
+                  </a:lnTo>
+                  <a:cubicBezTo>
+                    <a:pt x="74116" y="166303"/>
+                    <a:pt x="79328" y="171515"/>
+                    <a:pt x="85758" y="171515"/>
+                  </a:cubicBezTo>
+                  <a:cubicBezTo>
+                    <a:pt x="92187" y="171515"/>
+                    <a:pt x="97399" y="166303"/>
+                    <a:pt x="97399" y="159874"/>
+                  </a:cubicBezTo>
+                  <a:lnTo>
+                    <a:pt x="97399" y="97399"/>
+                  </a:lnTo>
+                  <a:lnTo>
+                    <a:pt x="159874" y="97399"/>
+                  </a:lnTo>
+                  <a:cubicBezTo>
+                    <a:pt x="166303" y="97399"/>
+                    <a:pt x="171515" y="92187"/>
+                    <a:pt x="171515" y="85758"/>
+                  </a:cubicBezTo>
+                  <a:cubicBezTo>
+                    <a:pt x="171515" y="79328"/>
+                    <a:pt x="166303" y="74116"/>
+                    <a:pt x="159874" y="74116"/>
+                  </a:cubicBezTo>
+                  <a:close/>
+                </a:path>
+              </a:pathLst>
+            </a:custGeom>
+            <a:grpFill/>
+            <a:ln w="776" cap="flat">
+              <a:noFill/>
+              <a:prstDash val="solid"/>
+              <a:miter/>
+            </a:ln>
+          </p:spPr>
+          <p:txBody>
+            <a:bodyPr rtlCol="0" anchor="ctr"/>
+            <a:lstStyle/>
+            <a:p>
+              <a:endParaRPr lang="en-US"/>
+            </a:p>
+          </p:txBody>
+        </p:sp>
+        <p:sp>
+          <p:nvSpPr>
+            <p:cNvPr id="14" name="Graphic 10">
+              <a:extLst>
+                <a:ext uri="{FF2B5EF4-FFF2-40B4-BE49-F238E27FC236}">
+                  <a16:creationId xmlns:a16="http://schemas.microsoft.com/office/drawing/2014/main" id="{E3020543-B24B-4EC4-8FFC-8DD88EEA91A8}"/>
+                </a:ext>
+                <a:ext uri="{C183D7F6-B498-43B3-948B-1728B52AA6E4}">
+                  <adec:decorative xmlns:adec="http://schemas.microsoft.com/office/drawing/2017/decorative" val="1"/>
+                </a:ext>
+              </a:extLst>
+            </p:cNvPr>
+            <p:cNvSpPr/>
+            <p:nvPr>
+              <p:extLst>
+                <p:ext uri="{386F3935-93C4-4BCD-93E2-E3B085C9AB24}">
+                  <p16:designElem xmlns:p16="http://schemas.microsoft.com/office/powerpoint/2015/main" val="1"/>
+                </p:ext>
+              </p:extLst>
+            </p:nvPr>
+          </p:nvSpPr>
+          <p:spPr>
+            <a:xfrm>
+              <a:off x="1075643" y="837005"/>
+              <a:ext cx="112426" cy="112426"/>
+            </a:xfrm>
+            <a:custGeom>
+              <a:avLst/>
+              <a:gdLst>
+                <a:gd name="connsiteX0" fmla="*/ 112426 w 112426"/>
+                <a:gd name="connsiteY0" fmla="*/ 56213 h 112426"/>
+                <a:gd name="connsiteX1" fmla="*/ 56213 w 112426"/>
+                <a:gd name="connsiteY1" fmla="*/ 112426 h 112426"/>
+                <a:gd name="connsiteX2" fmla="*/ 0 w 112426"/>
+                <a:gd name="connsiteY2" fmla="*/ 56213 h 112426"/>
+                <a:gd name="connsiteX3" fmla="*/ 56213 w 112426"/>
+                <a:gd name="connsiteY3" fmla="*/ 0 h 112426"/>
+                <a:gd name="connsiteX4" fmla="*/ 112426 w 112426"/>
+                <a:gd name="connsiteY4" fmla="*/ 56213 h 112426"/>
+              </a:gdLst>
+              <a:ahLst/>
+              <a:cxnLst>
+                <a:cxn ang="0">
+                  <a:pos x="connsiteX0" y="connsiteY0"/>
+                </a:cxn>
+                <a:cxn ang="0">
+                  <a:pos x="connsiteX1" y="connsiteY1"/>
+                </a:cxn>
+                <a:cxn ang="0">
+                  <a:pos x="connsiteX2" y="connsiteY2"/>
+                </a:cxn>
+                <a:cxn ang="0">
+                  <a:pos x="connsiteX3" y="connsiteY3"/>
+                </a:cxn>
+                <a:cxn ang="0">
+                  <a:pos x="connsiteX4" y="connsiteY4"/>
+                </a:cxn>
+              </a:cxnLst>
+              <a:rect l="l" t="t" r="r" b="b"/>
+              <a:pathLst>
+                <a:path w="112426" h="112426">
+                  <a:moveTo>
+                    <a:pt x="112426" y="56213"/>
+                  </a:moveTo>
+                  <a:cubicBezTo>
+                    <a:pt x="112426" y="87259"/>
+                    <a:pt x="87259" y="112426"/>
+                    <a:pt x="56213" y="112426"/>
+                  </a:cubicBezTo>
+                  <a:cubicBezTo>
+                    <a:pt x="25167" y="112426"/>
+                    <a:pt x="0" y="87259"/>
+                    <a:pt x="0" y="56213"/>
+                  </a:cubicBezTo>
+                  <a:cubicBezTo>
+                    <a:pt x="0" y="25167"/>
+                    <a:pt x="25167" y="0"/>
+                    <a:pt x="56213" y="0"/>
+                  </a:cubicBezTo>
+                  <a:cubicBezTo>
+                    <a:pt x="87259" y="0"/>
+                    <a:pt x="112426" y="25167"/>
+                    <a:pt x="112426" y="56213"/>
+                  </a:cubicBezTo>
+                  <a:close/>
+                </a:path>
+              </a:pathLst>
+            </a:custGeom>
+            <a:grpFill/>
+            <a:ln w="516" cap="flat">
+              <a:noFill/>
+              <a:prstDash val="solid"/>
+              <a:miter/>
+            </a:ln>
+          </p:spPr>
+          <p:txBody>
+            <a:bodyPr rtlCol="0" anchor="ctr"/>
+            <a:lstStyle/>
+            <a:p>
+              <a:endParaRPr lang="en-US"/>
+            </a:p>
+          </p:txBody>
+        </p:sp>
+        <p:sp>
+          <p:nvSpPr>
+            <p:cNvPr id="15" name="Graphic 12">
+              <a:extLst>
+                <a:ext uri="{FF2B5EF4-FFF2-40B4-BE49-F238E27FC236}">
+                  <a16:creationId xmlns:a16="http://schemas.microsoft.com/office/drawing/2014/main" id="{1453BF6C-B012-48B7-B4E8-6D7AC7C27D02}"/>
+                </a:ext>
+                <a:ext uri="{C183D7F6-B498-43B3-948B-1728B52AA6E4}">
+                  <adec:decorative xmlns:adec="http://schemas.microsoft.com/office/drawing/2017/decorative" val="1"/>
+                </a:ext>
+              </a:extLst>
+            </p:cNvPr>
+            <p:cNvSpPr/>
+            <p:nvPr>
+              <p:extLst>
+                <p:ext uri="{386F3935-93C4-4BCD-93E2-E3B085C9AB24}">
+                  <p16:designElem xmlns:p16="http://schemas.microsoft.com/office/powerpoint/2015/main" val="1"/>
+                </p:ext>
+              </p:extLst>
+            </p:nvPr>
+          </p:nvSpPr>
+          <p:spPr>
+            <a:xfrm>
+              <a:off x="613892" y="1472473"/>
+              <a:ext cx="157545" cy="157545"/>
+            </a:xfrm>
+            <a:custGeom>
+              <a:avLst/>
+              <a:gdLst>
+                <a:gd name="connsiteX0" fmla="*/ 78773 w 157545"/>
+                <a:gd name="connsiteY0" fmla="*/ 23283 h 157545"/>
+                <a:gd name="connsiteX1" fmla="*/ 134262 w 157545"/>
+                <a:gd name="connsiteY1" fmla="*/ 78773 h 157545"/>
+                <a:gd name="connsiteX2" fmla="*/ 78773 w 157545"/>
+                <a:gd name="connsiteY2" fmla="*/ 134262 h 157545"/>
+                <a:gd name="connsiteX3" fmla="*/ 23283 w 157545"/>
+                <a:gd name="connsiteY3" fmla="*/ 78773 h 157545"/>
+                <a:gd name="connsiteX4" fmla="*/ 78773 w 157545"/>
+                <a:gd name="connsiteY4" fmla="*/ 23283 h 157545"/>
+                <a:gd name="connsiteX5" fmla="*/ 78773 w 157545"/>
+                <a:gd name="connsiteY5" fmla="*/ 0 h 157545"/>
+                <a:gd name="connsiteX6" fmla="*/ 0 w 157545"/>
+                <a:gd name="connsiteY6" fmla="*/ 78773 h 157545"/>
+                <a:gd name="connsiteX7" fmla="*/ 78773 w 157545"/>
+                <a:gd name="connsiteY7" fmla="*/ 157545 h 157545"/>
+                <a:gd name="connsiteX8" fmla="*/ 157545 w 157545"/>
+                <a:gd name="connsiteY8" fmla="*/ 78773 h 157545"/>
+                <a:gd name="connsiteX9" fmla="*/ 78773 w 157545"/>
+                <a:gd name="connsiteY9" fmla="*/ 0 h 157545"/>
+              </a:gdLst>
+              <a:ahLst/>
+              <a:cxnLst>
+                <a:cxn ang="0">
+                  <a:pos x="connsiteX0" y="connsiteY0"/>
+                </a:cxn>
+                <a:cxn ang="0">
+                  <a:pos x="connsiteX1" y="connsiteY1"/>
+                </a:cxn>
+                <a:cxn ang="0">
+                  <a:pos x="connsiteX2" y="connsiteY2"/>
+                </a:cxn>
+                <a:cxn ang="0">
+                  <a:pos x="connsiteX3" y="connsiteY3"/>
+                </a:cxn>
+                <a:cxn ang="0">
+                  <a:pos x="connsiteX4" y="connsiteY4"/>
+                </a:cxn>
+                <a:cxn ang="0">
+                  <a:pos x="connsiteX5" y="connsiteY5"/>
+                </a:cxn>
+                <a:cxn ang="0">
+                  <a:pos x="connsiteX6" y="connsiteY6"/>
+                </a:cxn>
+                <a:cxn ang="0">
+                  <a:pos x="connsiteX7" y="connsiteY7"/>
+                </a:cxn>
+                <a:cxn ang="0">
+                  <a:pos x="connsiteX8" y="connsiteY8"/>
+                </a:cxn>
+                <a:cxn ang="0">
+                  <a:pos x="connsiteX9" y="connsiteY9"/>
+                </a:cxn>
+              </a:cxnLst>
+              <a:rect l="l" t="t" r="r" b="b"/>
+              <a:pathLst>
+                <a:path w="157545" h="157545">
+                  <a:moveTo>
+                    <a:pt x="78773" y="23283"/>
+                  </a:moveTo>
+                  <a:cubicBezTo>
+                    <a:pt x="109419" y="23283"/>
+                    <a:pt x="134262" y="48126"/>
+                    <a:pt x="134262" y="78773"/>
+                  </a:cubicBezTo>
+                  <a:cubicBezTo>
+                    <a:pt x="134262" y="109419"/>
+                    <a:pt x="109419" y="134262"/>
+                    <a:pt x="78773" y="134262"/>
+                  </a:cubicBezTo>
+                  <a:cubicBezTo>
+                    <a:pt x="48126" y="134262"/>
+                    <a:pt x="23283" y="109419"/>
+                    <a:pt x="23283" y="78773"/>
+                  </a:cubicBezTo>
+                  <a:cubicBezTo>
+                    <a:pt x="23312" y="48139"/>
+                    <a:pt x="48139" y="23312"/>
+                    <a:pt x="78773" y="23283"/>
+                  </a:cubicBezTo>
+                  <a:moveTo>
+                    <a:pt x="78773" y="0"/>
+                  </a:moveTo>
+                  <a:cubicBezTo>
+                    <a:pt x="35268" y="0"/>
+                    <a:pt x="0" y="35268"/>
+                    <a:pt x="0" y="78773"/>
+                  </a:cubicBezTo>
+                  <a:cubicBezTo>
+                    <a:pt x="0" y="122277"/>
+                    <a:pt x="35268" y="157545"/>
+                    <a:pt x="78773" y="157545"/>
+                  </a:cubicBezTo>
+                  <a:cubicBezTo>
+                    <a:pt x="122277" y="157545"/>
+                    <a:pt x="157545" y="122277"/>
+                    <a:pt x="157545" y="78773"/>
+                  </a:cubicBezTo>
+                  <a:cubicBezTo>
+                    <a:pt x="157545" y="35268"/>
+                    <a:pt x="122277" y="0"/>
+                    <a:pt x="78773" y="0"/>
+                  </a:cubicBezTo>
+                  <a:close/>
+                </a:path>
+              </a:pathLst>
+            </a:custGeom>
+            <a:grpFill/>
+            <a:ln w="751" cap="flat">
+              <a:noFill/>
+              <a:prstDash val="solid"/>
+              <a:miter/>
+            </a:ln>
+          </p:spPr>
+          <p:txBody>
+            <a:bodyPr rtlCol="0" anchor="ctr"/>
+            <a:lstStyle/>
+            <a:p>
+              <a:endParaRPr lang="en-US"/>
+            </a:p>
+          </p:txBody>
+        </p:sp>
+      </p:grpSp>
       <p:sp>
         <p:nvSpPr>
           <p:cNvPr id="3" name="Tijdelijke aanduiding voor inhoud 2">
@@ -4527,15 +6005,90 @@
             <p:ph idx="1"/>
           </p:nvPr>
         </p:nvSpPr>
-        <p:spPr/>
-        <p:txBody>
-          <a:bodyPr/>
+        <p:spPr>
+          <a:xfrm>
+            <a:off x="6297233" y="518400"/>
+            <a:ext cx="4771607" cy="5837949"/>
+          </a:xfrm>
+        </p:spPr>
+        <p:txBody>
+          <a:bodyPr anchor="ctr">
+            <a:normAutofit/>
+          </a:bodyPr>
           <a:lstStyle/>
           <a:p>
-            <a:endParaRPr lang="nl-NL"/>
-          </a:p>
-        </p:txBody>
-      </p:sp>
+            <a:endParaRPr lang="nl-NL" sz="2000">
+              <a:solidFill>
+                <a:schemeClr val="tx1">
+                  <a:alpha val="80000"/>
+                </a:schemeClr>
+              </a:solidFill>
+            </a:endParaRPr>
+          </a:p>
+        </p:txBody>
+      </p:sp>
+      <p:cxnSp>
+        <p:nvCxnSpPr>
+          <p:cNvPr id="17" name="Straight Connector 16">
+            <a:extLst>
+              <a:ext uri="{FF2B5EF4-FFF2-40B4-BE49-F238E27FC236}">
+                <a16:creationId xmlns:a16="http://schemas.microsoft.com/office/drawing/2014/main" id="{C49DA8F6-BCC1-4447-B54C-57856834B94B}"/>
+              </a:ext>
+              <a:ext uri="{C183D7F6-B498-43B3-948B-1728B52AA6E4}">
+                <adec:decorative xmlns:adec="http://schemas.microsoft.com/office/drawing/2017/decorative" val="1"/>
+              </a:ext>
+            </a:extLst>
+          </p:cNvPr>
+          <p:cNvCxnSpPr>
+            <a:cxnSpLocks noGrp="1" noRot="1" noChangeAspect="1" noMove="1" noResize="1" noEditPoints="1" noAdjustHandles="1" noChangeArrowheads="1" noChangeShapeType="1"/>
+          </p:cNvCxnSpPr>
+          <p:nvPr>
+            <p:extLst>
+              <p:ext uri="{386F3935-93C4-4BCD-93E2-E3B085C9AB24}">
+                <p16:designElem xmlns:p16="http://schemas.microsoft.com/office/powerpoint/2015/main" val="1"/>
+              </p:ext>
+            </p:extLst>
+          </p:nvPr>
+        </p:nvCxnSpPr>
+        <p:spPr>
+          <a:xfrm>
+            <a:off x="11586162" y="3610394"/>
+            <a:ext cx="0" cy="3238728"/>
+          </a:xfrm>
+          <a:prstGeom prst="line">
+            <a:avLst/>
+          </a:prstGeom>
+          <a:ln w="25400" cap="sq">
+            <a:gradFill flip="none" rotWithShape="1">
+              <a:gsLst>
+                <a:gs pos="0">
+                  <a:schemeClr val="accent1"/>
+                </a:gs>
+                <a:gs pos="100000">
+                  <a:schemeClr val="accent2"/>
+                </a:gs>
+              </a:gsLst>
+              <a:lin ang="5400000" scaled="0"/>
+              <a:tileRect/>
+            </a:gradFill>
+            <a:bevel/>
+          </a:ln>
+        </p:spPr>
+        <p:style>
+          <a:lnRef idx="1">
+            <a:schemeClr val="accent1"/>
+          </a:lnRef>
+          <a:fillRef idx="0">
+            <a:schemeClr val="accent1"/>
+          </a:fillRef>
+          <a:effectRef idx="0">
+            <a:schemeClr val="accent1"/>
+          </a:effectRef>
+          <a:fontRef idx="minor">
+            <a:schemeClr val="tx1"/>
+          </a:fontRef>
+        </p:style>
+      </p:cxnSp>
     </p:spTree>
     <p:extLst>
       <p:ext uri="{BB962C8B-B14F-4D97-AF65-F5344CB8AC3E}">
@@ -4552,6 +6105,14 @@
 <file path=ppt/slides/slide3.xml><?xml version="1.0" encoding="utf-8"?>
 <p:sld xmlns:a="http://schemas.openxmlformats.org/drawingml/2006/main" xmlns:r="http://schemas.openxmlformats.org/officeDocument/2006/relationships" xmlns:p="http://schemas.openxmlformats.org/presentationml/2006/main">
   <p:cSld>
+    <p:bg>
+      <p:bgPr>
+        <a:solidFill>
+          <a:schemeClr val="bg1"/>
+        </a:solidFill>
+        <a:effectLst/>
+      </p:bgPr>
+    </p:bg>
     <p:spTree>
       <p:nvGrpSpPr>
         <p:cNvPr id="1" name=""/>
@@ -4566,8 +6127,144 @@
           <a:chExt cx="0" cy="0"/>
         </a:xfrm>
       </p:grpSpPr>
+      <p:sp useBgFill="1">
+        <p:nvSpPr>
+          <p:cNvPr id="8" name="Rectangle 7">
+            <a:extLst>
+              <a:ext uri="{FF2B5EF4-FFF2-40B4-BE49-F238E27FC236}">
+                <a16:creationId xmlns:a16="http://schemas.microsoft.com/office/drawing/2014/main" id="{A2679492-7988-4050-9056-542444452411}"/>
+              </a:ext>
+              <a:ext uri="{C183D7F6-B498-43B3-948B-1728B52AA6E4}">
+                <adec:decorative xmlns:adec="http://schemas.microsoft.com/office/drawing/2017/decorative" val="1"/>
+              </a:ext>
+            </a:extLst>
+          </p:cNvPr>
+          <p:cNvSpPr>
+            <a:spLocks noGrp="1" noRot="1" noChangeAspect="1" noMove="1" noResize="1" noEditPoints="1" noAdjustHandles="1" noChangeArrowheads="1" noChangeShapeType="1" noTextEdit="1"/>
+          </p:cNvSpPr>
+          <p:nvPr>
+            <p:extLst>
+              <p:ext uri="{386F3935-93C4-4BCD-93E2-E3B085C9AB24}">
+                <p16:designElem xmlns:p16="http://schemas.microsoft.com/office/powerpoint/2015/main" val="1"/>
+              </p:ext>
+            </p:extLst>
+          </p:nvPr>
+        </p:nvSpPr>
+        <p:spPr>
+          <a:xfrm>
+            <a:off x="0" y="0"/>
+            <a:ext cx="12192000" cy="6858000"/>
+          </a:xfrm>
+          <a:prstGeom prst="rect">
+            <a:avLst/>
+          </a:prstGeom>
+          <a:ln>
+            <a:noFill/>
+          </a:ln>
+        </p:spPr>
+        <p:style>
+          <a:lnRef idx="2">
+            <a:schemeClr val="accent1">
+              <a:shade val="50000"/>
+            </a:schemeClr>
+          </a:lnRef>
+          <a:fillRef idx="1">
+            <a:schemeClr val="accent1"/>
+          </a:fillRef>
+          <a:effectRef idx="0">
+            <a:schemeClr val="accent1"/>
+          </a:effectRef>
+          <a:fontRef idx="minor">
+            <a:schemeClr val="lt1"/>
+          </a:fontRef>
+        </p:style>
+        <p:txBody>
+          <a:bodyPr rtlCol="0" anchor="ctr"/>
+          <a:lstStyle/>
+          <a:p>
+            <a:pPr algn="ctr"/>
+            <a:endParaRPr lang="en-US"/>
+          </a:p>
+        </p:txBody>
+      </p:sp>
       <p:sp>
         <p:nvSpPr>
+          <p:cNvPr id="10" name="Rectangle 9">
+            <a:extLst>
+              <a:ext uri="{FF2B5EF4-FFF2-40B4-BE49-F238E27FC236}">
+                <a16:creationId xmlns:a16="http://schemas.microsoft.com/office/drawing/2014/main" id="{B091B163-7D61-4891-ABCF-5C13D9C418D0}"/>
+              </a:ext>
+              <a:ext uri="{C183D7F6-B498-43B3-948B-1728B52AA6E4}">
+                <adec:decorative xmlns:adec="http://schemas.microsoft.com/office/drawing/2017/decorative" val="1"/>
+              </a:ext>
+            </a:extLst>
+          </p:cNvPr>
+          <p:cNvSpPr>
+            <a:spLocks noGrp="1" noRot="1" noChangeAspect="1" noMove="1" noResize="1" noEditPoints="1" noAdjustHandles="1" noChangeArrowheads="1" noChangeShapeType="1" noTextEdit="1"/>
+          </p:cNvSpPr>
+          <p:nvPr>
+            <p:extLst>
+              <p:ext uri="{386F3935-93C4-4BCD-93E2-E3B085C9AB24}">
+                <p16:designElem xmlns:p16="http://schemas.microsoft.com/office/powerpoint/2015/main" val="1"/>
+              </p:ext>
+            </p:extLst>
+          </p:nvPr>
+        </p:nvSpPr>
+        <p:spPr>
+          <a:xfrm>
+            <a:off x="0" y="0"/>
+            <a:ext cx="5779911" cy="6858000"/>
+          </a:xfrm>
+          <a:prstGeom prst="rect">
+            <a:avLst/>
+          </a:prstGeom>
+          <a:gradFill flip="none" rotWithShape="1">
+            <a:gsLst>
+              <a:gs pos="0">
+                <a:schemeClr val="accent1"/>
+              </a:gs>
+              <a:gs pos="100000">
+                <a:schemeClr val="accent2"/>
+              </a:gs>
+            </a:gsLst>
+            <a:lin ang="2700000" scaled="1"/>
+            <a:tileRect/>
+          </a:gradFill>
+          <a:ln>
+            <a:noFill/>
+          </a:ln>
+        </p:spPr>
+        <p:style>
+          <a:lnRef idx="2">
+            <a:schemeClr val="accent1">
+              <a:shade val="50000"/>
+            </a:schemeClr>
+          </a:lnRef>
+          <a:fillRef idx="1">
+            <a:schemeClr val="accent1"/>
+          </a:fillRef>
+          <a:effectRef idx="0">
+            <a:schemeClr val="accent1"/>
+          </a:effectRef>
+          <a:fontRef idx="minor">
+            <a:schemeClr val="lt1"/>
+          </a:fontRef>
+        </p:style>
+        <p:txBody>
+          <a:bodyPr rtlCol="0" anchor="ctr"/>
+          <a:lstStyle/>
+          <a:p>
+            <a:pPr algn="ctr"/>
+            <a:endParaRPr lang="en-US">
+              <a:solidFill>
+                <a:schemeClr val="tx1"/>
+              </a:solidFill>
+            </a:endParaRPr>
+          </a:p>
+        </p:txBody>
+      </p:sp>
+      <p:sp>
+        <p:nvSpPr>
           <p:cNvPr id="2" name="Titel 1">
             <a:extLst>
               <a:ext uri="{FF2B5EF4-FFF2-40B4-BE49-F238E27FC236}">
@@ -4582,18 +6279,525 @@
             <p:ph type="title"/>
           </p:nvPr>
         </p:nvSpPr>
-        <p:spPr/>
-        <p:txBody>
-          <a:bodyPr/>
+        <p:spPr>
+          <a:xfrm>
+            <a:off x="1188069" y="381935"/>
+            <a:ext cx="4008583" cy="5974414"/>
+          </a:xfrm>
+        </p:spPr>
+        <p:txBody>
+          <a:bodyPr anchor="ctr">
+            <a:normAutofit/>
+          </a:bodyPr>
           <a:lstStyle/>
           <a:p>
             <a:r>
-              <a:rPr lang="nl-NL" dirty="0"/>
+              <a:rPr lang="nl-NL" sz="8000">
+                <a:solidFill>
+                  <a:srgbClr val="FFFFFF"/>
+                </a:solidFill>
+              </a:rPr>
               <a:t>Hoe verliep het proces?</a:t>
             </a:r>
           </a:p>
         </p:txBody>
       </p:sp>
+      <p:grpSp>
+        <p:nvGrpSpPr>
+          <p:cNvPr id="12" name="Group 11">
+            <a:extLst>
+              <a:ext uri="{FF2B5EF4-FFF2-40B4-BE49-F238E27FC236}">
+                <a16:creationId xmlns:a16="http://schemas.microsoft.com/office/drawing/2014/main" id="{0474DF76-993E-44DE-AFB0-C416182ACECF}"/>
+              </a:ext>
+              <a:ext uri="{C183D7F6-B498-43B3-948B-1728B52AA6E4}">
+                <adec:decorative xmlns:adec="http://schemas.microsoft.com/office/drawing/2017/decorative" val="1"/>
+              </a:ext>
+            </a:extLst>
+          </p:cNvPr>
+          <p:cNvGrpSpPr>
+            <a:grpSpLocks noGrp="1" noUngrp="1" noRot="1" noChangeAspect="1" noMove="1" noResize="1"/>
+          </p:cNvGrpSpPr>
+          <p:nvPr>
+            <p:extLst>
+              <p:ext uri="{386F3935-93C4-4BCD-93E2-E3B085C9AB24}">
+                <p16:designElem xmlns:p16="http://schemas.microsoft.com/office/powerpoint/2015/main" val="1"/>
+              </p:ext>
+            </p:extLst>
+          </p:nvPr>
+        </p:nvGrpSpPr>
+        <p:grpSpPr>
+          <a:xfrm>
+            <a:off x="613892" y="554152"/>
+            <a:ext cx="574177" cy="1075866"/>
+            <a:chOff x="613892" y="554152"/>
+            <a:chExt cx="574177" cy="1075866"/>
+          </a:xfrm>
+          <a:solidFill>
+            <a:srgbClr val="FFFFFF"/>
+          </a:solidFill>
+        </p:grpSpPr>
+        <p:sp>
+          <p:nvSpPr>
+            <p:cNvPr id="13" name="Graphic 11">
+              <a:extLst>
+                <a:ext uri="{FF2B5EF4-FFF2-40B4-BE49-F238E27FC236}">
+                  <a16:creationId xmlns:a16="http://schemas.microsoft.com/office/drawing/2014/main" id="{6CB927A4-E432-4310-9CD5-E89FF5063179}"/>
+                </a:ext>
+                <a:ext uri="{C183D7F6-B498-43B3-948B-1728B52AA6E4}">
+                  <adec:decorative xmlns:adec="http://schemas.microsoft.com/office/drawing/2017/decorative" val="1"/>
+                </a:ext>
+              </a:extLst>
+            </p:cNvPr>
+            <p:cNvSpPr/>
+            <p:nvPr>
+              <p:extLst>
+                <p:ext uri="{386F3935-93C4-4BCD-93E2-E3B085C9AB24}">
+                  <p16:designElem xmlns:p16="http://schemas.microsoft.com/office/powerpoint/2015/main" val="1"/>
+                </p:ext>
+              </p:extLst>
+            </p:nvPr>
+          </p:nvSpPr>
+          <p:spPr>
+            <a:xfrm>
+              <a:off x="633061" y="554152"/>
+              <a:ext cx="171515" cy="171515"/>
+            </a:xfrm>
+            <a:custGeom>
+              <a:avLst/>
+              <a:gdLst>
+                <a:gd name="connsiteX0" fmla="*/ 159874 w 171515"/>
+                <a:gd name="connsiteY0" fmla="*/ 74116 h 171515"/>
+                <a:gd name="connsiteX1" fmla="*/ 97399 w 171515"/>
+                <a:gd name="connsiteY1" fmla="*/ 74116 h 171515"/>
+                <a:gd name="connsiteX2" fmla="*/ 97399 w 171515"/>
+                <a:gd name="connsiteY2" fmla="*/ 11641 h 171515"/>
+                <a:gd name="connsiteX3" fmla="*/ 85758 w 171515"/>
+                <a:gd name="connsiteY3" fmla="*/ 0 h 171515"/>
+                <a:gd name="connsiteX4" fmla="*/ 74116 w 171515"/>
+                <a:gd name="connsiteY4" fmla="*/ 11641 h 171515"/>
+                <a:gd name="connsiteX5" fmla="*/ 74116 w 171515"/>
+                <a:gd name="connsiteY5" fmla="*/ 74116 h 171515"/>
+                <a:gd name="connsiteX6" fmla="*/ 11641 w 171515"/>
+                <a:gd name="connsiteY6" fmla="*/ 74116 h 171515"/>
+                <a:gd name="connsiteX7" fmla="*/ 0 w 171515"/>
+                <a:gd name="connsiteY7" fmla="*/ 85758 h 171515"/>
+                <a:gd name="connsiteX8" fmla="*/ 11641 w 171515"/>
+                <a:gd name="connsiteY8" fmla="*/ 97399 h 171515"/>
+                <a:gd name="connsiteX9" fmla="*/ 74116 w 171515"/>
+                <a:gd name="connsiteY9" fmla="*/ 97399 h 171515"/>
+                <a:gd name="connsiteX10" fmla="*/ 74116 w 171515"/>
+                <a:gd name="connsiteY10" fmla="*/ 159874 h 171515"/>
+                <a:gd name="connsiteX11" fmla="*/ 85758 w 171515"/>
+                <a:gd name="connsiteY11" fmla="*/ 171515 h 171515"/>
+                <a:gd name="connsiteX12" fmla="*/ 97399 w 171515"/>
+                <a:gd name="connsiteY12" fmla="*/ 159874 h 171515"/>
+                <a:gd name="connsiteX13" fmla="*/ 97399 w 171515"/>
+                <a:gd name="connsiteY13" fmla="*/ 97399 h 171515"/>
+                <a:gd name="connsiteX14" fmla="*/ 159874 w 171515"/>
+                <a:gd name="connsiteY14" fmla="*/ 97399 h 171515"/>
+                <a:gd name="connsiteX15" fmla="*/ 171515 w 171515"/>
+                <a:gd name="connsiteY15" fmla="*/ 85758 h 171515"/>
+                <a:gd name="connsiteX16" fmla="*/ 159874 w 171515"/>
+                <a:gd name="connsiteY16" fmla="*/ 74116 h 171515"/>
+              </a:gdLst>
+              <a:ahLst/>
+              <a:cxnLst>
+                <a:cxn ang="0">
+                  <a:pos x="connsiteX0" y="connsiteY0"/>
+                </a:cxn>
+                <a:cxn ang="0">
+                  <a:pos x="connsiteX1" y="connsiteY1"/>
+                </a:cxn>
+                <a:cxn ang="0">
+                  <a:pos x="connsiteX2" y="connsiteY2"/>
+                </a:cxn>
+                <a:cxn ang="0">
+                  <a:pos x="connsiteX3" y="connsiteY3"/>
+                </a:cxn>
+                <a:cxn ang="0">
+                  <a:pos x="connsiteX4" y="connsiteY4"/>
+                </a:cxn>
+                <a:cxn ang="0">
+                  <a:pos x="connsiteX5" y="connsiteY5"/>
+                </a:cxn>
+                <a:cxn ang="0">
+                  <a:pos x="connsiteX6" y="connsiteY6"/>
+                </a:cxn>
+                <a:cxn ang="0">
+                  <a:pos x="connsiteX7" y="connsiteY7"/>
+                </a:cxn>
+                <a:cxn ang="0">
+                  <a:pos x="connsiteX8" y="connsiteY8"/>
+                </a:cxn>
+                <a:cxn ang="0">
+                  <a:pos x="connsiteX9" y="connsiteY9"/>
+                </a:cxn>
+                <a:cxn ang="0">
+                  <a:pos x="connsiteX10" y="connsiteY10"/>
+                </a:cxn>
+                <a:cxn ang="0">
+                  <a:pos x="connsiteX11" y="connsiteY11"/>
+                </a:cxn>
+                <a:cxn ang="0">
+                  <a:pos x="connsiteX12" y="connsiteY12"/>
+                </a:cxn>
+                <a:cxn ang="0">
+                  <a:pos x="connsiteX13" y="connsiteY13"/>
+                </a:cxn>
+                <a:cxn ang="0">
+                  <a:pos x="connsiteX14" y="connsiteY14"/>
+                </a:cxn>
+                <a:cxn ang="0">
+                  <a:pos x="connsiteX15" y="connsiteY15"/>
+                </a:cxn>
+                <a:cxn ang="0">
+                  <a:pos x="connsiteX16" y="connsiteY16"/>
+                </a:cxn>
+              </a:cxnLst>
+              <a:rect l="l" t="t" r="r" b="b"/>
+              <a:pathLst>
+                <a:path w="171515" h="171515">
+                  <a:moveTo>
+                    <a:pt x="159874" y="74116"/>
+                  </a:moveTo>
+                  <a:lnTo>
+                    <a:pt x="97399" y="74116"/>
+                  </a:lnTo>
+                  <a:lnTo>
+                    <a:pt x="97399" y="11641"/>
+                  </a:lnTo>
+                  <a:cubicBezTo>
+                    <a:pt x="97399" y="5212"/>
+                    <a:pt x="92187" y="0"/>
+                    <a:pt x="85758" y="0"/>
+                  </a:cubicBezTo>
+                  <a:cubicBezTo>
+                    <a:pt x="79328" y="0"/>
+                    <a:pt x="74116" y="5212"/>
+                    <a:pt x="74116" y="11641"/>
+                  </a:cubicBezTo>
+                  <a:lnTo>
+                    <a:pt x="74116" y="74116"/>
+                  </a:lnTo>
+                  <a:lnTo>
+                    <a:pt x="11641" y="74116"/>
+                  </a:lnTo>
+                  <a:cubicBezTo>
+                    <a:pt x="5212" y="74116"/>
+                    <a:pt x="0" y="79328"/>
+                    <a:pt x="0" y="85758"/>
+                  </a:cubicBezTo>
+                  <a:cubicBezTo>
+                    <a:pt x="0" y="92187"/>
+                    <a:pt x="5212" y="97399"/>
+                    <a:pt x="11641" y="97399"/>
+                  </a:cubicBezTo>
+                  <a:lnTo>
+                    <a:pt x="74116" y="97399"/>
+                  </a:lnTo>
+                  <a:lnTo>
+                    <a:pt x="74116" y="159874"/>
+                  </a:lnTo>
+                  <a:cubicBezTo>
+                    <a:pt x="74116" y="166303"/>
+                    <a:pt x="79328" y="171515"/>
+                    <a:pt x="85758" y="171515"/>
+                  </a:cubicBezTo>
+                  <a:cubicBezTo>
+                    <a:pt x="92187" y="171515"/>
+                    <a:pt x="97399" y="166303"/>
+                    <a:pt x="97399" y="159874"/>
+                  </a:cubicBezTo>
+                  <a:lnTo>
+                    <a:pt x="97399" y="97399"/>
+                  </a:lnTo>
+                  <a:lnTo>
+                    <a:pt x="159874" y="97399"/>
+                  </a:lnTo>
+                  <a:cubicBezTo>
+                    <a:pt x="166303" y="97399"/>
+                    <a:pt x="171515" y="92187"/>
+                    <a:pt x="171515" y="85758"/>
+                  </a:cubicBezTo>
+                  <a:cubicBezTo>
+                    <a:pt x="171515" y="79328"/>
+                    <a:pt x="166303" y="74116"/>
+                    <a:pt x="159874" y="74116"/>
+                  </a:cubicBezTo>
+                  <a:close/>
+                </a:path>
+              </a:pathLst>
+            </a:custGeom>
+            <a:grpFill/>
+            <a:ln w="776" cap="flat">
+              <a:noFill/>
+              <a:prstDash val="solid"/>
+              <a:miter/>
+            </a:ln>
+          </p:spPr>
+          <p:txBody>
+            <a:bodyPr rtlCol="0" anchor="ctr"/>
+            <a:lstStyle/>
+            <a:p>
+              <a:endParaRPr lang="en-US"/>
+            </a:p>
+          </p:txBody>
+        </p:sp>
+        <p:sp>
+          <p:nvSpPr>
+            <p:cNvPr id="14" name="Graphic 10">
+              <a:extLst>
+                <a:ext uri="{FF2B5EF4-FFF2-40B4-BE49-F238E27FC236}">
+                  <a16:creationId xmlns:a16="http://schemas.microsoft.com/office/drawing/2014/main" id="{E3020543-B24B-4EC4-8FFC-8DD88EEA91A8}"/>
+                </a:ext>
+                <a:ext uri="{C183D7F6-B498-43B3-948B-1728B52AA6E4}">
+                  <adec:decorative xmlns:adec="http://schemas.microsoft.com/office/drawing/2017/decorative" val="1"/>
+                </a:ext>
+              </a:extLst>
+            </p:cNvPr>
+            <p:cNvSpPr/>
+            <p:nvPr>
+              <p:extLst>
+                <p:ext uri="{386F3935-93C4-4BCD-93E2-E3B085C9AB24}">
+                  <p16:designElem xmlns:p16="http://schemas.microsoft.com/office/powerpoint/2015/main" val="1"/>
+                </p:ext>
+              </p:extLst>
+            </p:nvPr>
+          </p:nvSpPr>
+          <p:spPr>
+            <a:xfrm>
+              <a:off x="1075643" y="837005"/>
+              <a:ext cx="112426" cy="112426"/>
+            </a:xfrm>
+            <a:custGeom>
+              <a:avLst/>
+              <a:gdLst>
+                <a:gd name="connsiteX0" fmla="*/ 112426 w 112426"/>
+                <a:gd name="connsiteY0" fmla="*/ 56213 h 112426"/>
+                <a:gd name="connsiteX1" fmla="*/ 56213 w 112426"/>
+                <a:gd name="connsiteY1" fmla="*/ 112426 h 112426"/>
+                <a:gd name="connsiteX2" fmla="*/ 0 w 112426"/>
+                <a:gd name="connsiteY2" fmla="*/ 56213 h 112426"/>
+                <a:gd name="connsiteX3" fmla="*/ 56213 w 112426"/>
+                <a:gd name="connsiteY3" fmla="*/ 0 h 112426"/>
+                <a:gd name="connsiteX4" fmla="*/ 112426 w 112426"/>
+                <a:gd name="connsiteY4" fmla="*/ 56213 h 112426"/>
+              </a:gdLst>
+              <a:ahLst/>
+              <a:cxnLst>
+                <a:cxn ang="0">
+                  <a:pos x="connsiteX0" y="connsiteY0"/>
+                </a:cxn>
+                <a:cxn ang="0">
+                  <a:pos x="connsiteX1" y="connsiteY1"/>
+                </a:cxn>
+                <a:cxn ang="0">
+                  <a:pos x="connsiteX2" y="connsiteY2"/>
+                </a:cxn>
+                <a:cxn ang="0">
+                  <a:pos x="connsiteX3" y="connsiteY3"/>
+                </a:cxn>
+                <a:cxn ang="0">
+                  <a:pos x="connsiteX4" y="connsiteY4"/>
+                </a:cxn>
+              </a:cxnLst>
+              <a:rect l="l" t="t" r="r" b="b"/>
+              <a:pathLst>
+                <a:path w="112426" h="112426">
+                  <a:moveTo>
+                    <a:pt x="112426" y="56213"/>
+                  </a:moveTo>
+                  <a:cubicBezTo>
+                    <a:pt x="112426" y="87259"/>
+                    <a:pt x="87259" y="112426"/>
+                    <a:pt x="56213" y="112426"/>
+                  </a:cubicBezTo>
+                  <a:cubicBezTo>
+                    <a:pt x="25167" y="112426"/>
+                    <a:pt x="0" y="87259"/>
+                    <a:pt x="0" y="56213"/>
+                  </a:cubicBezTo>
+                  <a:cubicBezTo>
+                    <a:pt x="0" y="25167"/>
+                    <a:pt x="25167" y="0"/>
+                    <a:pt x="56213" y="0"/>
+                  </a:cubicBezTo>
+                  <a:cubicBezTo>
+                    <a:pt x="87259" y="0"/>
+                    <a:pt x="112426" y="25167"/>
+                    <a:pt x="112426" y="56213"/>
+                  </a:cubicBezTo>
+                  <a:close/>
+                </a:path>
+              </a:pathLst>
+            </a:custGeom>
+            <a:grpFill/>
+            <a:ln w="516" cap="flat">
+              <a:noFill/>
+              <a:prstDash val="solid"/>
+              <a:miter/>
+            </a:ln>
+          </p:spPr>
+          <p:txBody>
+            <a:bodyPr rtlCol="0" anchor="ctr"/>
+            <a:lstStyle/>
+            <a:p>
+              <a:endParaRPr lang="en-US"/>
+            </a:p>
+          </p:txBody>
+        </p:sp>
+        <p:sp>
+          <p:nvSpPr>
+            <p:cNvPr id="15" name="Graphic 12">
+              <a:extLst>
+                <a:ext uri="{FF2B5EF4-FFF2-40B4-BE49-F238E27FC236}">
+                  <a16:creationId xmlns:a16="http://schemas.microsoft.com/office/drawing/2014/main" id="{1453BF6C-B012-48B7-B4E8-6D7AC7C27D02}"/>
+                </a:ext>
+                <a:ext uri="{C183D7F6-B498-43B3-948B-1728B52AA6E4}">
+                  <adec:decorative xmlns:adec="http://schemas.microsoft.com/office/drawing/2017/decorative" val="1"/>
+                </a:ext>
+              </a:extLst>
+            </p:cNvPr>
+            <p:cNvSpPr/>
+            <p:nvPr>
+              <p:extLst>
+                <p:ext uri="{386F3935-93C4-4BCD-93E2-E3B085C9AB24}">
+                  <p16:designElem xmlns:p16="http://schemas.microsoft.com/office/powerpoint/2015/main" val="1"/>
+                </p:ext>
+              </p:extLst>
+            </p:nvPr>
+          </p:nvSpPr>
+          <p:spPr>
+            <a:xfrm>
+              <a:off x="613892" y="1472473"/>
+              <a:ext cx="157545" cy="157545"/>
+            </a:xfrm>
+            <a:custGeom>
+              <a:avLst/>
+              <a:gdLst>
+                <a:gd name="connsiteX0" fmla="*/ 78773 w 157545"/>
+                <a:gd name="connsiteY0" fmla="*/ 23283 h 157545"/>
+                <a:gd name="connsiteX1" fmla="*/ 134262 w 157545"/>
+                <a:gd name="connsiteY1" fmla="*/ 78773 h 157545"/>
+                <a:gd name="connsiteX2" fmla="*/ 78773 w 157545"/>
+                <a:gd name="connsiteY2" fmla="*/ 134262 h 157545"/>
+                <a:gd name="connsiteX3" fmla="*/ 23283 w 157545"/>
+                <a:gd name="connsiteY3" fmla="*/ 78773 h 157545"/>
+                <a:gd name="connsiteX4" fmla="*/ 78773 w 157545"/>
+                <a:gd name="connsiteY4" fmla="*/ 23283 h 157545"/>
+                <a:gd name="connsiteX5" fmla="*/ 78773 w 157545"/>
+                <a:gd name="connsiteY5" fmla="*/ 0 h 157545"/>
+                <a:gd name="connsiteX6" fmla="*/ 0 w 157545"/>
+                <a:gd name="connsiteY6" fmla="*/ 78773 h 157545"/>
+                <a:gd name="connsiteX7" fmla="*/ 78773 w 157545"/>
+                <a:gd name="connsiteY7" fmla="*/ 157545 h 157545"/>
+                <a:gd name="connsiteX8" fmla="*/ 157545 w 157545"/>
+                <a:gd name="connsiteY8" fmla="*/ 78773 h 157545"/>
+                <a:gd name="connsiteX9" fmla="*/ 78773 w 157545"/>
+                <a:gd name="connsiteY9" fmla="*/ 0 h 157545"/>
+              </a:gdLst>
+              <a:ahLst/>
+              <a:cxnLst>
+                <a:cxn ang="0">
+                  <a:pos x="connsiteX0" y="connsiteY0"/>
+                </a:cxn>
+                <a:cxn ang="0">
+                  <a:pos x="connsiteX1" y="connsiteY1"/>
+                </a:cxn>
+                <a:cxn ang="0">
+                  <a:pos x="connsiteX2" y="connsiteY2"/>
+                </a:cxn>
+                <a:cxn ang="0">
+                  <a:pos x="connsiteX3" y="connsiteY3"/>
+                </a:cxn>
+                <a:cxn ang="0">
+                  <a:pos x="connsiteX4" y="connsiteY4"/>
+                </a:cxn>
+                <a:cxn ang="0">
+                  <a:pos x="connsiteX5" y="connsiteY5"/>
+                </a:cxn>
+                <a:cxn ang="0">
+                  <a:pos x="connsiteX6" y="connsiteY6"/>
+                </a:cxn>
+                <a:cxn ang="0">
+                  <a:pos x="connsiteX7" y="connsiteY7"/>
+                </a:cxn>
+                <a:cxn ang="0">
+                  <a:pos x="connsiteX8" y="connsiteY8"/>
+                </a:cxn>
+                <a:cxn ang="0">
+                  <a:pos x="connsiteX9" y="connsiteY9"/>
+                </a:cxn>
+              </a:cxnLst>
+              <a:rect l="l" t="t" r="r" b="b"/>
+              <a:pathLst>
+                <a:path w="157545" h="157545">
+                  <a:moveTo>
+                    <a:pt x="78773" y="23283"/>
+                  </a:moveTo>
+                  <a:cubicBezTo>
+                    <a:pt x="109419" y="23283"/>
+                    <a:pt x="134262" y="48126"/>
+                    <a:pt x="134262" y="78773"/>
+                  </a:cubicBezTo>
+                  <a:cubicBezTo>
+                    <a:pt x="134262" y="109419"/>
+                    <a:pt x="109419" y="134262"/>
+                    <a:pt x="78773" y="134262"/>
+                  </a:cubicBezTo>
+                  <a:cubicBezTo>
+                    <a:pt x="48126" y="134262"/>
+                    <a:pt x="23283" y="109419"/>
+                    <a:pt x="23283" y="78773"/>
+                  </a:cubicBezTo>
+                  <a:cubicBezTo>
+                    <a:pt x="23312" y="48139"/>
+                    <a:pt x="48139" y="23312"/>
+                    <a:pt x="78773" y="23283"/>
+                  </a:cubicBezTo>
+                  <a:moveTo>
+                    <a:pt x="78773" y="0"/>
+                  </a:moveTo>
+                  <a:cubicBezTo>
+                    <a:pt x="35268" y="0"/>
+                    <a:pt x="0" y="35268"/>
+                    <a:pt x="0" y="78773"/>
+                  </a:cubicBezTo>
+                  <a:cubicBezTo>
+                    <a:pt x="0" y="122277"/>
+                    <a:pt x="35268" y="157545"/>
+                    <a:pt x="78773" y="157545"/>
+                  </a:cubicBezTo>
+                  <a:cubicBezTo>
+                    <a:pt x="122277" y="157545"/>
+                    <a:pt x="157545" y="122277"/>
+                    <a:pt x="157545" y="78773"/>
+                  </a:cubicBezTo>
+                  <a:cubicBezTo>
+                    <a:pt x="157545" y="35268"/>
+                    <a:pt x="122277" y="0"/>
+                    <a:pt x="78773" y="0"/>
+                  </a:cubicBezTo>
+                  <a:close/>
+                </a:path>
+              </a:pathLst>
+            </a:custGeom>
+            <a:grpFill/>
+            <a:ln w="751" cap="flat">
+              <a:noFill/>
+              <a:prstDash val="solid"/>
+              <a:miter/>
+            </a:ln>
+          </p:spPr>
+          <p:txBody>
+            <a:bodyPr rtlCol="0" anchor="ctr"/>
+            <a:lstStyle/>
+            <a:p>
+              <a:endParaRPr lang="en-US"/>
+            </a:p>
+          </p:txBody>
+        </p:sp>
+      </p:grpSp>
       <p:sp>
         <p:nvSpPr>
           <p:cNvPr id="3" name="Tijdelijke aanduiding voor inhoud 2">
@@ -4610,15 +6814,90 @@
             <p:ph idx="1"/>
           </p:nvPr>
         </p:nvSpPr>
-        <p:spPr/>
-        <p:txBody>
-          <a:bodyPr/>
+        <p:spPr>
+          <a:xfrm>
+            <a:off x="6297233" y="518400"/>
+            <a:ext cx="4771607" cy="5837949"/>
+          </a:xfrm>
+        </p:spPr>
+        <p:txBody>
+          <a:bodyPr anchor="ctr">
+            <a:normAutofit/>
+          </a:bodyPr>
           <a:lstStyle/>
           <a:p>
-            <a:endParaRPr lang="nl-NL"/>
-          </a:p>
-        </p:txBody>
-      </p:sp>
+            <a:endParaRPr lang="nl-NL" sz="2000">
+              <a:solidFill>
+                <a:schemeClr val="tx1">
+                  <a:alpha val="80000"/>
+                </a:schemeClr>
+              </a:solidFill>
+            </a:endParaRPr>
+          </a:p>
+        </p:txBody>
+      </p:sp>
+      <p:cxnSp>
+        <p:nvCxnSpPr>
+          <p:cNvPr id="17" name="Straight Connector 16">
+            <a:extLst>
+              <a:ext uri="{FF2B5EF4-FFF2-40B4-BE49-F238E27FC236}">
+                <a16:creationId xmlns:a16="http://schemas.microsoft.com/office/drawing/2014/main" id="{C49DA8F6-BCC1-4447-B54C-57856834B94B}"/>
+              </a:ext>
+              <a:ext uri="{C183D7F6-B498-43B3-948B-1728B52AA6E4}">
+                <adec:decorative xmlns:adec="http://schemas.microsoft.com/office/drawing/2017/decorative" val="1"/>
+              </a:ext>
+            </a:extLst>
+          </p:cNvPr>
+          <p:cNvCxnSpPr>
+            <a:cxnSpLocks noGrp="1" noRot="1" noChangeAspect="1" noMove="1" noResize="1" noEditPoints="1" noAdjustHandles="1" noChangeArrowheads="1" noChangeShapeType="1"/>
+          </p:cNvCxnSpPr>
+          <p:nvPr>
+            <p:extLst>
+              <p:ext uri="{386F3935-93C4-4BCD-93E2-E3B085C9AB24}">
+                <p16:designElem xmlns:p16="http://schemas.microsoft.com/office/powerpoint/2015/main" val="1"/>
+              </p:ext>
+            </p:extLst>
+          </p:nvPr>
+        </p:nvCxnSpPr>
+        <p:spPr>
+          <a:xfrm>
+            <a:off x="11586162" y="3610394"/>
+            <a:ext cx="0" cy="3238728"/>
+          </a:xfrm>
+          <a:prstGeom prst="line">
+            <a:avLst/>
+          </a:prstGeom>
+          <a:ln w="25400" cap="sq">
+            <a:gradFill flip="none" rotWithShape="1">
+              <a:gsLst>
+                <a:gs pos="0">
+                  <a:schemeClr val="accent1"/>
+                </a:gs>
+                <a:gs pos="100000">
+                  <a:schemeClr val="accent2"/>
+                </a:gs>
+              </a:gsLst>
+              <a:lin ang="5400000" scaled="0"/>
+              <a:tileRect/>
+            </a:gradFill>
+            <a:bevel/>
+          </a:ln>
+        </p:spPr>
+        <p:style>
+          <a:lnRef idx="1">
+            <a:schemeClr val="accent1"/>
+          </a:lnRef>
+          <a:fillRef idx="0">
+            <a:schemeClr val="accent1"/>
+          </a:fillRef>
+          <a:effectRef idx="0">
+            <a:schemeClr val="accent1"/>
+          </a:effectRef>
+          <a:fontRef idx="minor">
+            <a:schemeClr val="tx1"/>
+          </a:fontRef>
+        </p:style>
+      </p:cxnSp>
     </p:spTree>
     <p:extLst>
       <p:ext uri="{BB962C8B-B14F-4D97-AF65-F5344CB8AC3E}">
@@ -4635,6 +6914,14 @@
 <file path=ppt/slides/slide4.xml><?xml version="1.0" encoding="utf-8"?>
 <p:sld xmlns:a="http://schemas.openxmlformats.org/drawingml/2006/main" xmlns:r="http://schemas.openxmlformats.org/officeDocument/2006/relationships" xmlns:p="http://schemas.openxmlformats.org/presentationml/2006/main">
   <p:cSld>
+    <p:bg>
+      <p:bgPr>
+        <a:solidFill>
+          <a:schemeClr val="bg1"/>
+        </a:solidFill>
+        <a:effectLst/>
+      </p:bgPr>
+    </p:bg>
     <p:spTree>
       <p:nvGrpSpPr>
         <p:cNvPr id="1" name=""/>
@@ -4649,8 +6936,144 @@
           <a:chExt cx="0" cy="0"/>
         </a:xfrm>
       </p:grpSpPr>
+      <p:sp useBgFill="1">
+        <p:nvSpPr>
+          <p:cNvPr id="8" name="Rectangle 7">
+            <a:extLst>
+              <a:ext uri="{FF2B5EF4-FFF2-40B4-BE49-F238E27FC236}">
+                <a16:creationId xmlns:a16="http://schemas.microsoft.com/office/drawing/2014/main" id="{A2679492-7988-4050-9056-542444452411}"/>
+              </a:ext>
+              <a:ext uri="{C183D7F6-B498-43B3-948B-1728B52AA6E4}">
+                <adec:decorative xmlns:adec="http://schemas.microsoft.com/office/drawing/2017/decorative" val="1"/>
+              </a:ext>
+            </a:extLst>
+          </p:cNvPr>
+          <p:cNvSpPr>
+            <a:spLocks noGrp="1" noRot="1" noChangeAspect="1" noMove="1" noResize="1" noEditPoints="1" noAdjustHandles="1" noChangeArrowheads="1" noChangeShapeType="1" noTextEdit="1"/>
+          </p:cNvSpPr>
+          <p:nvPr>
+            <p:extLst>
+              <p:ext uri="{386F3935-93C4-4BCD-93E2-E3B085C9AB24}">
+                <p16:designElem xmlns:p16="http://schemas.microsoft.com/office/powerpoint/2015/main" val="1"/>
+              </p:ext>
+            </p:extLst>
+          </p:nvPr>
+        </p:nvSpPr>
+        <p:spPr>
+          <a:xfrm>
+            <a:off x="0" y="0"/>
+            <a:ext cx="12192000" cy="6858000"/>
+          </a:xfrm>
+          <a:prstGeom prst="rect">
+            <a:avLst/>
+          </a:prstGeom>
+          <a:ln>
+            <a:noFill/>
+          </a:ln>
+        </p:spPr>
+        <p:style>
+          <a:lnRef idx="2">
+            <a:schemeClr val="accent1">
+              <a:shade val="50000"/>
+            </a:schemeClr>
+          </a:lnRef>
+          <a:fillRef idx="1">
+            <a:schemeClr val="accent1"/>
+          </a:fillRef>
+          <a:effectRef idx="0">
+            <a:schemeClr val="accent1"/>
+          </a:effectRef>
+          <a:fontRef idx="minor">
+            <a:schemeClr val="lt1"/>
+          </a:fontRef>
+        </p:style>
+        <p:txBody>
+          <a:bodyPr rtlCol="0" anchor="ctr"/>
+          <a:lstStyle/>
+          <a:p>
+            <a:pPr algn="ctr"/>
+            <a:endParaRPr lang="en-US"/>
+          </a:p>
+        </p:txBody>
+      </p:sp>
       <p:sp>
         <p:nvSpPr>
+          <p:cNvPr id="10" name="Rectangle 9">
+            <a:extLst>
+              <a:ext uri="{FF2B5EF4-FFF2-40B4-BE49-F238E27FC236}">
+                <a16:creationId xmlns:a16="http://schemas.microsoft.com/office/drawing/2014/main" id="{B091B163-7D61-4891-ABCF-5C13D9C418D0}"/>
+              </a:ext>
+              <a:ext uri="{C183D7F6-B498-43B3-948B-1728B52AA6E4}">
+                <adec:decorative xmlns:adec="http://schemas.microsoft.com/office/drawing/2017/decorative" val="1"/>
+              </a:ext>
+            </a:extLst>
+          </p:cNvPr>
+          <p:cNvSpPr>
+            <a:spLocks noGrp="1" noRot="1" noChangeAspect="1" noMove="1" noResize="1" noEditPoints="1" noAdjustHandles="1" noChangeArrowheads="1" noChangeShapeType="1" noTextEdit="1"/>
+          </p:cNvSpPr>
+          <p:nvPr>
+            <p:extLst>
+              <p:ext uri="{386F3935-93C4-4BCD-93E2-E3B085C9AB24}">
+                <p16:designElem xmlns:p16="http://schemas.microsoft.com/office/powerpoint/2015/main" val="1"/>
+              </p:ext>
+            </p:extLst>
+          </p:nvPr>
+        </p:nvSpPr>
+        <p:spPr>
+          <a:xfrm>
+            <a:off x="0" y="0"/>
+            <a:ext cx="5779911" cy="6858000"/>
+          </a:xfrm>
+          <a:prstGeom prst="rect">
+            <a:avLst/>
+          </a:prstGeom>
+          <a:gradFill flip="none" rotWithShape="1">
+            <a:gsLst>
+              <a:gs pos="0">
+                <a:schemeClr val="accent1"/>
+              </a:gs>
+              <a:gs pos="100000">
+                <a:schemeClr val="accent2"/>
+              </a:gs>
+            </a:gsLst>
+            <a:lin ang="2700000" scaled="1"/>
+            <a:tileRect/>
+          </a:gradFill>
+          <a:ln>
+            <a:noFill/>
+          </a:ln>
+        </p:spPr>
+        <p:style>
+          <a:lnRef idx="2">
+            <a:schemeClr val="accent1">
+              <a:shade val="50000"/>
+            </a:schemeClr>
+          </a:lnRef>
+          <a:fillRef idx="1">
+            <a:schemeClr val="accent1"/>
+          </a:fillRef>
+          <a:effectRef idx="0">
+            <a:schemeClr val="accent1"/>
+          </a:effectRef>
+          <a:fontRef idx="minor">
+            <a:schemeClr val="lt1"/>
+          </a:fontRef>
+        </p:style>
+        <p:txBody>
+          <a:bodyPr rtlCol="0" anchor="ctr"/>
+          <a:lstStyle/>
+          <a:p>
+            <a:pPr algn="ctr"/>
+            <a:endParaRPr lang="en-US">
+              <a:solidFill>
+                <a:schemeClr val="tx1"/>
+              </a:solidFill>
+            </a:endParaRPr>
+          </a:p>
+        </p:txBody>
+      </p:sp>
+      <p:sp>
+        <p:nvSpPr>
           <p:cNvPr id="2" name="Titel 1">
             <a:extLst>
               <a:ext uri="{FF2B5EF4-FFF2-40B4-BE49-F238E27FC236}">
@@ -4665,18 +7088,525 @@
             <p:ph type="title"/>
           </p:nvPr>
         </p:nvSpPr>
-        <p:spPr/>
-        <p:txBody>
-          <a:bodyPr/>
+        <p:spPr>
+          <a:xfrm>
+            <a:off x="1188069" y="381935"/>
+            <a:ext cx="4008583" cy="5974414"/>
+          </a:xfrm>
+        </p:spPr>
+        <p:txBody>
+          <a:bodyPr anchor="ctr">
+            <a:normAutofit/>
+          </a:bodyPr>
           <a:lstStyle/>
           <a:p>
             <a:r>
-              <a:rPr lang="nl-NL" dirty="0"/>
+              <a:rPr lang="nl-NL" sz="8000">
+                <a:solidFill>
+                  <a:srgbClr val="FFFFFF"/>
+                </a:solidFill>
+              </a:rPr>
               <a:t>Zijn er tot nu toe nog Vragen?</a:t>
             </a:r>
           </a:p>
         </p:txBody>
       </p:sp>
+      <p:grpSp>
+        <p:nvGrpSpPr>
+          <p:cNvPr id="12" name="Group 11">
+            <a:extLst>
+              <a:ext uri="{FF2B5EF4-FFF2-40B4-BE49-F238E27FC236}">
+                <a16:creationId xmlns:a16="http://schemas.microsoft.com/office/drawing/2014/main" id="{0474DF76-993E-44DE-AFB0-C416182ACECF}"/>
+              </a:ext>
+              <a:ext uri="{C183D7F6-B498-43B3-948B-1728B52AA6E4}">
+                <adec:decorative xmlns:adec="http://schemas.microsoft.com/office/drawing/2017/decorative" val="1"/>
+              </a:ext>
+            </a:extLst>
+          </p:cNvPr>
+          <p:cNvGrpSpPr>
+            <a:grpSpLocks noGrp="1" noUngrp="1" noRot="1" noChangeAspect="1" noMove="1" noResize="1"/>
+          </p:cNvGrpSpPr>
+          <p:nvPr>
+            <p:extLst>
+              <p:ext uri="{386F3935-93C4-4BCD-93E2-E3B085C9AB24}">
+                <p16:designElem xmlns:p16="http://schemas.microsoft.com/office/powerpoint/2015/main" val="1"/>
+              </p:ext>
+            </p:extLst>
+          </p:nvPr>
+        </p:nvGrpSpPr>
+        <p:grpSpPr>
+          <a:xfrm>
+            <a:off x="613892" y="554152"/>
+            <a:ext cx="574177" cy="1075866"/>
+            <a:chOff x="613892" y="554152"/>
+            <a:chExt cx="574177" cy="1075866"/>
+          </a:xfrm>
+          <a:solidFill>
+            <a:srgbClr val="FFFFFF"/>
+          </a:solidFill>
+        </p:grpSpPr>
+        <p:sp>
+          <p:nvSpPr>
+            <p:cNvPr id="13" name="Graphic 11">
+              <a:extLst>
+                <a:ext uri="{FF2B5EF4-FFF2-40B4-BE49-F238E27FC236}">
+                  <a16:creationId xmlns:a16="http://schemas.microsoft.com/office/drawing/2014/main" id="{6CB927A4-E432-4310-9CD5-E89FF5063179}"/>
+                </a:ext>
+                <a:ext uri="{C183D7F6-B498-43B3-948B-1728B52AA6E4}">
+                  <adec:decorative xmlns:adec="http://schemas.microsoft.com/office/drawing/2017/decorative" val="1"/>
+                </a:ext>
+              </a:extLst>
+            </p:cNvPr>
+            <p:cNvSpPr/>
+            <p:nvPr>
+              <p:extLst>
+                <p:ext uri="{386F3935-93C4-4BCD-93E2-E3B085C9AB24}">
+                  <p16:designElem xmlns:p16="http://schemas.microsoft.com/office/powerpoint/2015/main" val="1"/>
+                </p:ext>
+              </p:extLst>
+            </p:nvPr>
+          </p:nvSpPr>
+          <p:spPr>
+            <a:xfrm>
+              <a:off x="633061" y="554152"/>
+              <a:ext cx="171515" cy="171515"/>
+            </a:xfrm>
+            <a:custGeom>
+              <a:avLst/>
+              <a:gdLst>
+                <a:gd name="connsiteX0" fmla="*/ 159874 w 171515"/>
+                <a:gd name="connsiteY0" fmla="*/ 74116 h 171515"/>
+                <a:gd name="connsiteX1" fmla="*/ 97399 w 171515"/>
+                <a:gd name="connsiteY1" fmla="*/ 74116 h 171515"/>
+                <a:gd name="connsiteX2" fmla="*/ 97399 w 171515"/>
+                <a:gd name="connsiteY2" fmla="*/ 11641 h 171515"/>
+                <a:gd name="connsiteX3" fmla="*/ 85758 w 171515"/>
+                <a:gd name="connsiteY3" fmla="*/ 0 h 171515"/>
+                <a:gd name="connsiteX4" fmla="*/ 74116 w 171515"/>
+                <a:gd name="connsiteY4" fmla="*/ 11641 h 171515"/>
+                <a:gd name="connsiteX5" fmla="*/ 74116 w 171515"/>
+                <a:gd name="connsiteY5" fmla="*/ 74116 h 171515"/>
+                <a:gd name="connsiteX6" fmla="*/ 11641 w 171515"/>
+                <a:gd name="connsiteY6" fmla="*/ 74116 h 171515"/>
+                <a:gd name="connsiteX7" fmla="*/ 0 w 171515"/>
+                <a:gd name="connsiteY7" fmla="*/ 85758 h 171515"/>
+                <a:gd name="connsiteX8" fmla="*/ 11641 w 171515"/>
+                <a:gd name="connsiteY8" fmla="*/ 97399 h 171515"/>
+                <a:gd name="connsiteX9" fmla="*/ 74116 w 171515"/>
+                <a:gd name="connsiteY9" fmla="*/ 97399 h 171515"/>
+                <a:gd name="connsiteX10" fmla="*/ 74116 w 171515"/>
+                <a:gd name="connsiteY10" fmla="*/ 159874 h 171515"/>
+                <a:gd name="connsiteX11" fmla="*/ 85758 w 171515"/>
+                <a:gd name="connsiteY11" fmla="*/ 171515 h 171515"/>
+                <a:gd name="connsiteX12" fmla="*/ 97399 w 171515"/>
+                <a:gd name="connsiteY12" fmla="*/ 159874 h 171515"/>
+                <a:gd name="connsiteX13" fmla="*/ 97399 w 171515"/>
+                <a:gd name="connsiteY13" fmla="*/ 97399 h 171515"/>
+                <a:gd name="connsiteX14" fmla="*/ 159874 w 171515"/>
+                <a:gd name="connsiteY14" fmla="*/ 97399 h 171515"/>
+                <a:gd name="connsiteX15" fmla="*/ 171515 w 171515"/>
+                <a:gd name="connsiteY15" fmla="*/ 85758 h 171515"/>
+                <a:gd name="connsiteX16" fmla="*/ 159874 w 171515"/>
+                <a:gd name="connsiteY16" fmla="*/ 74116 h 171515"/>
+              </a:gdLst>
+              <a:ahLst/>
+              <a:cxnLst>
+                <a:cxn ang="0">
+                  <a:pos x="connsiteX0" y="connsiteY0"/>
+                </a:cxn>
+                <a:cxn ang="0">
+                  <a:pos x="connsiteX1" y="connsiteY1"/>
+                </a:cxn>
+                <a:cxn ang="0">
+                  <a:pos x="connsiteX2" y="connsiteY2"/>
+                </a:cxn>
+                <a:cxn ang="0">
+                  <a:pos x="connsiteX3" y="connsiteY3"/>
+                </a:cxn>
+                <a:cxn ang="0">
+                  <a:pos x="connsiteX4" y="connsiteY4"/>
+                </a:cxn>
+                <a:cxn ang="0">
+                  <a:pos x="connsiteX5" y="connsiteY5"/>
+                </a:cxn>
+                <a:cxn ang="0">
+                  <a:pos x="connsiteX6" y="connsiteY6"/>
+                </a:cxn>
+                <a:cxn ang="0">
+                  <a:pos x="connsiteX7" y="connsiteY7"/>
+                </a:cxn>
+                <a:cxn ang="0">
+                  <a:pos x="connsiteX8" y="connsiteY8"/>
+                </a:cxn>
+                <a:cxn ang="0">
+                  <a:pos x="connsiteX9" y="connsiteY9"/>
+                </a:cxn>
+                <a:cxn ang="0">
+                  <a:pos x="connsiteX10" y="connsiteY10"/>
+                </a:cxn>
+                <a:cxn ang="0">
+                  <a:pos x="connsiteX11" y="connsiteY11"/>
+                </a:cxn>
+                <a:cxn ang="0">
+                  <a:pos x="connsiteX12" y="connsiteY12"/>
+                </a:cxn>
+                <a:cxn ang="0">
+                  <a:pos x="connsiteX13" y="connsiteY13"/>
+                </a:cxn>
+                <a:cxn ang="0">
+                  <a:pos x="connsiteX14" y="connsiteY14"/>
+                </a:cxn>
+                <a:cxn ang="0">
+                  <a:pos x="connsiteX15" y="connsiteY15"/>
+                </a:cxn>
+                <a:cxn ang="0">
+                  <a:pos x="connsiteX16" y="connsiteY16"/>
+                </a:cxn>
+              </a:cxnLst>
+              <a:rect l="l" t="t" r="r" b="b"/>
+              <a:pathLst>
+                <a:path w="171515" h="171515">
+                  <a:moveTo>
+                    <a:pt x="159874" y="74116"/>
+                  </a:moveTo>
+                  <a:lnTo>
+                    <a:pt x="97399" y="74116"/>
+                  </a:lnTo>
+                  <a:lnTo>
+                    <a:pt x="97399" y="11641"/>
+                  </a:lnTo>
+                  <a:cubicBezTo>
+                    <a:pt x="97399" y="5212"/>
+                    <a:pt x="92187" y="0"/>
+                    <a:pt x="85758" y="0"/>
+                  </a:cubicBezTo>
+                  <a:cubicBezTo>
+                    <a:pt x="79328" y="0"/>
+                    <a:pt x="74116" y="5212"/>
+                    <a:pt x="74116" y="11641"/>
+                  </a:cubicBezTo>
+                  <a:lnTo>
+                    <a:pt x="74116" y="74116"/>
+                  </a:lnTo>
+                  <a:lnTo>
+                    <a:pt x="11641" y="74116"/>
+                  </a:lnTo>
+                  <a:cubicBezTo>
+                    <a:pt x="5212" y="74116"/>
+                    <a:pt x="0" y="79328"/>
+                    <a:pt x="0" y="85758"/>
+                  </a:cubicBezTo>
+                  <a:cubicBezTo>
+                    <a:pt x="0" y="92187"/>
+                    <a:pt x="5212" y="97399"/>
+                    <a:pt x="11641" y="97399"/>
+                  </a:cubicBezTo>
+                  <a:lnTo>
+                    <a:pt x="74116" y="97399"/>
+                  </a:lnTo>
+                  <a:lnTo>
+                    <a:pt x="74116" y="159874"/>
+                  </a:lnTo>
+                  <a:cubicBezTo>
+                    <a:pt x="74116" y="166303"/>
+                    <a:pt x="79328" y="171515"/>
+                    <a:pt x="85758" y="171515"/>
+                  </a:cubicBezTo>
+                  <a:cubicBezTo>
+                    <a:pt x="92187" y="171515"/>
+                    <a:pt x="97399" y="166303"/>
+                    <a:pt x="97399" y="159874"/>
+                  </a:cubicBezTo>
+                  <a:lnTo>
+                    <a:pt x="97399" y="97399"/>
+                  </a:lnTo>
+                  <a:lnTo>
+                    <a:pt x="159874" y="97399"/>
+                  </a:lnTo>
+                  <a:cubicBezTo>
+                    <a:pt x="166303" y="97399"/>
+                    <a:pt x="171515" y="92187"/>
+                    <a:pt x="171515" y="85758"/>
+                  </a:cubicBezTo>
+                  <a:cubicBezTo>
+                    <a:pt x="171515" y="79328"/>
+                    <a:pt x="166303" y="74116"/>
+                    <a:pt x="159874" y="74116"/>
+                  </a:cubicBezTo>
+                  <a:close/>
+                </a:path>
+              </a:pathLst>
+            </a:custGeom>
+            <a:grpFill/>
+            <a:ln w="776" cap="flat">
+              <a:noFill/>
+              <a:prstDash val="solid"/>
+              <a:miter/>
+            </a:ln>
+          </p:spPr>
+          <p:txBody>
+            <a:bodyPr rtlCol="0" anchor="ctr"/>
+            <a:lstStyle/>
+            <a:p>
+              <a:endParaRPr lang="en-US"/>
+            </a:p>
+          </p:txBody>
+        </p:sp>
+        <p:sp>
+          <p:nvSpPr>
+            <p:cNvPr id="14" name="Graphic 10">
+              <a:extLst>
+                <a:ext uri="{FF2B5EF4-FFF2-40B4-BE49-F238E27FC236}">
+                  <a16:creationId xmlns:a16="http://schemas.microsoft.com/office/drawing/2014/main" id="{E3020543-B24B-4EC4-8FFC-8DD88EEA91A8}"/>
+                </a:ext>
+                <a:ext uri="{C183D7F6-B498-43B3-948B-1728B52AA6E4}">
+                  <adec:decorative xmlns:adec="http://schemas.microsoft.com/office/drawing/2017/decorative" val="1"/>
+                </a:ext>
+              </a:extLst>
+            </p:cNvPr>
+            <p:cNvSpPr/>
+            <p:nvPr>
+              <p:extLst>
+                <p:ext uri="{386F3935-93C4-4BCD-93E2-E3B085C9AB24}">
+                  <p16:designElem xmlns:p16="http://schemas.microsoft.com/office/powerpoint/2015/main" val="1"/>
+                </p:ext>
+              </p:extLst>
+            </p:nvPr>
+          </p:nvSpPr>
+          <p:spPr>
+            <a:xfrm>
+              <a:off x="1075643" y="837005"/>
+              <a:ext cx="112426" cy="112426"/>
+            </a:xfrm>
+            <a:custGeom>
+              <a:avLst/>
+              <a:gdLst>
+                <a:gd name="connsiteX0" fmla="*/ 112426 w 112426"/>
+                <a:gd name="connsiteY0" fmla="*/ 56213 h 112426"/>
+                <a:gd name="connsiteX1" fmla="*/ 56213 w 112426"/>
+                <a:gd name="connsiteY1" fmla="*/ 112426 h 112426"/>
+                <a:gd name="connsiteX2" fmla="*/ 0 w 112426"/>
+                <a:gd name="connsiteY2" fmla="*/ 56213 h 112426"/>
+                <a:gd name="connsiteX3" fmla="*/ 56213 w 112426"/>
+                <a:gd name="connsiteY3" fmla="*/ 0 h 112426"/>
+                <a:gd name="connsiteX4" fmla="*/ 112426 w 112426"/>
+                <a:gd name="connsiteY4" fmla="*/ 56213 h 112426"/>
+              </a:gdLst>
+              <a:ahLst/>
+              <a:cxnLst>
+                <a:cxn ang="0">
+                  <a:pos x="connsiteX0" y="connsiteY0"/>
+                </a:cxn>
+                <a:cxn ang="0">
+                  <a:pos x="connsiteX1" y="connsiteY1"/>
+                </a:cxn>
+                <a:cxn ang="0">
+                  <a:pos x="connsiteX2" y="connsiteY2"/>
+                </a:cxn>
+                <a:cxn ang="0">
+                  <a:pos x="connsiteX3" y="connsiteY3"/>
+                </a:cxn>
+                <a:cxn ang="0">
+                  <a:pos x="connsiteX4" y="connsiteY4"/>
+                </a:cxn>
+              </a:cxnLst>
+              <a:rect l="l" t="t" r="r" b="b"/>
+              <a:pathLst>
+                <a:path w="112426" h="112426">
+                  <a:moveTo>
+                    <a:pt x="112426" y="56213"/>
+                  </a:moveTo>
+                  <a:cubicBezTo>
+                    <a:pt x="112426" y="87259"/>
+                    <a:pt x="87259" y="112426"/>
+                    <a:pt x="56213" y="112426"/>
+                  </a:cubicBezTo>
+                  <a:cubicBezTo>
+                    <a:pt x="25167" y="112426"/>
+                    <a:pt x="0" y="87259"/>
+                    <a:pt x="0" y="56213"/>
+                  </a:cubicBezTo>
+                  <a:cubicBezTo>
+                    <a:pt x="0" y="25167"/>
+                    <a:pt x="25167" y="0"/>
+                    <a:pt x="56213" y="0"/>
+                  </a:cubicBezTo>
+                  <a:cubicBezTo>
+                    <a:pt x="87259" y="0"/>
+                    <a:pt x="112426" y="25167"/>
+                    <a:pt x="112426" y="56213"/>
+                  </a:cubicBezTo>
+                  <a:close/>
+                </a:path>
+              </a:pathLst>
+            </a:custGeom>
+            <a:grpFill/>
+            <a:ln w="516" cap="flat">
+              <a:noFill/>
+              <a:prstDash val="solid"/>
+              <a:miter/>
+            </a:ln>
+          </p:spPr>
+          <p:txBody>
+            <a:bodyPr rtlCol="0" anchor="ctr"/>
+            <a:lstStyle/>
+            <a:p>
+              <a:endParaRPr lang="en-US"/>
+            </a:p>
+          </p:txBody>
+        </p:sp>
+        <p:sp>
+          <p:nvSpPr>
+            <p:cNvPr id="15" name="Graphic 12">
+              <a:extLst>
+                <a:ext uri="{FF2B5EF4-FFF2-40B4-BE49-F238E27FC236}">
+                  <a16:creationId xmlns:a16="http://schemas.microsoft.com/office/drawing/2014/main" id="{1453BF6C-B012-48B7-B4E8-6D7AC7C27D02}"/>
+                </a:ext>
+                <a:ext uri="{C183D7F6-B498-43B3-948B-1728B52AA6E4}">
+                  <adec:decorative xmlns:adec="http://schemas.microsoft.com/office/drawing/2017/decorative" val="1"/>
+                </a:ext>
+              </a:extLst>
+            </p:cNvPr>
+            <p:cNvSpPr/>
+            <p:nvPr>
+              <p:extLst>
+                <p:ext uri="{386F3935-93C4-4BCD-93E2-E3B085C9AB24}">
+                  <p16:designElem xmlns:p16="http://schemas.microsoft.com/office/powerpoint/2015/main" val="1"/>
+                </p:ext>
+              </p:extLst>
+            </p:nvPr>
+          </p:nvSpPr>
+          <p:spPr>
+            <a:xfrm>
+              <a:off x="613892" y="1472473"/>
+              <a:ext cx="157545" cy="157545"/>
+            </a:xfrm>
+            <a:custGeom>
+              <a:avLst/>
+              <a:gdLst>
+                <a:gd name="connsiteX0" fmla="*/ 78773 w 157545"/>
+                <a:gd name="connsiteY0" fmla="*/ 23283 h 157545"/>
+                <a:gd name="connsiteX1" fmla="*/ 134262 w 157545"/>
+                <a:gd name="connsiteY1" fmla="*/ 78773 h 157545"/>
+                <a:gd name="connsiteX2" fmla="*/ 78773 w 157545"/>
+                <a:gd name="connsiteY2" fmla="*/ 134262 h 157545"/>
+                <a:gd name="connsiteX3" fmla="*/ 23283 w 157545"/>
+                <a:gd name="connsiteY3" fmla="*/ 78773 h 157545"/>
+                <a:gd name="connsiteX4" fmla="*/ 78773 w 157545"/>
+                <a:gd name="connsiteY4" fmla="*/ 23283 h 157545"/>
+                <a:gd name="connsiteX5" fmla="*/ 78773 w 157545"/>
+                <a:gd name="connsiteY5" fmla="*/ 0 h 157545"/>
+                <a:gd name="connsiteX6" fmla="*/ 0 w 157545"/>
+                <a:gd name="connsiteY6" fmla="*/ 78773 h 157545"/>
+                <a:gd name="connsiteX7" fmla="*/ 78773 w 157545"/>
+                <a:gd name="connsiteY7" fmla="*/ 157545 h 157545"/>
+                <a:gd name="connsiteX8" fmla="*/ 157545 w 157545"/>
+                <a:gd name="connsiteY8" fmla="*/ 78773 h 157545"/>
+                <a:gd name="connsiteX9" fmla="*/ 78773 w 157545"/>
+                <a:gd name="connsiteY9" fmla="*/ 0 h 157545"/>
+              </a:gdLst>
+              <a:ahLst/>
+              <a:cxnLst>
+                <a:cxn ang="0">
+                  <a:pos x="connsiteX0" y="connsiteY0"/>
+                </a:cxn>
+                <a:cxn ang="0">
+                  <a:pos x="connsiteX1" y="connsiteY1"/>
+                </a:cxn>
+                <a:cxn ang="0">
+                  <a:pos x="connsiteX2" y="connsiteY2"/>
+                </a:cxn>
+                <a:cxn ang="0">
+                  <a:pos x="connsiteX3" y="connsiteY3"/>
+                </a:cxn>
+                <a:cxn ang="0">
+                  <a:pos x="connsiteX4" y="connsiteY4"/>
+                </a:cxn>
+                <a:cxn ang="0">
+                  <a:pos x="connsiteX5" y="connsiteY5"/>
+                </a:cxn>
+                <a:cxn ang="0">
+                  <a:pos x="connsiteX6" y="connsiteY6"/>
+                </a:cxn>
+                <a:cxn ang="0">
+                  <a:pos x="connsiteX7" y="connsiteY7"/>
+                </a:cxn>
+                <a:cxn ang="0">
+                  <a:pos x="connsiteX8" y="connsiteY8"/>
+                </a:cxn>
+                <a:cxn ang="0">
+                  <a:pos x="connsiteX9" y="connsiteY9"/>
+                </a:cxn>
+              </a:cxnLst>
+              <a:rect l="l" t="t" r="r" b="b"/>
+              <a:pathLst>
+                <a:path w="157545" h="157545">
+                  <a:moveTo>
+                    <a:pt x="78773" y="23283"/>
+                  </a:moveTo>
+                  <a:cubicBezTo>
+                    <a:pt x="109419" y="23283"/>
+                    <a:pt x="134262" y="48126"/>
+                    <a:pt x="134262" y="78773"/>
+                  </a:cubicBezTo>
+                  <a:cubicBezTo>
+                    <a:pt x="134262" y="109419"/>
+                    <a:pt x="109419" y="134262"/>
+                    <a:pt x="78773" y="134262"/>
+                  </a:cubicBezTo>
+                  <a:cubicBezTo>
+                    <a:pt x="48126" y="134262"/>
+                    <a:pt x="23283" y="109419"/>
+                    <a:pt x="23283" y="78773"/>
+                  </a:cubicBezTo>
+                  <a:cubicBezTo>
+                    <a:pt x="23312" y="48139"/>
+                    <a:pt x="48139" y="23312"/>
+                    <a:pt x="78773" y="23283"/>
+                  </a:cubicBezTo>
+                  <a:moveTo>
+                    <a:pt x="78773" y="0"/>
+                  </a:moveTo>
+                  <a:cubicBezTo>
+                    <a:pt x="35268" y="0"/>
+                    <a:pt x="0" y="35268"/>
+                    <a:pt x="0" y="78773"/>
+                  </a:cubicBezTo>
+                  <a:cubicBezTo>
+                    <a:pt x="0" y="122277"/>
+                    <a:pt x="35268" y="157545"/>
+                    <a:pt x="78773" y="157545"/>
+                  </a:cubicBezTo>
+                  <a:cubicBezTo>
+                    <a:pt x="122277" y="157545"/>
+                    <a:pt x="157545" y="122277"/>
+                    <a:pt x="157545" y="78773"/>
+                  </a:cubicBezTo>
+                  <a:cubicBezTo>
+                    <a:pt x="157545" y="35268"/>
+                    <a:pt x="122277" y="0"/>
+                    <a:pt x="78773" y="0"/>
+                  </a:cubicBezTo>
+                  <a:close/>
+                </a:path>
+              </a:pathLst>
+            </a:custGeom>
+            <a:grpFill/>
+            <a:ln w="751" cap="flat">
+              <a:noFill/>
+              <a:prstDash val="solid"/>
+              <a:miter/>
+            </a:ln>
+          </p:spPr>
+          <p:txBody>
+            <a:bodyPr rtlCol="0" anchor="ctr"/>
+            <a:lstStyle/>
+            <a:p>
+              <a:endParaRPr lang="en-US"/>
+            </a:p>
+          </p:txBody>
+        </p:sp>
+      </p:grpSp>
       <p:sp>
         <p:nvSpPr>
           <p:cNvPr id="3" name="Tijdelijke aanduiding voor inhoud 2">
@@ -4693,15 +7623,90 @@
             <p:ph idx="1"/>
           </p:nvPr>
         </p:nvSpPr>
-        <p:spPr/>
-        <p:txBody>
-          <a:bodyPr/>
+        <p:spPr>
+          <a:xfrm>
+            <a:off x="6297233" y="518400"/>
+            <a:ext cx="4771607" cy="5837949"/>
+          </a:xfrm>
+        </p:spPr>
+        <p:txBody>
+          <a:bodyPr anchor="ctr">
+            <a:normAutofit/>
+          </a:bodyPr>
           <a:lstStyle/>
           <a:p>
-            <a:endParaRPr lang="nl-NL"/>
-          </a:p>
-        </p:txBody>
-      </p:sp>
+            <a:endParaRPr lang="nl-NL" sz="2000">
+              <a:solidFill>
+                <a:schemeClr val="tx1">
+                  <a:alpha val="80000"/>
+                </a:schemeClr>
+              </a:solidFill>
+            </a:endParaRPr>
+          </a:p>
+        </p:txBody>
+      </p:sp>
+      <p:cxnSp>
+        <p:nvCxnSpPr>
+          <p:cNvPr id="17" name="Straight Connector 16">
+            <a:extLst>
+              <a:ext uri="{FF2B5EF4-FFF2-40B4-BE49-F238E27FC236}">
+                <a16:creationId xmlns:a16="http://schemas.microsoft.com/office/drawing/2014/main" id="{C49DA8F6-BCC1-4447-B54C-57856834B94B}"/>
+              </a:ext>
+              <a:ext uri="{C183D7F6-B498-43B3-948B-1728B52AA6E4}">
+                <adec:decorative xmlns:adec="http://schemas.microsoft.com/office/drawing/2017/decorative" val="1"/>
+              </a:ext>
+            </a:extLst>
+          </p:cNvPr>
+          <p:cNvCxnSpPr>
+            <a:cxnSpLocks noGrp="1" noRot="1" noChangeAspect="1" noMove="1" noResize="1" noEditPoints="1" noAdjustHandles="1" noChangeArrowheads="1" noChangeShapeType="1"/>
+          </p:cNvCxnSpPr>
+          <p:nvPr>
+            <p:extLst>
+              <p:ext uri="{386F3935-93C4-4BCD-93E2-E3B085C9AB24}">
+                <p16:designElem xmlns:p16="http://schemas.microsoft.com/office/powerpoint/2015/main" val="1"/>
+              </p:ext>
+            </p:extLst>
+          </p:nvPr>
+        </p:nvCxnSpPr>
+        <p:spPr>
+          <a:xfrm>
+            <a:off x="11586162" y="3610394"/>
+            <a:ext cx="0" cy="3238728"/>
+          </a:xfrm>
+          <a:prstGeom prst="line">
+            <a:avLst/>
+          </a:prstGeom>
+          <a:ln w="25400" cap="sq">
+            <a:gradFill flip="none" rotWithShape="1">
+              <a:gsLst>
+                <a:gs pos="0">
+                  <a:schemeClr val="accent1"/>
+                </a:gs>
+                <a:gs pos="100000">
+                  <a:schemeClr val="accent2"/>
+                </a:gs>
+              </a:gsLst>
+              <a:lin ang="5400000" scaled="0"/>
+              <a:tileRect/>
+            </a:gradFill>
+            <a:bevel/>
+          </a:ln>
+        </p:spPr>
+        <p:style>
+          <a:lnRef idx="1">
+            <a:schemeClr val="accent1"/>
+          </a:lnRef>
+          <a:fillRef idx="0">
+            <a:schemeClr val="accent1"/>
+          </a:fillRef>
+          <a:effectRef idx="0">
+            <a:schemeClr val="accent1"/>
+          </a:effectRef>
+          <a:fontRef idx="minor">
+            <a:schemeClr val="tx1"/>
+          </a:fontRef>
+        </p:style>
+      </p:cxnSp>
     </p:spTree>
     <p:extLst>
       <p:ext uri="{BB962C8B-B14F-4D97-AF65-F5344CB8AC3E}">
@@ -4718,6 +7723,14 @@
 <file path=ppt/slides/slide5.xml><?xml version="1.0" encoding="utf-8"?>
 <p:sld xmlns:a="http://schemas.openxmlformats.org/drawingml/2006/main" xmlns:r="http://schemas.openxmlformats.org/officeDocument/2006/relationships" xmlns:p="http://schemas.openxmlformats.org/presentationml/2006/main">
   <p:cSld>
+    <p:bg>
+      <p:bgPr>
+        <a:solidFill>
+          <a:schemeClr val="bg1"/>
+        </a:solidFill>
+        <a:effectLst/>
+      </p:bgPr>
+    </p:bg>
     <p:spTree>
       <p:nvGrpSpPr>
         <p:cNvPr id="1" name=""/>
@@ -4732,8 +7745,144 @@
           <a:chExt cx="0" cy="0"/>
         </a:xfrm>
       </p:grpSpPr>
+      <p:sp useBgFill="1">
+        <p:nvSpPr>
+          <p:cNvPr id="8" name="Rectangle 7">
+            <a:extLst>
+              <a:ext uri="{FF2B5EF4-FFF2-40B4-BE49-F238E27FC236}">
+                <a16:creationId xmlns:a16="http://schemas.microsoft.com/office/drawing/2014/main" id="{A2679492-7988-4050-9056-542444452411}"/>
+              </a:ext>
+              <a:ext uri="{C183D7F6-B498-43B3-948B-1728B52AA6E4}">
+                <adec:decorative xmlns:adec="http://schemas.microsoft.com/office/drawing/2017/decorative" val="1"/>
+              </a:ext>
+            </a:extLst>
+          </p:cNvPr>
+          <p:cNvSpPr>
+            <a:spLocks noGrp="1" noRot="1" noChangeAspect="1" noMove="1" noResize="1" noEditPoints="1" noAdjustHandles="1" noChangeArrowheads="1" noChangeShapeType="1" noTextEdit="1"/>
+          </p:cNvSpPr>
+          <p:nvPr>
+            <p:extLst>
+              <p:ext uri="{386F3935-93C4-4BCD-93E2-E3B085C9AB24}">
+                <p16:designElem xmlns:p16="http://schemas.microsoft.com/office/powerpoint/2015/main" val="1"/>
+              </p:ext>
+            </p:extLst>
+          </p:nvPr>
+        </p:nvSpPr>
+        <p:spPr>
+          <a:xfrm>
+            <a:off x="0" y="0"/>
+            <a:ext cx="12192000" cy="6858000"/>
+          </a:xfrm>
+          <a:prstGeom prst="rect">
+            <a:avLst/>
+          </a:prstGeom>
+          <a:ln>
+            <a:noFill/>
+          </a:ln>
+        </p:spPr>
+        <p:style>
+          <a:lnRef idx="2">
+            <a:schemeClr val="accent1">
+              <a:shade val="50000"/>
+            </a:schemeClr>
+          </a:lnRef>
+          <a:fillRef idx="1">
+            <a:schemeClr val="accent1"/>
+          </a:fillRef>
+          <a:effectRef idx="0">
+            <a:schemeClr val="accent1"/>
+          </a:effectRef>
+          <a:fontRef idx="minor">
+            <a:schemeClr val="lt1"/>
+          </a:fontRef>
+        </p:style>
+        <p:txBody>
+          <a:bodyPr rtlCol="0" anchor="ctr"/>
+          <a:lstStyle/>
+          <a:p>
+            <a:pPr algn="ctr"/>
+            <a:endParaRPr lang="en-US"/>
+          </a:p>
+        </p:txBody>
+      </p:sp>
       <p:sp>
         <p:nvSpPr>
+          <p:cNvPr id="10" name="Rectangle 9">
+            <a:extLst>
+              <a:ext uri="{FF2B5EF4-FFF2-40B4-BE49-F238E27FC236}">
+                <a16:creationId xmlns:a16="http://schemas.microsoft.com/office/drawing/2014/main" id="{B091B163-7D61-4891-ABCF-5C13D9C418D0}"/>
+              </a:ext>
+              <a:ext uri="{C183D7F6-B498-43B3-948B-1728B52AA6E4}">
+                <adec:decorative xmlns:adec="http://schemas.microsoft.com/office/drawing/2017/decorative" val="1"/>
+              </a:ext>
+            </a:extLst>
+          </p:cNvPr>
+          <p:cNvSpPr>
+            <a:spLocks noGrp="1" noRot="1" noChangeAspect="1" noMove="1" noResize="1" noEditPoints="1" noAdjustHandles="1" noChangeArrowheads="1" noChangeShapeType="1" noTextEdit="1"/>
+          </p:cNvSpPr>
+          <p:nvPr>
+            <p:extLst>
+              <p:ext uri="{386F3935-93C4-4BCD-93E2-E3B085C9AB24}">
+                <p16:designElem xmlns:p16="http://schemas.microsoft.com/office/powerpoint/2015/main" val="1"/>
+              </p:ext>
+            </p:extLst>
+          </p:nvPr>
+        </p:nvSpPr>
+        <p:spPr>
+          <a:xfrm>
+            <a:off x="0" y="0"/>
+            <a:ext cx="5779911" cy="6858000"/>
+          </a:xfrm>
+          <a:prstGeom prst="rect">
+            <a:avLst/>
+          </a:prstGeom>
+          <a:gradFill flip="none" rotWithShape="1">
+            <a:gsLst>
+              <a:gs pos="0">
+                <a:schemeClr val="accent1"/>
+              </a:gs>
+              <a:gs pos="100000">
+                <a:schemeClr val="accent2"/>
+              </a:gs>
+            </a:gsLst>
+            <a:lin ang="2700000" scaled="1"/>
+            <a:tileRect/>
+          </a:gradFill>
+          <a:ln>
+            <a:noFill/>
+          </a:ln>
+        </p:spPr>
+        <p:style>
+          <a:lnRef idx="2">
+            <a:schemeClr val="accent1">
+              <a:shade val="50000"/>
+            </a:schemeClr>
+          </a:lnRef>
+          <a:fillRef idx="1">
+            <a:schemeClr val="accent1"/>
+          </a:fillRef>
+          <a:effectRef idx="0">
+            <a:schemeClr val="accent1"/>
+          </a:effectRef>
+          <a:fontRef idx="minor">
+            <a:schemeClr val="lt1"/>
+          </a:fontRef>
+        </p:style>
+        <p:txBody>
+          <a:bodyPr rtlCol="0" anchor="ctr"/>
+          <a:lstStyle/>
+          <a:p>
+            <a:pPr algn="ctr"/>
+            <a:endParaRPr lang="en-US">
+              <a:solidFill>
+                <a:schemeClr val="tx1"/>
+              </a:solidFill>
+            </a:endParaRPr>
+          </a:p>
+        </p:txBody>
+      </p:sp>
+      <p:sp>
+        <p:nvSpPr>
           <p:cNvPr id="2" name="Titel 1">
             <a:extLst>
               <a:ext uri="{FF2B5EF4-FFF2-40B4-BE49-F238E27FC236}">
@@ -4748,18 +7897,525 @@
             <p:ph type="title"/>
           </p:nvPr>
         </p:nvSpPr>
-        <p:spPr/>
-        <p:txBody>
-          <a:bodyPr/>
+        <p:spPr>
+          <a:xfrm>
+            <a:off x="1188069" y="381935"/>
+            <a:ext cx="4008583" cy="5974414"/>
+          </a:xfrm>
+        </p:spPr>
+        <p:txBody>
+          <a:bodyPr anchor="ctr">
+            <a:normAutofit/>
+          </a:bodyPr>
           <a:lstStyle/>
           <a:p>
             <a:r>
-              <a:rPr lang="nl-NL" dirty="0"/>
+              <a:rPr lang="nl-NL" sz="5000">
+                <a:solidFill>
+                  <a:srgbClr val="FFFFFF"/>
+                </a:solidFill>
+              </a:rPr>
               <a:t>Demonstratie</a:t>
             </a:r>
           </a:p>
         </p:txBody>
       </p:sp>
+      <p:grpSp>
+        <p:nvGrpSpPr>
+          <p:cNvPr id="12" name="Group 11">
+            <a:extLst>
+              <a:ext uri="{FF2B5EF4-FFF2-40B4-BE49-F238E27FC236}">
+                <a16:creationId xmlns:a16="http://schemas.microsoft.com/office/drawing/2014/main" id="{0474DF76-993E-44DE-AFB0-C416182ACECF}"/>
+              </a:ext>
+              <a:ext uri="{C183D7F6-B498-43B3-948B-1728B52AA6E4}">
+                <adec:decorative xmlns:adec="http://schemas.microsoft.com/office/drawing/2017/decorative" val="1"/>
+              </a:ext>
+            </a:extLst>
+          </p:cNvPr>
+          <p:cNvGrpSpPr>
+            <a:grpSpLocks noGrp="1" noUngrp="1" noRot="1" noChangeAspect="1" noMove="1" noResize="1"/>
+          </p:cNvGrpSpPr>
+          <p:nvPr>
+            <p:extLst>
+              <p:ext uri="{386F3935-93C4-4BCD-93E2-E3B085C9AB24}">
+                <p16:designElem xmlns:p16="http://schemas.microsoft.com/office/powerpoint/2015/main" val="1"/>
+              </p:ext>
+            </p:extLst>
+          </p:nvPr>
+        </p:nvGrpSpPr>
+        <p:grpSpPr>
+          <a:xfrm>
+            <a:off x="613892" y="554152"/>
+            <a:ext cx="574177" cy="1075866"/>
+            <a:chOff x="613892" y="554152"/>
+            <a:chExt cx="574177" cy="1075866"/>
+          </a:xfrm>
+          <a:solidFill>
+            <a:srgbClr val="FFFFFF"/>
+          </a:solidFill>
+        </p:grpSpPr>
+        <p:sp>
+          <p:nvSpPr>
+            <p:cNvPr id="13" name="Graphic 11">
+              <a:extLst>
+                <a:ext uri="{FF2B5EF4-FFF2-40B4-BE49-F238E27FC236}">
+                  <a16:creationId xmlns:a16="http://schemas.microsoft.com/office/drawing/2014/main" id="{6CB927A4-E432-4310-9CD5-E89FF5063179}"/>
+                </a:ext>
+                <a:ext uri="{C183D7F6-B498-43B3-948B-1728B52AA6E4}">
+                  <adec:decorative xmlns:adec="http://schemas.microsoft.com/office/drawing/2017/decorative" val="1"/>
+                </a:ext>
+              </a:extLst>
+            </p:cNvPr>
+            <p:cNvSpPr/>
+            <p:nvPr>
+              <p:extLst>
+                <p:ext uri="{386F3935-93C4-4BCD-93E2-E3B085C9AB24}">
+                  <p16:designElem xmlns:p16="http://schemas.microsoft.com/office/powerpoint/2015/main" val="1"/>
+                </p:ext>
+              </p:extLst>
+            </p:nvPr>
+          </p:nvSpPr>
+          <p:spPr>
+            <a:xfrm>
+              <a:off x="633061" y="554152"/>
+              <a:ext cx="171515" cy="171515"/>
+            </a:xfrm>
+            <a:custGeom>
+              <a:avLst/>
+              <a:gdLst>
+                <a:gd name="connsiteX0" fmla="*/ 159874 w 171515"/>
+                <a:gd name="connsiteY0" fmla="*/ 74116 h 171515"/>
+                <a:gd name="connsiteX1" fmla="*/ 97399 w 171515"/>
+                <a:gd name="connsiteY1" fmla="*/ 74116 h 171515"/>
+                <a:gd name="connsiteX2" fmla="*/ 97399 w 171515"/>
+                <a:gd name="connsiteY2" fmla="*/ 11641 h 171515"/>
+                <a:gd name="connsiteX3" fmla="*/ 85758 w 171515"/>
+                <a:gd name="connsiteY3" fmla="*/ 0 h 171515"/>
+                <a:gd name="connsiteX4" fmla="*/ 74116 w 171515"/>
+                <a:gd name="connsiteY4" fmla="*/ 11641 h 171515"/>
+                <a:gd name="connsiteX5" fmla="*/ 74116 w 171515"/>
+                <a:gd name="connsiteY5" fmla="*/ 74116 h 171515"/>
+                <a:gd name="connsiteX6" fmla="*/ 11641 w 171515"/>
+                <a:gd name="connsiteY6" fmla="*/ 74116 h 171515"/>
+                <a:gd name="connsiteX7" fmla="*/ 0 w 171515"/>
+                <a:gd name="connsiteY7" fmla="*/ 85758 h 171515"/>
+                <a:gd name="connsiteX8" fmla="*/ 11641 w 171515"/>
+                <a:gd name="connsiteY8" fmla="*/ 97399 h 171515"/>
+                <a:gd name="connsiteX9" fmla="*/ 74116 w 171515"/>
+                <a:gd name="connsiteY9" fmla="*/ 97399 h 171515"/>
+                <a:gd name="connsiteX10" fmla="*/ 74116 w 171515"/>
+                <a:gd name="connsiteY10" fmla="*/ 159874 h 171515"/>
+                <a:gd name="connsiteX11" fmla="*/ 85758 w 171515"/>
+                <a:gd name="connsiteY11" fmla="*/ 171515 h 171515"/>
+                <a:gd name="connsiteX12" fmla="*/ 97399 w 171515"/>
+                <a:gd name="connsiteY12" fmla="*/ 159874 h 171515"/>
+                <a:gd name="connsiteX13" fmla="*/ 97399 w 171515"/>
+                <a:gd name="connsiteY13" fmla="*/ 97399 h 171515"/>
+                <a:gd name="connsiteX14" fmla="*/ 159874 w 171515"/>
+                <a:gd name="connsiteY14" fmla="*/ 97399 h 171515"/>
+                <a:gd name="connsiteX15" fmla="*/ 171515 w 171515"/>
+                <a:gd name="connsiteY15" fmla="*/ 85758 h 171515"/>
+                <a:gd name="connsiteX16" fmla="*/ 159874 w 171515"/>
+                <a:gd name="connsiteY16" fmla="*/ 74116 h 171515"/>
+              </a:gdLst>
+              <a:ahLst/>
+              <a:cxnLst>
+                <a:cxn ang="0">
+                  <a:pos x="connsiteX0" y="connsiteY0"/>
+                </a:cxn>
+                <a:cxn ang="0">
+                  <a:pos x="connsiteX1" y="connsiteY1"/>
+                </a:cxn>
+                <a:cxn ang="0">
+                  <a:pos x="connsiteX2" y="connsiteY2"/>
+                </a:cxn>
+                <a:cxn ang="0">
+                  <a:pos x="connsiteX3" y="connsiteY3"/>
+                </a:cxn>
+                <a:cxn ang="0">
+                  <a:pos x="connsiteX4" y="connsiteY4"/>
+                </a:cxn>
+                <a:cxn ang="0">
+                  <a:pos x="connsiteX5" y="connsiteY5"/>
+                </a:cxn>
+                <a:cxn ang="0">
+                  <a:pos x="connsiteX6" y="connsiteY6"/>
+                </a:cxn>
+                <a:cxn ang="0">
+                  <a:pos x="connsiteX7" y="connsiteY7"/>
+                </a:cxn>
+                <a:cxn ang="0">
+                  <a:pos x="connsiteX8" y="connsiteY8"/>
+                </a:cxn>
+                <a:cxn ang="0">
+                  <a:pos x="connsiteX9" y="connsiteY9"/>
+                </a:cxn>
+                <a:cxn ang="0">
+                  <a:pos x="connsiteX10" y="connsiteY10"/>
+                </a:cxn>
+                <a:cxn ang="0">
+                  <a:pos x="connsiteX11" y="connsiteY11"/>
+                </a:cxn>
+                <a:cxn ang="0">
+                  <a:pos x="connsiteX12" y="connsiteY12"/>
+                </a:cxn>
+                <a:cxn ang="0">
+                  <a:pos x="connsiteX13" y="connsiteY13"/>
+                </a:cxn>
+                <a:cxn ang="0">
+                  <a:pos x="connsiteX14" y="connsiteY14"/>
+                </a:cxn>
+                <a:cxn ang="0">
+                  <a:pos x="connsiteX15" y="connsiteY15"/>
+                </a:cxn>
+                <a:cxn ang="0">
+                  <a:pos x="connsiteX16" y="connsiteY16"/>
+                </a:cxn>
+              </a:cxnLst>
+              <a:rect l="l" t="t" r="r" b="b"/>
+              <a:pathLst>
+                <a:path w="171515" h="171515">
+                  <a:moveTo>
+                    <a:pt x="159874" y="74116"/>
+                  </a:moveTo>
+                  <a:lnTo>
+                    <a:pt x="97399" y="74116"/>
+                  </a:lnTo>
+                  <a:lnTo>
+                    <a:pt x="97399" y="11641"/>
+                  </a:lnTo>
+                  <a:cubicBezTo>
+                    <a:pt x="97399" y="5212"/>
+                    <a:pt x="92187" y="0"/>
+                    <a:pt x="85758" y="0"/>
+                  </a:cubicBezTo>
+                  <a:cubicBezTo>
+                    <a:pt x="79328" y="0"/>
+                    <a:pt x="74116" y="5212"/>
+                    <a:pt x="74116" y="11641"/>
+                  </a:cubicBezTo>
+                  <a:lnTo>
+                    <a:pt x="74116" y="74116"/>
+                  </a:lnTo>
+                  <a:lnTo>
+                    <a:pt x="11641" y="74116"/>
+                  </a:lnTo>
+                  <a:cubicBezTo>
+                    <a:pt x="5212" y="74116"/>
+                    <a:pt x="0" y="79328"/>
+                    <a:pt x="0" y="85758"/>
+                  </a:cubicBezTo>
+                  <a:cubicBezTo>
+                    <a:pt x="0" y="92187"/>
+                    <a:pt x="5212" y="97399"/>
+                    <a:pt x="11641" y="97399"/>
+                  </a:cubicBezTo>
+                  <a:lnTo>
+                    <a:pt x="74116" y="97399"/>
+                  </a:lnTo>
+                  <a:lnTo>
+                    <a:pt x="74116" y="159874"/>
+                  </a:lnTo>
+                  <a:cubicBezTo>
+                    <a:pt x="74116" y="166303"/>
+                    <a:pt x="79328" y="171515"/>
+                    <a:pt x="85758" y="171515"/>
+                  </a:cubicBezTo>
+                  <a:cubicBezTo>
+                    <a:pt x="92187" y="171515"/>
+                    <a:pt x="97399" y="166303"/>
+                    <a:pt x="97399" y="159874"/>
+                  </a:cubicBezTo>
+                  <a:lnTo>
+                    <a:pt x="97399" y="97399"/>
+                  </a:lnTo>
+                  <a:lnTo>
+                    <a:pt x="159874" y="97399"/>
+                  </a:lnTo>
+                  <a:cubicBezTo>
+                    <a:pt x="166303" y="97399"/>
+                    <a:pt x="171515" y="92187"/>
+                    <a:pt x="171515" y="85758"/>
+                  </a:cubicBezTo>
+                  <a:cubicBezTo>
+                    <a:pt x="171515" y="79328"/>
+                    <a:pt x="166303" y="74116"/>
+                    <a:pt x="159874" y="74116"/>
+                  </a:cubicBezTo>
+                  <a:close/>
+                </a:path>
+              </a:pathLst>
+            </a:custGeom>
+            <a:grpFill/>
+            <a:ln w="776" cap="flat">
+              <a:noFill/>
+              <a:prstDash val="solid"/>
+              <a:miter/>
+            </a:ln>
+          </p:spPr>
+          <p:txBody>
+            <a:bodyPr rtlCol="0" anchor="ctr"/>
+            <a:lstStyle/>
+            <a:p>
+              <a:endParaRPr lang="en-US"/>
+            </a:p>
+          </p:txBody>
+        </p:sp>
+        <p:sp>
+          <p:nvSpPr>
+            <p:cNvPr id="14" name="Graphic 10">
+              <a:extLst>
+                <a:ext uri="{FF2B5EF4-FFF2-40B4-BE49-F238E27FC236}">
+                  <a16:creationId xmlns:a16="http://schemas.microsoft.com/office/drawing/2014/main" id="{E3020543-B24B-4EC4-8FFC-8DD88EEA91A8}"/>
+                </a:ext>
+                <a:ext uri="{C183D7F6-B498-43B3-948B-1728B52AA6E4}">
+                  <adec:decorative xmlns:adec="http://schemas.microsoft.com/office/drawing/2017/decorative" val="1"/>
+                </a:ext>
+              </a:extLst>
+            </p:cNvPr>
+            <p:cNvSpPr/>
+            <p:nvPr>
+              <p:extLst>
+                <p:ext uri="{386F3935-93C4-4BCD-93E2-E3B085C9AB24}">
+                  <p16:designElem xmlns:p16="http://schemas.microsoft.com/office/powerpoint/2015/main" val="1"/>
+                </p:ext>
+              </p:extLst>
+            </p:nvPr>
+          </p:nvSpPr>
+          <p:spPr>
+            <a:xfrm>
+              <a:off x="1075643" y="837005"/>
+              <a:ext cx="112426" cy="112426"/>
+            </a:xfrm>
+            <a:custGeom>
+              <a:avLst/>
+              <a:gdLst>
+                <a:gd name="connsiteX0" fmla="*/ 112426 w 112426"/>
+                <a:gd name="connsiteY0" fmla="*/ 56213 h 112426"/>
+                <a:gd name="connsiteX1" fmla="*/ 56213 w 112426"/>
+                <a:gd name="connsiteY1" fmla="*/ 112426 h 112426"/>
+                <a:gd name="connsiteX2" fmla="*/ 0 w 112426"/>
+                <a:gd name="connsiteY2" fmla="*/ 56213 h 112426"/>
+                <a:gd name="connsiteX3" fmla="*/ 56213 w 112426"/>
+                <a:gd name="connsiteY3" fmla="*/ 0 h 112426"/>
+                <a:gd name="connsiteX4" fmla="*/ 112426 w 112426"/>
+                <a:gd name="connsiteY4" fmla="*/ 56213 h 112426"/>
+              </a:gdLst>
+              <a:ahLst/>
+              <a:cxnLst>
+                <a:cxn ang="0">
+                  <a:pos x="connsiteX0" y="connsiteY0"/>
+                </a:cxn>
+                <a:cxn ang="0">
+                  <a:pos x="connsiteX1" y="connsiteY1"/>
+                </a:cxn>
+                <a:cxn ang="0">
+                  <a:pos x="connsiteX2" y="connsiteY2"/>
+                </a:cxn>
+                <a:cxn ang="0">
+                  <a:pos x="connsiteX3" y="connsiteY3"/>
+                </a:cxn>
+                <a:cxn ang="0">
+                  <a:pos x="connsiteX4" y="connsiteY4"/>
+                </a:cxn>
+              </a:cxnLst>
+              <a:rect l="l" t="t" r="r" b="b"/>
+              <a:pathLst>
+                <a:path w="112426" h="112426">
+                  <a:moveTo>
+                    <a:pt x="112426" y="56213"/>
+                  </a:moveTo>
+                  <a:cubicBezTo>
+                    <a:pt x="112426" y="87259"/>
+                    <a:pt x="87259" y="112426"/>
+                    <a:pt x="56213" y="112426"/>
+                  </a:cubicBezTo>
+                  <a:cubicBezTo>
+                    <a:pt x="25167" y="112426"/>
+                    <a:pt x="0" y="87259"/>
+                    <a:pt x="0" y="56213"/>
+                  </a:cubicBezTo>
+                  <a:cubicBezTo>
+                    <a:pt x="0" y="25167"/>
+                    <a:pt x="25167" y="0"/>
+                    <a:pt x="56213" y="0"/>
+                  </a:cubicBezTo>
+                  <a:cubicBezTo>
+                    <a:pt x="87259" y="0"/>
+                    <a:pt x="112426" y="25167"/>
+                    <a:pt x="112426" y="56213"/>
+                  </a:cubicBezTo>
+                  <a:close/>
+                </a:path>
+              </a:pathLst>
+            </a:custGeom>
+            <a:grpFill/>
+            <a:ln w="516" cap="flat">
+              <a:noFill/>
+              <a:prstDash val="solid"/>
+              <a:miter/>
+            </a:ln>
+          </p:spPr>
+          <p:txBody>
+            <a:bodyPr rtlCol="0" anchor="ctr"/>
+            <a:lstStyle/>
+            <a:p>
+              <a:endParaRPr lang="en-US"/>
+            </a:p>
+          </p:txBody>
+        </p:sp>
+        <p:sp>
+          <p:nvSpPr>
+            <p:cNvPr id="15" name="Graphic 12">
+              <a:extLst>
+                <a:ext uri="{FF2B5EF4-FFF2-40B4-BE49-F238E27FC236}">
+                  <a16:creationId xmlns:a16="http://schemas.microsoft.com/office/drawing/2014/main" id="{1453BF6C-B012-48B7-B4E8-6D7AC7C27D02}"/>
+                </a:ext>
+                <a:ext uri="{C183D7F6-B498-43B3-948B-1728B52AA6E4}">
+                  <adec:decorative xmlns:adec="http://schemas.microsoft.com/office/drawing/2017/decorative" val="1"/>
+                </a:ext>
+              </a:extLst>
+            </p:cNvPr>
+            <p:cNvSpPr/>
+            <p:nvPr>
+              <p:extLst>
+                <p:ext uri="{386F3935-93C4-4BCD-93E2-E3B085C9AB24}">
+                  <p16:designElem xmlns:p16="http://schemas.microsoft.com/office/powerpoint/2015/main" val="1"/>
+                </p:ext>
+              </p:extLst>
+            </p:nvPr>
+          </p:nvSpPr>
+          <p:spPr>
+            <a:xfrm>
+              <a:off x="613892" y="1472473"/>
+              <a:ext cx="157545" cy="157545"/>
+            </a:xfrm>
+            <a:custGeom>
+              <a:avLst/>
+              <a:gdLst>
+                <a:gd name="connsiteX0" fmla="*/ 78773 w 157545"/>
+                <a:gd name="connsiteY0" fmla="*/ 23283 h 157545"/>
+                <a:gd name="connsiteX1" fmla="*/ 134262 w 157545"/>
+                <a:gd name="connsiteY1" fmla="*/ 78773 h 157545"/>
+                <a:gd name="connsiteX2" fmla="*/ 78773 w 157545"/>
+                <a:gd name="connsiteY2" fmla="*/ 134262 h 157545"/>
+                <a:gd name="connsiteX3" fmla="*/ 23283 w 157545"/>
+                <a:gd name="connsiteY3" fmla="*/ 78773 h 157545"/>
+                <a:gd name="connsiteX4" fmla="*/ 78773 w 157545"/>
+                <a:gd name="connsiteY4" fmla="*/ 23283 h 157545"/>
+                <a:gd name="connsiteX5" fmla="*/ 78773 w 157545"/>
+                <a:gd name="connsiteY5" fmla="*/ 0 h 157545"/>
+                <a:gd name="connsiteX6" fmla="*/ 0 w 157545"/>
+                <a:gd name="connsiteY6" fmla="*/ 78773 h 157545"/>
+                <a:gd name="connsiteX7" fmla="*/ 78773 w 157545"/>
+                <a:gd name="connsiteY7" fmla="*/ 157545 h 157545"/>
+                <a:gd name="connsiteX8" fmla="*/ 157545 w 157545"/>
+                <a:gd name="connsiteY8" fmla="*/ 78773 h 157545"/>
+                <a:gd name="connsiteX9" fmla="*/ 78773 w 157545"/>
+                <a:gd name="connsiteY9" fmla="*/ 0 h 157545"/>
+              </a:gdLst>
+              <a:ahLst/>
+              <a:cxnLst>
+                <a:cxn ang="0">
+                  <a:pos x="connsiteX0" y="connsiteY0"/>
+                </a:cxn>
+                <a:cxn ang="0">
+                  <a:pos x="connsiteX1" y="connsiteY1"/>
+                </a:cxn>
+                <a:cxn ang="0">
+                  <a:pos x="connsiteX2" y="connsiteY2"/>
+                </a:cxn>
+                <a:cxn ang="0">
+                  <a:pos x="connsiteX3" y="connsiteY3"/>
+                </a:cxn>
+                <a:cxn ang="0">
+                  <a:pos x="connsiteX4" y="connsiteY4"/>
+                </a:cxn>
+                <a:cxn ang="0">
+                  <a:pos x="connsiteX5" y="connsiteY5"/>
+                </a:cxn>
+                <a:cxn ang="0">
+                  <a:pos x="connsiteX6" y="connsiteY6"/>
+                </a:cxn>
+                <a:cxn ang="0">
+                  <a:pos x="connsiteX7" y="connsiteY7"/>
+                </a:cxn>
+                <a:cxn ang="0">
+                  <a:pos x="connsiteX8" y="connsiteY8"/>
+                </a:cxn>
+                <a:cxn ang="0">
+                  <a:pos x="connsiteX9" y="connsiteY9"/>
+                </a:cxn>
+              </a:cxnLst>
+              <a:rect l="l" t="t" r="r" b="b"/>
+              <a:pathLst>
+                <a:path w="157545" h="157545">
+                  <a:moveTo>
+                    <a:pt x="78773" y="23283"/>
+                  </a:moveTo>
+                  <a:cubicBezTo>
+                    <a:pt x="109419" y="23283"/>
+                    <a:pt x="134262" y="48126"/>
+                    <a:pt x="134262" y="78773"/>
+                  </a:cubicBezTo>
+                  <a:cubicBezTo>
+                    <a:pt x="134262" y="109419"/>
+                    <a:pt x="109419" y="134262"/>
+                    <a:pt x="78773" y="134262"/>
+                  </a:cubicBezTo>
+                  <a:cubicBezTo>
+                    <a:pt x="48126" y="134262"/>
+                    <a:pt x="23283" y="109419"/>
+                    <a:pt x="23283" y="78773"/>
+                  </a:cubicBezTo>
+                  <a:cubicBezTo>
+                    <a:pt x="23312" y="48139"/>
+                    <a:pt x="48139" y="23312"/>
+                    <a:pt x="78773" y="23283"/>
+                  </a:cubicBezTo>
+                  <a:moveTo>
+                    <a:pt x="78773" y="0"/>
+                  </a:moveTo>
+                  <a:cubicBezTo>
+                    <a:pt x="35268" y="0"/>
+                    <a:pt x="0" y="35268"/>
+                    <a:pt x="0" y="78773"/>
+                  </a:cubicBezTo>
+                  <a:cubicBezTo>
+                    <a:pt x="0" y="122277"/>
+                    <a:pt x="35268" y="157545"/>
+                    <a:pt x="78773" y="157545"/>
+                  </a:cubicBezTo>
+                  <a:cubicBezTo>
+                    <a:pt x="122277" y="157545"/>
+                    <a:pt x="157545" y="122277"/>
+                    <a:pt x="157545" y="78773"/>
+                  </a:cubicBezTo>
+                  <a:cubicBezTo>
+                    <a:pt x="157545" y="35268"/>
+                    <a:pt x="122277" y="0"/>
+                    <a:pt x="78773" y="0"/>
+                  </a:cubicBezTo>
+                  <a:close/>
+                </a:path>
+              </a:pathLst>
+            </a:custGeom>
+            <a:grpFill/>
+            <a:ln w="751" cap="flat">
+              <a:noFill/>
+              <a:prstDash val="solid"/>
+              <a:miter/>
+            </a:ln>
+          </p:spPr>
+          <p:txBody>
+            <a:bodyPr rtlCol="0" anchor="ctr"/>
+            <a:lstStyle/>
+            <a:p>
+              <a:endParaRPr lang="en-US"/>
+            </a:p>
+          </p:txBody>
+        </p:sp>
+      </p:grpSp>
       <p:sp>
         <p:nvSpPr>
           <p:cNvPr id="3" name="Tijdelijke aanduiding voor inhoud 2">
@@ -4776,15 +8432,90 @@
             <p:ph idx="1"/>
           </p:nvPr>
         </p:nvSpPr>
-        <p:spPr/>
-        <p:txBody>
-          <a:bodyPr/>
+        <p:spPr>
+          <a:xfrm>
+            <a:off x="6297233" y="518400"/>
+            <a:ext cx="4771607" cy="5837949"/>
+          </a:xfrm>
+        </p:spPr>
+        <p:txBody>
+          <a:bodyPr anchor="ctr">
+            <a:normAutofit/>
+          </a:bodyPr>
           <a:lstStyle/>
           <a:p>
-            <a:endParaRPr lang="nl-NL"/>
-          </a:p>
-        </p:txBody>
-      </p:sp>
+            <a:endParaRPr lang="nl-NL" sz="2000">
+              <a:solidFill>
+                <a:schemeClr val="tx1">
+                  <a:alpha val="80000"/>
+                </a:schemeClr>
+              </a:solidFill>
+            </a:endParaRPr>
+          </a:p>
+        </p:txBody>
+      </p:sp>
+      <p:cxnSp>
+        <p:nvCxnSpPr>
+          <p:cNvPr id="17" name="Straight Connector 16">
+            <a:extLst>
+              <a:ext uri="{FF2B5EF4-FFF2-40B4-BE49-F238E27FC236}">
+                <a16:creationId xmlns:a16="http://schemas.microsoft.com/office/drawing/2014/main" id="{C49DA8F6-BCC1-4447-B54C-57856834B94B}"/>
+              </a:ext>
+              <a:ext uri="{C183D7F6-B498-43B3-948B-1728B52AA6E4}">
+                <adec:decorative xmlns:adec="http://schemas.microsoft.com/office/drawing/2017/decorative" val="1"/>
+              </a:ext>
+            </a:extLst>
+          </p:cNvPr>
+          <p:cNvCxnSpPr>
+            <a:cxnSpLocks noGrp="1" noRot="1" noChangeAspect="1" noMove="1" noResize="1" noEditPoints="1" noAdjustHandles="1" noChangeArrowheads="1" noChangeShapeType="1"/>
+          </p:cNvCxnSpPr>
+          <p:nvPr>
+            <p:extLst>
+              <p:ext uri="{386F3935-93C4-4BCD-93E2-E3B085C9AB24}">
+                <p16:designElem xmlns:p16="http://schemas.microsoft.com/office/powerpoint/2015/main" val="1"/>
+              </p:ext>
+            </p:extLst>
+          </p:nvPr>
+        </p:nvCxnSpPr>
+        <p:spPr>
+          <a:xfrm>
+            <a:off x="11586162" y="3610394"/>
+            <a:ext cx="0" cy="3238728"/>
+          </a:xfrm>
+          <a:prstGeom prst="line">
+            <a:avLst/>
+          </a:prstGeom>
+          <a:ln w="25400" cap="sq">
+            <a:gradFill flip="none" rotWithShape="1">
+              <a:gsLst>
+                <a:gs pos="0">
+                  <a:schemeClr val="accent1"/>
+                </a:gs>
+                <a:gs pos="100000">
+                  <a:schemeClr val="accent2"/>
+                </a:gs>
+              </a:gsLst>
+              <a:lin ang="5400000" scaled="0"/>
+              <a:tileRect/>
+            </a:gradFill>
+            <a:bevel/>
+          </a:ln>
+        </p:spPr>
+        <p:style>
+          <a:lnRef idx="1">
+            <a:schemeClr val="accent1"/>
+          </a:lnRef>
+          <a:fillRef idx="0">
+            <a:schemeClr val="accent1"/>
+          </a:fillRef>
+          <a:effectRef idx="0">
+            <a:schemeClr val="accent1"/>
+          </a:effectRef>
+          <a:fontRef idx="minor">
+            <a:schemeClr val="tx1"/>
+          </a:fontRef>
+        </p:style>
+      </p:cxnSp>
     </p:spTree>
     <p:extLst>
       <p:ext uri="{BB962C8B-B14F-4D97-AF65-F5344CB8AC3E}">
@@ -4801,6 +8532,14 @@
 <file path=ppt/slides/slide6.xml><?xml version="1.0" encoding="utf-8"?>
 <p:sld xmlns:a="http://schemas.openxmlformats.org/drawingml/2006/main" xmlns:r="http://schemas.openxmlformats.org/officeDocument/2006/relationships" xmlns:p="http://schemas.openxmlformats.org/presentationml/2006/main">
   <p:cSld>
+    <p:bg>
+      <p:bgPr>
+        <a:solidFill>
+          <a:schemeClr val="bg1"/>
+        </a:solidFill>
+        <a:effectLst/>
+      </p:bgPr>
+    </p:bg>
     <p:spTree>
       <p:nvGrpSpPr>
         <p:cNvPr id="1" name=""/>
@@ -4815,8 +8554,144 @@
           <a:chExt cx="0" cy="0"/>
         </a:xfrm>
       </p:grpSpPr>
+      <p:sp useBgFill="1">
+        <p:nvSpPr>
+          <p:cNvPr id="8" name="Rectangle 7">
+            <a:extLst>
+              <a:ext uri="{FF2B5EF4-FFF2-40B4-BE49-F238E27FC236}">
+                <a16:creationId xmlns:a16="http://schemas.microsoft.com/office/drawing/2014/main" id="{A2679492-7988-4050-9056-542444452411}"/>
+              </a:ext>
+              <a:ext uri="{C183D7F6-B498-43B3-948B-1728B52AA6E4}">
+                <adec:decorative xmlns:adec="http://schemas.microsoft.com/office/drawing/2017/decorative" val="1"/>
+              </a:ext>
+            </a:extLst>
+          </p:cNvPr>
+          <p:cNvSpPr>
+            <a:spLocks noGrp="1" noRot="1" noChangeAspect="1" noMove="1" noResize="1" noEditPoints="1" noAdjustHandles="1" noChangeArrowheads="1" noChangeShapeType="1" noTextEdit="1"/>
+          </p:cNvSpPr>
+          <p:nvPr>
+            <p:extLst>
+              <p:ext uri="{386F3935-93C4-4BCD-93E2-E3B085C9AB24}">
+                <p16:designElem xmlns:p16="http://schemas.microsoft.com/office/powerpoint/2015/main" val="1"/>
+              </p:ext>
+            </p:extLst>
+          </p:nvPr>
+        </p:nvSpPr>
+        <p:spPr>
+          <a:xfrm>
+            <a:off x="0" y="0"/>
+            <a:ext cx="12192000" cy="6858000"/>
+          </a:xfrm>
+          <a:prstGeom prst="rect">
+            <a:avLst/>
+          </a:prstGeom>
+          <a:ln>
+            <a:noFill/>
+          </a:ln>
+        </p:spPr>
+        <p:style>
+          <a:lnRef idx="2">
+            <a:schemeClr val="accent1">
+              <a:shade val="50000"/>
+            </a:schemeClr>
+          </a:lnRef>
+          <a:fillRef idx="1">
+            <a:schemeClr val="accent1"/>
+          </a:fillRef>
+          <a:effectRef idx="0">
+            <a:schemeClr val="accent1"/>
+          </a:effectRef>
+          <a:fontRef idx="minor">
+            <a:schemeClr val="lt1"/>
+          </a:fontRef>
+        </p:style>
+        <p:txBody>
+          <a:bodyPr rtlCol="0" anchor="ctr"/>
+          <a:lstStyle/>
+          <a:p>
+            <a:pPr algn="ctr"/>
+            <a:endParaRPr lang="en-US"/>
+          </a:p>
+        </p:txBody>
+      </p:sp>
       <p:sp>
         <p:nvSpPr>
+          <p:cNvPr id="10" name="Rectangle 9">
+            <a:extLst>
+              <a:ext uri="{FF2B5EF4-FFF2-40B4-BE49-F238E27FC236}">
+                <a16:creationId xmlns:a16="http://schemas.microsoft.com/office/drawing/2014/main" id="{B091B163-7D61-4891-ABCF-5C13D9C418D0}"/>
+              </a:ext>
+              <a:ext uri="{C183D7F6-B498-43B3-948B-1728B52AA6E4}">
+                <adec:decorative xmlns:adec="http://schemas.microsoft.com/office/drawing/2017/decorative" val="1"/>
+              </a:ext>
+            </a:extLst>
+          </p:cNvPr>
+          <p:cNvSpPr>
+            <a:spLocks noGrp="1" noRot="1" noChangeAspect="1" noMove="1" noResize="1" noEditPoints="1" noAdjustHandles="1" noChangeArrowheads="1" noChangeShapeType="1" noTextEdit="1"/>
+          </p:cNvSpPr>
+          <p:nvPr>
+            <p:extLst>
+              <p:ext uri="{386F3935-93C4-4BCD-93E2-E3B085C9AB24}">
+                <p16:designElem xmlns:p16="http://schemas.microsoft.com/office/powerpoint/2015/main" val="1"/>
+              </p:ext>
+            </p:extLst>
+          </p:nvPr>
+        </p:nvSpPr>
+        <p:spPr>
+          <a:xfrm>
+            <a:off x="0" y="0"/>
+            <a:ext cx="5779911" cy="6858000"/>
+          </a:xfrm>
+          <a:prstGeom prst="rect">
+            <a:avLst/>
+          </a:prstGeom>
+          <a:gradFill flip="none" rotWithShape="1">
+            <a:gsLst>
+              <a:gs pos="0">
+                <a:schemeClr val="accent1"/>
+              </a:gs>
+              <a:gs pos="100000">
+                <a:schemeClr val="accent2"/>
+              </a:gs>
+            </a:gsLst>
+            <a:lin ang="2700000" scaled="1"/>
+            <a:tileRect/>
+          </a:gradFill>
+          <a:ln>
+            <a:noFill/>
+          </a:ln>
+        </p:spPr>
+        <p:style>
+          <a:lnRef idx="2">
+            <a:schemeClr val="accent1">
+              <a:shade val="50000"/>
+            </a:schemeClr>
+          </a:lnRef>
+          <a:fillRef idx="1">
+            <a:schemeClr val="accent1"/>
+          </a:fillRef>
+          <a:effectRef idx="0">
+            <a:schemeClr val="accent1"/>
+          </a:effectRef>
+          <a:fontRef idx="minor">
+            <a:schemeClr val="lt1"/>
+          </a:fontRef>
+        </p:style>
+        <p:txBody>
+          <a:bodyPr rtlCol="0" anchor="ctr"/>
+          <a:lstStyle/>
+          <a:p>
+            <a:pPr algn="ctr"/>
+            <a:endParaRPr lang="en-US">
+              <a:solidFill>
+                <a:schemeClr val="tx1"/>
+              </a:solidFill>
+            </a:endParaRPr>
+          </a:p>
+        </p:txBody>
+      </p:sp>
+      <p:sp>
+        <p:nvSpPr>
           <p:cNvPr id="2" name="Titel 1">
             <a:extLst>
               <a:ext uri="{FF2B5EF4-FFF2-40B4-BE49-F238E27FC236}">
@@ -4831,18 +8706,525 @@
             <p:ph type="title"/>
           </p:nvPr>
         </p:nvSpPr>
-        <p:spPr/>
-        <p:txBody>
-          <a:bodyPr/>
+        <p:spPr>
+          <a:xfrm>
+            <a:off x="1188069" y="381935"/>
+            <a:ext cx="4008583" cy="5974414"/>
+          </a:xfrm>
+        </p:spPr>
+        <p:txBody>
+          <a:bodyPr anchor="ctr">
+            <a:normAutofit/>
+          </a:bodyPr>
           <a:lstStyle/>
           <a:p>
             <a:r>
-              <a:rPr lang="nl-NL" dirty="0"/>
+              <a:rPr lang="nl-NL" sz="6800">
+                <a:solidFill>
+                  <a:srgbClr val="FFFFFF"/>
+                </a:solidFill>
+              </a:rPr>
               <a:t>Hoe zien wij de toekomst?</a:t>
             </a:r>
           </a:p>
         </p:txBody>
       </p:sp>
+      <p:grpSp>
+        <p:nvGrpSpPr>
+          <p:cNvPr id="12" name="Group 11">
+            <a:extLst>
+              <a:ext uri="{FF2B5EF4-FFF2-40B4-BE49-F238E27FC236}">
+                <a16:creationId xmlns:a16="http://schemas.microsoft.com/office/drawing/2014/main" id="{0474DF76-993E-44DE-AFB0-C416182ACECF}"/>
+              </a:ext>
+              <a:ext uri="{C183D7F6-B498-43B3-948B-1728B52AA6E4}">
+                <adec:decorative xmlns:adec="http://schemas.microsoft.com/office/drawing/2017/decorative" val="1"/>
+              </a:ext>
+            </a:extLst>
+          </p:cNvPr>
+          <p:cNvGrpSpPr>
+            <a:grpSpLocks noGrp="1" noUngrp="1" noRot="1" noChangeAspect="1" noMove="1" noResize="1"/>
+          </p:cNvGrpSpPr>
+          <p:nvPr>
+            <p:extLst>
+              <p:ext uri="{386F3935-93C4-4BCD-93E2-E3B085C9AB24}">
+                <p16:designElem xmlns:p16="http://schemas.microsoft.com/office/powerpoint/2015/main" val="1"/>
+              </p:ext>
+            </p:extLst>
+          </p:nvPr>
+        </p:nvGrpSpPr>
+        <p:grpSpPr>
+          <a:xfrm>
+            <a:off x="613892" y="554152"/>
+            <a:ext cx="574177" cy="1075866"/>
+            <a:chOff x="613892" y="554152"/>
+            <a:chExt cx="574177" cy="1075866"/>
+          </a:xfrm>
+          <a:solidFill>
+            <a:srgbClr val="FFFFFF"/>
+          </a:solidFill>
+        </p:grpSpPr>
+        <p:sp>
+          <p:nvSpPr>
+            <p:cNvPr id="13" name="Graphic 11">
+              <a:extLst>
+                <a:ext uri="{FF2B5EF4-FFF2-40B4-BE49-F238E27FC236}">
+                  <a16:creationId xmlns:a16="http://schemas.microsoft.com/office/drawing/2014/main" id="{6CB927A4-E432-4310-9CD5-E89FF5063179}"/>
+                </a:ext>
+                <a:ext uri="{C183D7F6-B498-43B3-948B-1728B52AA6E4}">
+                  <adec:decorative xmlns:adec="http://schemas.microsoft.com/office/drawing/2017/decorative" val="1"/>
+                </a:ext>
+              </a:extLst>
+            </p:cNvPr>
+            <p:cNvSpPr/>
+            <p:nvPr>
+              <p:extLst>
+                <p:ext uri="{386F3935-93C4-4BCD-93E2-E3B085C9AB24}">
+                  <p16:designElem xmlns:p16="http://schemas.microsoft.com/office/powerpoint/2015/main" val="1"/>
+                </p:ext>
+              </p:extLst>
+            </p:nvPr>
+          </p:nvSpPr>
+          <p:spPr>
+            <a:xfrm>
+              <a:off x="633061" y="554152"/>
+              <a:ext cx="171515" cy="171515"/>
+            </a:xfrm>
+            <a:custGeom>
+              <a:avLst/>
+              <a:gdLst>
+                <a:gd name="connsiteX0" fmla="*/ 159874 w 171515"/>
+                <a:gd name="connsiteY0" fmla="*/ 74116 h 171515"/>
+                <a:gd name="connsiteX1" fmla="*/ 97399 w 171515"/>
+                <a:gd name="connsiteY1" fmla="*/ 74116 h 171515"/>
+                <a:gd name="connsiteX2" fmla="*/ 97399 w 171515"/>
+                <a:gd name="connsiteY2" fmla="*/ 11641 h 171515"/>
+                <a:gd name="connsiteX3" fmla="*/ 85758 w 171515"/>
+                <a:gd name="connsiteY3" fmla="*/ 0 h 171515"/>
+                <a:gd name="connsiteX4" fmla="*/ 74116 w 171515"/>
+                <a:gd name="connsiteY4" fmla="*/ 11641 h 171515"/>
+                <a:gd name="connsiteX5" fmla="*/ 74116 w 171515"/>
+                <a:gd name="connsiteY5" fmla="*/ 74116 h 171515"/>
+                <a:gd name="connsiteX6" fmla="*/ 11641 w 171515"/>
+                <a:gd name="connsiteY6" fmla="*/ 74116 h 171515"/>
+                <a:gd name="connsiteX7" fmla="*/ 0 w 171515"/>
+                <a:gd name="connsiteY7" fmla="*/ 85758 h 171515"/>
+                <a:gd name="connsiteX8" fmla="*/ 11641 w 171515"/>
+                <a:gd name="connsiteY8" fmla="*/ 97399 h 171515"/>
+                <a:gd name="connsiteX9" fmla="*/ 74116 w 171515"/>
+                <a:gd name="connsiteY9" fmla="*/ 97399 h 171515"/>
+                <a:gd name="connsiteX10" fmla="*/ 74116 w 171515"/>
+                <a:gd name="connsiteY10" fmla="*/ 159874 h 171515"/>
+                <a:gd name="connsiteX11" fmla="*/ 85758 w 171515"/>
+                <a:gd name="connsiteY11" fmla="*/ 171515 h 171515"/>
+                <a:gd name="connsiteX12" fmla="*/ 97399 w 171515"/>
+                <a:gd name="connsiteY12" fmla="*/ 159874 h 171515"/>
+                <a:gd name="connsiteX13" fmla="*/ 97399 w 171515"/>
+                <a:gd name="connsiteY13" fmla="*/ 97399 h 171515"/>
+                <a:gd name="connsiteX14" fmla="*/ 159874 w 171515"/>
+                <a:gd name="connsiteY14" fmla="*/ 97399 h 171515"/>
+                <a:gd name="connsiteX15" fmla="*/ 171515 w 171515"/>
+                <a:gd name="connsiteY15" fmla="*/ 85758 h 171515"/>
+                <a:gd name="connsiteX16" fmla="*/ 159874 w 171515"/>
+                <a:gd name="connsiteY16" fmla="*/ 74116 h 171515"/>
+              </a:gdLst>
+              <a:ahLst/>
+              <a:cxnLst>
+                <a:cxn ang="0">
+                  <a:pos x="connsiteX0" y="connsiteY0"/>
+                </a:cxn>
+                <a:cxn ang="0">
+                  <a:pos x="connsiteX1" y="connsiteY1"/>
+                </a:cxn>
+                <a:cxn ang="0">
+                  <a:pos x="connsiteX2" y="connsiteY2"/>
+                </a:cxn>
+                <a:cxn ang="0">
+                  <a:pos x="connsiteX3" y="connsiteY3"/>
+                </a:cxn>
+                <a:cxn ang="0">
+                  <a:pos x="connsiteX4" y="connsiteY4"/>
+                </a:cxn>
+                <a:cxn ang="0">
+                  <a:pos x="connsiteX5" y="connsiteY5"/>
+                </a:cxn>
+                <a:cxn ang="0">
+                  <a:pos x="connsiteX6" y="connsiteY6"/>
+                </a:cxn>
+                <a:cxn ang="0">
+                  <a:pos x="connsiteX7" y="connsiteY7"/>
+                </a:cxn>
+                <a:cxn ang="0">
+                  <a:pos x="connsiteX8" y="connsiteY8"/>
+                </a:cxn>
+                <a:cxn ang="0">
+                  <a:pos x="connsiteX9" y="connsiteY9"/>
+                </a:cxn>
+                <a:cxn ang="0">
+                  <a:pos x="connsiteX10" y="connsiteY10"/>
+                </a:cxn>
+                <a:cxn ang="0">
+                  <a:pos x="connsiteX11" y="connsiteY11"/>
+                </a:cxn>
+                <a:cxn ang="0">
+                  <a:pos x="connsiteX12" y="connsiteY12"/>
+                </a:cxn>
+                <a:cxn ang="0">
+                  <a:pos x="connsiteX13" y="connsiteY13"/>
+                </a:cxn>
+                <a:cxn ang="0">
+                  <a:pos x="connsiteX14" y="connsiteY14"/>
+                </a:cxn>
+                <a:cxn ang="0">
+                  <a:pos x="connsiteX15" y="connsiteY15"/>
+                </a:cxn>
+                <a:cxn ang="0">
+                  <a:pos x="connsiteX16" y="connsiteY16"/>
+                </a:cxn>
+              </a:cxnLst>
+              <a:rect l="l" t="t" r="r" b="b"/>
+              <a:pathLst>
+                <a:path w="171515" h="171515">
+                  <a:moveTo>
+                    <a:pt x="159874" y="74116"/>
+                  </a:moveTo>
+                  <a:lnTo>
+                    <a:pt x="97399" y="74116"/>
+                  </a:lnTo>
+                  <a:lnTo>
+                    <a:pt x="97399" y="11641"/>
+                  </a:lnTo>
+                  <a:cubicBezTo>
+                    <a:pt x="97399" y="5212"/>
+                    <a:pt x="92187" y="0"/>
+                    <a:pt x="85758" y="0"/>
+                  </a:cubicBezTo>
+                  <a:cubicBezTo>
+                    <a:pt x="79328" y="0"/>
+                    <a:pt x="74116" y="5212"/>
+                    <a:pt x="74116" y="11641"/>
+                  </a:cubicBezTo>
+                  <a:lnTo>
+                    <a:pt x="74116" y="74116"/>
+                  </a:lnTo>
+                  <a:lnTo>
+                    <a:pt x="11641" y="74116"/>
+                  </a:lnTo>
+                  <a:cubicBezTo>
+                    <a:pt x="5212" y="74116"/>
+                    <a:pt x="0" y="79328"/>
+                    <a:pt x="0" y="85758"/>
+                  </a:cubicBezTo>
+                  <a:cubicBezTo>
+                    <a:pt x="0" y="92187"/>
+                    <a:pt x="5212" y="97399"/>
+                    <a:pt x="11641" y="97399"/>
+                  </a:cubicBezTo>
+                  <a:lnTo>
+                    <a:pt x="74116" y="97399"/>
+                  </a:lnTo>
+                  <a:lnTo>
+                    <a:pt x="74116" y="159874"/>
+                  </a:lnTo>
+                  <a:cubicBezTo>
+                    <a:pt x="74116" y="166303"/>
+                    <a:pt x="79328" y="171515"/>
+                    <a:pt x="85758" y="171515"/>
+                  </a:cubicBezTo>
+                  <a:cubicBezTo>
+                    <a:pt x="92187" y="171515"/>
+                    <a:pt x="97399" y="166303"/>
+                    <a:pt x="97399" y="159874"/>
+                  </a:cubicBezTo>
+                  <a:lnTo>
+                    <a:pt x="97399" y="97399"/>
+                  </a:lnTo>
+                  <a:lnTo>
+                    <a:pt x="159874" y="97399"/>
+                  </a:lnTo>
+                  <a:cubicBezTo>
+                    <a:pt x="166303" y="97399"/>
+                    <a:pt x="171515" y="92187"/>
+                    <a:pt x="171515" y="85758"/>
+                  </a:cubicBezTo>
+                  <a:cubicBezTo>
+                    <a:pt x="171515" y="79328"/>
+                    <a:pt x="166303" y="74116"/>
+                    <a:pt x="159874" y="74116"/>
+                  </a:cubicBezTo>
+                  <a:close/>
+                </a:path>
+              </a:pathLst>
+            </a:custGeom>
+            <a:grpFill/>
+            <a:ln w="776" cap="flat">
+              <a:noFill/>
+              <a:prstDash val="solid"/>
+              <a:miter/>
+            </a:ln>
+          </p:spPr>
+          <p:txBody>
+            <a:bodyPr rtlCol="0" anchor="ctr"/>
+            <a:lstStyle/>
+            <a:p>
+              <a:endParaRPr lang="en-US"/>
+            </a:p>
+          </p:txBody>
+        </p:sp>
+        <p:sp>
+          <p:nvSpPr>
+            <p:cNvPr id="14" name="Graphic 10">
+              <a:extLst>
+                <a:ext uri="{FF2B5EF4-FFF2-40B4-BE49-F238E27FC236}">
+                  <a16:creationId xmlns:a16="http://schemas.microsoft.com/office/drawing/2014/main" id="{E3020543-B24B-4EC4-8FFC-8DD88EEA91A8}"/>
+                </a:ext>
+                <a:ext uri="{C183D7F6-B498-43B3-948B-1728B52AA6E4}">
+                  <adec:decorative xmlns:adec="http://schemas.microsoft.com/office/drawing/2017/decorative" val="1"/>
+                </a:ext>
+              </a:extLst>
+            </p:cNvPr>
+            <p:cNvSpPr/>
+            <p:nvPr>
+              <p:extLst>
+                <p:ext uri="{386F3935-93C4-4BCD-93E2-E3B085C9AB24}">
+                  <p16:designElem xmlns:p16="http://schemas.microsoft.com/office/powerpoint/2015/main" val="1"/>
+                </p:ext>
+              </p:extLst>
+            </p:nvPr>
+          </p:nvSpPr>
+          <p:spPr>
+            <a:xfrm>
+              <a:off x="1075643" y="837005"/>
+              <a:ext cx="112426" cy="112426"/>
+            </a:xfrm>
+            <a:custGeom>
+              <a:avLst/>
+              <a:gdLst>
+                <a:gd name="connsiteX0" fmla="*/ 112426 w 112426"/>
+                <a:gd name="connsiteY0" fmla="*/ 56213 h 112426"/>
+                <a:gd name="connsiteX1" fmla="*/ 56213 w 112426"/>
+                <a:gd name="connsiteY1" fmla="*/ 112426 h 112426"/>
+                <a:gd name="connsiteX2" fmla="*/ 0 w 112426"/>
+                <a:gd name="connsiteY2" fmla="*/ 56213 h 112426"/>
+                <a:gd name="connsiteX3" fmla="*/ 56213 w 112426"/>
+                <a:gd name="connsiteY3" fmla="*/ 0 h 112426"/>
+                <a:gd name="connsiteX4" fmla="*/ 112426 w 112426"/>
+                <a:gd name="connsiteY4" fmla="*/ 56213 h 112426"/>
+              </a:gdLst>
+              <a:ahLst/>
+              <a:cxnLst>
+                <a:cxn ang="0">
+                  <a:pos x="connsiteX0" y="connsiteY0"/>
+                </a:cxn>
+                <a:cxn ang="0">
+                  <a:pos x="connsiteX1" y="connsiteY1"/>
+                </a:cxn>
+                <a:cxn ang="0">
+                  <a:pos x="connsiteX2" y="connsiteY2"/>
+                </a:cxn>
+                <a:cxn ang="0">
+                  <a:pos x="connsiteX3" y="connsiteY3"/>
+                </a:cxn>
+                <a:cxn ang="0">
+                  <a:pos x="connsiteX4" y="connsiteY4"/>
+                </a:cxn>
+              </a:cxnLst>
+              <a:rect l="l" t="t" r="r" b="b"/>
+              <a:pathLst>
+                <a:path w="112426" h="112426">
+                  <a:moveTo>
+                    <a:pt x="112426" y="56213"/>
+                  </a:moveTo>
+                  <a:cubicBezTo>
+                    <a:pt x="112426" y="87259"/>
+                    <a:pt x="87259" y="112426"/>
+                    <a:pt x="56213" y="112426"/>
+                  </a:cubicBezTo>
+                  <a:cubicBezTo>
+                    <a:pt x="25167" y="112426"/>
+                    <a:pt x="0" y="87259"/>
+                    <a:pt x="0" y="56213"/>
+                  </a:cubicBezTo>
+                  <a:cubicBezTo>
+                    <a:pt x="0" y="25167"/>
+                    <a:pt x="25167" y="0"/>
+                    <a:pt x="56213" y="0"/>
+                  </a:cubicBezTo>
+                  <a:cubicBezTo>
+                    <a:pt x="87259" y="0"/>
+                    <a:pt x="112426" y="25167"/>
+                    <a:pt x="112426" y="56213"/>
+                  </a:cubicBezTo>
+                  <a:close/>
+                </a:path>
+              </a:pathLst>
+            </a:custGeom>
+            <a:grpFill/>
+            <a:ln w="516" cap="flat">
+              <a:noFill/>
+              <a:prstDash val="solid"/>
+              <a:miter/>
+            </a:ln>
+          </p:spPr>
+          <p:txBody>
+            <a:bodyPr rtlCol="0" anchor="ctr"/>
+            <a:lstStyle/>
+            <a:p>
+              <a:endParaRPr lang="en-US"/>
+            </a:p>
+          </p:txBody>
+        </p:sp>
+        <p:sp>
+          <p:nvSpPr>
+            <p:cNvPr id="15" name="Graphic 12">
+              <a:extLst>
+                <a:ext uri="{FF2B5EF4-FFF2-40B4-BE49-F238E27FC236}">
+                  <a16:creationId xmlns:a16="http://schemas.microsoft.com/office/drawing/2014/main" id="{1453BF6C-B012-48B7-B4E8-6D7AC7C27D02}"/>
+                </a:ext>
+                <a:ext uri="{C183D7F6-B498-43B3-948B-1728B52AA6E4}">
+                  <adec:decorative xmlns:adec="http://schemas.microsoft.com/office/drawing/2017/decorative" val="1"/>
+                </a:ext>
+              </a:extLst>
+            </p:cNvPr>
+            <p:cNvSpPr/>
+            <p:nvPr>
+              <p:extLst>
+                <p:ext uri="{386F3935-93C4-4BCD-93E2-E3B085C9AB24}">
+                  <p16:designElem xmlns:p16="http://schemas.microsoft.com/office/powerpoint/2015/main" val="1"/>
+                </p:ext>
+              </p:extLst>
+            </p:nvPr>
+          </p:nvSpPr>
+          <p:spPr>
+            <a:xfrm>
+              <a:off x="613892" y="1472473"/>
+              <a:ext cx="157545" cy="157545"/>
+            </a:xfrm>
+            <a:custGeom>
+              <a:avLst/>
+              <a:gdLst>
+                <a:gd name="connsiteX0" fmla="*/ 78773 w 157545"/>
+                <a:gd name="connsiteY0" fmla="*/ 23283 h 157545"/>
+                <a:gd name="connsiteX1" fmla="*/ 134262 w 157545"/>
+                <a:gd name="connsiteY1" fmla="*/ 78773 h 157545"/>
+                <a:gd name="connsiteX2" fmla="*/ 78773 w 157545"/>
+                <a:gd name="connsiteY2" fmla="*/ 134262 h 157545"/>
+                <a:gd name="connsiteX3" fmla="*/ 23283 w 157545"/>
+                <a:gd name="connsiteY3" fmla="*/ 78773 h 157545"/>
+                <a:gd name="connsiteX4" fmla="*/ 78773 w 157545"/>
+                <a:gd name="connsiteY4" fmla="*/ 23283 h 157545"/>
+                <a:gd name="connsiteX5" fmla="*/ 78773 w 157545"/>
+                <a:gd name="connsiteY5" fmla="*/ 0 h 157545"/>
+                <a:gd name="connsiteX6" fmla="*/ 0 w 157545"/>
+                <a:gd name="connsiteY6" fmla="*/ 78773 h 157545"/>
+                <a:gd name="connsiteX7" fmla="*/ 78773 w 157545"/>
+                <a:gd name="connsiteY7" fmla="*/ 157545 h 157545"/>
+                <a:gd name="connsiteX8" fmla="*/ 157545 w 157545"/>
+                <a:gd name="connsiteY8" fmla="*/ 78773 h 157545"/>
+                <a:gd name="connsiteX9" fmla="*/ 78773 w 157545"/>
+                <a:gd name="connsiteY9" fmla="*/ 0 h 157545"/>
+              </a:gdLst>
+              <a:ahLst/>
+              <a:cxnLst>
+                <a:cxn ang="0">
+                  <a:pos x="connsiteX0" y="connsiteY0"/>
+                </a:cxn>
+                <a:cxn ang="0">
+                  <a:pos x="connsiteX1" y="connsiteY1"/>
+                </a:cxn>
+                <a:cxn ang="0">
+                  <a:pos x="connsiteX2" y="connsiteY2"/>
+                </a:cxn>
+                <a:cxn ang="0">
+                  <a:pos x="connsiteX3" y="connsiteY3"/>
+                </a:cxn>
+                <a:cxn ang="0">
+                  <a:pos x="connsiteX4" y="connsiteY4"/>
+                </a:cxn>
+                <a:cxn ang="0">
+                  <a:pos x="connsiteX5" y="connsiteY5"/>
+                </a:cxn>
+                <a:cxn ang="0">
+                  <a:pos x="connsiteX6" y="connsiteY6"/>
+                </a:cxn>
+                <a:cxn ang="0">
+                  <a:pos x="connsiteX7" y="connsiteY7"/>
+                </a:cxn>
+                <a:cxn ang="0">
+                  <a:pos x="connsiteX8" y="connsiteY8"/>
+                </a:cxn>
+                <a:cxn ang="0">
+                  <a:pos x="connsiteX9" y="connsiteY9"/>
+                </a:cxn>
+              </a:cxnLst>
+              <a:rect l="l" t="t" r="r" b="b"/>
+              <a:pathLst>
+                <a:path w="157545" h="157545">
+                  <a:moveTo>
+                    <a:pt x="78773" y="23283"/>
+                  </a:moveTo>
+                  <a:cubicBezTo>
+                    <a:pt x="109419" y="23283"/>
+                    <a:pt x="134262" y="48126"/>
+                    <a:pt x="134262" y="78773"/>
+                  </a:cubicBezTo>
+                  <a:cubicBezTo>
+                    <a:pt x="134262" y="109419"/>
+                    <a:pt x="109419" y="134262"/>
+                    <a:pt x="78773" y="134262"/>
+                  </a:cubicBezTo>
+                  <a:cubicBezTo>
+                    <a:pt x="48126" y="134262"/>
+                    <a:pt x="23283" y="109419"/>
+                    <a:pt x="23283" y="78773"/>
+                  </a:cubicBezTo>
+                  <a:cubicBezTo>
+                    <a:pt x="23312" y="48139"/>
+                    <a:pt x="48139" y="23312"/>
+                    <a:pt x="78773" y="23283"/>
+                  </a:cubicBezTo>
+                  <a:moveTo>
+                    <a:pt x="78773" y="0"/>
+                  </a:moveTo>
+                  <a:cubicBezTo>
+                    <a:pt x="35268" y="0"/>
+                    <a:pt x="0" y="35268"/>
+                    <a:pt x="0" y="78773"/>
+                  </a:cubicBezTo>
+                  <a:cubicBezTo>
+                    <a:pt x="0" y="122277"/>
+                    <a:pt x="35268" y="157545"/>
+                    <a:pt x="78773" y="157545"/>
+                  </a:cubicBezTo>
+                  <a:cubicBezTo>
+                    <a:pt x="122277" y="157545"/>
+                    <a:pt x="157545" y="122277"/>
+                    <a:pt x="157545" y="78773"/>
+                  </a:cubicBezTo>
+                  <a:cubicBezTo>
+                    <a:pt x="157545" y="35268"/>
+                    <a:pt x="122277" y="0"/>
+                    <a:pt x="78773" y="0"/>
+                  </a:cubicBezTo>
+                  <a:close/>
+                </a:path>
+              </a:pathLst>
+            </a:custGeom>
+            <a:grpFill/>
+            <a:ln w="751" cap="flat">
+              <a:noFill/>
+              <a:prstDash val="solid"/>
+              <a:miter/>
+            </a:ln>
+          </p:spPr>
+          <p:txBody>
+            <a:bodyPr rtlCol="0" anchor="ctr"/>
+            <a:lstStyle/>
+            <a:p>
+              <a:endParaRPr lang="en-US"/>
+            </a:p>
+          </p:txBody>
+        </p:sp>
+      </p:grpSp>
       <p:sp>
         <p:nvSpPr>
           <p:cNvPr id="3" name="Tijdelijke aanduiding voor inhoud 2">
@@ -4859,15 +9241,90 @@
             <p:ph idx="1"/>
           </p:nvPr>
         </p:nvSpPr>
-        <p:spPr/>
-        <p:txBody>
-          <a:bodyPr/>
+        <p:spPr>
+          <a:xfrm>
+            <a:off x="6297233" y="518400"/>
+            <a:ext cx="4771607" cy="5837949"/>
+          </a:xfrm>
+        </p:spPr>
+        <p:txBody>
+          <a:bodyPr anchor="ctr">
+            <a:normAutofit/>
+          </a:bodyPr>
           <a:lstStyle/>
           <a:p>
-            <a:endParaRPr lang="nl-NL" dirty="0"/>
-          </a:p>
-        </p:txBody>
-      </p:sp>
+            <a:endParaRPr lang="nl-NL" sz="2000">
+              <a:solidFill>
+                <a:schemeClr val="tx1">
+                  <a:alpha val="80000"/>
+                </a:schemeClr>
+              </a:solidFill>
+            </a:endParaRPr>
+          </a:p>
+        </p:txBody>
+      </p:sp>
+      <p:cxnSp>
+        <p:nvCxnSpPr>
+          <p:cNvPr id="17" name="Straight Connector 16">
+            <a:extLst>
+              <a:ext uri="{FF2B5EF4-FFF2-40B4-BE49-F238E27FC236}">
+                <a16:creationId xmlns:a16="http://schemas.microsoft.com/office/drawing/2014/main" id="{C49DA8F6-BCC1-4447-B54C-57856834B94B}"/>
+              </a:ext>
+              <a:ext uri="{C183D7F6-B498-43B3-948B-1728B52AA6E4}">
+                <adec:decorative xmlns:adec="http://schemas.microsoft.com/office/drawing/2017/decorative" val="1"/>
+              </a:ext>
+            </a:extLst>
+          </p:cNvPr>
+          <p:cNvCxnSpPr>
+            <a:cxnSpLocks noGrp="1" noRot="1" noChangeAspect="1" noMove="1" noResize="1" noEditPoints="1" noAdjustHandles="1" noChangeArrowheads="1" noChangeShapeType="1"/>
+          </p:cNvCxnSpPr>
+          <p:nvPr>
+            <p:extLst>
+              <p:ext uri="{386F3935-93C4-4BCD-93E2-E3B085C9AB24}">
+                <p16:designElem xmlns:p16="http://schemas.microsoft.com/office/powerpoint/2015/main" val="1"/>
+              </p:ext>
+            </p:extLst>
+          </p:nvPr>
+        </p:nvCxnSpPr>
+        <p:spPr>
+          <a:xfrm>
+            <a:off x="11586162" y="3610394"/>
+            <a:ext cx="0" cy="3238728"/>
+          </a:xfrm>
+          <a:prstGeom prst="line">
+            <a:avLst/>
+          </a:prstGeom>
+          <a:ln w="25400" cap="sq">
+            <a:gradFill flip="none" rotWithShape="1">
+              <a:gsLst>
+                <a:gs pos="0">
+                  <a:schemeClr val="accent1"/>
+                </a:gs>
+                <a:gs pos="100000">
+                  <a:schemeClr val="accent2"/>
+                </a:gs>
+              </a:gsLst>
+              <a:lin ang="5400000" scaled="0"/>
+              <a:tileRect/>
+            </a:gradFill>
+            <a:bevel/>
+          </a:ln>
+        </p:spPr>
+        <p:style>
+          <a:lnRef idx="1">
+            <a:schemeClr val="accent1"/>
+          </a:lnRef>
+          <a:fillRef idx="0">
+            <a:schemeClr val="accent1"/>
+          </a:fillRef>
+          <a:effectRef idx="0">
+            <a:schemeClr val="accent1"/>
+          </a:effectRef>
+          <a:fontRef idx="minor">
+            <a:schemeClr val="tx1"/>
+          </a:fontRef>
+        </p:style>
+      </p:cxnSp>
     </p:spTree>
     <p:extLst>
       <p:ext uri="{BB962C8B-B14F-4D97-AF65-F5344CB8AC3E}">
@@ -4884,6 +9341,14 @@
 <file path=ppt/slides/slide7.xml><?xml version="1.0" encoding="utf-8"?>
 <p:sld xmlns:a="http://schemas.openxmlformats.org/drawingml/2006/main" xmlns:r="http://schemas.openxmlformats.org/officeDocument/2006/relationships" xmlns:p="http://schemas.openxmlformats.org/presentationml/2006/main">
   <p:cSld>
+    <p:bg>
+      <p:bgPr>
+        <a:solidFill>
+          <a:schemeClr val="bg1"/>
+        </a:solidFill>
+        <a:effectLst/>
+      </p:bgPr>
+    </p:bg>
     <p:spTree>
       <p:nvGrpSpPr>
         <p:cNvPr id="1" name=""/>
@@ -4898,8 +9363,144 @@
           <a:chExt cx="0" cy="0"/>
         </a:xfrm>
       </p:grpSpPr>
+      <p:sp useBgFill="1">
+        <p:nvSpPr>
+          <p:cNvPr id="8" name="Rectangle 7">
+            <a:extLst>
+              <a:ext uri="{FF2B5EF4-FFF2-40B4-BE49-F238E27FC236}">
+                <a16:creationId xmlns:a16="http://schemas.microsoft.com/office/drawing/2014/main" id="{A2679492-7988-4050-9056-542444452411}"/>
+              </a:ext>
+              <a:ext uri="{C183D7F6-B498-43B3-948B-1728B52AA6E4}">
+                <adec:decorative xmlns:adec="http://schemas.microsoft.com/office/drawing/2017/decorative" val="1"/>
+              </a:ext>
+            </a:extLst>
+          </p:cNvPr>
+          <p:cNvSpPr>
+            <a:spLocks noGrp="1" noRot="1" noChangeAspect="1" noMove="1" noResize="1" noEditPoints="1" noAdjustHandles="1" noChangeArrowheads="1" noChangeShapeType="1" noTextEdit="1"/>
+          </p:cNvSpPr>
+          <p:nvPr>
+            <p:extLst>
+              <p:ext uri="{386F3935-93C4-4BCD-93E2-E3B085C9AB24}">
+                <p16:designElem xmlns:p16="http://schemas.microsoft.com/office/powerpoint/2015/main" val="1"/>
+              </p:ext>
+            </p:extLst>
+          </p:nvPr>
+        </p:nvSpPr>
+        <p:spPr>
+          <a:xfrm>
+            <a:off x="0" y="0"/>
+            <a:ext cx="12192000" cy="6858000"/>
+          </a:xfrm>
+          <a:prstGeom prst="rect">
+            <a:avLst/>
+          </a:prstGeom>
+          <a:ln>
+            <a:noFill/>
+          </a:ln>
+        </p:spPr>
+        <p:style>
+          <a:lnRef idx="2">
+            <a:schemeClr val="accent1">
+              <a:shade val="50000"/>
+            </a:schemeClr>
+          </a:lnRef>
+          <a:fillRef idx="1">
+            <a:schemeClr val="accent1"/>
+          </a:fillRef>
+          <a:effectRef idx="0">
+            <a:schemeClr val="accent1"/>
+          </a:effectRef>
+          <a:fontRef idx="minor">
+            <a:schemeClr val="lt1"/>
+          </a:fontRef>
+        </p:style>
+        <p:txBody>
+          <a:bodyPr rtlCol="0" anchor="ctr"/>
+          <a:lstStyle/>
+          <a:p>
+            <a:pPr algn="ctr"/>
+            <a:endParaRPr lang="en-US"/>
+          </a:p>
+        </p:txBody>
+      </p:sp>
       <p:sp>
         <p:nvSpPr>
+          <p:cNvPr id="10" name="Rectangle 9">
+            <a:extLst>
+              <a:ext uri="{FF2B5EF4-FFF2-40B4-BE49-F238E27FC236}">
+                <a16:creationId xmlns:a16="http://schemas.microsoft.com/office/drawing/2014/main" id="{B091B163-7D61-4891-ABCF-5C13D9C418D0}"/>
+              </a:ext>
+              <a:ext uri="{C183D7F6-B498-43B3-948B-1728B52AA6E4}">
+                <adec:decorative xmlns:adec="http://schemas.microsoft.com/office/drawing/2017/decorative" val="1"/>
+              </a:ext>
+            </a:extLst>
+          </p:cNvPr>
+          <p:cNvSpPr>
+            <a:spLocks noGrp="1" noRot="1" noChangeAspect="1" noMove="1" noResize="1" noEditPoints="1" noAdjustHandles="1" noChangeArrowheads="1" noChangeShapeType="1" noTextEdit="1"/>
+          </p:cNvSpPr>
+          <p:nvPr>
+            <p:extLst>
+              <p:ext uri="{386F3935-93C4-4BCD-93E2-E3B085C9AB24}">
+                <p16:designElem xmlns:p16="http://schemas.microsoft.com/office/powerpoint/2015/main" val="1"/>
+              </p:ext>
+            </p:extLst>
+          </p:nvPr>
+        </p:nvSpPr>
+        <p:spPr>
+          <a:xfrm>
+            <a:off x="0" y="0"/>
+            <a:ext cx="5779911" cy="6858000"/>
+          </a:xfrm>
+          <a:prstGeom prst="rect">
+            <a:avLst/>
+          </a:prstGeom>
+          <a:gradFill flip="none" rotWithShape="1">
+            <a:gsLst>
+              <a:gs pos="0">
+                <a:schemeClr val="accent1"/>
+              </a:gs>
+              <a:gs pos="100000">
+                <a:schemeClr val="accent2"/>
+              </a:gs>
+            </a:gsLst>
+            <a:lin ang="2700000" scaled="1"/>
+            <a:tileRect/>
+          </a:gradFill>
+          <a:ln>
+            <a:noFill/>
+          </a:ln>
+        </p:spPr>
+        <p:style>
+          <a:lnRef idx="2">
+            <a:schemeClr val="accent1">
+              <a:shade val="50000"/>
+            </a:schemeClr>
+          </a:lnRef>
+          <a:fillRef idx="1">
+            <a:schemeClr val="accent1"/>
+          </a:fillRef>
+          <a:effectRef idx="0">
+            <a:schemeClr val="accent1"/>
+          </a:effectRef>
+          <a:fontRef idx="minor">
+            <a:schemeClr val="lt1"/>
+          </a:fontRef>
+        </p:style>
+        <p:txBody>
+          <a:bodyPr rtlCol="0" anchor="ctr"/>
+          <a:lstStyle/>
+          <a:p>
+            <a:pPr algn="ctr"/>
+            <a:endParaRPr lang="en-US">
+              <a:solidFill>
+                <a:schemeClr val="tx1"/>
+              </a:solidFill>
+            </a:endParaRPr>
+          </a:p>
+        </p:txBody>
+      </p:sp>
+      <p:sp>
+        <p:nvSpPr>
           <p:cNvPr id="2" name="Titel 1">
             <a:extLst>
               <a:ext uri="{FF2B5EF4-FFF2-40B4-BE49-F238E27FC236}">
@@ -4914,18 +9515,525 @@
             <p:ph type="title"/>
           </p:nvPr>
         </p:nvSpPr>
-        <p:spPr/>
-        <p:txBody>
-          <a:bodyPr/>
+        <p:spPr>
+          <a:xfrm>
+            <a:off x="1188069" y="381935"/>
+            <a:ext cx="4008583" cy="5974414"/>
+          </a:xfrm>
+        </p:spPr>
+        <p:txBody>
+          <a:bodyPr anchor="ctr">
+            <a:normAutofit/>
+          </a:bodyPr>
           <a:lstStyle/>
           <a:p>
             <a:r>
-              <a:rPr lang="nl-NL" dirty="0"/>
+              <a:rPr lang="nl-NL" sz="7400">
+                <a:solidFill>
+                  <a:srgbClr val="FFFFFF"/>
+                </a:solidFill>
+              </a:rPr>
               <a:t>Gebruikte bronnen</a:t>
             </a:r>
           </a:p>
         </p:txBody>
       </p:sp>
+      <p:grpSp>
+        <p:nvGrpSpPr>
+          <p:cNvPr id="12" name="Group 11">
+            <a:extLst>
+              <a:ext uri="{FF2B5EF4-FFF2-40B4-BE49-F238E27FC236}">
+                <a16:creationId xmlns:a16="http://schemas.microsoft.com/office/drawing/2014/main" id="{0474DF76-993E-44DE-AFB0-C416182ACECF}"/>
+              </a:ext>
+              <a:ext uri="{C183D7F6-B498-43B3-948B-1728B52AA6E4}">
+                <adec:decorative xmlns:adec="http://schemas.microsoft.com/office/drawing/2017/decorative" val="1"/>
+              </a:ext>
+            </a:extLst>
+          </p:cNvPr>
+          <p:cNvGrpSpPr>
+            <a:grpSpLocks noGrp="1" noUngrp="1" noRot="1" noChangeAspect="1" noMove="1" noResize="1"/>
+          </p:cNvGrpSpPr>
+          <p:nvPr>
+            <p:extLst>
+              <p:ext uri="{386F3935-93C4-4BCD-93E2-E3B085C9AB24}">
+                <p16:designElem xmlns:p16="http://schemas.microsoft.com/office/powerpoint/2015/main" val="1"/>
+              </p:ext>
+            </p:extLst>
+          </p:nvPr>
+        </p:nvGrpSpPr>
+        <p:grpSpPr>
+          <a:xfrm>
+            <a:off x="613892" y="554152"/>
+            <a:ext cx="574177" cy="1075866"/>
+            <a:chOff x="613892" y="554152"/>
+            <a:chExt cx="574177" cy="1075866"/>
+          </a:xfrm>
+          <a:solidFill>
+            <a:srgbClr val="FFFFFF"/>
+          </a:solidFill>
+        </p:grpSpPr>
+        <p:sp>
+          <p:nvSpPr>
+            <p:cNvPr id="13" name="Graphic 11">
+              <a:extLst>
+                <a:ext uri="{FF2B5EF4-FFF2-40B4-BE49-F238E27FC236}">
+                  <a16:creationId xmlns:a16="http://schemas.microsoft.com/office/drawing/2014/main" id="{6CB927A4-E432-4310-9CD5-E89FF5063179}"/>
+                </a:ext>
+                <a:ext uri="{C183D7F6-B498-43B3-948B-1728B52AA6E4}">
+                  <adec:decorative xmlns:adec="http://schemas.microsoft.com/office/drawing/2017/decorative" val="1"/>
+                </a:ext>
+              </a:extLst>
+            </p:cNvPr>
+            <p:cNvSpPr/>
+            <p:nvPr>
+              <p:extLst>
+                <p:ext uri="{386F3935-93C4-4BCD-93E2-E3B085C9AB24}">
+                  <p16:designElem xmlns:p16="http://schemas.microsoft.com/office/powerpoint/2015/main" val="1"/>
+                </p:ext>
+              </p:extLst>
+            </p:nvPr>
+          </p:nvSpPr>
+          <p:spPr>
+            <a:xfrm>
+              <a:off x="633061" y="554152"/>
+              <a:ext cx="171515" cy="171515"/>
+            </a:xfrm>
+            <a:custGeom>
+              <a:avLst/>
+              <a:gdLst>
+                <a:gd name="connsiteX0" fmla="*/ 159874 w 171515"/>
+                <a:gd name="connsiteY0" fmla="*/ 74116 h 171515"/>
+                <a:gd name="connsiteX1" fmla="*/ 97399 w 171515"/>
+                <a:gd name="connsiteY1" fmla="*/ 74116 h 171515"/>
+                <a:gd name="connsiteX2" fmla="*/ 97399 w 171515"/>
+                <a:gd name="connsiteY2" fmla="*/ 11641 h 171515"/>
+                <a:gd name="connsiteX3" fmla="*/ 85758 w 171515"/>
+                <a:gd name="connsiteY3" fmla="*/ 0 h 171515"/>
+                <a:gd name="connsiteX4" fmla="*/ 74116 w 171515"/>
+                <a:gd name="connsiteY4" fmla="*/ 11641 h 171515"/>
+                <a:gd name="connsiteX5" fmla="*/ 74116 w 171515"/>
+                <a:gd name="connsiteY5" fmla="*/ 74116 h 171515"/>
+                <a:gd name="connsiteX6" fmla="*/ 11641 w 171515"/>
+                <a:gd name="connsiteY6" fmla="*/ 74116 h 171515"/>
+                <a:gd name="connsiteX7" fmla="*/ 0 w 171515"/>
+                <a:gd name="connsiteY7" fmla="*/ 85758 h 171515"/>
+                <a:gd name="connsiteX8" fmla="*/ 11641 w 171515"/>
+                <a:gd name="connsiteY8" fmla="*/ 97399 h 171515"/>
+                <a:gd name="connsiteX9" fmla="*/ 74116 w 171515"/>
+                <a:gd name="connsiteY9" fmla="*/ 97399 h 171515"/>
+                <a:gd name="connsiteX10" fmla="*/ 74116 w 171515"/>
+                <a:gd name="connsiteY10" fmla="*/ 159874 h 171515"/>
+                <a:gd name="connsiteX11" fmla="*/ 85758 w 171515"/>
+                <a:gd name="connsiteY11" fmla="*/ 171515 h 171515"/>
+                <a:gd name="connsiteX12" fmla="*/ 97399 w 171515"/>
+                <a:gd name="connsiteY12" fmla="*/ 159874 h 171515"/>
+                <a:gd name="connsiteX13" fmla="*/ 97399 w 171515"/>
+                <a:gd name="connsiteY13" fmla="*/ 97399 h 171515"/>
+                <a:gd name="connsiteX14" fmla="*/ 159874 w 171515"/>
+                <a:gd name="connsiteY14" fmla="*/ 97399 h 171515"/>
+                <a:gd name="connsiteX15" fmla="*/ 171515 w 171515"/>
+                <a:gd name="connsiteY15" fmla="*/ 85758 h 171515"/>
+                <a:gd name="connsiteX16" fmla="*/ 159874 w 171515"/>
+                <a:gd name="connsiteY16" fmla="*/ 74116 h 171515"/>
+              </a:gdLst>
+              <a:ahLst/>
+              <a:cxnLst>
+                <a:cxn ang="0">
+                  <a:pos x="connsiteX0" y="connsiteY0"/>
+                </a:cxn>
+                <a:cxn ang="0">
+                  <a:pos x="connsiteX1" y="connsiteY1"/>
+                </a:cxn>
+                <a:cxn ang="0">
+                  <a:pos x="connsiteX2" y="connsiteY2"/>
+                </a:cxn>
+                <a:cxn ang="0">
+                  <a:pos x="connsiteX3" y="connsiteY3"/>
+                </a:cxn>
+                <a:cxn ang="0">
+                  <a:pos x="connsiteX4" y="connsiteY4"/>
+                </a:cxn>
+                <a:cxn ang="0">
+                  <a:pos x="connsiteX5" y="connsiteY5"/>
+                </a:cxn>
+                <a:cxn ang="0">
+                  <a:pos x="connsiteX6" y="connsiteY6"/>
+                </a:cxn>
+                <a:cxn ang="0">
+                  <a:pos x="connsiteX7" y="connsiteY7"/>
+                </a:cxn>
+                <a:cxn ang="0">
+                  <a:pos x="connsiteX8" y="connsiteY8"/>
+                </a:cxn>
+                <a:cxn ang="0">
+                  <a:pos x="connsiteX9" y="connsiteY9"/>
+                </a:cxn>
+                <a:cxn ang="0">
+                  <a:pos x="connsiteX10" y="connsiteY10"/>
+                </a:cxn>
+                <a:cxn ang="0">
+                  <a:pos x="connsiteX11" y="connsiteY11"/>
+                </a:cxn>
+                <a:cxn ang="0">
+                  <a:pos x="connsiteX12" y="connsiteY12"/>
+                </a:cxn>
+                <a:cxn ang="0">
+                  <a:pos x="connsiteX13" y="connsiteY13"/>
+                </a:cxn>
+                <a:cxn ang="0">
+                  <a:pos x="connsiteX14" y="connsiteY14"/>
+                </a:cxn>
+                <a:cxn ang="0">
+                  <a:pos x="connsiteX15" y="connsiteY15"/>
+                </a:cxn>
+                <a:cxn ang="0">
+                  <a:pos x="connsiteX16" y="connsiteY16"/>
+                </a:cxn>
+              </a:cxnLst>
+              <a:rect l="l" t="t" r="r" b="b"/>
+              <a:pathLst>
+                <a:path w="171515" h="171515">
+                  <a:moveTo>
+                    <a:pt x="159874" y="74116"/>
+                  </a:moveTo>
+                  <a:lnTo>
+                    <a:pt x="97399" y="74116"/>
+                  </a:lnTo>
+                  <a:lnTo>
+                    <a:pt x="97399" y="11641"/>
+                  </a:lnTo>
+                  <a:cubicBezTo>
+                    <a:pt x="97399" y="5212"/>
+                    <a:pt x="92187" y="0"/>
+                    <a:pt x="85758" y="0"/>
+                  </a:cubicBezTo>
+                  <a:cubicBezTo>
+                    <a:pt x="79328" y="0"/>
+                    <a:pt x="74116" y="5212"/>
+                    <a:pt x="74116" y="11641"/>
+                  </a:cubicBezTo>
+                  <a:lnTo>
+                    <a:pt x="74116" y="74116"/>
+                  </a:lnTo>
+                  <a:lnTo>
+                    <a:pt x="11641" y="74116"/>
+                  </a:lnTo>
+                  <a:cubicBezTo>
+                    <a:pt x="5212" y="74116"/>
+                    <a:pt x="0" y="79328"/>
+                    <a:pt x="0" y="85758"/>
+                  </a:cubicBezTo>
+                  <a:cubicBezTo>
+                    <a:pt x="0" y="92187"/>
+                    <a:pt x="5212" y="97399"/>
+                    <a:pt x="11641" y="97399"/>
+                  </a:cubicBezTo>
+                  <a:lnTo>
+                    <a:pt x="74116" y="97399"/>
+                  </a:lnTo>
+                  <a:lnTo>
+                    <a:pt x="74116" y="159874"/>
+                  </a:lnTo>
+                  <a:cubicBezTo>
+                    <a:pt x="74116" y="166303"/>
+                    <a:pt x="79328" y="171515"/>
+                    <a:pt x="85758" y="171515"/>
+                  </a:cubicBezTo>
+                  <a:cubicBezTo>
+                    <a:pt x="92187" y="171515"/>
+                    <a:pt x="97399" y="166303"/>
+                    <a:pt x="97399" y="159874"/>
+                  </a:cubicBezTo>
+                  <a:lnTo>
+                    <a:pt x="97399" y="97399"/>
+                  </a:lnTo>
+                  <a:lnTo>
+                    <a:pt x="159874" y="97399"/>
+                  </a:lnTo>
+                  <a:cubicBezTo>
+                    <a:pt x="166303" y="97399"/>
+                    <a:pt x="171515" y="92187"/>
+                    <a:pt x="171515" y="85758"/>
+                  </a:cubicBezTo>
+                  <a:cubicBezTo>
+                    <a:pt x="171515" y="79328"/>
+                    <a:pt x="166303" y="74116"/>
+                    <a:pt x="159874" y="74116"/>
+                  </a:cubicBezTo>
+                  <a:close/>
+                </a:path>
+              </a:pathLst>
+            </a:custGeom>
+            <a:grpFill/>
+            <a:ln w="776" cap="flat">
+              <a:noFill/>
+              <a:prstDash val="solid"/>
+              <a:miter/>
+            </a:ln>
+          </p:spPr>
+          <p:txBody>
+            <a:bodyPr rtlCol="0" anchor="ctr"/>
+            <a:lstStyle/>
+            <a:p>
+              <a:endParaRPr lang="en-US"/>
+            </a:p>
+          </p:txBody>
+        </p:sp>
+        <p:sp>
+          <p:nvSpPr>
+            <p:cNvPr id="14" name="Graphic 10">
+              <a:extLst>
+                <a:ext uri="{FF2B5EF4-FFF2-40B4-BE49-F238E27FC236}">
+                  <a16:creationId xmlns:a16="http://schemas.microsoft.com/office/drawing/2014/main" id="{E3020543-B24B-4EC4-8FFC-8DD88EEA91A8}"/>
+                </a:ext>
+                <a:ext uri="{C183D7F6-B498-43B3-948B-1728B52AA6E4}">
+                  <adec:decorative xmlns:adec="http://schemas.microsoft.com/office/drawing/2017/decorative" val="1"/>
+                </a:ext>
+              </a:extLst>
+            </p:cNvPr>
+            <p:cNvSpPr/>
+            <p:nvPr>
+              <p:extLst>
+                <p:ext uri="{386F3935-93C4-4BCD-93E2-E3B085C9AB24}">
+                  <p16:designElem xmlns:p16="http://schemas.microsoft.com/office/powerpoint/2015/main" val="1"/>
+                </p:ext>
+              </p:extLst>
+            </p:nvPr>
+          </p:nvSpPr>
+          <p:spPr>
+            <a:xfrm>
+              <a:off x="1075643" y="837005"/>
+              <a:ext cx="112426" cy="112426"/>
+            </a:xfrm>
+            <a:custGeom>
+              <a:avLst/>
+              <a:gdLst>
+                <a:gd name="connsiteX0" fmla="*/ 112426 w 112426"/>
+                <a:gd name="connsiteY0" fmla="*/ 56213 h 112426"/>
+                <a:gd name="connsiteX1" fmla="*/ 56213 w 112426"/>
+                <a:gd name="connsiteY1" fmla="*/ 112426 h 112426"/>
+                <a:gd name="connsiteX2" fmla="*/ 0 w 112426"/>
+                <a:gd name="connsiteY2" fmla="*/ 56213 h 112426"/>
+                <a:gd name="connsiteX3" fmla="*/ 56213 w 112426"/>
+                <a:gd name="connsiteY3" fmla="*/ 0 h 112426"/>
+                <a:gd name="connsiteX4" fmla="*/ 112426 w 112426"/>
+                <a:gd name="connsiteY4" fmla="*/ 56213 h 112426"/>
+              </a:gdLst>
+              <a:ahLst/>
+              <a:cxnLst>
+                <a:cxn ang="0">
+                  <a:pos x="connsiteX0" y="connsiteY0"/>
+                </a:cxn>
+                <a:cxn ang="0">
+                  <a:pos x="connsiteX1" y="connsiteY1"/>
+                </a:cxn>
+                <a:cxn ang="0">
+                  <a:pos x="connsiteX2" y="connsiteY2"/>
+                </a:cxn>
+                <a:cxn ang="0">
+                  <a:pos x="connsiteX3" y="connsiteY3"/>
+                </a:cxn>
+                <a:cxn ang="0">
+                  <a:pos x="connsiteX4" y="connsiteY4"/>
+                </a:cxn>
+              </a:cxnLst>
+              <a:rect l="l" t="t" r="r" b="b"/>
+              <a:pathLst>
+                <a:path w="112426" h="112426">
+                  <a:moveTo>
+                    <a:pt x="112426" y="56213"/>
+                  </a:moveTo>
+                  <a:cubicBezTo>
+                    <a:pt x="112426" y="87259"/>
+                    <a:pt x="87259" y="112426"/>
+                    <a:pt x="56213" y="112426"/>
+                  </a:cubicBezTo>
+                  <a:cubicBezTo>
+                    <a:pt x="25167" y="112426"/>
+                    <a:pt x="0" y="87259"/>
+                    <a:pt x="0" y="56213"/>
+                  </a:cubicBezTo>
+                  <a:cubicBezTo>
+                    <a:pt x="0" y="25167"/>
+                    <a:pt x="25167" y="0"/>
+                    <a:pt x="56213" y="0"/>
+                  </a:cubicBezTo>
+                  <a:cubicBezTo>
+                    <a:pt x="87259" y="0"/>
+                    <a:pt x="112426" y="25167"/>
+                    <a:pt x="112426" y="56213"/>
+                  </a:cubicBezTo>
+                  <a:close/>
+                </a:path>
+              </a:pathLst>
+            </a:custGeom>
+            <a:grpFill/>
+            <a:ln w="516" cap="flat">
+              <a:noFill/>
+              <a:prstDash val="solid"/>
+              <a:miter/>
+            </a:ln>
+          </p:spPr>
+          <p:txBody>
+            <a:bodyPr rtlCol="0" anchor="ctr"/>
+            <a:lstStyle/>
+            <a:p>
+              <a:endParaRPr lang="en-US"/>
+            </a:p>
+          </p:txBody>
+        </p:sp>
+        <p:sp>
+          <p:nvSpPr>
+            <p:cNvPr id="15" name="Graphic 12">
+              <a:extLst>
+                <a:ext uri="{FF2B5EF4-FFF2-40B4-BE49-F238E27FC236}">
+                  <a16:creationId xmlns:a16="http://schemas.microsoft.com/office/drawing/2014/main" id="{1453BF6C-B012-48B7-B4E8-6D7AC7C27D02}"/>
+                </a:ext>
+                <a:ext uri="{C183D7F6-B498-43B3-948B-1728B52AA6E4}">
+                  <adec:decorative xmlns:adec="http://schemas.microsoft.com/office/drawing/2017/decorative" val="1"/>
+                </a:ext>
+              </a:extLst>
+            </p:cNvPr>
+            <p:cNvSpPr/>
+            <p:nvPr>
+              <p:extLst>
+                <p:ext uri="{386F3935-93C4-4BCD-93E2-E3B085C9AB24}">
+                  <p16:designElem xmlns:p16="http://schemas.microsoft.com/office/powerpoint/2015/main" val="1"/>
+                </p:ext>
+              </p:extLst>
+            </p:nvPr>
+          </p:nvSpPr>
+          <p:spPr>
+            <a:xfrm>
+              <a:off x="613892" y="1472473"/>
+              <a:ext cx="157545" cy="157545"/>
+            </a:xfrm>
+            <a:custGeom>
+              <a:avLst/>
+              <a:gdLst>
+                <a:gd name="connsiteX0" fmla="*/ 78773 w 157545"/>
+                <a:gd name="connsiteY0" fmla="*/ 23283 h 157545"/>
+                <a:gd name="connsiteX1" fmla="*/ 134262 w 157545"/>
+                <a:gd name="connsiteY1" fmla="*/ 78773 h 157545"/>
+                <a:gd name="connsiteX2" fmla="*/ 78773 w 157545"/>
+                <a:gd name="connsiteY2" fmla="*/ 134262 h 157545"/>
+                <a:gd name="connsiteX3" fmla="*/ 23283 w 157545"/>
+                <a:gd name="connsiteY3" fmla="*/ 78773 h 157545"/>
+                <a:gd name="connsiteX4" fmla="*/ 78773 w 157545"/>
+                <a:gd name="connsiteY4" fmla="*/ 23283 h 157545"/>
+                <a:gd name="connsiteX5" fmla="*/ 78773 w 157545"/>
+                <a:gd name="connsiteY5" fmla="*/ 0 h 157545"/>
+                <a:gd name="connsiteX6" fmla="*/ 0 w 157545"/>
+                <a:gd name="connsiteY6" fmla="*/ 78773 h 157545"/>
+                <a:gd name="connsiteX7" fmla="*/ 78773 w 157545"/>
+                <a:gd name="connsiteY7" fmla="*/ 157545 h 157545"/>
+                <a:gd name="connsiteX8" fmla="*/ 157545 w 157545"/>
+                <a:gd name="connsiteY8" fmla="*/ 78773 h 157545"/>
+                <a:gd name="connsiteX9" fmla="*/ 78773 w 157545"/>
+                <a:gd name="connsiteY9" fmla="*/ 0 h 157545"/>
+              </a:gdLst>
+              <a:ahLst/>
+              <a:cxnLst>
+                <a:cxn ang="0">
+                  <a:pos x="connsiteX0" y="connsiteY0"/>
+                </a:cxn>
+                <a:cxn ang="0">
+                  <a:pos x="connsiteX1" y="connsiteY1"/>
+                </a:cxn>
+                <a:cxn ang="0">
+                  <a:pos x="connsiteX2" y="connsiteY2"/>
+                </a:cxn>
+                <a:cxn ang="0">
+                  <a:pos x="connsiteX3" y="connsiteY3"/>
+                </a:cxn>
+                <a:cxn ang="0">
+                  <a:pos x="connsiteX4" y="connsiteY4"/>
+                </a:cxn>
+                <a:cxn ang="0">
+                  <a:pos x="connsiteX5" y="connsiteY5"/>
+                </a:cxn>
+                <a:cxn ang="0">
+                  <a:pos x="connsiteX6" y="connsiteY6"/>
+                </a:cxn>
+                <a:cxn ang="0">
+                  <a:pos x="connsiteX7" y="connsiteY7"/>
+                </a:cxn>
+                <a:cxn ang="0">
+                  <a:pos x="connsiteX8" y="connsiteY8"/>
+                </a:cxn>
+                <a:cxn ang="0">
+                  <a:pos x="connsiteX9" y="connsiteY9"/>
+                </a:cxn>
+              </a:cxnLst>
+              <a:rect l="l" t="t" r="r" b="b"/>
+              <a:pathLst>
+                <a:path w="157545" h="157545">
+                  <a:moveTo>
+                    <a:pt x="78773" y="23283"/>
+                  </a:moveTo>
+                  <a:cubicBezTo>
+                    <a:pt x="109419" y="23283"/>
+                    <a:pt x="134262" y="48126"/>
+                    <a:pt x="134262" y="78773"/>
+                  </a:cubicBezTo>
+                  <a:cubicBezTo>
+                    <a:pt x="134262" y="109419"/>
+                    <a:pt x="109419" y="134262"/>
+                    <a:pt x="78773" y="134262"/>
+                  </a:cubicBezTo>
+                  <a:cubicBezTo>
+                    <a:pt x="48126" y="134262"/>
+                    <a:pt x="23283" y="109419"/>
+                    <a:pt x="23283" y="78773"/>
+                  </a:cubicBezTo>
+                  <a:cubicBezTo>
+                    <a:pt x="23312" y="48139"/>
+                    <a:pt x="48139" y="23312"/>
+                    <a:pt x="78773" y="23283"/>
+                  </a:cubicBezTo>
+                  <a:moveTo>
+                    <a:pt x="78773" y="0"/>
+                  </a:moveTo>
+                  <a:cubicBezTo>
+                    <a:pt x="35268" y="0"/>
+                    <a:pt x="0" y="35268"/>
+                    <a:pt x="0" y="78773"/>
+                  </a:cubicBezTo>
+                  <a:cubicBezTo>
+                    <a:pt x="0" y="122277"/>
+                    <a:pt x="35268" y="157545"/>
+                    <a:pt x="78773" y="157545"/>
+                  </a:cubicBezTo>
+                  <a:cubicBezTo>
+                    <a:pt x="122277" y="157545"/>
+                    <a:pt x="157545" y="122277"/>
+                    <a:pt x="157545" y="78773"/>
+                  </a:cubicBezTo>
+                  <a:cubicBezTo>
+                    <a:pt x="157545" y="35268"/>
+                    <a:pt x="122277" y="0"/>
+                    <a:pt x="78773" y="0"/>
+                  </a:cubicBezTo>
+                  <a:close/>
+                </a:path>
+              </a:pathLst>
+            </a:custGeom>
+            <a:grpFill/>
+            <a:ln w="751" cap="flat">
+              <a:noFill/>
+              <a:prstDash val="solid"/>
+              <a:miter/>
+            </a:ln>
+          </p:spPr>
+          <p:txBody>
+            <a:bodyPr rtlCol="0" anchor="ctr"/>
+            <a:lstStyle/>
+            <a:p>
+              <a:endParaRPr lang="en-US"/>
+            </a:p>
+          </p:txBody>
+        </p:sp>
+      </p:grpSp>
       <p:sp>
         <p:nvSpPr>
           <p:cNvPr id="3" name="Tijdelijke aanduiding voor inhoud 2">
@@ -4942,15 +10050,90 @@
             <p:ph idx="1"/>
           </p:nvPr>
         </p:nvSpPr>
-        <p:spPr/>
-        <p:txBody>
-          <a:bodyPr/>
+        <p:spPr>
+          <a:xfrm>
+            <a:off x="6297233" y="518400"/>
+            <a:ext cx="4771607" cy="5837949"/>
+          </a:xfrm>
+        </p:spPr>
+        <p:txBody>
+          <a:bodyPr anchor="ctr">
+            <a:normAutofit/>
+          </a:bodyPr>
           <a:lstStyle/>
           <a:p>
-            <a:endParaRPr lang="nl-NL"/>
-          </a:p>
-        </p:txBody>
-      </p:sp>
+            <a:endParaRPr lang="nl-NL" sz="2000">
+              <a:solidFill>
+                <a:schemeClr val="tx1">
+                  <a:alpha val="80000"/>
+                </a:schemeClr>
+              </a:solidFill>
+            </a:endParaRPr>
+          </a:p>
+        </p:txBody>
+      </p:sp>
+      <p:cxnSp>
+        <p:nvCxnSpPr>
+          <p:cNvPr id="17" name="Straight Connector 16">
+            <a:extLst>
+              <a:ext uri="{FF2B5EF4-FFF2-40B4-BE49-F238E27FC236}">
+                <a16:creationId xmlns:a16="http://schemas.microsoft.com/office/drawing/2014/main" id="{C49DA8F6-BCC1-4447-B54C-57856834B94B}"/>
+              </a:ext>
+              <a:ext uri="{C183D7F6-B498-43B3-948B-1728B52AA6E4}">
+                <adec:decorative xmlns:adec="http://schemas.microsoft.com/office/drawing/2017/decorative" val="1"/>
+              </a:ext>
+            </a:extLst>
+          </p:cNvPr>
+          <p:cNvCxnSpPr>
+            <a:cxnSpLocks noGrp="1" noRot="1" noChangeAspect="1" noMove="1" noResize="1" noEditPoints="1" noAdjustHandles="1" noChangeArrowheads="1" noChangeShapeType="1"/>
+          </p:cNvCxnSpPr>
+          <p:nvPr>
+            <p:extLst>
+              <p:ext uri="{386F3935-93C4-4BCD-93E2-E3B085C9AB24}">
+                <p16:designElem xmlns:p16="http://schemas.microsoft.com/office/powerpoint/2015/main" val="1"/>
+              </p:ext>
+            </p:extLst>
+          </p:nvPr>
+        </p:nvCxnSpPr>
+        <p:spPr>
+          <a:xfrm>
+            <a:off x="11586162" y="3610394"/>
+            <a:ext cx="0" cy="3238728"/>
+          </a:xfrm>
+          <a:prstGeom prst="line">
+            <a:avLst/>
+          </a:prstGeom>
+          <a:ln w="25400" cap="sq">
+            <a:gradFill flip="none" rotWithShape="1">
+              <a:gsLst>
+                <a:gs pos="0">
+                  <a:schemeClr val="accent1"/>
+                </a:gs>
+                <a:gs pos="100000">
+                  <a:schemeClr val="accent2"/>
+                </a:gs>
+              </a:gsLst>
+              <a:lin ang="5400000" scaled="0"/>
+              <a:tileRect/>
+            </a:gradFill>
+            <a:bevel/>
+          </a:ln>
+        </p:spPr>
+        <p:style>
+          <a:lnRef idx="1">
+            <a:schemeClr val="accent1"/>
+          </a:lnRef>
+          <a:fillRef idx="0">
+            <a:schemeClr val="accent1"/>
+          </a:fillRef>
+          <a:effectRef idx="0">
+            <a:schemeClr val="accent1"/>
+          </a:effectRef>
+          <a:fontRef idx="minor">
+            <a:schemeClr val="tx1"/>
+          </a:fontRef>
+        </p:style>
+      </p:cxnSp>
     </p:spTree>
     <p:extLst>
       <p:ext uri="{BB962C8B-B14F-4D97-AF65-F5344CB8AC3E}">
@@ -4965,9 +10148,9 @@
 </file>
 
 <file path=ppt/theme/theme1.xml><?xml version="1.0" encoding="utf-8"?>
-<a:theme xmlns:a="http://schemas.openxmlformats.org/drawingml/2006/main" name="Galerie">
+<a:theme xmlns:a="http://schemas.openxmlformats.org/drawingml/2006/main" name="Kantoorthema">
   <a:themeElements>
-    <a:clrScheme name="Galerie">
+    <a:clrScheme name="Office">
       <a:dk1>
         <a:sysClr val="windowText" lastClr="000000"/>
       </a:dk1>
@@ -4975,39 +10158,39 @@
         <a:sysClr val="window" lastClr="FFFFFF"/>
       </a:lt1>
       <a:dk2>
-        <a:srgbClr val="454545"/>
+        <a:srgbClr val="0E2841"/>
       </a:dk2>
       <a:lt2>
-        <a:srgbClr val="DFDBD5"/>
+        <a:srgbClr val="E8E8E8"/>
       </a:lt2>
       <a:accent1>
-        <a:srgbClr val="B71E42"/>
+        <a:srgbClr val="156082"/>
       </a:accent1>
       <a:accent2>
-        <a:srgbClr val="DE478E"/>
+        <a:srgbClr val="E97132"/>
       </a:accent2>
       <a:accent3>
-        <a:srgbClr val="BC72F0"/>
+        <a:srgbClr val="196B24"/>
       </a:accent3>
       <a:accent4>
-        <a:srgbClr val="795FAF"/>
+        <a:srgbClr val="0F9ED5"/>
       </a:accent4>
       <a:accent5>
-        <a:srgbClr val="586EA6"/>
+        <a:srgbClr val="A02B93"/>
       </a:accent5>
       <a:accent6>
-        <a:srgbClr val="6892A0"/>
+        <a:srgbClr val="4EA72E"/>
       </a:accent6>
       <a:hlink>
-        <a:srgbClr val="FA2B5C"/>
+        <a:srgbClr val="467886"/>
       </a:hlink>
       <a:folHlink>
-        <a:srgbClr val="BC658E"/>
+        <a:srgbClr val="96607D"/>
       </a:folHlink>
     </a:clrScheme>
-    <a:fontScheme name="Galerie">
+    <a:fontScheme name="Office">
       <a:majorFont>
-        <a:latin typeface="Gill Sans MT" panose="020B0502020104020203"/>
+        <a:latin typeface="Aptos Display" panose="02110004020202020204"/>
         <a:ea typeface=""/>
         <a:cs typeface=""/>
         <a:font script="Jpan" typeface="游ゴシック Light"/>
@@ -5040,9 +10223,26 @@
         <a:font script="Viet" typeface="Times New Roman"/>
         <a:font script="Uigh" typeface="Microsoft Uighur"/>
         <a:font script="Geor" typeface="Sylfaen"/>
+        <a:font script="Armn" typeface="Arial"/>
+        <a:font script="Bugi" typeface="Leelawadee UI"/>
+        <a:font script="Bopo" typeface="Microsoft JhengHei"/>
+        <a:font script="Java" typeface="Javanese Text"/>
+        <a:font script="Lisu" typeface="Segoe UI"/>
+        <a:font script="Mymr" typeface="Myanmar Text"/>
+        <a:font script="Nkoo" typeface="Ebrima"/>
+        <a:font script="Olck" typeface="Nirmala UI"/>
+        <a:font script="Osma" typeface="Ebrima"/>
+        <a:font script="Phag" typeface="Phagspa"/>
+        <a:font script="Syrn" typeface="Estrangelo Edessa"/>
+        <a:font script="Syrj" typeface="Estrangelo Edessa"/>
+        <a:font script="Syre" typeface="Estrangelo Edessa"/>
+        <a:font script="Sora" typeface="Nirmala UI"/>
+        <a:font script="Tale" typeface="Microsoft Tai Le"/>
+        <a:font script="Talu" typeface="Microsoft New Tai Lue"/>
+        <a:font script="Tfng" typeface="Ebrima"/>
       </a:majorFont>
       <a:minorFont>
-        <a:latin typeface="Gill Sans MT" panose="020B0502020104020203"/>
+        <a:latin typeface="Aptos" panose="02110004020202020204"/>
         <a:ea typeface=""/>
         <a:cs typeface=""/>
         <a:font script="Jpan" typeface="游ゴシック"/>
@@ -5075,9 +10275,26 @@
         <a:font script="Viet" typeface="Arial"/>
         <a:font script="Uigh" typeface="Microsoft Uighur"/>
         <a:font script="Geor" typeface="Sylfaen"/>
+        <a:font script="Armn" typeface="Arial"/>
+        <a:font script="Bugi" typeface="Leelawadee UI"/>
+        <a:font script="Bopo" typeface="Microsoft JhengHei"/>
+        <a:font script="Java" typeface="Javanese Text"/>
+        <a:font script="Lisu" typeface="Segoe UI"/>
+        <a:font script="Mymr" typeface="Myanmar Text"/>
+        <a:font script="Nkoo" typeface="Ebrima"/>
+        <a:font script="Olck" typeface="Nirmala UI"/>
+        <a:font script="Osma" typeface="Ebrima"/>
+        <a:font script="Phag" typeface="Phagspa"/>
+        <a:font script="Syrn" typeface="Estrangelo Edessa"/>
+        <a:font script="Syrj" typeface="Estrangelo Edessa"/>
+        <a:font script="Syre" typeface="Estrangelo Edessa"/>
+        <a:font script="Sora" typeface="Nirmala UI"/>
+        <a:font script="Tale" typeface="Microsoft Tai Le"/>
+        <a:font script="Talu" typeface="Microsoft New Tai Lue"/>
+        <a:font script="Tfng" typeface="Ebrima"/>
       </a:minorFont>
     </a:fontScheme>
-    <a:fmtScheme name="Galerie">
+    <a:fmtScheme name="Office">
       <a:fillStyleLst>
         <a:solidFill>
           <a:schemeClr val="phClr"/>
@@ -5086,18 +10303,23 @@
           <a:gsLst>
             <a:gs pos="0">
               <a:schemeClr val="phClr">
-                <a:tint val="54000"/>
-                <a:alpha val="100000"/>
+                <a:lumMod val="110000"/>
                 <a:satMod val="105000"/>
-                <a:lumMod val="110000"/>
+                <a:tint val="67000"/>
+              </a:schemeClr>
+            </a:gs>
+            <a:gs pos="50000">
+              <a:schemeClr val="phClr">
+                <a:lumMod val="105000"/>
+                <a:satMod val="103000"/>
+                <a:tint val="73000"/>
               </a:schemeClr>
             </a:gs>
             <a:gs pos="100000">
               <a:schemeClr val="phClr">
-                <a:tint val="78000"/>
-                <a:alpha val="92000"/>
+                <a:lumMod val="105000"/>
                 <a:satMod val="109000"/>
-                <a:lumMod val="100000"/>
+                <a:tint val="81000"/>
               </a:schemeClr>
             </a:gs>
           </a:gsLst>
@@ -5107,23 +10329,23 @@
           <a:gsLst>
             <a:gs pos="0">
               <a:schemeClr val="phClr">
-                <a:tint val="98000"/>
-                <a:satMod val="110000"/>
-                <a:lumMod val="104000"/>
+                <a:satMod val="103000"/>
+                <a:lumMod val="102000"/>
+                <a:tint val="94000"/>
               </a:schemeClr>
             </a:gs>
-            <a:gs pos="69000">
+            <a:gs pos="50000">
               <a:schemeClr val="phClr">
-                <a:shade val="88000"/>
-                <a:satMod val="130000"/>
-                <a:lumMod val="92000"/>
+                <a:satMod val="110000"/>
+                <a:lumMod val="100000"/>
+                <a:shade val="100000"/>
               </a:schemeClr>
             </a:gs>
             <a:gs pos="100000">
               <a:schemeClr val="phClr">
+                <a:lumMod val="99000"/>
+                <a:satMod val="120000"/>
                 <a:shade val="78000"/>
-                <a:satMod val="130000"/>
-                <a:lumMod val="92000"/>
               </a:schemeClr>
             </a:gs>
           </a:gsLst>
@@ -5131,23 +10353,26 @@
         </a:gradFill>
       </a:fillStyleLst>
       <a:lnStyleLst>
-        <a:ln w="9525" cap="flat" cmpd="sng" algn="ctr">
+        <a:ln w="12700" cap="flat" cmpd="sng" algn="ctr">
           <a:solidFill>
             <a:schemeClr val="phClr"/>
           </a:solidFill>
           <a:prstDash val="solid"/>
+          <a:miter lim="800000"/>
         </a:ln>
-        <a:ln w="15875" cap="flat" cmpd="sng" algn="ctr">
+        <a:ln w="19050" cap="flat" cmpd="sng" algn="ctr">
           <a:solidFill>
             <a:schemeClr val="phClr"/>
           </a:solidFill>
           <a:prstDash val="solid"/>
+          <a:miter lim="800000"/>
         </a:ln>
-        <a:ln w="22225" cap="flat" cmpd="sng" algn="ctr">
+        <a:ln w="25400" cap="flat" cmpd="sng" algn="ctr">
           <a:solidFill>
             <a:schemeClr val="phClr"/>
           </a:solidFill>
           <a:prstDash val="solid"/>
+          <a:miter lim="800000"/>
         </a:ln>
       </a:lnStyleLst>
       <a:effectStyleLst>
@@ -5159,23 +10384,12 @@
         </a:effectStyle>
         <a:effectStyle>
           <a:effectLst>
-            <a:outerShdw blurRad="50800" dist="50800" dir="5400000" sx="96000" sy="96000" rotWithShape="0">
+            <a:outerShdw blurRad="57150" dist="19050" dir="5400000" algn="ctr" rotWithShape="0">
               <a:srgbClr val="000000">
-                <a:alpha val="48000"/>
+                <a:alpha val="63000"/>
               </a:srgbClr>
             </a:outerShdw>
           </a:effectLst>
-          <a:scene3d>
-            <a:camera prst="orthographicFront">
-              <a:rot lat="0" lon="0" rev="0"/>
-            </a:camera>
-            <a:lightRig rig="balanced" dir="t">
-              <a:rot lat="0" lon="0" rev="1080000"/>
-            </a:lightRig>
-          </a:scene3d>
-          <a:sp3d>
-            <a:bevelT w="38100" h="12700" prst="softRound"/>
-          </a:sp3d>
         </a:effectStyle>
       </a:effectStyleLst>
       <a:bgFillStyleLst>
@@ -5183,35 +10397,66 @@
           <a:schemeClr val="phClr"/>
         </a:solidFill>
         <a:solidFill>
-          <a:schemeClr val="phClr"/>
+          <a:schemeClr val="phClr">
+            <a:tint val="95000"/>
+            <a:satMod val="170000"/>
+          </a:schemeClr>
         </a:solidFill>
         <a:gradFill rotWithShape="1">
           <a:gsLst>
             <a:gs pos="0">
               <a:schemeClr val="phClr">
-                <a:tint val="94000"/>
-                <a:satMod val="80000"/>
-                <a:lumMod val="106000"/>
+                <a:tint val="93000"/>
+                <a:satMod val="150000"/>
+                <a:shade val="98000"/>
+                <a:lumMod val="102000"/>
+              </a:schemeClr>
+            </a:gs>
+            <a:gs pos="50000">
+              <a:schemeClr val="phClr">
+                <a:tint val="98000"/>
+                <a:satMod val="130000"/>
+                <a:shade val="90000"/>
+                <a:lumMod val="103000"/>
               </a:schemeClr>
             </a:gs>
             <a:gs pos="100000">
               <a:schemeClr val="phClr">
-                <a:shade val="80000"/>
+                <a:shade val="63000"/>
+                <a:satMod val="120000"/>
               </a:schemeClr>
             </a:gs>
           </a:gsLst>
-          <a:path path="circle">
-            <a:fillToRect l="43000" r="43000" b="100000"/>
-          </a:path>
+          <a:lin ang="5400000" scaled="0"/>
         </a:gradFill>
       </a:bgFillStyleLst>
     </a:fmtScheme>
   </a:themeElements>
-  <a:objectDefaults/>
+  <a:objectDefaults>
+    <a:lnDef>
+      <a:spPr/>
+      <a:bodyPr/>
+      <a:lstStyle/>
+      <a:style>
+        <a:lnRef idx="2">
+          <a:schemeClr val="accent1"/>
+        </a:lnRef>
+        <a:fillRef idx="0">
+          <a:schemeClr val="accent1"/>
+        </a:fillRef>
+        <a:effectRef idx="1">
+          <a:schemeClr val="accent1"/>
+        </a:effectRef>
+        <a:fontRef idx="minor">
+          <a:schemeClr val="tx1"/>
+        </a:fontRef>
+      </a:style>
+    </a:lnDef>
+  </a:objectDefaults>
   <a:extraClrSchemeLst/>
   <a:extLst>
     <a:ext uri="{05A4C25C-085E-4340-85A3-A5531E510DB2}">
-      <thm15:themeFamily xmlns:thm15="http://schemas.microsoft.com/office/thememl/2012/main" name="Gallery" id="{BBFCD31E-59A1-489D-B089-A3EAD7CAE12E}" vid="{F5E91637-A7B6-4E27-B710-77DA7014EE1E}"/>
+      <thm15:themeFamily xmlns:thm15="http://schemas.microsoft.com/office/thememl/2012/main" name="Office Theme" id="{2E142A2C-CD16-42D6-873A-C26D2A0506FA}" vid="{1BDDFF52-6CD6-40A5-AB3C-68EB2F1E4D0A}"/>
     </a:ext>
   </a:extLst>
 </a:theme>

--- a/groepsdocumenten/Presentatie - BKS.pptx
+++ b/groepsdocumenten/Presentatie - BKS.pptx
@@ -5,16 +5,17 @@
     <p:sldMasterId id="2147483672" r:id="rId1"/>
   </p:sldMasterIdLst>
   <p:notesMasterIdLst>
-    <p:notesMasterId r:id="rId9"/>
+    <p:notesMasterId r:id="rId10"/>
   </p:notesMasterIdLst>
   <p:sldIdLst>
     <p:sldId id="256" r:id="rId2"/>
     <p:sldId id="257" r:id="rId3"/>
-    <p:sldId id="262" r:id="rId4"/>
-    <p:sldId id="259" r:id="rId5"/>
-    <p:sldId id="258" r:id="rId6"/>
+    <p:sldId id="263" r:id="rId4"/>
+    <p:sldId id="258" r:id="rId5"/>
+    <p:sldId id="262" r:id="rId6"/>
     <p:sldId id="261" r:id="rId7"/>
-    <p:sldId id="260" r:id="rId8"/>
+    <p:sldId id="259" r:id="rId8"/>
+    <p:sldId id="264" r:id="rId9"/>
   </p:sldIdLst>
   <p:sldSz cx="12192000" cy="6858000"/>
   <p:notesSz cx="6858000" cy="9144000"/>
@@ -732,10 +733,24 @@
           <a:bodyPr/>
           <a:lstStyle/>
           <a:p>
-            <a:r>
-              <a:rPr lang="nl-NL" dirty="0"/>
-              <a:t>Zijn er nog vragen voordat we beginnen met de demonstratie?</a:t>
-            </a:r>
+            <a:pPr marL="0" marR="0" lvl="0" indent="0" algn="l" defTabSz="914400" rtl="0" eaLnBrk="1" fontAlgn="auto" latinLnBrk="0" hangingPunct="1">
+              <a:lnSpc>
+                <a:spcPct val="100000"/>
+              </a:lnSpc>
+              <a:spcBef>
+                <a:spcPts val="0"/>
+              </a:spcBef>
+              <a:spcAft>
+                <a:spcPts val="0"/>
+              </a:spcAft>
+              <a:buClrTx/>
+              <a:buSzTx/>
+              <a:buFontTx/>
+              <a:buNone/>
+              <a:tabLst/>
+              <a:defRPr/>
+            </a:pPr>
+            <a:endParaRPr lang="nl-NL" dirty="0"/>
           </a:p>
         </p:txBody>
       </p:sp>
@@ -756,7 +771,7 @@
           <a:p>
             <a:fld id="{DA6312A7-78B6-4FD8-A511-D49FA668EDB3}" type="slidenum">
               <a:rPr lang="nl-NL" smtClean="0"/>
-              <a:t>4</a:t>
+              <a:t>3</a:t>
             </a:fld>
             <a:endParaRPr lang="nl-NL"/>
           </a:p>
@@ -765,7 +780,7 @@
     </p:spTree>
     <p:extLst>
       <p:ext uri="{BB962C8B-B14F-4D97-AF65-F5344CB8AC3E}">
-        <p14:creationId xmlns:p14="http://schemas.microsoft.com/office/powerpoint/2010/main" val="3803834907"/>
+        <p14:creationId xmlns:p14="http://schemas.microsoft.com/office/powerpoint/2010/main" val="2654833109"/>
       </p:ext>
     </p:extLst>
   </p:cSld>
@@ -860,7 +875,7 @@
           <a:p>
             <a:fld id="{DA6312A7-78B6-4FD8-A511-D49FA668EDB3}" type="slidenum">
               <a:rPr lang="nl-NL" smtClean="0"/>
-              <a:t>5</a:t>
+              <a:t>4</a:t>
             </a:fld>
             <a:endParaRPr lang="nl-NL"/>
           </a:p>
@@ -870,6 +885,180 @@
     <p:extLst>
       <p:ext uri="{BB962C8B-B14F-4D97-AF65-F5344CB8AC3E}">
         <p14:creationId xmlns:p14="http://schemas.microsoft.com/office/powerpoint/2010/main" val="3806585433"/>
+      </p:ext>
+    </p:extLst>
+  </p:cSld>
+  <p:clrMapOvr>
+    <a:masterClrMapping/>
+  </p:clrMapOvr>
+</p:notes>
+</file>
+
+<file path=ppt/notesSlides/notesSlide5.xml><?xml version="1.0" encoding="utf-8"?>
+<p:notes xmlns:a="http://schemas.openxmlformats.org/drawingml/2006/main" xmlns:r="http://schemas.openxmlformats.org/officeDocument/2006/relationships" xmlns:p="http://schemas.openxmlformats.org/presentationml/2006/main">
+  <p:cSld>
+    <p:spTree>
+      <p:nvGrpSpPr>
+        <p:cNvPr id="1" name=""/>
+        <p:cNvGrpSpPr/>
+        <p:nvPr/>
+      </p:nvGrpSpPr>
+      <p:grpSpPr>
+        <a:xfrm>
+          <a:off x="0" y="0"/>
+          <a:ext cx="0" cy="0"/>
+          <a:chOff x="0" y="0"/>
+          <a:chExt cx="0" cy="0"/>
+        </a:xfrm>
+      </p:grpSpPr>
+      <p:sp>
+        <p:nvSpPr>
+          <p:cNvPr id="2" name="Tijdelijke aanduiding voor dia-afbeelding 1"/>
+          <p:cNvSpPr>
+            <a:spLocks noGrp="1" noRot="1" noChangeAspect="1"/>
+          </p:cNvSpPr>
+          <p:nvPr>
+            <p:ph type="sldImg"/>
+          </p:nvPr>
+        </p:nvSpPr>
+        <p:spPr/>
+      </p:sp>
+      <p:sp>
+        <p:nvSpPr>
+          <p:cNvPr id="3" name="Tijdelijke aanduiding voor notities 2"/>
+          <p:cNvSpPr>
+            <a:spLocks noGrp="1"/>
+          </p:cNvSpPr>
+          <p:nvPr>
+            <p:ph type="body" idx="1"/>
+          </p:nvPr>
+        </p:nvSpPr>
+        <p:spPr/>
+        <p:txBody>
+          <a:bodyPr/>
+          <a:lstStyle/>
+          <a:p>
+            <a:r>
+              <a:rPr lang="nl-NL" dirty="0"/>
+              <a:t>Zijn er nog vragen voordat we beginnen met de demonstratie?</a:t>
+            </a:r>
+          </a:p>
+        </p:txBody>
+      </p:sp>
+      <p:sp>
+        <p:nvSpPr>
+          <p:cNvPr id="4" name="Tijdelijke aanduiding voor dianummer 3"/>
+          <p:cNvSpPr>
+            <a:spLocks noGrp="1"/>
+          </p:cNvSpPr>
+          <p:nvPr>
+            <p:ph type="sldNum" sz="quarter" idx="5"/>
+          </p:nvPr>
+        </p:nvSpPr>
+        <p:spPr/>
+        <p:txBody>
+          <a:bodyPr/>
+          <a:lstStyle/>
+          <a:p>
+            <a:fld id="{DA6312A7-78B6-4FD8-A511-D49FA668EDB3}" type="slidenum">
+              <a:rPr lang="nl-NL" smtClean="0"/>
+              <a:t>7</a:t>
+            </a:fld>
+            <a:endParaRPr lang="nl-NL"/>
+          </a:p>
+        </p:txBody>
+      </p:sp>
+    </p:spTree>
+    <p:extLst>
+      <p:ext uri="{BB962C8B-B14F-4D97-AF65-F5344CB8AC3E}">
+        <p14:creationId xmlns:p14="http://schemas.microsoft.com/office/powerpoint/2010/main" val="3803834907"/>
+      </p:ext>
+    </p:extLst>
+  </p:cSld>
+  <p:clrMapOvr>
+    <a:masterClrMapping/>
+  </p:clrMapOvr>
+</p:notes>
+</file>
+
+<file path=ppt/notesSlides/notesSlide6.xml><?xml version="1.0" encoding="utf-8"?>
+<p:notes xmlns:a="http://schemas.openxmlformats.org/drawingml/2006/main" xmlns:r="http://schemas.openxmlformats.org/officeDocument/2006/relationships" xmlns:p="http://schemas.openxmlformats.org/presentationml/2006/main">
+  <p:cSld>
+    <p:spTree>
+      <p:nvGrpSpPr>
+        <p:cNvPr id="1" name=""/>
+        <p:cNvGrpSpPr/>
+        <p:nvPr/>
+      </p:nvGrpSpPr>
+      <p:grpSpPr>
+        <a:xfrm>
+          <a:off x="0" y="0"/>
+          <a:ext cx="0" cy="0"/>
+          <a:chOff x="0" y="0"/>
+          <a:chExt cx="0" cy="0"/>
+        </a:xfrm>
+      </p:grpSpPr>
+      <p:sp>
+        <p:nvSpPr>
+          <p:cNvPr id="2" name="Tijdelijke aanduiding voor dia-afbeelding 1"/>
+          <p:cNvSpPr>
+            <a:spLocks noGrp="1" noRot="1" noChangeAspect="1"/>
+          </p:cNvSpPr>
+          <p:nvPr>
+            <p:ph type="sldImg"/>
+          </p:nvPr>
+        </p:nvSpPr>
+        <p:spPr/>
+      </p:sp>
+      <p:sp>
+        <p:nvSpPr>
+          <p:cNvPr id="3" name="Tijdelijke aanduiding voor notities 2"/>
+          <p:cNvSpPr>
+            <a:spLocks noGrp="1"/>
+          </p:cNvSpPr>
+          <p:nvPr>
+            <p:ph type="body" idx="1"/>
+          </p:nvPr>
+        </p:nvSpPr>
+        <p:spPr/>
+        <p:txBody>
+          <a:bodyPr/>
+          <a:lstStyle/>
+          <a:p>
+            <a:r>
+              <a:rPr lang="nl-NL" dirty="0"/>
+              <a:t>Zijn er nog vragen voordat we beginnen met de demonstratie?</a:t>
+            </a:r>
+          </a:p>
+        </p:txBody>
+      </p:sp>
+      <p:sp>
+        <p:nvSpPr>
+          <p:cNvPr id="4" name="Tijdelijke aanduiding voor dianummer 3"/>
+          <p:cNvSpPr>
+            <a:spLocks noGrp="1"/>
+          </p:cNvSpPr>
+          <p:nvPr>
+            <p:ph type="sldNum" sz="quarter" idx="5"/>
+          </p:nvPr>
+        </p:nvSpPr>
+        <p:spPr/>
+        <p:txBody>
+          <a:bodyPr/>
+          <a:lstStyle/>
+          <a:p>
+            <a:fld id="{DA6312A7-78B6-4FD8-A511-D49FA668EDB3}" type="slidenum">
+              <a:rPr lang="nl-NL" smtClean="0"/>
+              <a:t>8</a:t>
+            </a:fld>
+            <a:endParaRPr lang="nl-NL"/>
+          </a:p>
+        </p:txBody>
+      </p:sp>
+    </p:spTree>
+    <p:extLst>
+      <p:ext uri="{BB962C8B-B14F-4D97-AF65-F5344CB8AC3E}">
+        <p14:creationId xmlns:p14="http://schemas.microsoft.com/office/powerpoint/2010/main" val="1369739150"/>
       </p:ext>
     </p:extLst>
   </p:cSld>
@@ -1096,6 +1285,18 @@
   <p:clrMapOvr>
     <a:masterClrMapping/>
   </p:clrMapOvr>
+  <mc:AlternateContent xmlns:mc="http://schemas.openxmlformats.org/markup-compatibility/2006">
+    <mc:Choice xmlns:p15="http://schemas.microsoft.com/office/powerpoint/2012/main" Requires="p15">
+      <p:transition xmlns:p14="http://schemas.microsoft.com/office/powerpoint/2010/main" spd="slow" p14:dur="1250">
+        <p15:prstTrans prst="pageCurlDouble"/>
+      </p:transition>
+    </mc:Choice>
+    <mc:Fallback>
+      <p:transition spd="slow">
+        <p:fade/>
+      </p:transition>
+    </mc:Fallback>
+  </mc:AlternateContent>
 </p:sldLayout>
 </file>
 
@@ -1294,6 +1495,18 @@
   <p:clrMapOvr>
     <a:masterClrMapping/>
   </p:clrMapOvr>
+  <mc:AlternateContent xmlns:mc="http://schemas.openxmlformats.org/markup-compatibility/2006">
+    <mc:Choice xmlns:p15="http://schemas.microsoft.com/office/powerpoint/2012/main" Requires="p15">
+      <p:transition xmlns:p14="http://schemas.microsoft.com/office/powerpoint/2010/main" spd="slow" p14:dur="1250">
+        <p15:prstTrans prst="pageCurlDouble"/>
+      </p:transition>
+    </mc:Choice>
+    <mc:Fallback>
+      <p:transition spd="slow">
+        <p:fade/>
+      </p:transition>
+    </mc:Fallback>
+  </mc:AlternateContent>
 </p:sldLayout>
 </file>
 
@@ -1502,6 +1715,18 @@
   <p:clrMapOvr>
     <a:masterClrMapping/>
   </p:clrMapOvr>
+  <mc:AlternateContent xmlns:mc="http://schemas.openxmlformats.org/markup-compatibility/2006">
+    <mc:Choice xmlns:p15="http://schemas.microsoft.com/office/powerpoint/2012/main" Requires="p15">
+      <p:transition xmlns:p14="http://schemas.microsoft.com/office/powerpoint/2010/main" spd="slow" p14:dur="1250">
+        <p15:prstTrans prst="pageCurlDouble"/>
+      </p:transition>
+    </mc:Choice>
+    <mc:Fallback>
+      <p:transition spd="slow">
+        <p:fade/>
+      </p:transition>
+    </mc:Fallback>
+  </mc:AlternateContent>
 </p:sldLayout>
 </file>
 
@@ -1700,6 +1925,18 @@
   <p:clrMapOvr>
     <a:masterClrMapping/>
   </p:clrMapOvr>
+  <mc:AlternateContent xmlns:mc="http://schemas.openxmlformats.org/markup-compatibility/2006">
+    <mc:Choice xmlns:p15="http://schemas.microsoft.com/office/powerpoint/2012/main" Requires="p15">
+      <p:transition xmlns:p14="http://schemas.microsoft.com/office/powerpoint/2010/main" spd="slow" p14:dur="1250">
+        <p15:prstTrans prst="pageCurlDouble"/>
+      </p:transition>
+    </mc:Choice>
+    <mc:Fallback>
+      <p:transition spd="slow">
+        <p:fade/>
+      </p:transition>
+    </mc:Fallback>
+  </mc:AlternateContent>
 </p:sldLayout>
 </file>
 
@@ -1975,6 +2212,18 @@
   <p:clrMapOvr>
     <a:masterClrMapping/>
   </p:clrMapOvr>
+  <mc:AlternateContent xmlns:mc="http://schemas.openxmlformats.org/markup-compatibility/2006">
+    <mc:Choice xmlns:p15="http://schemas.microsoft.com/office/powerpoint/2012/main" Requires="p15">
+      <p:transition xmlns:p14="http://schemas.microsoft.com/office/powerpoint/2010/main" spd="slow" p14:dur="1250">
+        <p15:prstTrans prst="pageCurlDouble"/>
+      </p:transition>
+    </mc:Choice>
+    <mc:Fallback>
+      <p:transition spd="slow">
+        <p:fade/>
+      </p:transition>
+    </mc:Fallback>
+  </mc:AlternateContent>
 </p:sldLayout>
 </file>
 
@@ -2240,6 +2489,18 @@
   <p:clrMapOvr>
     <a:masterClrMapping/>
   </p:clrMapOvr>
+  <mc:AlternateContent xmlns:mc="http://schemas.openxmlformats.org/markup-compatibility/2006">
+    <mc:Choice xmlns:p15="http://schemas.microsoft.com/office/powerpoint/2012/main" Requires="p15">
+      <p:transition xmlns:p14="http://schemas.microsoft.com/office/powerpoint/2010/main" spd="slow" p14:dur="1250">
+        <p15:prstTrans prst="pageCurlDouble"/>
+      </p:transition>
+    </mc:Choice>
+    <mc:Fallback>
+      <p:transition spd="slow">
+        <p:fade/>
+      </p:transition>
+    </mc:Fallback>
+  </mc:AlternateContent>
 </p:sldLayout>
 </file>
 
@@ -2652,6 +2913,18 @@
   <p:clrMapOvr>
     <a:masterClrMapping/>
   </p:clrMapOvr>
+  <mc:AlternateContent xmlns:mc="http://schemas.openxmlformats.org/markup-compatibility/2006">
+    <mc:Choice xmlns:p15="http://schemas.microsoft.com/office/powerpoint/2012/main" Requires="p15">
+      <p:transition xmlns:p14="http://schemas.microsoft.com/office/powerpoint/2010/main" spd="slow" p14:dur="1250">
+        <p15:prstTrans prst="pageCurlDouble"/>
+      </p:transition>
+    </mc:Choice>
+    <mc:Fallback>
+      <p:transition spd="slow">
+        <p:fade/>
+      </p:transition>
+    </mc:Fallback>
+  </mc:AlternateContent>
 </p:sldLayout>
 </file>
 
@@ -2793,6 +3066,18 @@
   <p:clrMapOvr>
     <a:masterClrMapping/>
   </p:clrMapOvr>
+  <mc:AlternateContent xmlns:mc="http://schemas.openxmlformats.org/markup-compatibility/2006">
+    <mc:Choice xmlns:p15="http://schemas.microsoft.com/office/powerpoint/2012/main" Requires="p15">
+      <p:transition xmlns:p14="http://schemas.microsoft.com/office/powerpoint/2010/main" spd="slow" p14:dur="1250">
+        <p15:prstTrans prst="pageCurlDouble"/>
+      </p:transition>
+    </mc:Choice>
+    <mc:Fallback>
+      <p:transition spd="slow">
+        <p:fade/>
+      </p:transition>
+    </mc:Fallback>
+  </mc:AlternateContent>
 </p:sldLayout>
 </file>
 
@@ -2906,6 +3191,18 @@
   <p:clrMapOvr>
     <a:masterClrMapping/>
   </p:clrMapOvr>
+  <mc:AlternateContent xmlns:mc="http://schemas.openxmlformats.org/markup-compatibility/2006">
+    <mc:Choice xmlns:p15="http://schemas.microsoft.com/office/powerpoint/2012/main" Requires="p15">
+      <p:transition xmlns:p14="http://schemas.microsoft.com/office/powerpoint/2010/main" spd="slow" p14:dur="1250">
+        <p15:prstTrans prst="pageCurlDouble"/>
+      </p:transition>
+    </mc:Choice>
+    <mc:Fallback>
+      <p:transition spd="slow">
+        <p:fade/>
+      </p:transition>
+    </mc:Fallback>
+  </mc:AlternateContent>
 </p:sldLayout>
 </file>
 
@@ -3217,6 +3514,18 @@
   <p:clrMapOvr>
     <a:masterClrMapping/>
   </p:clrMapOvr>
+  <mc:AlternateContent xmlns:mc="http://schemas.openxmlformats.org/markup-compatibility/2006">
+    <mc:Choice xmlns:p15="http://schemas.microsoft.com/office/powerpoint/2012/main" Requires="p15">
+      <p:transition xmlns:p14="http://schemas.microsoft.com/office/powerpoint/2010/main" spd="slow" p14:dur="1250">
+        <p15:prstTrans prst="pageCurlDouble"/>
+      </p:transition>
+    </mc:Choice>
+    <mc:Fallback>
+      <p:transition spd="slow">
+        <p:fade/>
+      </p:transition>
+    </mc:Fallback>
+  </mc:AlternateContent>
 </p:sldLayout>
 </file>
 
@@ -3505,6 +3814,18 @@
   <p:clrMapOvr>
     <a:masterClrMapping/>
   </p:clrMapOvr>
+  <mc:AlternateContent xmlns:mc="http://schemas.openxmlformats.org/markup-compatibility/2006">
+    <mc:Choice xmlns:p15="http://schemas.microsoft.com/office/powerpoint/2012/main" Requires="p15">
+      <p:transition xmlns:p14="http://schemas.microsoft.com/office/powerpoint/2010/main" spd="slow" p14:dur="1250">
+        <p15:prstTrans prst="pageCurlDouble"/>
+      </p:transition>
+    </mc:Choice>
+    <mc:Fallback>
+      <p:transition spd="slow">
+        <p:fade/>
+      </p:transition>
+    </mc:Fallback>
+  </mc:AlternateContent>
 </p:sldLayout>
 </file>
 
@@ -3793,6 +4114,18 @@
     <p:sldLayoutId id="2147483682" r:id="rId10"/>
     <p:sldLayoutId id="2147483683" r:id="rId11"/>
   </p:sldLayoutIdLst>
+  <mc:AlternateContent xmlns:mc="http://schemas.openxmlformats.org/markup-compatibility/2006">
+    <mc:Choice xmlns:p15="http://schemas.microsoft.com/office/powerpoint/2012/main" Requires="p15">
+      <p:transition xmlns:p14="http://schemas.microsoft.com/office/powerpoint/2010/main" spd="slow" p14:dur="1250">
+        <p15:prstTrans prst="pageCurlDouble"/>
+      </p:transition>
+    </mc:Choice>
+    <mc:Fallback>
+      <p:transition spd="slow">
+        <p:fade/>
+      </p:transition>
+    </mc:Fallback>
+  </mc:AlternateContent>
   <p:txStyles>
     <p:titleStyle>
       <a:lvl1pPr algn="l" defTabSz="914400" rtl="0" eaLnBrk="1" latinLnBrk="0" hangingPunct="1">
@@ -5290,6 +5623,18 @@
   <p:clrMapOvr>
     <a:masterClrMapping/>
   </p:clrMapOvr>
+  <mc:AlternateContent xmlns:mc="http://schemas.openxmlformats.org/markup-compatibility/2006">
+    <mc:Choice xmlns:p15="http://schemas.microsoft.com/office/powerpoint/2012/main" Requires="p15">
+      <p:transition xmlns:p14="http://schemas.microsoft.com/office/powerpoint/2010/main" spd="slow" p14:dur="1250">
+        <p15:prstTrans prst="pageCurlDouble"/>
+      </p:transition>
+    </mc:Choice>
+    <mc:Fallback>
+      <p:transition spd="slow">
+        <p:fade/>
+      </p:transition>
+    </mc:Fallback>
+  </mc:AlternateContent>
 </p:sld>
 </file>
 
@@ -5483,7 +5828,7 @@
           <a:lstStyle/>
           <a:p>
             <a:r>
-              <a:rPr lang="nl-NL">
+              <a:rPr lang="nl-NL" dirty="0">
                 <a:solidFill>
                   <a:srgbClr val="FFFFFF"/>
                 </a:solidFill>
@@ -6017,7 +6362,76 @@
           </a:bodyPr>
           <a:lstStyle/>
           <a:p>
-            <a:endParaRPr lang="nl-NL" sz="2000">
+            <a:r>
+              <a:rPr lang="nl-NL" sz="2000" dirty="0">
+                <a:solidFill>
+                  <a:schemeClr val="tx1">
+                    <a:alpha val="80000"/>
+                  </a:schemeClr>
+                </a:solidFill>
+              </a:rPr>
+              <a:t>De opdracht</a:t>
+            </a:r>
+          </a:p>
+          <a:p>
+            <a:r>
+              <a:rPr lang="nl-NL" sz="2000" dirty="0">
+                <a:solidFill>
+                  <a:schemeClr val="tx1">
+                    <a:alpha val="80000"/>
+                  </a:schemeClr>
+                </a:solidFill>
+              </a:rPr>
+              <a:t>Demonstratie</a:t>
+            </a:r>
+          </a:p>
+          <a:p>
+            <a:r>
+              <a:rPr lang="nl-NL" sz="2000" dirty="0">
+                <a:solidFill>
+                  <a:schemeClr val="tx1">
+                    <a:alpha val="80000"/>
+                  </a:schemeClr>
+                </a:solidFill>
+              </a:rPr>
+              <a:t>Het proces</a:t>
+            </a:r>
+          </a:p>
+          <a:p>
+            <a:r>
+              <a:rPr lang="nl-NL" sz="2000" dirty="0">
+                <a:solidFill>
+                  <a:schemeClr val="tx1">
+                    <a:alpha val="80000"/>
+                  </a:schemeClr>
+                </a:solidFill>
+              </a:rPr>
+              <a:t>De toekomst</a:t>
+            </a:r>
+          </a:p>
+          <a:p>
+            <a:r>
+              <a:rPr lang="nl-NL" sz="2000" dirty="0">
+                <a:solidFill>
+                  <a:schemeClr val="tx1">
+                    <a:alpha val="80000"/>
+                  </a:schemeClr>
+                </a:solidFill>
+              </a:rPr>
+              <a:t>Vraagmoment</a:t>
+            </a:r>
+          </a:p>
+          <a:p>
+            <a:endParaRPr lang="nl-NL" sz="2000" dirty="0">
+              <a:solidFill>
+                <a:schemeClr val="tx1">
+                  <a:alpha val="80000"/>
+                </a:schemeClr>
+              </a:solidFill>
+            </a:endParaRPr>
+          </a:p>
+          <a:p>
+            <a:endParaRPr lang="nl-NL" sz="2000" dirty="0">
               <a:solidFill>
                 <a:schemeClr val="tx1">
                   <a:alpha val="80000"/>
@@ -6099,6 +6513,18 @@
   <p:clrMapOvr>
     <a:masterClrMapping/>
   </p:clrMapOvr>
+  <mc:AlternateContent xmlns:mc="http://schemas.openxmlformats.org/markup-compatibility/2006">
+    <mc:Choice xmlns:p15="http://schemas.microsoft.com/office/powerpoint/2012/main" Requires="p15">
+      <p:transition xmlns:p14="http://schemas.microsoft.com/office/powerpoint/2010/main" spd="slow" p14:dur="1250">
+        <p15:prstTrans prst="pageCurlDouble"/>
+      </p:transition>
+    </mc:Choice>
+    <mc:Fallback>
+      <p:transition spd="slow">
+        <p:fade/>
+      </p:transition>
+    </mc:Fallback>
+  </mc:AlternateContent>
 </p:sld>
 </file>
 
@@ -6268,7 +6694,7 @@
           <p:cNvPr id="2" name="Titel 1">
             <a:extLst>
               <a:ext uri="{FF2B5EF4-FFF2-40B4-BE49-F238E27FC236}">
-                <a16:creationId xmlns:a16="http://schemas.microsoft.com/office/drawing/2014/main" id="{07CC8890-20A5-5E25-F6FD-FB769A5127BD}"/>
+                <a16:creationId xmlns:a16="http://schemas.microsoft.com/office/drawing/2014/main" id="{E1A8D450-B355-39A3-7E3C-F67844B4EA5E}"/>
               </a:ext>
             </a:extLst>
           </p:cNvPr>
@@ -6292,12 +6718,12 @@
           <a:lstStyle/>
           <a:p>
             <a:r>
-              <a:rPr lang="nl-NL" sz="8000">
+              <a:rPr lang="nl-NL" dirty="0">
                 <a:solidFill>
                   <a:srgbClr val="FFFFFF"/>
                 </a:solidFill>
               </a:rPr>
-              <a:t>Hoe verliep het proces?</a:t>
+              <a:t>De opdracht</a:t>
             </a:r>
           </a:p>
         </p:txBody>
@@ -6803,7 +7229,7 @@
           <p:cNvPr id="3" name="Tijdelijke aanduiding voor inhoud 2">
             <a:extLst>
               <a:ext uri="{FF2B5EF4-FFF2-40B4-BE49-F238E27FC236}">
-                <a16:creationId xmlns:a16="http://schemas.microsoft.com/office/drawing/2014/main" id="{F5F41857-9B74-DA4E-74FD-882BFCBEB0DE}"/>
+                <a16:creationId xmlns:a16="http://schemas.microsoft.com/office/drawing/2014/main" id="{1A8007CC-67A8-33C6-2ABF-5D90B0C78068}"/>
               </a:ext>
             </a:extLst>
           </p:cNvPr>
@@ -6826,7 +7252,31 @@
           </a:bodyPr>
           <a:lstStyle/>
           <a:p>
-            <a:endParaRPr lang="nl-NL" sz="2000">
+            <a:r>
+              <a:rPr lang="nl-NL" sz="2000" dirty="0">
+                <a:solidFill>
+                  <a:schemeClr val="tx1">
+                    <a:alpha val="80000"/>
+                  </a:schemeClr>
+                </a:solidFill>
+              </a:rPr>
+              <a:t>Wat is de opdracht?</a:t>
+            </a:r>
+          </a:p>
+          <a:p>
+            <a:r>
+              <a:rPr lang="nl-NL" sz="2000" dirty="0">
+                <a:solidFill>
+                  <a:schemeClr val="tx1">
+                    <a:alpha val="80000"/>
+                  </a:schemeClr>
+                </a:solidFill>
+              </a:rPr>
+              <a:t>Welke technieken zijn gebruikt?</a:t>
+            </a:r>
+          </a:p>
+          <a:p>
+            <a:endParaRPr lang="nl-NL" sz="2000" dirty="0">
               <a:solidFill>
                 <a:schemeClr val="tx1">
                   <a:alpha val="80000"/>
@@ -6901,13 +7351,25 @@
     </p:spTree>
     <p:extLst>
       <p:ext uri="{BB962C8B-B14F-4D97-AF65-F5344CB8AC3E}">
-        <p14:creationId xmlns:p14="http://schemas.microsoft.com/office/powerpoint/2010/main" val="709334141"/>
+        <p14:creationId xmlns:p14="http://schemas.microsoft.com/office/powerpoint/2010/main" val="3132670813"/>
       </p:ext>
     </p:extLst>
   </p:cSld>
   <p:clrMapOvr>
     <a:masterClrMapping/>
   </p:clrMapOvr>
+  <mc:AlternateContent xmlns:mc="http://schemas.openxmlformats.org/markup-compatibility/2006">
+    <mc:Choice xmlns:p15="http://schemas.microsoft.com/office/powerpoint/2012/main" Requires="p15">
+      <p:transition xmlns:p14="http://schemas.microsoft.com/office/powerpoint/2010/main" spd="slow" p14:dur="1250">
+        <p15:prstTrans prst="pageCurlDouble"/>
+      </p:transition>
+    </mc:Choice>
+    <mc:Fallback>
+      <p:transition spd="slow">
+        <p:fade/>
+      </p:transition>
+    </mc:Fallback>
+  </mc:AlternateContent>
 </p:sld>
 </file>
 
@@ -7077,7 +7539,7 @@
           <p:cNvPr id="2" name="Titel 1">
             <a:extLst>
               <a:ext uri="{FF2B5EF4-FFF2-40B4-BE49-F238E27FC236}">
-                <a16:creationId xmlns:a16="http://schemas.microsoft.com/office/drawing/2014/main" id="{812DA31E-FB5C-03C3-8581-01B815B17235}"/>
+                <a16:creationId xmlns:a16="http://schemas.microsoft.com/office/drawing/2014/main" id="{5295E970-DEF2-3ED5-2DA2-B02A726ADAA9}"/>
               </a:ext>
             </a:extLst>
           </p:cNvPr>
@@ -7101,12 +7563,12 @@
           <a:lstStyle/>
           <a:p>
             <a:r>
-              <a:rPr lang="nl-NL" sz="8000">
+              <a:rPr lang="nl-NL" dirty="0">
                 <a:solidFill>
                   <a:srgbClr val="FFFFFF"/>
                 </a:solidFill>
               </a:rPr>
-              <a:t>Zijn er tot nu toe nog Vragen?</a:t>
+              <a:t>Demonstratie</a:t>
             </a:r>
           </a:p>
         </p:txBody>
@@ -7612,7 +8074,7 @@
           <p:cNvPr id="3" name="Tijdelijke aanduiding voor inhoud 2">
             <a:extLst>
               <a:ext uri="{FF2B5EF4-FFF2-40B4-BE49-F238E27FC236}">
-                <a16:creationId xmlns:a16="http://schemas.microsoft.com/office/drawing/2014/main" id="{37CDA7C6-ADFB-AA5F-BD7A-6E2C44E27652}"/>
+                <a16:creationId xmlns:a16="http://schemas.microsoft.com/office/drawing/2014/main" id="{DE0CB1C0-687E-412F-05C2-41776B97EBE0}"/>
               </a:ext>
             </a:extLst>
           </p:cNvPr>
@@ -7635,7 +8097,7 @@
           </a:bodyPr>
           <a:lstStyle/>
           <a:p>
-            <a:endParaRPr lang="nl-NL" sz="2000">
+            <a:endParaRPr lang="nl-NL" sz="2000" dirty="0">
               <a:solidFill>
                 <a:schemeClr val="tx1">
                   <a:alpha val="80000"/>
@@ -7710,13 +8172,25 @@
     </p:spTree>
     <p:extLst>
       <p:ext uri="{BB962C8B-B14F-4D97-AF65-F5344CB8AC3E}">
-        <p14:creationId xmlns:p14="http://schemas.microsoft.com/office/powerpoint/2010/main" val="4013277048"/>
+        <p14:creationId xmlns:p14="http://schemas.microsoft.com/office/powerpoint/2010/main" val="2549056309"/>
       </p:ext>
     </p:extLst>
   </p:cSld>
   <p:clrMapOvr>
     <a:masterClrMapping/>
   </p:clrMapOvr>
+  <mc:AlternateContent xmlns:mc="http://schemas.openxmlformats.org/markup-compatibility/2006">
+    <mc:Choice xmlns:p15="http://schemas.microsoft.com/office/powerpoint/2012/main" Requires="p15">
+      <p:transition xmlns:p14="http://schemas.microsoft.com/office/powerpoint/2010/main" spd="slow" p14:dur="1250">
+        <p15:prstTrans prst="pageCurlDouble"/>
+      </p:transition>
+    </mc:Choice>
+    <mc:Fallback>
+      <p:transition spd="slow">
+        <p:fade/>
+      </p:transition>
+    </mc:Fallback>
+  </mc:AlternateContent>
 </p:sld>
 </file>
 
@@ -7886,7 +8360,7 @@
           <p:cNvPr id="2" name="Titel 1">
             <a:extLst>
               <a:ext uri="{FF2B5EF4-FFF2-40B4-BE49-F238E27FC236}">
-                <a16:creationId xmlns:a16="http://schemas.microsoft.com/office/drawing/2014/main" id="{5295E970-DEF2-3ED5-2DA2-B02A726ADAA9}"/>
+                <a16:creationId xmlns:a16="http://schemas.microsoft.com/office/drawing/2014/main" id="{07CC8890-20A5-5E25-F6FD-FB769A5127BD}"/>
               </a:ext>
             </a:extLst>
           </p:cNvPr>
@@ -7910,12 +8384,12 @@
           <a:lstStyle/>
           <a:p>
             <a:r>
-              <a:rPr lang="nl-NL" sz="5000">
+              <a:rPr lang="nl-NL" dirty="0">
                 <a:solidFill>
                   <a:srgbClr val="FFFFFF"/>
                 </a:solidFill>
               </a:rPr>
-              <a:t>Demonstratie</a:t>
+              <a:t>Het proces</a:t>
             </a:r>
           </a:p>
         </p:txBody>
@@ -8421,7 +8895,7 @@
           <p:cNvPr id="3" name="Tijdelijke aanduiding voor inhoud 2">
             <a:extLst>
               <a:ext uri="{FF2B5EF4-FFF2-40B4-BE49-F238E27FC236}">
-                <a16:creationId xmlns:a16="http://schemas.microsoft.com/office/drawing/2014/main" id="{DE0CB1C0-687E-412F-05C2-41776B97EBE0}"/>
+                <a16:creationId xmlns:a16="http://schemas.microsoft.com/office/drawing/2014/main" id="{F5F41857-9B74-DA4E-74FD-882BFCBEB0DE}"/>
               </a:ext>
             </a:extLst>
           </p:cNvPr>
@@ -8444,13 +8918,16 @@
           </a:bodyPr>
           <a:lstStyle/>
           <a:p>
-            <a:endParaRPr lang="nl-NL" sz="2000">
-              <a:solidFill>
-                <a:schemeClr val="tx1">
-                  <a:alpha val="80000"/>
-                </a:schemeClr>
-              </a:solidFill>
-            </a:endParaRPr>
+            <a:r>
+              <a:rPr lang="nl-NL" sz="2000" dirty="0">
+                <a:solidFill>
+                  <a:schemeClr val="tx1">
+                    <a:alpha val="80000"/>
+                  </a:schemeClr>
+                </a:solidFill>
+              </a:rPr>
+              <a:t>Welke technieken zijn gebruikt?</a:t>
+            </a:r>
           </a:p>
         </p:txBody>
       </p:sp>
@@ -8519,13 +8996,25 @@
     </p:spTree>
     <p:extLst>
       <p:ext uri="{BB962C8B-B14F-4D97-AF65-F5344CB8AC3E}">
-        <p14:creationId xmlns:p14="http://schemas.microsoft.com/office/powerpoint/2010/main" val="2549056309"/>
+        <p14:creationId xmlns:p14="http://schemas.microsoft.com/office/powerpoint/2010/main" val="709334141"/>
       </p:ext>
     </p:extLst>
   </p:cSld>
   <p:clrMapOvr>
     <a:masterClrMapping/>
   </p:clrMapOvr>
+  <mc:AlternateContent xmlns:mc="http://schemas.openxmlformats.org/markup-compatibility/2006">
+    <mc:Choice xmlns:p15="http://schemas.microsoft.com/office/powerpoint/2012/main" Requires="p15">
+      <p:transition xmlns:p14="http://schemas.microsoft.com/office/powerpoint/2010/main" spd="slow" p14:dur="1250">
+        <p15:prstTrans prst="pageCurlDouble"/>
+      </p:transition>
+    </mc:Choice>
+    <mc:Fallback>
+      <p:transition spd="slow">
+        <p:fade/>
+      </p:transition>
+    </mc:Fallback>
+  </mc:AlternateContent>
 </p:sld>
 </file>
 
@@ -8719,12 +9208,12 @@
           <a:lstStyle/>
           <a:p>
             <a:r>
-              <a:rPr lang="nl-NL" sz="6800">
+              <a:rPr lang="nl-NL" dirty="0">
                 <a:solidFill>
                   <a:srgbClr val="FFFFFF"/>
                 </a:solidFill>
               </a:rPr>
-              <a:t>Hoe zien wij de toekomst?</a:t>
+              <a:t>De toekomst</a:t>
             </a:r>
           </a:p>
         </p:txBody>
@@ -9253,13 +9742,80 @@
           </a:bodyPr>
           <a:lstStyle/>
           <a:p>
-            <a:endParaRPr lang="nl-NL" sz="2000">
-              <a:solidFill>
-                <a:schemeClr val="tx1">
-                  <a:alpha val="80000"/>
-                </a:schemeClr>
-              </a:solidFill>
-            </a:endParaRPr>
+            <a:r>
+              <a:rPr lang="nl-NL" sz="2000" dirty="0" err="1">
+                <a:solidFill>
+                  <a:schemeClr val="tx1">
+                    <a:alpha val="80000"/>
+                  </a:schemeClr>
+                </a:solidFill>
+              </a:rPr>
+              <a:t>Affiliate</a:t>
+            </a:r>
+            <a:r>
+              <a:rPr lang="nl-NL" sz="2000" dirty="0">
+                <a:solidFill>
+                  <a:schemeClr val="tx1">
+                    <a:alpha val="80000"/>
+                  </a:schemeClr>
+                </a:solidFill>
+              </a:rPr>
+              <a:t> links.</a:t>
+            </a:r>
+          </a:p>
+          <a:p>
+            <a:r>
+              <a:rPr lang="nl-NL" sz="2000" dirty="0">
+                <a:solidFill>
+                  <a:schemeClr val="tx1">
+                    <a:alpha val="80000"/>
+                  </a:schemeClr>
+                </a:solidFill>
+              </a:rPr>
+              <a:t>Open </a:t>
+            </a:r>
+            <a:r>
+              <a:rPr lang="nl-NL" sz="2000" dirty="0" err="1">
+                <a:solidFill>
+                  <a:schemeClr val="tx1">
+                    <a:alpha val="80000"/>
+                  </a:schemeClr>
+                </a:solidFill>
+              </a:rPr>
+              <a:t>Graph</a:t>
+            </a:r>
+            <a:r>
+              <a:rPr lang="nl-NL" sz="2000" dirty="0">
+                <a:solidFill>
+                  <a:schemeClr val="tx1">
+                    <a:alpha val="80000"/>
+                  </a:schemeClr>
+                </a:solidFill>
+              </a:rPr>
+              <a:t>.</a:t>
+            </a:r>
+          </a:p>
+          <a:p>
+            <a:r>
+              <a:rPr lang="nl-NL" sz="2000" dirty="0" err="1">
+                <a:solidFill>
+                  <a:schemeClr val="tx1">
+                    <a:alpha val="80000"/>
+                  </a:schemeClr>
+                </a:solidFill>
+              </a:rPr>
+              <a:t>Social</a:t>
+            </a:r>
+            <a:r>
+              <a:rPr lang="nl-NL" sz="2000" dirty="0">
+                <a:solidFill>
+                  <a:schemeClr val="tx1">
+                    <a:alpha val="80000"/>
+                  </a:schemeClr>
+                </a:solidFill>
+              </a:rPr>
+              <a:t> media platform links.</a:t>
+            </a:r>
           </a:p>
         </p:txBody>
       </p:sp>
@@ -9335,6 +9891,18 @@
   <p:clrMapOvr>
     <a:masterClrMapping/>
   </p:clrMapOvr>
+  <mc:AlternateContent xmlns:mc="http://schemas.openxmlformats.org/markup-compatibility/2006">
+    <mc:Choice xmlns:p15="http://schemas.microsoft.com/office/powerpoint/2012/main" Requires="p15">
+      <p:transition xmlns:p14="http://schemas.microsoft.com/office/powerpoint/2010/main" spd="slow" p14:dur="1250">
+        <p15:prstTrans prst="pageCurlDouble"/>
+      </p:transition>
+    </mc:Choice>
+    <mc:Fallback>
+      <p:transition spd="slow">
+        <p:fade/>
+      </p:transition>
+    </mc:Fallback>
+  </mc:AlternateContent>
 </p:sld>
 </file>
 
@@ -9504,7 +10072,7 @@
           <p:cNvPr id="2" name="Titel 1">
             <a:extLst>
               <a:ext uri="{FF2B5EF4-FFF2-40B4-BE49-F238E27FC236}">
-                <a16:creationId xmlns:a16="http://schemas.microsoft.com/office/drawing/2014/main" id="{769F0AF0-117D-7EF3-47FA-4E4DFFFBCE32}"/>
+                <a16:creationId xmlns:a16="http://schemas.microsoft.com/office/drawing/2014/main" id="{812DA31E-FB5C-03C3-8581-01B815B17235}"/>
               </a:ext>
             </a:extLst>
           </p:cNvPr>
@@ -9528,12 +10096,12 @@
           <a:lstStyle/>
           <a:p>
             <a:r>
-              <a:rPr lang="nl-NL" sz="7400">
+              <a:rPr lang="nl-NL" dirty="0">
                 <a:solidFill>
                   <a:srgbClr val="FFFFFF"/>
                 </a:solidFill>
               </a:rPr>
-              <a:t>Gebruikte bronnen</a:t>
+              <a:t>Vraagmoment</a:t>
             </a:r>
           </a:p>
         </p:txBody>
@@ -10039,7 +10607,7 @@
           <p:cNvPr id="3" name="Tijdelijke aanduiding voor inhoud 2">
             <a:extLst>
               <a:ext uri="{FF2B5EF4-FFF2-40B4-BE49-F238E27FC236}">
-                <a16:creationId xmlns:a16="http://schemas.microsoft.com/office/drawing/2014/main" id="{B189947C-8798-63AF-4D4A-201C7C863FDA}"/>
+                <a16:creationId xmlns:a16="http://schemas.microsoft.com/office/drawing/2014/main" id="{37CDA7C6-ADFB-AA5F-BD7A-6E2C44E27652}"/>
               </a:ext>
             </a:extLst>
           </p:cNvPr>
@@ -10137,13 +10705,849 @@
     </p:spTree>
     <p:extLst>
       <p:ext uri="{BB962C8B-B14F-4D97-AF65-F5344CB8AC3E}">
-        <p14:creationId xmlns:p14="http://schemas.microsoft.com/office/powerpoint/2010/main" val="901509751"/>
+        <p14:creationId xmlns:p14="http://schemas.microsoft.com/office/powerpoint/2010/main" val="4013277048"/>
       </p:ext>
     </p:extLst>
   </p:cSld>
   <p:clrMapOvr>
     <a:masterClrMapping/>
   </p:clrMapOvr>
+  <mc:AlternateContent xmlns:mc="http://schemas.openxmlformats.org/markup-compatibility/2006">
+    <mc:Choice xmlns:p15="http://schemas.microsoft.com/office/powerpoint/2012/main" Requires="p15">
+      <p:transition xmlns:p14="http://schemas.microsoft.com/office/powerpoint/2010/main" spd="slow" p14:dur="1250">
+        <p15:prstTrans prst="pageCurlDouble"/>
+      </p:transition>
+    </mc:Choice>
+    <mc:Fallback>
+      <p:transition spd="slow">
+        <p:fade/>
+      </p:transition>
+    </mc:Fallback>
+  </mc:AlternateContent>
+</p:sld>
+</file>
+
+<file path=ppt/slides/slide8.xml><?xml version="1.0" encoding="utf-8"?>
+<p:sld xmlns:a="http://schemas.openxmlformats.org/drawingml/2006/main" xmlns:r="http://schemas.openxmlformats.org/officeDocument/2006/relationships" xmlns:p="http://schemas.openxmlformats.org/presentationml/2006/main">
+  <p:cSld>
+    <p:bg>
+      <p:bgPr>
+        <a:solidFill>
+          <a:schemeClr val="bg1"/>
+        </a:solidFill>
+        <a:effectLst/>
+      </p:bgPr>
+    </p:bg>
+    <p:spTree>
+      <p:nvGrpSpPr>
+        <p:cNvPr id="1" name=""/>
+        <p:cNvGrpSpPr/>
+        <p:nvPr/>
+      </p:nvGrpSpPr>
+      <p:grpSpPr>
+        <a:xfrm>
+          <a:off x="0" y="0"/>
+          <a:ext cx="0" cy="0"/>
+          <a:chOff x="0" y="0"/>
+          <a:chExt cx="0" cy="0"/>
+        </a:xfrm>
+      </p:grpSpPr>
+      <p:sp useBgFill="1">
+        <p:nvSpPr>
+          <p:cNvPr id="8" name="Rectangle 7">
+            <a:extLst>
+              <a:ext uri="{FF2B5EF4-FFF2-40B4-BE49-F238E27FC236}">
+                <a16:creationId xmlns:a16="http://schemas.microsoft.com/office/drawing/2014/main" id="{A2679492-7988-4050-9056-542444452411}"/>
+              </a:ext>
+              <a:ext uri="{C183D7F6-B498-43B3-948B-1728B52AA6E4}">
+                <adec:decorative xmlns:adec="http://schemas.microsoft.com/office/drawing/2017/decorative" val="1"/>
+              </a:ext>
+            </a:extLst>
+          </p:cNvPr>
+          <p:cNvSpPr>
+            <a:spLocks noGrp="1" noRot="1" noChangeAspect="1" noMove="1" noResize="1" noEditPoints="1" noAdjustHandles="1" noChangeArrowheads="1" noChangeShapeType="1" noTextEdit="1"/>
+          </p:cNvSpPr>
+          <p:nvPr>
+            <p:extLst>
+              <p:ext uri="{386F3935-93C4-4BCD-93E2-E3B085C9AB24}">
+                <p16:designElem xmlns:p16="http://schemas.microsoft.com/office/powerpoint/2015/main" val="1"/>
+              </p:ext>
+            </p:extLst>
+          </p:nvPr>
+        </p:nvSpPr>
+        <p:spPr>
+          <a:xfrm>
+            <a:off x="0" y="0"/>
+            <a:ext cx="12192000" cy="6858000"/>
+          </a:xfrm>
+          <a:prstGeom prst="rect">
+            <a:avLst/>
+          </a:prstGeom>
+          <a:ln>
+            <a:noFill/>
+          </a:ln>
+        </p:spPr>
+        <p:style>
+          <a:lnRef idx="2">
+            <a:schemeClr val="accent1">
+              <a:shade val="50000"/>
+            </a:schemeClr>
+          </a:lnRef>
+          <a:fillRef idx="1">
+            <a:schemeClr val="accent1"/>
+          </a:fillRef>
+          <a:effectRef idx="0">
+            <a:schemeClr val="accent1"/>
+          </a:effectRef>
+          <a:fontRef idx="minor">
+            <a:schemeClr val="lt1"/>
+          </a:fontRef>
+        </p:style>
+        <p:txBody>
+          <a:bodyPr rtlCol="0" anchor="ctr"/>
+          <a:lstStyle/>
+          <a:p>
+            <a:pPr algn="ctr"/>
+            <a:endParaRPr lang="en-US"/>
+          </a:p>
+        </p:txBody>
+      </p:sp>
+      <p:sp>
+        <p:nvSpPr>
+          <p:cNvPr id="10" name="Rectangle 9">
+            <a:extLst>
+              <a:ext uri="{FF2B5EF4-FFF2-40B4-BE49-F238E27FC236}">
+                <a16:creationId xmlns:a16="http://schemas.microsoft.com/office/drawing/2014/main" id="{B091B163-7D61-4891-ABCF-5C13D9C418D0}"/>
+              </a:ext>
+              <a:ext uri="{C183D7F6-B498-43B3-948B-1728B52AA6E4}">
+                <adec:decorative xmlns:adec="http://schemas.microsoft.com/office/drawing/2017/decorative" val="1"/>
+              </a:ext>
+            </a:extLst>
+          </p:cNvPr>
+          <p:cNvSpPr>
+            <a:spLocks noGrp="1" noRot="1" noChangeAspect="1" noMove="1" noResize="1" noEditPoints="1" noAdjustHandles="1" noChangeArrowheads="1" noChangeShapeType="1" noTextEdit="1"/>
+          </p:cNvSpPr>
+          <p:nvPr>
+            <p:extLst>
+              <p:ext uri="{386F3935-93C4-4BCD-93E2-E3B085C9AB24}">
+                <p16:designElem xmlns:p16="http://schemas.microsoft.com/office/powerpoint/2015/main" val="1"/>
+              </p:ext>
+            </p:extLst>
+          </p:nvPr>
+        </p:nvSpPr>
+        <p:spPr>
+          <a:xfrm>
+            <a:off x="0" y="0"/>
+            <a:ext cx="5779911" cy="6858000"/>
+          </a:xfrm>
+          <a:prstGeom prst="rect">
+            <a:avLst/>
+          </a:prstGeom>
+          <a:gradFill flip="none" rotWithShape="1">
+            <a:gsLst>
+              <a:gs pos="0">
+                <a:schemeClr val="accent1"/>
+              </a:gs>
+              <a:gs pos="100000">
+                <a:schemeClr val="accent2"/>
+              </a:gs>
+            </a:gsLst>
+            <a:lin ang="2700000" scaled="1"/>
+            <a:tileRect/>
+          </a:gradFill>
+          <a:ln>
+            <a:noFill/>
+          </a:ln>
+        </p:spPr>
+        <p:style>
+          <a:lnRef idx="2">
+            <a:schemeClr val="accent1">
+              <a:shade val="50000"/>
+            </a:schemeClr>
+          </a:lnRef>
+          <a:fillRef idx="1">
+            <a:schemeClr val="accent1"/>
+          </a:fillRef>
+          <a:effectRef idx="0">
+            <a:schemeClr val="accent1"/>
+          </a:effectRef>
+          <a:fontRef idx="minor">
+            <a:schemeClr val="lt1"/>
+          </a:fontRef>
+        </p:style>
+        <p:txBody>
+          <a:bodyPr rtlCol="0" anchor="ctr"/>
+          <a:lstStyle/>
+          <a:p>
+            <a:pPr algn="ctr"/>
+            <a:endParaRPr lang="en-US">
+              <a:solidFill>
+                <a:schemeClr val="tx1"/>
+              </a:solidFill>
+            </a:endParaRPr>
+          </a:p>
+        </p:txBody>
+      </p:sp>
+      <p:sp>
+        <p:nvSpPr>
+          <p:cNvPr id="2" name="Titel 1">
+            <a:extLst>
+              <a:ext uri="{FF2B5EF4-FFF2-40B4-BE49-F238E27FC236}">
+                <a16:creationId xmlns:a16="http://schemas.microsoft.com/office/drawing/2014/main" id="{812DA31E-FB5C-03C3-8581-01B815B17235}"/>
+              </a:ext>
+            </a:extLst>
+          </p:cNvPr>
+          <p:cNvSpPr>
+            <a:spLocks noGrp="1"/>
+          </p:cNvSpPr>
+          <p:nvPr>
+            <p:ph type="title"/>
+          </p:nvPr>
+        </p:nvSpPr>
+        <p:spPr>
+          <a:xfrm>
+            <a:off x="1188069" y="381935"/>
+            <a:ext cx="4008583" cy="5974414"/>
+          </a:xfrm>
+        </p:spPr>
+        <p:txBody>
+          <a:bodyPr anchor="ctr">
+            <a:normAutofit/>
+          </a:bodyPr>
+          <a:lstStyle/>
+          <a:p>
+            <a:r>
+              <a:rPr lang="nl-NL" dirty="0">
+                <a:solidFill>
+                  <a:srgbClr val="FFFFFF"/>
+                </a:solidFill>
+              </a:rPr>
+              <a:t>Bronnen</a:t>
+            </a:r>
+          </a:p>
+        </p:txBody>
+      </p:sp>
+      <p:grpSp>
+        <p:nvGrpSpPr>
+          <p:cNvPr id="12" name="Group 11">
+            <a:extLst>
+              <a:ext uri="{FF2B5EF4-FFF2-40B4-BE49-F238E27FC236}">
+                <a16:creationId xmlns:a16="http://schemas.microsoft.com/office/drawing/2014/main" id="{0474DF76-993E-44DE-AFB0-C416182ACECF}"/>
+              </a:ext>
+              <a:ext uri="{C183D7F6-B498-43B3-948B-1728B52AA6E4}">
+                <adec:decorative xmlns:adec="http://schemas.microsoft.com/office/drawing/2017/decorative" val="1"/>
+              </a:ext>
+            </a:extLst>
+          </p:cNvPr>
+          <p:cNvGrpSpPr>
+            <a:grpSpLocks noGrp="1" noUngrp="1" noRot="1" noChangeAspect="1" noMove="1" noResize="1"/>
+          </p:cNvGrpSpPr>
+          <p:nvPr>
+            <p:extLst>
+              <p:ext uri="{386F3935-93C4-4BCD-93E2-E3B085C9AB24}">
+                <p16:designElem xmlns:p16="http://schemas.microsoft.com/office/powerpoint/2015/main" val="1"/>
+              </p:ext>
+            </p:extLst>
+          </p:nvPr>
+        </p:nvGrpSpPr>
+        <p:grpSpPr>
+          <a:xfrm>
+            <a:off x="613892" y="554152"/>
+            <a:ext cx="574177" cy="1075866"/>
+            <a:chOff x="613892" y="554152"/>
+            <a:chExt cx="574177" cy="1075866"/>
+          </a:xfrm>
+          <a:solidFill>
+            <a:srgbClr val="FFFFFF"/>
+          </a:solidFill>
+        </p:grpSpPr>
+        <p:sp>
+          <p:nvSpPr>
+            <p:cNvPr id="13" name="Graphic 11">
+              <a:extLst>
+                <a:ext uri="{FF2B5EF4-FFF2-40B4-BE49-F238E27FC236}">
+                  <a16:creationId xmlns:a16="http://schemas.microsoft.com/office/drawing/2014/main" id="{6CB927A4-E432-4310-9CD5-E89FF5063179}"/>
+                </a:ext>
+                <a:ext uri="{C183D7F6-B498-43B3-948B-1728B52AA6E4}">
+                  <adec:decorative xmlns:adec="http://schemas.microsoft.com/office/drawing/2017/decorative" val="1"/>
+                </a:ext>
+              </a:extLst>
+            </p:cNvPr>
+            <p:cNvSpPr/>
+            <p:nvPr>
+              <p:extLst>
+                <p:ext uri="{386F3935-93C4-4BCD-93E2-E3B085C9AB24}">
+                  <p16:designElem xmlns:p16="http://schemas.microsoft.com/office/powerpoint/2015/main" val="1"/>
+                </p:ext>
+              </p:extLst>
+            </p:nvPr>
+          </p:nvSpPr>
+          <p:spPr>
+            <a:xfrm>
+              <a:off x="633061" y="554152"/>
+              <a:ext cx="171515" cy="171515"/>
+            </a:xfrm>
+            <a:custGeom>
+              <a:avLst/>
+              <a:gdLst>
+                <a:gd name="connsiteX0" fmla="*/ 159874 w 171515"/>
+                <a:gd name="connsiteY0" fmla="*/ 74116 h 171515"/>
+                <a:gd name="connsiteX1" fmla="*/ 97399 w 171515"/>
+                <a:gd name="connsiteY1" fmla="*/ 74116 h 171515"/>
+                <a:gd name="connsiteX2" fmla="*/ 97399 w 171515"/>
+                <a:gd name="connsiteY2" fmla="*/ 11641 h 171515"/>
+                <a:gd name="connsiteX3" fmla="*/ 85758 w 171515"/>
+                <a:gd name="connsiteY3" fmla="*/ 0 h 171515"/>
+                <a:gd name="connsiteX4" fmla="*/ 74116 w 171515"/>
+                <a:gd name="connsiteY4" fmla="*/ 11641 h 171515"/>
+                <a:gd name="connsiteX5" fmla="*/ 74116 w 171515"/>
+                <a:gd name="connsiteY5" fmla="*/ 74116 h 171515"/>
+                <a:gd name="connsiteX6" fmla="*/ 11641 w 171515"/>
+                <a:gd name="connsiteY6" fmla="*/ 74116 h 171515"/>
+                <a:gd name="connsiteX7" fmla="*/ 0 w 171515"/>
+                <a:gd name="connsiteY7" fmla="*/ 85758 h 171515"/>
+                <a:gd name="connsiteX8" fmla="*/ 11641 w 171515"/>
+                <a:gd name="connsiteY8" fmla="*/ 97399 h 171515"/>
+                <a:gd name="connsiteX9" fmla="*/ 74116 w 171515"/>
+                <a:gd name="connsiteY9" fmla="*/ 97399 h 171515"/>
+                <a:gd name="connsiteX10" fmla="*/ 74116 w 171515"/>
+                <a:gd name="connsiteY10" fmla="*/ 159874 h 171515"/>
+                <a:gd name="connsiteX11" fmla="*/ 85758 w 171515"/>
+                <a:gd name="connsiteY11" fmla="*/ 171515 h 171515"/>
+                <a:gd name="connsiteX12" fmla="*/ 97399 w 171515"/>
+                <a:gd name="connsiteY12" fmla="*/ 159874 h 171515"/>
+                <a:gd name="connsiteX13" fmla="*/ 97399 w 171515"/>
+                <a:gd name="connsiteY13" fmla="*/ 97399 h 171515"/>
+                <a:gd name="connsiteX14" fmla="*/ 159874 w 171515"/>
+                <a:gd name="connsiteY14" fmla="*/ 97399 h 171515"/>
+                <a:gd name="connsiteX15" fmla="*/ 171515 w 171515"/>
+                <a:gd name="connsiteY15" fmla="*/ 85758 h 171515"/>
+                <a:gd name="connsiteX16" fmla="*/ 159874 w 171515"/>
+                <a:gd name="connsiteY16" fmla="*/ 74116 h 171515"/>
+              </a:gdLst>
+              <a:ahLst/>
+              <a:cxnLst>
+                <a:cxn ang="0">
+                  <a:pos x="connsiteX0" y="connsiteY0"/>
+                </a:cxn>
+                <a:cxn ang="0">
+                  <a:pos x="connsiteX1" y="connsiteY1"/>
+                </a:cxn>
+                <a:cxn ang="0">
+                  <a:pos x="connsiteX2" y="connsiteY2"/>
+                </a:cxn>
+                <a:cxn ang="0">
+                  <a:pos x="connsiteX3" y="connsiteY3"/>
+                </a:cxn>
+                <a:cxn ang="0">
+                  <a:pos x="connsiteX4" y="connsiteY4"/>
+                </a:cxn>
+                <a:cxn ang="0">
+                  <a:pos x="connsiteX5" y="connsiteY5"/>
+                </a:cxn>
+                <a:cxn ang="0">
+                  <a:pos x="connsiteX6" y="connsiteY6"/>
+                </a:cxn>
+                <a:cxn ang="0">
+                  <a:pos x="connsiteX7" y="connsiteY7"/>
+                </a:cxn>
+                <a:cxn ang="0">
+                  <a:pos x="connsiteX8" y="connsiteY8"/>
+                </a:cxn>
+                <a:cxn ang="0">
+                  <a:pos x="connsiteX9" y="connsiteY9"/>
+                </a:cxn>
+                <a:cxn ang="0">
+                  <a:pos x="connsiteX10" y="connsiteY10"/>
+                </a:cxn>
+                <a:cxn ang="0">
+                  <a:pos x="connsiteX11" y="connsiteY11"/>
+                </a:cxn>
+                <a:cxn ang="0">
+                  <a:pos x="connsiteX12" y="connsiteY12"/>
+                </a:cxn>
+                <a:cxn ang="0">
+                  <a:pos x="connsiteX13" y="connsiteY13"/>
+                </a:cxn>
+                <a:cxn ang="0">
+                  <a:pos x="connsiteX14" y="connsiteY14"/>
+                </a:cxn>
+                <a:cxn ang="0">
+                  <a:pos x="connsiteX15" y="connsiteY15"/>
+                </a:cxn>
+                <a:cxn ang="0">
+                  <a:pos x="connsiteX16" y="connsiteY16"/>
+                </a:cxn>
+              </a:cxnLst>
+              <a:rect l="l" t="t" r="r" b="b"/>
+              <a:pathLst>
+                <a:path w="171515" h="171515">
+                  <a:moveTo>
+                    <a:pt x="159874" y="74116"/>
+                  </a:moveTo>
+                  <a:lnTo>
+                    <a:pt x="97399" y="74116"/>
+                  </a:lnTo>
+                  <a:lnTo>
+                    <a:pt x="97399" y="11641"/>
+                  </a:lnTo>
+                  <a:cubicBezTo>
+                    <a:pt x="97399" y="5212"/>
+                    <a:pt x="92187" y="0"/>
+                    <a:pt x="85758" y="0"/>
+                  </a:cubicBezTo>
+                  <a:cubicBezTo>
+                    <a:pt x="79328" y="0"/>
+                    <a:pt x="74116" y="5212"/>
+                    <a:pt x="74116" y="11641"/>
+                  </a:cubicBezTo>
+                  <a:lnTo>
+                    <a:pt x="74116" y="74116"/>
+                  </a:lnTo>
+                  <a:lnTo>
+                    <a:pt x="11641" y="74116"/>
+                  </a:lnTo>
+                  <a:cubicBezTo>
+                    <a:pt x="5212" y="74116"/>
+                    <a:pt x="0" y="79328"/>
+                    <a:pt x="0" y="85758"/>
+                  </a:cubicBezTo>
+                  <a:cubicBezTo>
+                    <a:pt x="0" y="92187"/>
+                    <a:pt x="5212" y="97399"/>
+                    <a:pt x="11641" y="97399"/>
+                  </a:cubicBezTo>
+                  <a:lnTo>
+                    <a:pt x="74116" y="97399"/>
+                  </a:lnTo>
+                  <a:lnTo>
+                    <a:pt x="74116" y="159874"/>
+                  </a:lnTo>
+                  <a:cubicBezTo>
+                    <a:pt x="74116" y="166303"/>
+                    <a:pt x="79328" y="171515"/>
+                    <a:pt x="85758" y="171515"/>
+                  </a:cubicBezTo>
+                  <a:cubicBezTo>
+                    <a:pt x="92187" y="171515"/>
+                    <a:pt x="97399" y="166303"/>
+                    <a:pt x="97399" y="159874"/>
+                  </a:cubicBezTo>
+                  <a:lnTo>
+                    <a:pt x="97399" y="97399"/>
+                  </a:lnTo>
+                  <a:lnTo>
+                    <a:pt x="159874" y="97399"/>
+                  </a:lnTo>
+                  <a:cubicBezTo>
+                    <a:pt x="166303" y="97399"/>
+                    <a:pt x="171515" y="92187"/>
+                    <a:pt x="171515" y="85758"/>
+                  </a:cubicBezTo>
+                  <a:cubicBezTo>
+                    <a:pt x="171515" y="79328"/>
+                    <a:pt x="166303" y="74116"/>
+                    <a:pt x="159874" y="74116"/>
+                  </a:cubicBezTo>
+                  <a:close/>
+                </a:path>
+              </a:pathLst>
+            </a:custGeom>
+            <a:grpFill/>
+            <a:ln w="776" cap="flat">
+              <a:noFill/>
+              <a:prstDash val="solid"/>
+              <a:miter/>
+            </a:ln>
+          </p:spPr>
+          <p:txBody>
+            <a:bodyPr rtlCol="0" anchor="ctr"/>
+            <a:lstStyle/>
+            <a:p>
+              <a:endParaRPr lang="en-US"/>
+            </a:p>
+          </p:txBody>
+        </p:sp>
+        <p:sp>
+          <p:nvSpPr>
+            <p:cNvPr id="14" name="Graphic 10">
+              <a:extLst>
+                <a:ext uri="{FF2B5EF4-FFF2-40B4-BE49-F238E27FC236}">
+                  <a16:creationId xmlns:a16="http://schemas.microsoft.com/office/drawing/2014/main" id="{E3020543-B24B-4EC4-8FFC-8DD88EEA91A8}"/>
+                </a:ext>
+                <a:ext uri="{C183D7F6-B498-43B3-948B-1728B52AA6E4}">
+                  <adec:decorative xmlns:adec="http://schemas.microsoft.com/office/drawing/2017/decorative" val="1"/>
+                </a:ext>
+              </a:extLst>
+            </p:cNvPr>
+            <p:cNvSpPr/>
+            <p:nvPr>
+              <p:extLst>
+                <p:ext uri="{386F3935-93C4-4BCD-93E2-E3B085C9AB24}">
+                  <p16:designElem xmlns:p16="http://schemas.microsoft.com/office/powerpoint/2015/main" val="1"/>
+                </p:ext>
+              </p:extLst>
+            </p:nvPr>
+          </p:nvSpPr>
+          <p:spPr>
+            <a:xfrm>
+              <a:off x="1075643" y="837005"/>
+              <a:ext cx="112426" cy="112426"/>
+            </a:xfrm>
+            <a:custGeom>
+              <a:avLst/>
+              <a:gdLst>
+                <a:gd name="connsiteX0" fmla="*/ 112426 w 112426"/>
+                <a:gd name="connsiteY0" fmla="*/ 56213 h 112426"/>
+                <a:gd name="connsiteX1" fmla="*/ 56213 w 112426"/>
+                <a:gd name="connsiteY1" fmla="*/ 112426 h 112426"/>
+                <a:gd name="connsiteX2" fmla="*/ 0 w 112426"/>
+                <a:gd name="connsiteY2" fmla="*/ 56213 h 112426"/>
+                <a:gd name="connsiteX3" fmla="*/ 56213 w 112426"/>
+                <a:gd name="connsiteY3" fmla="*/ 0 h 112426"/>
+                <a:gd name="connsiteX4" fmla="*/ 112426 w 112426"/>
+                <a:gd name="connsiteY4" fmla="*/ 56213 h 112426"/>
+              </a:gdLst>
+              <a:ahLst/>
+              <a:cxnLst>
+                <a:cxn ang="0">
+                  <a:pos x="connsiteX0" y="connsiteY0"/>
+                </a:cxn>
+                <a:cxn ang="0">
+                  <a:pos x="connsiteX1" y="connsiteY1"/>
+                </a:cxn>
+                <a:cxn ang="0">
+                  <a:pos x="connsiteX2" y="connsiteY2"/>
+                </a:cxn>
+                <a:cxn ang="0">
+                  <a:pos x="connsiteX3" y="connsiteY3"/>
+                </a:cxn>
+                <a:cxn ang="0">
+                  <a:pos x="connsiteX4" y="connsiteY4"/>
+                </a:cxn>
+              </a:cxnLst>
+              <a:rect l="l" t="t" r="r" b="b"/>
+              <a:pathLst>
+                <a:path w="112426" h="112426">
+                  <a:moveTo>
+                    <a:pt x="112426" y="56213"/>
+                  </a:moveTo>
+                  <a:cubicBezTo>
+                    <a:pt x="112426" y="87259"/>
+                    <a:pt x="87259" y="112426"/>
+                    <a:pt x="56213" y="112426"/>
+                  </a:cubicBezTo>
+                  <a:cubicBezTo>
+                    <a:pt x="25167" y="112426"/>
+                    <a:pt x="0" y="87259"/>
+                    <a:pt x="0" y="56213"/>
+                  </a:cubicBezTo>
+                  <a:cubicBezTo>
+                    <a:pt x="0" y="25167"/>
+                    <a:pt x="25167" y="0"/>
+                    <a:pt x="56213" y="0"/>
+                  </a:cubicBezTo>
+                  <a:cubicBezTo>
+                    <a:pt x="87259" y="0"/>
+                    <a:pt x="112426" y="25167"/>
+                    <a:pt x="112426" y="56213"/>
+                  </a:cubicBezTo>
+                  <a:close/>
+                </a:path>
+              </a:pathLst>
+            </a:custGeom>
+            <a:grpFill/>
+            <a:ln w="516" cap="flat">
+              <a:noFill/>
+              <a:prstDash val="solid"/>
+              <a:miter/>
+            </a:ln>
+          </p:spPr>
+          <p:txBody>
+            <a:bodyPr rtlCol="0" anchor="ctr"/>
+            <a:lstStyle/>
+            <a:p>
+              <a:endParaRPr lang="en-US"/>
+            </a:p>
+          </p:txBody>
+        </p:sp>
+        <p:sp>
+          <p:nvSpPr>
+            <p:cNvPr id="15" name="Graphic 12">
+              <a:extLst>
+                <a:ext uri="{FF2B5EF4-FFF2-40B4-BE49-F238E27FC236}">
+                  <a16:creationId xmlns:a16="http://schemas.microsoft.com/office/drawing/2014/main" id="{1453BF6C-B012-48B7-B4E8-6D7AC7C27D02}"/>
+                </a:ext>
+                <a:ext uri="{C183D7F6-B498-43B3-948B-1728B52AA6E4}">
+                  <adec:decorative xmlns:adec="http://schemas.microsoft.com/office/drawing/2017/decorative" val="1"/>
+                </a:ext>
+              </a:extLst>
+            </p:cNvPr>
+            <p:cNvSpPr/>
+            <p:nvPr>
+              <p:extLst>
+                <p:ext uri="{386F3935-93C4-4BCD-93E2-E3B085C9AB24}">
+                  <p16:designElem xmlns:p16="http://schemas.microsoft.com/office/powerpoint/2015/main" val="1"/>
+                </p:ext>
+              </p:extLst>
+            </p:nvPr>
+          </p:nvSpPr>
+          <p:spPr>
+            <a:xfrm>
+              <a:off x="613892" y="1472473"/>
+              <a:ext cx="157545" cy="157545"/>
+            </a:xfrm>
+            <a:custGeom>
+              <a:avLst/>
+              <a:gdLst>
+                <a:gd name="connsiteX0" fmla="*/ 78773 w 157545"/>
+                <a:gd name="connsiteY0" fmla="*/ 23283 h 157545"/>
+                <a:gd name="connsiteX1" fmla="*/ 134262 w 157545"/>
+                <a:gd name="connsiteY1" fmla="*/ 78773 h 157545"/>
+                <a:gd name="connsiteX2" fmla="*/ 78773 w 157545"/>
+                <a:gd name="connsiteY2" fmla="*/ 134262 h 157545"/>
+                <a:gd name="connsiteX3" fmla="*/ 23283 w 157545"/>
+                <a:gd name="connsiteY3" fmla="*/ 78773 h 157545"/>
+                <a:gd name="connsiteX4" fmla="*/ 78773 w 157545"/>
+                <a:gd name="connsiteY4" fmla="*/ 23283 h 157545"/>
+                <a:gd name="connsiteX5" fmla="*/ 78773 w 157545"/>
+                <a:gd name="connsiteY5" fmla="*/ 0 h 157545"/>
+                <a:gd name="connsiteX6" fmla="*/ 0 w 157545"/>
+                <a:gd name="connsiteY6" fmla="*/ 78773 h 157545"/>
+                <a:gd name="connsiteX7" fmla="*/ 78773 w 157545"/>
+                <a:gd name="connsiteY7" fmla="*/ 157545 h 157545"/>
+                <a:gd name="connsiteX8" fmla="*/ 157545 w 157545"/>
+                <a:gd name="connsiteY8" fmla="*/ 78773 h 157545"/>
+                <a:gd name="connsiteX9" fmla="*/ 78773 w 157545"/>
+                <a:gd name="connsiteY9" fmla="*/ 0 h 157545"/>
+              </a:gdLst>
+              <a:ahLst/>
+              <a:cxnLst>
+                <a:cxn ang="0">
+                  <a:pos x="connsiteX0" y="connsiteY0"/>
+                </a:cxn>
+                <a:cxn ang="0">
+                  <a:pos x="connsiteX1" y="connsiteY1"/>
+                </a:cxn>
+                <a:cxn ang="0">
+                  <a:pos x="connsiteX2" y="connsiteY2"/>
+                </a:cxn>
+                <a:cxn ang="0">
+                  <a:pos x="connsiteX3" y="connsiteY3"/>
+                </a:cxn>
+                <a:cxn ang="0">
+                  <a:pos x="connsiteX4" y="connsiteY4"/>
+                </a:cxn>
+                <a:cxn ang="0">
+                  <a:pos x="connsiteX5" y="connsiteY5"/>
+                </a:cxn>
+                <a:cxn ang="0">
+                  <a:pos x="connsiteX6" y="connsiteY6"/>
+                </a:cxn>
+                <a:cxn ang="0">
+                  <a:pos x="connsiteX7" y="connsiteY7"/>
+                </a:cxn>
+                <a:cxn ang="0">
+                  <a:pos x="connsiteX8" y="connsiteY8"/>
+                </a:cxn>
+                <a:cxn ang="0">
+                  <a:pos x="connsiteX9" y="connsiteY9"/>
+                </a:cxn>
+              </a:cxnLst>
+              <a:rect l="l" t="t" r="r" b="b"/>
+              <a:pathLst>
+                <a:path w="157545" h="157545">
+                  <a:moveTo>
+                    <a:pt x="78773" y="23283"/>
+                  </a:moveTo>
+                  <a:cubicBezTo>
+                    <a:pt x="109419" y="23283"/>
+                    <a:pt x="134262" y="48126"/>
+                    <a:pt x="134262" y="78773"/>
+                  </a:cubicBezTo>
+                  <a:cubicBezTo>
+                    <a:pt x="134262" y="109419"/>
+                    <a:pt x="109419" y="134262"/>
+                    <a:pt x="78773" y="134262"/>
+                  </a:cubicBezTo>
+                  <a:cubicBezTo>
+                    <a:pt x="48126" y="134262"/>
+                    <a:pt x="23283" y="109419"/>
+                    <a:pt x="23283" y="78773"/>
+                  </a:cubicBezTo>
+                  <a:cubicBezTo>
+                    <a:pt x="23312" y="48139"/>
+                    <a:pt x="48139" y="23312"/>
+                    <a:pt x="78773" y="23283"/>
+                  </a:cubicBezTo>
+                  <a:moveTo>
+                    <a:pt x="78773" y="0"/>
+                  </a:moveTo>
+                  <a:cubicBezTo>
+                    <a:pt x="35268" y="0"/>
+                    <a:pt x="0" y="35268"/>
+                    <a:pt x="0" y="78773"/>
+                  </a:cubicBezTo>
+                  <a:cubicBezTo>
+                    <a:pt x="0" y="122277"/>
+                    <a:pt x="35268" y="157545"/>
+                    <a:pt x="78773" y="157545"/>
+                  </a:cubicBezTo>
+                  <a:cubicBezTo>
+                    <a:pt x="122277" y="157545"/>
+                    <a:pt x="157545" y="122277"/>
+                    <a:pt x="157545" y="78773"/>
+                  </a:cubicBezTo>
+                  <a:cubicBezTo>
+                    <a:pt x="157545" y="35268"/>
+                    <a:pt x="122277" y="0"/>
+                    <a:pt x="78773" y="0"/>
+                  </a:cubicBezTo>
+                  <a:close/>
+                </a:path>
+              </a:pathLst>
+            </a:custGeom>
+            <a:grpFill/>
+            <a:ln w="751" cap="flat">
+              <a:noFill/>
+              <a:prstDash val="solid"/>
+              <a:miter/>
+            </a:ln>
+          </p:spPr>
+          <p:txBody>
+            <a:bodyPr rtlCol="0" anchor="ctr"/>
+            <a:lstStyle/>
+            <a:p>
+              <a:endParaRPr lang="en-US"/>
+            </a:p>
+          </p:txBody>
+        </p:sp>
+      </p:grpSp>
+      <p:sp>
+        <p:nvSpPr>
+          <p:cNvPr id="3" name="Tijdelijke aanduiding voor inhoud 2">
+            <a:extLst>
+              <a:ext uri="{FF2B5EF4-FFF2-40B4-BE49-F238E27FC236}">
+                <a16:creationId xmlns:a16="http://schemas.microsoft.com/office/drawing/2014/main" id="{37CDA7C6-ADFB-AA5F-BD7A-6E2C44E27652}"/>
+              </a:ext>
+            </a:extLst>
+          </p:cNvPr>
+          <p:cNvSpPr>
+            <a:spLocks noGrp="1"/>
+          </p:cNvSpPr>
+          <p:nvPr>
+            <p:ph idx="1"/>
+          </p:nvPr>
+        </p:nvSpPr>
+        <p:spPr>
+          <a:xfrm>
+            <a:off x="6297233" y="518400"/>
+            <a:ext cx="4771607" cy="5837949"/>
+          </a:xfrm>
+        </p:spPr>
+        <p:txBody>
+          <a:bodyPr anchor="ctr">
+            <a:normAutofit/>
+          </a:bodyPr>
+          <a:lstStyle/>
+          <a:p>
+            <a:r>
+              <a:rPr lang="nl-NL" sz="2000" dirty="0">
+                <a:solidFill>
+                  <a:schemeClr val="tx1">
+                    <a:alpha val="80000"/>
+                  </a:schemeClr>
+                </a:solidFill>
+              </a:rPr>
+              <a:t>Wikipedia-bijdragers. (2023, 13 november). Scrum (projectmanagementmethode). Wikipedia. Geraadpleegd op 11 januari 2024, van https://nl.wikipedia.org/wiki/Scrum_(projectmanagementmethode)</a:t>
+            </a:r>
+          </a:p>
+        </p:txBody>
+      </p:sp>
+      <p:cxnSp>
+        <p:nvCxnSpPr>
+          <p:cNvPr id="17" name="Straight Connector 16">
+            <a:extLst>
+              <a:ext uri="{FF2B5EF4-FFF2-40B4-BE49-F238E27FC236}">
+                <a16:creationId xmlns:a16="http://schemas.microsoft.com/office/drawing/2014/main" id="{C49DA8F6-BCC1-4447-B54C-57856834B94B}"/>
+              </a:ext>
+              <a:ext uri="{C183D7F6-B498-43B3-948B-1728B52AA6E4}">
+                <adec:decorative xmlns:adec="http://schemas.microsoft.com/office/drawing/2017/decorative" val="1"/>
+              </a:ext>
+            </a:extLst>
+          </p:cNvPr>
+          <p:cNvCxnSpPr>
+            <a:cxnSpLocks noGrp="1" noRot="1" noChangeAspect="1" noMove="1" noResize="1" noEditPoints="1" noAdjustHandles="1" noChangeArrowheads="1" noChangeShapeType="1"/>
+          </p:cNvCxnSpPr>
+          <p:nvPr>
+            <p:extLst>
+              <p:ext uri="{386F3935-93C4-4BCD-93E2-E3B085C9AB24}">
+                <p16:designElem xmlns:p16="http://schemas.microsoft.com/office/powerpoint/2015/main" val="1"/>
+              </p:ext>
+            </p:extLst>
+          </p:nvPr>
+        </p:nvCxnSpPr>
+        <p:spPr>
+          <a:xfrm>
+            <a:off x="11586162" y="3610394"/>
+            <a:ext cx="0" cy="3238728"/>
+          </a:xfrm>
+          <a:prstGeom prst="line">
+            <a:avLst/>
+          </a:prstGeom>
+          <a:ln w="25400" cap="sq">
+            <a:gradFill flip="none" rotWithShape="1">
+              <a:gsLst>
+                <a:gs pos="0">
+                  <a:schemeClr val="accent1"/>
+                </a:gs>
+                <a:gs pos="100000">
+                  <a:schemeClr val="accent2"/>
+                </a:gs>
+              </a:gsLst>
+              <a:lin ang="5400000" scaled="0"/>
+              <a:tileRect/>
+            </a:gradFill>
+            <a:bevel/>
+          </a:ln>
+        </p:spPr>
+        <p:style>
+          <a:lnRef idx="1">
+            <a:schemeClr val="accent1"/>
+          </a:lnRef>
+          <a:fillRef idx="0">
+            <a:schemeClr val="accent1"/>
+          </a:fillRef>
+          <a:effectRef idx="0">
+            <a:schemeClr val="accent1"/>
+          </a:effectRef>
+          <a:fontRef idx="minor">
+            <a:schemeClr val="tx1"/>
+          </a:fontRef>
+        </p:style>
+      </p:cxnSp>
+    </p:spTree>
+    <p:extLst>
+      <p:ext uri="{BB962C8B-B14F-4D97-AF65-F5344CB8AC3E}">
+        <p14:creationId xmlns:p14="http://schemas.microsoft.com/office/powerpoint/2010/main" val="1392824696"/>
+      </p:ext>
+    </p:extLst>
+  </p:cSld>
+  <p:clrMapOvr>
+    <a:masterClrMapping/>
+  </p:clrMapOvr>
+  <mc:AlternateContent xmlns:mc="http://schemas.openxmlformats.org/markup-compatibility/2006">
+    <mc:Choice xmlns:p15="http://schemas.microsoft.com/office/powerpoint/2012/main" Requires="p15">
+      <p:transition xmlns:p14="http://schemas.microsoft.com/office/powerpoint/2010/main" spd="slow" p14:dur="1250">
+        <p15:prstTrans prst="pageCurlDouble"/>
+      </p:transition>
+    </mc:Choice>
+    <mc:Fallback>
+      <p:transition spd="slow">
+        <p:fade/>
+      </p:transition>
+    </mc:Fallback>
+  </mc:AlternateContent>
 </p:sld>
 </file>
 

--- a/groepsdocumenten/Presentatie - BKS.pptx
+++ b/groepsdocumenten/Presentatie - BKS.pptx
@@ -1285,13 +1285,13 @@
   <p:clrMapOvr>
     <a:masterClrMapping/>
   </p:clrMapOvr>
-  <mc:AlternateContent xmlns:mc="http://schemas.openxmlformats.org/markup-compatibility/2006">
-    <mc:Choice xmlns:p15="http://schemas.microsoft.com/office/powerpoint/2012/main" Requires="p15">
+  <mc:AlternateContent xmlns:mc="http://schemas.openxmlformats.org/markup-compatibility/2006" xmlns:p15="http://schemas.microsoft.com/office/powerpoint/2012/main">
+    <mc:Choice Requires="p15">
       <p:transition xmlns:p14="http://schemas.microsoft.com/office/powerpoint/2010/main" spd="slow" p14:dur="1250">
         <p15:prstTrans prst="pageCurlDouble"/>
       </p:transition>
     </mc:Choice>
-    <mc:Fallback>
+    <mc:Fallback xmlns="">
       <p:transition spd="slow">
         <p:fade/>
       </p:transition>
@@ -1495,13 +1495,13 @@
   <p:clrMapOvr>
     <a:masterClrMapping/>
   </p:clrMapOvr>
-  <mc:AlternateContent xmlns:mc="http://schemas.openxmlformats.org/markup-compatibility/2006">
-    <mc:Choice xmlns:p15="http://schemas.microsoft.com/office/powerpoint/2012/main" Requires="p15">
+  <mc:AlternateContent xmlns:mc="http://schemas.openxmlformats.org/markup-compatibility/2006" xmlns:p15="http://schemas.microsoft.com/office/powerpoint/2012/main">
+    <mc:Choice Requires="p15">
       <p:transition xmlns:p14="http://schemas.microsoft.com/office/powerpoint/2010/main" spd="slow" p14:dur="1250">
         <p15:prstTrans prst="pageCurlDouble"/>
       </p:transition>
     </mc:Choice>
-    <mc:Fallback>
+    <mc:Fallback xmlns="">
       <p:transition spd="slow">
         <p:fade/>
       </p:transition>
@@ -1715,13 +1715,13 @@
   <p:clrMapOvr>
     <a:masterClrMapping/>
   </p:clrMapOvr>
-  <mc:AlternateContent xmlns:mc="http://schemas.openxmlformats.org/markup-compatibility/2006">
-    <mc:Choice xmlns:p15="http://schemas.microsoft.com/office/powerpoint/2012/main" Requires="p15">
+  <mc:AlternateContent xmlns:mc="http://schemas.openxmlformats.org/markup-compatibility/2006" xmlns:p15="http://schemas.microsoft.com/office/powerpoint/2012/main">
+    <mc:Choice Requires="p15">
       <p:transition xmlns:p14="http://schemas.microsoft.com/office/powerpoint/2010/main" spd="slow" p14:dur="1250">
         <p15:prstTrans prst="pageCurlDouble"/>
       </p:transition>
     </mc:Choice>
-    <mc:Fallback>
+    <mc:Fallback xmlns="">
       <p:transition spd="slow">
         <p:fade/>
       </p:transition>
@@ -1925,13 +1925,13 @@
   <p:clrMapOvr>
     <a:masterClrMapping/>
   </p:clrMapOvr>
-  <mc:AlternateContent xmlns:mc="http://schemas.openxmlformats.org/markup-compatibility/2006">
-    <mc:Choice xmlns:p15="http://schemas.microsoft.com/office/powerpoint/2012/main" Requires="p15">
+  <mc:AlternateContent xmlns:mc="http://schemas.openxmlformats.org/markup-compatibility/2006" xmlns:p15="http://schemas.microsoft.com/office/powerpoint/2012/main">
+    <mc:Choice Requires="p15">
       <p:transition xmlns:p14="http://schemas.microsoft.com/office/powerpoint/2010/main" spd="slow" p14:dur="1250">
         <p15:prstTrans prst="pageCurlDouble"/>
       </p:transition>
     </mc:Choice>
-    <mc:Fallback>
+    <mc:Fallback xmlns="">
       <p:transition spd="slow">
         <p:fade/>
       </p:transition>
@@ -2212,13 +2212,13 @@
   <p:clrMapOvr>
     <a:masterClrMapping/>
   </p:clrMapOvr>
-  <mc:AlternateContent xmlns:mc="http://schemas.openxmlformats.org/markup-compatibility/2006">
-    <mc:Choice xmlns:p15="http://schemas.microsoft.com/office/powerpoint/2012/main" Requires="p15">
+  <mc:AlternateContent xmlns:mc="http://schemas.openxmlformats.org/markup-compatibility/2006" xmlns:p15="http://schemas.microsoft.com/office/powerpoint/2012/main">
+    <mc:Choice Requires="p15">
       <p:transition xmlns:p14="http://schemas.microsoft.com/office/powerpoint/2010/main" spd="slow" p14:dur="1250">
         <p15:prstTrans prst="pageCurlDouble"/>
       </p:transition>
     </mc:Choice>
-    <mc:Fallback>
+    <mc:Fallback xmlns="">
       <p:transition spd="slow">
         <p:fade/>
       </p:transition>
@@ -2489,13 +2489,13 @@
   <p:clrMapOvr>
     <a:masterClrMapping/>
   </p:clrMapOvr>
-  <mc:AlternateContent xmlns:mc="http://schemas.openxmlformats.org/markup-compatibility/2006">
-    <mc:Choice xmlns:p15="http://schemas.microsoft.com/office/powerpoint/2012/main" Requires="p15">
+  <mc:AlternateContent xmlns:mc="http://schemas.openxmlformats.org/markup-compatibility/2006" xmlns:p15="http://schemas.microsoft.com/office/powerpoint/2012/main">
+    <mc:Choice Requires="p15">
       <p:transition xmlns:p14="http://schemas.microsoft.com/office/powerpoint/2010/main" spd="slow" p14:dur="1250">
         <p15:prstTrans prst="pageCurlDouble"/>
       </p:transition>
     </mc:Choice>
-    <mc:Fallback>
+    <mc:Fallback xmlns="">
       <p:transition spd="slow">
         <p:fade/>
       </p:transition>
@@ -2913,13 +2913,13 @@
   <p:clrMapOvr>
     <a:masterClrMapping/>
   </p:clrMapOvr>
-  <mc:AlternateContent xmlns:mc="http://schemas.openxmlformats.org/markup-compatibility/2006">
-    <mc:Choice xmlns:p15="http://schemas.microsoft.com/office/powerpoint/2012/main" Requires="p15">
+  <mc:AlternateContent xmlns:mc="http://schemas.openxmlformats.org/markup-compatibility/2006" xmlns:p15="http://schemas.microsoft.com/office/powerpoint/2012/main">
+    <mc:Choice Requires="p15">
       <p:transition xmlns:p14="http://schemas.microsoft.com/office/powerpoint/2010/main" spd="slow" p14:dur="1250">
         <p15:prstTrans prst="pageCurlDouble"/>
       </p:transition>
     </mc:Choice>
-    <mc:Fallback>
+    <mc:Fallback xmlns="">
       <p:transition spd="slow">
         <p:fade/>
       </p:transition>
@@ -3066,13 +3066,13 @@
   <p:clrMapOvr>
     <a:masterClrMapping/>
   </p:clrMapOvr>
-  <mc:AlternateContent xmlns:mc="http://schemas.openxmlformats.org/markup-compatibility/2006">
-    <mc:Choice xmlns:p15="http://schemas.microsoft.com/office/powerpoint/2012/main" Requires="p15">
+  <mc:AlternateContent xmlns:mc="http://schemas.openxmlformats.org/markup-compatibility/2006" xmlns:p15="http://schemas.microsoft.com/office/powerpoint/2012/main">
+    <mc:Choice Requires="p15">
       <p:transition xmlns:p14="http://schemas.microsoft.com/office/powerpoint/2010/main" spd="slow" p14:dur="1250">
         <p15:prstTrans prst="pageCurlDouble"/>
       </p:transition>
     </mc:Choice>
-    <mc:Fallback>
+    <mc:Fallback xmlns="">
       <p:transition spd="slow">
         <p:fade/>
       </p:transition>
@@ -3191,13 +3191,13 @@
   <p:clrMapOvr>
     <a:masterClrMapping/>
   </p:clrMapOvr>
-  <mc:AlternateContent xmlns:mc="http://schemas.openxmlformats.org/markup-compatibility/2006">
-    <mc:Choice xmlns:p15="http://schemas.microsoft.com/office/powerpoint/2012/main" Requires="p15">
+  <mc:AlternateContent xmlns:mc="http://schemas.openxmlformats.org/markup-compatibility/2006" xmlns:p15="http://schemas.microsoft.com/office/powerpoint/2012/main">
+    <mc:Choice Requires="p15">
       <p:transition xmlns:p14="http://schemas.microsoft.com/office/powerpoint/2010/main" spd="slow" p14:dur="1250">
         <p15:prstTrans prst="pageCurlDouble"/>
       </p:transition>
     </mc:Choice>
-    <mc:Fallback>
+    <mc:Fallback xmlns="">
       <p:transition spd="slow">
         <p:fade/>
       </p:transition>
@@ -3514,13 +3514,13 @@
   <p:clrMapOvr>
     <a:masterClrMapping/>
   </p:clrMapOvr>
-  <mc:AlternateContent xmlns:mc="http://schemas.openxmlformats.org/markup-compatibility/2006">
-    <mc:Choice xmlns:p15="http://schemas.microsoft.com/office/powerpoint/2012/main" Requires="p15">
+  <mc:AlternateContent xmlns:mc="http://schemas.openxmlformats.org/markup-compatibility/2006" xmlns:p15="http://schemas.microsoft.com/office/powerpoint/2012/main">
+    <mc:Choice Requires="p15">
       <p:transition xmlns:p14="http://schemas.microsoft.com/office/powerpoint/2010/main" spd="slow" p14:dur="1250">
         <p15:prstTrans prst="pageCurlDouble"/>
       </p:transition>
     </mc:Choice>
-    <mc:Fallback>
+    <mc:Fallback xmlns="">
       <p:transition spd="slow">
         <p:fade/>
       </p:transition>
@@ -3814,13 +3814,13 @@
   <p:clrMapOvr>
     <a:masterClrMapping/>
   </p:clrMapOvr>
-  <mc:AlternateContent xmlns:mc="http://schemas.openxmlformats.org/markup-compatibility/2006">
-    <mc:Choice xmlns:p15="http://schemas.microsoft.com/office/powerpoint/2012/main" Requires="p15">
+  <mc:AlternateContent xmlns:mc="http://schemas.openxmlformats.org/markup-compatibility/2006" xmlns:p15="http://schemas.microsoft.com/office/powerpoint/2012/main">
+    <mc:Choice Requires="p15">
       <p:transition xmlns:p14="http://schemas.microsoft.com/office/powerpoint/2010/main" spd="slow" p14:dur="1250">
         <p15:prstTrans prst="pageCurlDouble"/>
       </p:transition>
     </mc:Choice>
-    <mc:Fallback>
+    <mc:Fallback xmlns="">
       <p:transition spd="slow">
         <p:fade/>
       </p:transition>
@@ -4114,13 +4114,13 @@
     <p:sldLayoutId id="2147483682" r:id="rId10"/>
     <p:sldLayoutId id="2147483683" r:id="rId11"/>
   </p:sldLayoutIdLst>
-  <mc:AlternateContent xmlns:mc="http://schemas.openxmlformats.org/markup-compatibility/2006">
-    <mc:Choice xmlns:p15="http://schemas.microsoft.com/office/powerpoint/2012/main" Requires="p15">
+  <mc:AlternateContent xmlns:mc="http://schemas.openxmlformats.org/markup-compatibility/2006" xmlns:p15="http://schemas.microsoft.com/office/powerpoint/2012/main">
+    <mc:Choice Requires="p15">
       <p:transition xmlns:p14="http://schemas.microsoft.com/office/powerpoint/2010/main" spd="slow" p14:dur="1250">
         <p15:prstTrans prst="pageCurlDouble"/>
       </p:transition>
     </mc:Choice>
-    <mc:Fallback>
+    <mc:Fallback xmlns="">
       <p:transition spd="slow">
         <p:fade/>
       </p:transition>
@@ -5623,13 +5623,13 @@
   <p:clrMapOvr>
     <a:masterClrMapping/>
   </p:clrMapOvr>
-  <mc:AlternateContent xmlns:mc="http://schemas.openxmlformats.org/markup-compatibility/2006">
-    <mc:Choice xmlns:p15="http://schemas.microsoft.com/office/powerpoint/2012/main" Requires="p15">
+  <mc:AlternateContent xmlns:mc="http://schemas.openxmlformats.org/markup-compatibility/2006" xmlns:p15="http://schemas.microsoft.com/office/powerpoint/2012/main">
+    <mc:Choice Requires="p15">
       <p:transition xmlns:p14="http://schemas.microsoft.com/office/powerpoint/2010/main" spd="slow" p14:dur="1250">
         <p15:prstTrans prst="pageCurlDouble"/>
       </p:transition>
     </mc:Choice>
-    <mc:Fallback>
+    <mc:Fallback xmlns="">
       <p:transition spd="slow">
         <p:fade/>
       </p:transition>
@@ -5736,7 +5736,7 @@
             </a:extLst>
           </p:cNvPr>
           <p:cNvSpPr>
-            <a:spLocks noGrp="1" noRot="1" noChangeAspect="1" noMove="1" noResize="1" noEditPoints="1" noAdjustHandles="1" noChangeArrowheads="1" noChangeShapeType="1" noTextEdit="1"/>
+            <a:spLocks noChangeAspect="1"/>
           </p:cNvSpPr>
           <p:nvPr>
             <p:extLst>
@@ -5749,7 +5749,7 @@
         <p:spPr>
           <a:xfrm>
             <a:off x="0" y="0"/>
-            <a:ext cx="5779911" cy="6858000"/>
+            <a:ext cx="6095999" cy="6858000"/>
           </a:xfrm>
           <a:prstGeom prst="rect">
             <a:avLst/>
@@ -6513,13 +6513,13 @@
   <p:clrMapOvr>
     <a:masterClrMapping/>
   </p:clrMapOvr>
-  <mc:AlternateContent xmlns:mc="http://schemas.openxmlformats.org/markup-compatibility/2006">
-    <mc:Choice xmlns:p15="http://schemas.microsoft.com/office/powerpoint/2012/main" Requires="p15">
+  <mc:AlternateContent xmlns:mc="http://schemas.openxmlformats.org/markup-compatibility/2006" xmlns:p15="http://schemas.microsoft.com/office/powerpoint/2012/main">
+    <mc:Choice Requires="p15">
       <p:transition xmlns:p14="http://schemas.microsoft.com/office/powerpoint/2010/main" spd="slow" p14:dur="1250">
         <p15:prstTrans prst="pageCurlDouble"/>
       </p:transition>
     </mc:Choice>
-    <mc:Fallback>
+    <mc:Fallback xmlns="">
       <p:transition spd="slow">
         <p:fade/>
       </p:transition>
@@ -6626,7 +6626,7 @@
             </a:extLst>
           </p:cNvPr>
           <p:cNvSpPr>
-            <a:spLocks noGrp="1" noRot="1" noChangeAspect="1" noMove="1" noResize="1" noEditPoints="1" noAdjustHandles="1" noChangeArrowheads="1" noChangeShapeType="1" noTextEdit="1"/>
+            <a:spLocks noChangeAspect="1"/>
           </p:cNvSpPr>
           <p:nvPr>
             <p:extLst>
@@ -6639,7 +6639,7 @@
         <p:spPr>
           <a:xfrm>
             <a:off x="0" y="0"/>
-            <a:ext cx="5779911" cy="6858000"/>
+            <a:ext cx="6095997" cy="6858000"/>
           </a:xfrm>
           <a:prstGeom prst="rect">
             <a:avLst/>
@@ -7358,13 +7358,13 @@
   <p:clrMapOvr>
     <a:masterClrMapping/>
   </p:clrMapOvr>
-  <mc:AlternateContent xmlns:mc="http://schemas.openxmlformats.org/markup-compatibility/2006">
-    <mc:Choice xmlns:p15="http://schemas.microsoft.com/office/powerpoint/2012/main" Requires="p15">
+  <mc:AlternateContent xmlns:mc="http://schemas.openxmlformats.org/markup-compatibility/2006" xmlns:p15="http://schemas.microsoft.com/office/powerpoint/2012/main">
+    <mc:Choice Requires="p15">
       <p:transition xmlns:p14="http://schemas.microsoft.com/office/powerpoint/2010/main" spd="slow" p14:dur="1250">
         <p15:prstTrans prst="pageCurlDouble"/>
       </p:transition>
     </mc:Choice>
-    <mc:Fallback>
+    <mc:Fallback xmlns="">
       <p:transition spd="slow">
         <p:fade/>
       </p:transition>
@@ -7471,7 +7471,7 @@
             </a:extLst>
           </p:cNvPr>
           <p:cNvSpPr>
-            <a:spLocks noGrp="1" noRot="1" noChangeAspect="1" noMove="1" noResize="1" noEditPoints="1" noAdjustHandles="1" noChangeArrowheads="1" noChangeShapeType="1" noTextEdit="1"/>
+            <a:spLocks noChangeAspect="1"/>
           </p:cNvSpPr>
           <p:nvPr>
             <p:extLst>
@@ -7484,7 +7484,7 @@
         <p:spPr>
           <a:xfrm>
             <a:off x="0" y="0"/>
-            <a:ext cx="5779911" cy="6858000"/>
+            <a:ext cx="6095997" cy="6858000"/>
           </a:xfrm>
           <a:prstGeom prst="rect">
             <a:avLst/>
@@ -8179,13 +8179,13 @@
   <p:clrMapOvr>
     <a:masterClrMapping/>
   </p:clrMapOvr>
-  <mc:AlternateContent xmlns:mc="http://schemas.openxmlformats.org/markup-compatibility/2006">
-    <mc:Choice xmlns:p15="http://schemas.microsoft.com/office/powerpoint/2012/main" Requires="p15">
+  <mc:AlternateContent xmlns:mc="http://schemas.openxmlformats.org/markup-compatibility/2006" xmlns:p15="http://schemas.microsoft.com/office/powerpoint/2012/main">
+    <mc:Choice Requires="p15">
       <p:transition xmlns:p14="http://schemas.microsoft.com/office/powerpoint/2010/main" spd="slow" p14:dur="1250">
         <p15:prstTrans prst="pageCurlDouble"/>
       </p:transition>
     </mc:Choice>
-    <mc:Fallback>
+    <mc:Fallback xmlns="">
       <p:transition spd="slow">
         <p:fade/>
       </p:transition>
@@ -8292,7 +8292,7 @@
             </a:extLst>
           </p:cNvPr>
           <p:cNvSpPr>
-            <a:spLocks noGrp="1" noRot="1" noChangeAspect="1" noMove="1" noResize="1" noEditPoints="1" noAdjustHandles="1" noChangeArrowheads="1" noChangeShapeType="1" noTextEdit="1"/>
+            <a:spLocks noChangeAspect="1"/>
           </p:cNvSpPr>
           <p:nvPr>
             <p:extLst>
@@ -8305,7 +8305,7 @@
         <p:spPr>
           <a:xfrm>
             <a:off x="0" y="0"/>
-            <a:ext cx="5779911" cy="6858000"/>
+            <a:ext cx="6095998" cy="6858000"/>
           </a:xfrm>
           <a:prstGeom prst="rect">
             <a:avLst/>
@@ -9003,13 +9003,13 @@
   <p:clrMapOvr>
     <a:masterClrMapping/>
   </p:clrMapOvr>
-  <mc:AlternateContent xmlns:mc="http://schemas.openxmlformats.org/markup-compatibility/2006">
-    <mc:Choice xmlns:p15="http://schemas.microsoft.com/office/powerpoint/2012/main" Requires="p15">
+  <mc:AlternateContent xmlns:mc="http://schemas.openxmlformats.org/markup-compatibility/2006" xmlns:p15="http://schemas.microsoft.com/office/powerpoint/2012/main">
+    <mc:Choice Requires="p15">
       <p:transition xmlns:p14="http://schemas.microsoft.com/office/powerpoint/2010/main" spd="slow" p14:dur="1250">
         <p15:prstTrans prst="pageCurlDouble"/>
       </p:transition>
     </mc:Choice>
-    <mc:Fallback>
+    <mc:Fallback xmlns="">
       <p:transition spd="slow">
         <p:fade/>
       </p:transition>
@@ -9116,7 +9116,7 @@
             </a:extLst>
           </p:cNvPr>
           <p:cNvSpPr>
-            <a:spLocks noGrp="1" noRot="1" noChangeAspect="1" noMove="1" noResize="1" noEditPoints="1" noAdjustHandles="1" noChangeArrowheads="1" noChangeShapeType="1" noTextEdit="1"/>
+            <a:spLocks noChangeAspect="1"/>
           </p:cNvSpPr>
           <p:nvPr>
             <p:extLst>
@@ -9129,7 +9129,7 @@
         <p:spPr>
           <a:xfrm>
             <a:off x="0" y="0"/>
-            <a:ext cx="5779911" cy="6858000"/>
+            <a:ext cx="6096000" cy="6858000"/>
           </a:xfrm>
           <a:prstGeom prst="rect">
             <a:avLst/>
@@ -9760,7 +9760,7 @@
                   </a:schemeClr>
                 </a:solidFill>
               </a:rPr>
-              <a:t> links.</a:t>
+              <a:t> links</a:t>
             </a:r>
           </a:p>
           <a:p>
@@ -9784,16 +9784,13 @@
               </a:rPr>
               <a:t>Graph</a:t>
             </a:r>
-            <a:r>
-              <a:rPr lang="nl-NL" sz="2000" dirty="0">
-                <a:solidFill>
-                  <a:schemeClr val="tx1">
-                    <a:alpha val="80000"/>
-                  </a:schemeClr>
-                </a:solidFill>
-              </a:rPr>
-              <a:t>.</a:t>
-            </a:r>
+            <a:endParaRPr lang="nl-NL" sz="2000" dirty="0">
+              <a:solidFill>
+                <a:schemeClr val="tx1">
+                  <a:alpha val="80000"/>
+                </a:schemeClr>
+              </a:solidFill>
+            </a:endParaRPr>
           </a:p>
           <a:p>
             <a:r>
@@ -9814,7 +9811,7 @@
                   </a:schemeClr>
                 </a:solidFill>
               </a:rPr>
-              <a:t> media platform links.</a:t>
+              <a:t> media platform links</a:t>
             </a:r>
           </a:p>
         </p:txBody>
@@ -9891,13 +9888,13 @@
   <p:clrMapOvr>
     <a:masterClrMapping/>
   </p:clrMapOvr>
-  <mc:AlternateContent xmlns:mc="http://schemas.openxmlformats.org/markup-compatibility/2006">
-    <mc:Choice xmlns:p15="http://schemas.microsoft.com/office/powerpoint/2012/main" Requires="p15">
+  <mc:AlternateContent xmlns:mc="http://schemas.openxmlformats.org/markup-compatibility/2006" xmlns:p15="http://schemas.microsoft.com/office/powerpoint/2012/main">
+    <mc:Choice Requires="p15">
       <p:transition xmlns:p14="http://schemas.microsoft.com/office/powerpoint/2010/main" spd="slow" p14:dur="1250">
         <p15:prstTrans prst="pageCurlDouble"/>
       </p:transition>
     </mc:Choice>
-    <mc:Fallback>
+    <mc:Fallback xmlns="">
       <p:transition spd="slow">
         <p:fade/>
       </p:transition>
@@ -10004,7 +10001,7 @@
             </a:extLst>
           </p:cNvPr>
           <p:cNvSpPr>
-            <a:spLocks noGrp="1" noRot="1" noChangeAspect="1" noMove="1" noResize="1" noEditPoints="1" noAdjustHandles="1" noChangeArrowheads="1" noChangeShapeType="1" noTextEdit="1"/>
+            <a:spLocks noChangeAspect="1"/>
           </p:cNvSpPr>
           <p:nvPr>
             <p:extLst>
@@ -10017,7 +10014,7 @@
         <p:spPr>
           <a:xfrm>
             <a:off x="0" y="0"/>
-            <a:ext cx="5779911" cy="6858000"/>
+            <a:ext cx="6095998" cy="6858000"/>
           </a:xfrm>
           <a:prstGeom prst="rect">
             <a:avLst/>
@@ -10712,13 +10709,13 @@
   <p:clrMapOvr>
     <a:masterClrMapping/>
   </p:clrMapOvr>
-  <mc:AlternateContent xmlns:mc="http://schemas.openxmlformats.org/markup-compatibility/2006">
-    <mc:Choice xmlns:p15="http://schemas.microsoft.com/office/powerpoint/2012/main" Requires="p15">
+  <mc:AlternateContent xmlns:mc="http://schemas.openxmlformats.org/markup-compatibility/2006" xmlns:p15="http://schemas.microsoft.com/office/powerpoint/2012/main">
+    <mc:Choice Requires="p15">
       <p:transition xmlns:p14="http://schemas.microsoft.com/office/powerpoint/2010/main" spd="slow" p14:dur="1250">
         <p15:prstTrans prst="pageCurlDouble"/>
       </p:transition>
     </mc:Choice>
-    <mc:Fallback>
+    <mc:Fallback xmlns="">
       <p:transition spd="slow">
         <p:fade/>
       </p:transition>
@@ -10825,7 +10822,7 @@
             </a:extLst>
           </p:cNvPr>
           <p:cNvSpPr>
-            <a:spLocks noGrp="1" noRot="1" noChangeAspect="1" noMove="1" noResize="1" noEditPoints="1" noAdjustHandles="1" noChangeArrowheads="1" noChangeShapeType="1" noTextEdit="1"/>
+            <a:spLocks noChangeAspect="1"/>
           </p:cNvSpPr>
           <p:nvPr>
             <p:extLst>
@@ -10838,7 +10835,7 @@
         <p:spPr>
           <a:xfrm>
             <a:off x="0" y="0"/>
-            <a:ext cx="5779911" cy="6858000"/>
+            <a:ext cx="6095995" cy="6858000"/>
           </a:xfrm>
           <a:prstGeom prst="rect">
             <a:avLst/>
@@ -11536,13 +11533,13 @@
   <p:clrMapOvr>
     <a:masterClrMapping/>
   </p:clrMapOvr>
-  <mc:AlternateContent xmlns:mc="http://schemas.openxmlformats.org/markup-compatibility/2006">
-    <mc:Choice xmlns:p15="http://schemas.microsoft.com/office/powerpoint/2012/main" Requires="p15">
+  <mc:AlternateContent xmlns:mc="http://schemas.openxmlformats.org/markup-compatibility/2006" xmlns:p15="http://schemas.microsoft.com/office/powerpoint/2012/main">
+    <mc:Choice Requires="p15">
       <p:transition xmlns:p14="http://schemas.microsoft.com/office/powerpoint/2010/main" spd="slow" p14:dur="1250">
         <p15:prstTrans prst="pageCurlDouble"/>
       </p:transition>
     </mc:Choice>
-    <mc:Fallback>
+    <mc:Fallback xmlns="">
       <p:transition spd="slow">
         <p:fade/>
       </p:transition>

--- a/groepsdocumenten/Presentatie - BKS.pptx
+++ b/groepsdocumenten/Presentatie - BKS.pptx
@@ -204,7 +204,7 @@
           <a:p>
             <a:fld id="{B56EC726-22DB-4DBF-82A0-D5230AD126A6}" type="datetimeFigureOut">
               <a:rPr lang="nl-NL" smtClean="0"/>
-              <a:t>11-1-2024</a:t>
+              <a:t>12-1-2024</a:t>
             </a:fld>
             <a:endParaRPr lang="nl-NL"/>
           </a:p>
@@ -519,23 +519,7 @@
               <a:rPr lang="nl-NL" dirty="0">
                 <a:cs typeface="Calibri"/>
               </a:rPr>
-              <a:t>Wij gaan het hebben over …</a:t>
-            </a:r>
-            <a:br>
-              <a:rPr lang="nl-NL" dirty="0">
-                <a:cs typeface="Calibri"/>
-              </a:rPr>
-            </a:br>
-            <a:r>
-              <a:rPr lang="nl-NL" dirty="0"/>
-              <a:t>Wat willen wij bereiken met deze presentatie?</a:t>
-            </a:r>
-            <a:br>
-              <a:rPr lang="nl-NL" dirty="0"/>
-            </a:br>
-            <a:r>
-              <a:rPr lang="nl-NL" dirty="0"/>
-              <a:t>Waarom hebben wij het over….?</a:t>
+              <a:t>Yannick</a:t>
             </a:r>
           </a:p>
         </p:txBody>
@@ -639,16 +623,7 @@
             </a:pPr>
             <a:r>
               <a:rPr lang="nl-NL" dirty="0"/>
-              <a:t>Wat wordt er behandeld?</a:t>
-            </a:r>
-            <a:endParaRPr lang="nl-NL" dirty="0">
-              <a:cs typeface="Calibri" panose="020F0502020204030204"/>
-            </a:endParaRPr>
-          </a:p>
-          <a:p>
-            <a:r>
-              <a:rPr lang="nl-NL" dirty="0"/>
-              <a:t>Wanneer kunnen er vragen worden gesteld?</a:t>
+              <a:t>Yannick</a:t>
             </a:r>
           </a:p>
         </p:txBody>
@@ -750,7 +725,187 @@
               <a:tabLst/>
               <a:defRPr/>
             </a:pPr>
+            <a:r>
+              <a:rPr lang="nl-NL" dirty="0"/>
+              <a:t>Yannick</a:t>
+            </a:r>
+          </a:p>
+          <a:p>
+            <a:pPr marL="0" marR="0" lvl="0" indent="0" algn="l" defTabSz="914400" rtl="0" eaLnBrk="1" fontAlgn="auto" latinLnBrk="0" hangingPunct="1">
+              <a:lnSpc>
+                <a:spcPct val="100000"/>
+              </a:lnSpc>
+              <a:spcBef>
+                <a:spcPts val="0"/>
+              </a:spcBef>
+              <a:spcAft>
+                <a:spcPts val="0"/>
+              </a:spcAft>
+              <a:buClrTx/>
+              <a:buSzTx/>
+              <a:buFontTx/>
+              <a:buNone/>
+              <a:tabLst/>
+              <a:defRPr/>
+            </a:pPr>
+            <a:r>
+              <a:rPr lang="nl-NL" dirty="0"/>
+              <a:t>Doelstelling erbij</a:t>
+            </a:r>
+          </a:p>
+          <a:p>
+            <a:pPr marL="0" marR="0" lvl="0" indent="0" algn="l" defTabSz="914400" rtl="0" eaLnBrk="1" fontAlgn="auto" latinLnBrk="0" hangingPunct="1">
+              <a:lnSpc>
+                <a:spcPct val="100000"/>
+              </a:lnSpc>
+              <a:spcBef>
+                <a:spcPts val="0"/>
+              </a:spcBef>
+              <a:spcAft>
+                <a:spcPts val="0"/>
+              </a:spcAft>
+              <a:buClrTx/>
+              <a:buSzTx/>
+              <a:buFontTx/>
+              <a:buNone/>
+              <a:tabLst/>
+              <a:defRPr/>
+            </a:pPr>
+            <a:r>
+              <a:rPr lang="nl-NL" dirty="0"/>
+              <a:t>Mobile-first webapplicatie BKS -&gt; opdracht uit projectplan</a:t>
+            </a:r>
+          </a:p>
+          <a:p>
+            <a:pPr marL="0" marR="0" lvl="0" indent="0" algn="l" defTabSz="914400" rtl="0" eaLnBrk="1" fontAlgn="auto" latinLnBrk="0" hangingPunct="1">
+              <a:lnSpc>
+                <a:spcPct val="100000"/>
+              </a:lnSpc>
+              <a:spcBef>
+                <a:spcPts val="0"/>
+              </a:spcBef>
+              <a:spcAft>
+                <a:spcPts val="0"/>
+              </a:spcAft>
+              <a:buClrTx/>
+              <a:buSzTx/>
+              <a:buFontTx/>
+              <a:buNone/>
+              <a:tabLst/>
+              <a:defRPr/>
+            </a:pPr>
+            <a:r>
+              <a:rPr lang="nl-NL" dirty="0"/>
+              <a:t>Wat we hebben gedaan -&gt; tests (d.m.v. </a:t>
+            </a:r>
+            <a:r>
+              <a:rPr lang="nl-NL" dirty="0" err="1"/>
+              <a:t>jest</a:t>
+            </a:r>
+            <a:r>
+              <a:rPr lang="nl-NL" dirty="0"/>
+              <a:t> en node test), </a:t>
+            </a:r>
+            <a:r>
+              <a:rPr lang="nl-NL" dirty="0" err="1"/>
+              <a:t>sgb</a:t>
+            </a:r>
             <a:endParaRPr lang="nl-NL" dirty="0"/>
+          </a:p>
+          <a:p>
+            <a:pPr marL="0" marR="0" lvl="0" indent="0" algn="l" defTabSz="914400" rtl="0" eaLnBrk="1" fontAlgn="auto" latinLnBrk="0" hangingPunct="1">
+              <a:lnSpc>
+                <a:spcPct val="100000"/>
+              </a:lnSpc>
+              <a:spcBef>
+                <a:spcPts val="0"/>
+              </a:spcBef>
+              <a:spcAft>
+                <a:spcPts val="0"/>
+              </a:spcAft>
+              <a:buClrTx/>
+              <a:buSzTx/>
+              <a:buFontTx/>
+              <a:buNone/>
+              <a:tabLst/>
+              <a:defRPr/>
+            </a:pPr>
+            <a:r>
+              <a:rPr lang="nl-NL" dirty="0"/>
+              <a:t>Technieken gebruikt -&gt; </a:t>
+            </a:r>
+            <a:r>
+              <a:rPr lang="nl-NL" dirty="0" err="1"/>
+              <a:t>react</a:t>
+            </a:r>
+            <a:r>
+              <a:rPr lang="nl-NL" dirty="0"/>
+              <a:t>, </a:t>
+            </a:r>
+            <a:r>
+              <a:rPr lang="nl-NL" dirty="0" err="1"/>
+              <a:t>react</a:t>
+            </a:r>
+            <a:r>
+              <a:rPr lang="nl-NL" dirty="0"/>
+              <a:t> router, </a:t>
+            </a:r>
+            <a:r>
+              <a:rPr lang="nl-NL" dirty="0" err="1"/>
+              <a:t>redux</a:t>
+            </a:r>
+            <a:r>
+              <a:rPr lang="nl-NL" dirty="0"/>
+              <a:t>, MUI, </a:t>
+            </a:r>
+            <a:r>
+              <a:rPr lang="nl-NL" dirty="0" err="1"/>
+              <a:t>vite</a:t>
+            </a:r>
+            <a:r>
+              <a:rPr lang="nl-NL" dirty="0"/>
+              <a:t>, node.js, </a:t>
+            </a:r>
+            <a:r>
+              <a:rPr lang="nl-NL" dirty="0" err="1"/>
+              <a:t>express</a:t>
+            </a:r>
+            <a:r>
+              <a:rPr lang="nl-NL" dirty="0"/>
+              <a:t> (REST), </a:t>
+            </a:r>
+            <a:r>
+              <a:rPr lang="nl-NL" dirty="0" err="1"/>
+              <a:t>mongodb</a:t>
+            </a:r>
+            <a:r>
+              <a:rPr lang="nl-NL" dirty="0"/>
+              <a:t>, </a:t>
+            </a:r>
+            <a:r>
+              <a:rPr lang="nl-NL" dirty="0" err="1"/>
+              <a:t>mongoose</a:t>
+            </a:r>
+            <a:r>
+              <a:rPr lang="nl-NL" dirty="0"/>
+              <a:t>, </a:t>
+            </a:r>
+            <a:r>
+              <a:rPr lang="nl-NL" dirty="0" err="1"/>
+              <a:t>websockets</a:t>
+            </a:r>
+            <a:r>
+              <a:rPr lang="nl-NL" dirty="0"/>
+              <a:t>, </a:t>
+            </a:r>
+            <a:r>
+              <a:rPr lang="nl-NL" dirty="0" err="1"/>
+              <a:t>Oauth</a:t>
+            </a:r>
+            <a:r>
+              <a:rPr lang="nl-NL" dirty="0"/>
+              <a:t> (SSO)</a:t>
+            </a:r>
           </a:p>
         </p:txBody>
       </p:sp>
@@ -853,7 +1008,30 @@
             </a:pPr>
             <a:r>
               <a:rPr lang="nl-NL" dirty="0"/>
-              <a:t>Zijn er nog vragen over de demonstratie?</a:t>
+              <a:t>Niels en Joris</a:t>
+            </a:r>
+          </a:p>
+          <a:p>
+            <a:pPr marL="0" marR="0" lvl="0" indent="0" algn="l" defTabSz="914400" rtl="0" eaLnBrk="1" fontAlgn="auto" latinLnBrk="0" hangingPunct="1">
+              <a:lnSpc>
+                <a:spcPct val="100000"/>
+              </a:lnSpc>
+              <a:spcBef>
+                <a:spcPts val="0"/>
+              </a:spcBef>
+              <a:spcAft>
+                <a:spcPts val="0"/>
+              </a:spcAft>
+              <a:buClrTx/>
+              <a:buSzTx/>
+              <a:buFontTx/>
+              <a:buNone/>
+              <a:tabLst/>
+              <a:defRPr/>
+            </a:pPr>
+            <a:r>
+              <a:rPr lang="nl-NL" dirty="0"/>
+              <a:t>Demo + tests laten zien</a:t>
             </a:r>
           </a:p>
         </p:txBody>
@@ -940,8 +1118,255 @@
           <a:p>
             <a:r>
               <a:rPr lang="nl-NL" dirty="0"/>
-              <a:t>Zijn er nog vragen voordat we beginnen met de demonstratie?</a:t>
-            </a:r>
+              <a:t>Jelle</a:t>
+            </a:r>
+          </a:p>
+          <a:p>
+            <a:r>
+              <a:rPr lang="nl-NL" dirty="0"/>
+              <a:t>SCRUM, dat houdt in…, ceremonies</a:t>
+            </a:r>
+          </a:p>
+          <a:p>
+            <a:r>
+              <a:rPr lang="nl-NL" dirty="0"/>
+              <a:t>GitHub </a:t>
+            </a:r>
+            <a:r>
+              <a:rPr lang="nl-NL" dirty="0" err="1"/>
+              <a:t>Projects</a:t>
+            </a:r>
+            <a:r>
+              <a:rPr lang="nl-NL" dirty="0"/>
+              <a:t> bord, reviewen volgens DOD</a:t>
+            </a:r>
+          </a:p>
+          <a:p>
+            <a:r>
+              <a:rPr lang="nl-NL" dirty="0"/>
+              <a:t>Voorbeeld van review</a:t>
+            </a:r>
+          </a:p>
+        </p:txBody>
+      </p:sp>
+      <p:sp>
+        <p:nvSpPr>
+          <p:cNvPr id="4" name="Tijdelijke aanduiding voor dianummer 3"/>
+          <p:cNvSpPr>
+            <a:spLocks noGrp="1"/>
+          </p:cNvSpPr>
+          <p:nvPr>
+            <p:ph type="sldNum" sz="quarter" idx="5"/>
+          </p:nvPr>
+        </p:nvSpPr>
+        <p:spPr/>
+        <p:txBody>
+          <a:bodyPr/>
+          <a:lstStyle/>
+          <a:p>
+            <a:fld id="{DA6312A7-78B6-4FD8-A511-D49FA668EDB3}" type="slidenum">
+              <a:rPr lang="nl-NL" smtClean="0"/>
+              <a:t>5</a:t>
+            </a:fld>
+            <a:endParaRPr lang="nl-NL"/>
+          </a:p>
+        </p:txBody>
+      </p:sp>
+    </p:spTree>
+    <p:extLst>
+      <p:ext uri="{BB962C8B-B14F-4D97-AF65-F5344CB8AC3E}">
+        <p14:creationId xmlns:p14="http://schemas.microsoft.com/office/powerpoint/2010/main" val="3141004533"/>
+      </p:ext>
+    </p:extLst>
+  </p:cSld>
+  <p:clrMapOvr>
+    <a:masterClrMapping/>
+  </p:clrMapOvr>
+</p:notes>
+</file>
+
+<file path=ppt/notesSlides/notesSlide6.xml><?xml version="1.0" encoding="utf-8"?>
+<p:notes xmlns:a="http://schemas.openxmlformats.org/drawingml/2006/main" xmlns:r="http://schemas.openxmlformats.org/officeDocument/2006/relationships" xmlns:p="http://schemas.openxmlformats.org/presentationml/2006/main">
+  <p:cSld>
+    <p:spTree>
+      <p:nvGrpSpPr>
+        <p:cNvPr id="1" name=""/>
+        <p:cNvGrpSpPr/>
+        <p:nvPr/>
+      </p:nvGrpSpPr>
+      <p:grpSpPr>
+        <a:xfrm>
+          <a:off x="0" y="0"/>
+          <a:ext cx="0" cy="0"/>
+          <a:chOff x="0" y="0"/>
+          <a:chExt cx="0" cy="0"/>
+        </a:xfrm>
+      </p:grpSpPr>
+      <p:sp>
+        <p:nvSpPr>
+          <p:cNvPr id="2" name="Tijdelijke aanduiding voor dia-afbeelding 1"/>
+          <p:cNvSpPr>
+            <a:spLocks noGrp="1" noRot="1" noChangeAspect="1"/>
+          </p:cNvSpPr>
+          <p:nvPr>
+            <p:ph type="sldImg"/>
+          </p:nvPr>
+        </p:nvSpPr>
+        <p:spPr/>
+      </p:sp>
+      <p:sp>
+        <p:nvSpPr>
+          <p:cNvPr id="3" name="Tijdelijke aanduiding voor notities 2"/>
+          <p:cNvSpPr>
+            <a:spLocks noGrp="1"/>
+          </p:cNvSpPr>
+          <p:nvPr>
+            <p:ph type="body" idx="1"/>
+          </p:nvPr>
+        </p:nvSpPr>
+        <p:spPr/>
+        <p:txBody>
+          <a:bodyPr/>
+          <a:lstStyle/>
+          <a:p>
+            <a:r>
+              <a:rPr lang="nl-NL" dirty="0"/>
+              <a:t>Roos</a:t>
+            </a:r>
+          </a:p>
+          <a:p>
+            <a:r>
+              <a:rPr lang="nl-NL" dirty="0" err="1"/>
+              <a:t>Affiliate</a:t>
+            </a:r>
+            <a:r>
+              <a:rPr lang="nl-NL" dirty="0"/>
+              <a:t> links, Open </a:t>
+            </a:r>
+            <a:r>
+              <a:rPr lang="nl-NL" dirty="0" err="1"/>
+              <a:t>Graph</a:t>
+            </a:r>
+            <a:r>
+              <a:rPr lang="nl-NL" dirty="0"/>
+              <a:t>, </a:t>
+            </a:r>
+            <a:r>
+              <a:rPr lang="nl-NL" dirty="0" err="1"/>
+              <a:t>Social</a:t>
+            </a:r>
+            <a:r>
+              <a:rPr lang="nl-NL" dirty="0"/>
+              <a:t> media platform links</a:t>
+            </a:r>
+          </a:p>
+          <a:p>
+            <a:r>
+              <a:rPr lang="nl-NL" dirty="0"/>
+              <a:t>Evt. met de opdrachtgever hierna interactie/design dingetjes afstemmen voor een livegang</a:t>
+            </a:r>
+          </a:p>
+          <a:p>
+            <a:r>
+              <a:rPr lang="nl-NL" dirty="0"/>
+              <a:t>Opleverdocumentatie voor volgende </a:t>
+            </a:r>
+            <a:r>
+              <a:rPr lang="nl-NL" dirty="0" err="1"/>
+              <a:t>developer</a:t>
+            </a:r>
+            <a:endParaRPr lang="nl-NL" dirty="0"/>
+          </a:p>
+          <a:p>
+            <a:r>
+              <a:rPr lang="nl-NL" dirty="0"/>
+              <a:t>Verder klaar voor productie</a:t>
+            </a:r>
+          </a:p>
+        </p:txBody>
+      </p:sp>
+      <p:sp>
+        <p:nvSpPr>
+          <p:cNvPr id="4" name="Tijdelijke aanduiding voor dianummer 3"/>
+          <p:cNvSpPr>
+            <a:spLocks noGrp="1"/>
+          </p:cNvSpPr>
+          <p:nvPr>
+            <p:ph type="sldNum" sz="quarter" idx="5"/>
+          </p:nvPr>
+        </p:nvSpPr>
+        <p:spPr/>
+        <p:txBody>
+          <a:bodyPr/>
+          <a:lstStyle/>
+          <a:p>
+            <a:fld id="{DA6312A7-78B6-4FD8-A511-D49FA668EDB3}" type="slidenum">
+              <a:rPr lang="nl-NL" smtClean="0"/>
+              <a:t>6</a:t>
+            </a:fld>
+            <a:endParaRPr lang="nl-NL"/>
+          </a:p>
+        </p:txBody>
+      </p:sp>
+    </p:spTree>
+    <p:extLst>
+      <p:ext uri="{BB962C8B-B14F-4D97-AF65-F5344CB8AC3E}">
+        <p14:creationId xmlns:p14="http://schemas.microsoft.com/office/powerpoint/2010/main" val="4187202345"/>
+      </p:ext>
+    </p:extLst>
+  </p:cSld>
+  <p:clrMapOvr>
+    <a:masterClrMapping/>
+  </p:clrMapOvr>
+</p:notes>
+</file>
+
+<file path=ppt/notesSlides/notesSlide7.xml><?xml version="1.0" encoding="utf-8"?>
+<p:notes xmlns:a="http://schemas.openxmlformats.org/drawingml/2006/main" xmlns:r="http://schemas.openxmlformats.org/officeDocument/2006/relationships" xmlns:p="http://schemas.openxmlformats.org/presentationml/2006/main">
+  <p:cSld>
+    <p:spTree>
+      <p:nvGrpSpPr>
+        <p:cNvPr id="1" name=""/>
+        <p:cNvGrpSpPr/>
+        <p:nvPr/>
+      </p:nvGrpSpPr>
+      <p:grpSpPr>
+        <a:xfrm>
+          <a:off x="0" y="0"/>
+          <a:ext cx="0" cy="0"/>
+          <a:chOff x="0" y="0"/>
+          <a:chExt cx="0" cy="0"/>
+        </a:xfrm>
+      </p:grpSpPr>
+      <p:sp>
+        <p:nvSpPr>
+          <p:cNvPr id="2" name="Tijdelijke aanduiding voor dia-afbeelding 1"/>
+          <p:cNvSpPr>
+            <a:spLocks noGrp="1" noRot="1" noChangeAspect="1"/>
+          </p:cNvSpPr>
+          <p:nvPr>
+            <p:ph type="sldImg"/>
+          </p:nvPr>
+        </p:nvSpPr>
+        <p:spPr/>
+      </p:sp>
+      <p:sp>
+        <p:nvSpPr>
+          <p:cNvPr id="3" name="Tijdelijke aanduiding voor notities 2"/>
+          <p:cNvSpPr>
+            <a:spLocks noGrp="1"/>
+          </p:cNvSpPr>
+          <p:nvPr>
+            <p:ph type="body" idx="1"/>
+          </p:nvPr>
+        </p:nvSpPr>
+        <p:spPr/>
+        <p:txBody>
+          <a:bodyPr/>
+          <a:lstStyle/>
+          <a:p>
+            <a:pPr algn="l"/>
+            <a:endParaRPr lang="nl-NL" dirty="0"/>
           </a:p>
         </p:txBody>
       </p:sp>
@@ -981,7 +1406,7 @@
 </p:notes>
 </file>
 
-<file path=ppt/notesSlides/notesSlide6.xml><?xml version="1.0" encoding="utf-8"?>
+<file path=ppt/notesSlides/notesSlide8.xml><?xml version="1.0" encoding="utf-8"?>
 <p:notes xmlns:a="http://schemas.openxmlformats.org/drawingml/2006/main" xmlns:r="http://schemas.openxmlformats.org/officeDocument/2006/relationships" xmlns:p="http://schemas.openxmlformats.org/presentationml/2006/main">
   <p:cSld>
     <p:spTree>
@@ -1215,7 +1640,7 @@
           <a:p>
             <a:fld id="{017BEC42-23C7-4C4B-ACB1-0F05F6622312}" type="datetimeFigureOut">
               <a:rPr lang="nl-NL" smtClean="0"/>
-              <a:t>11-1-2024</a:t>
+              <a:t>12-1-2024</a:t>
             </a:fld>
             <a:endParaRPr lang="nl-NL"/>
           </a:p>
@@ -1425,7 +1850,7 @@
           <a:p>
             <a:fld id="{017BEC42-23C7-4C4B-ACB1-0F05F6622312}" type="datetimeFigureOut">
               <a:rPr lang="nl-NL" smtClean="0"/>
-              <a:t>11-1-2024</a:t>
+              <a:t>12-1-2024</a:t>
             </a:fld>
             <a:endParaRPr lang="nl-NL"/>
           </a:p>
@@ -1645,7 +2070,7 @@
           <a:p>
             <a:fld id="{017BEC42-23C7-4C4B-ACB1-0F05F6622312}" type="datetimeFigureOut">
               <a:rPr lang="nl-NL" smtClean="0"/>
-              <a:t>11-1-2024</a:t>
+              <a:t>12-1-2024</a:t>
             </a:fld>
             <a:endParaRPr lang="nl-NL"/>
           </a:p>
@@ -1855,7 +2280,7 @@
           <a:p>
             <a:fld id="{017BEC42-23C7-4C4B-ACB1-0F05F6622312}" type="datetimeFigureOut">
               <a:rPr lang="nl-NL" smtClean="0"/>
-              <a:t>11-1-2024</a:t>
+              <a:t>12-1-2024</a:t>
             </a:fld>
             <a:endParaRPr lang="nl-NL"/>
           </a:p>
@@ -2142,7 +2567,7 @@
           <a:p>
             <a:fld id="{017BEC42-23C7-4C4B-ACB1-0F05F6622312}" type="datetimeFigureOut">
               <a:rPr lang="nl-NL" smtClean="0"/>
-              <a:t>11-1-2024</a:t>
+              <a:t>12-1-2024</a:t>
             </a:fld>
             <a:endParaRPr lang="nl-NL"/>
           </a:p>
@@ -2419,7 +2844,7 @@
           <a:p>
             <a:fld id="{017BEC42-23C7-4C4B-ACB1-0F05F6622312}" type="datetimeFigureOut">
               <a:rPr lang="nl-NL" smtClean="0"/>
-              <a:t>11-1-2024</a:t>
+              <a:t>12-1-2024</a:t>
             </a:fld>
             <a:endParaRPr lang="nl-NL"/>
           </a:p>
@@ -2843,7 +3268,7 @@
           <a:p>
             <a:fld id="{017BEC42-23C7-4C4B-ACB1-0F05F6622312}" type="datetimeFigureOut">
               <a:rPr lang="nl-NL" smtClean="0"/>
-              <a:t>11-1-2024</a:t>
+              <a:t>12-1-2024</a:t>
             </a:fld>
             <a:endParaRPr lang="nl-NL"/>
           </a:p>
@@ -2996,7 +3421,7 @@
           <a:p>
             <a:fld id="{017BEC42-23C7-4C4B-ACB1-0F05F6622312}" type="datetimeFigureOut">
               <a:rPr lang="nl-NL" smtClean="0"/>
-              <a:t>11-1-2024</a:t>
+              <a:t>12-1-2024</a:t>
             </a:fld>
             <a:endParaRPr lang="nl-NL"/>
           </a:p>
@@ -3121,7 +3546,7 @@
           <a:p>
             <a:fld id="{017BEC42-23C7-4C4B-ACB1-0F05F6622312}" type="datetimeFigureOut">
               <a:rPr lang="nl-NL" smtClean="0"/>
-              <a:t>11-1-2024</a:t>
+              <a:t>12-1-2024</a:t>
             </a:fld>
             <a:endParaRPr lang="nl-NL"/>
           </a:p>
@@ -3444,7 +3869,7 @@
           <a:p>
             <a:fld id="{017BEC42-23C7-4C4B-ACB1-0F05F6622312}" type="datetimeFigureOut">
               <a:rPr lang="nl-NL" smtClean="0"/>
-              <a:t>11-1-2024</a:t>
+              <a:t>12-1-2024</a:t>
             </a:fld>
             <a:endParaRPr lang="nl-NL"/>
           </a:p>
@@ -3744,7 +4169,7 @@
           <a:p>
             <a:fld id="{017BEC42-23C7-4C4B-ACB1-0F05F6622312}" type="datetimeFigureOut">
               <a:rPr lang="nl-NL" smtClean="0"/>
-              <a:t>11-1-2024</a:t>
+              <a:t>12-1-2024</a:t>
             </a:fld>
             <a:endParaRPr lang="nl-NL"/>
           </a:p>
@@ -3997,7 +4422,7 @@
           <a:p>
             <a:fld id="{017BEC42-23C7-4C4B-ACB1-0F05F6622312}" type="datetimeFigureOut">
               <a:rPr lang="nl-NL" smtClean="0"/>
-              <a:t>11-1-2024</a:t>
+              <a:t>12-1-2024</a:t>
             </a:fld>
             <a:endParaRPr lang="nl-NL"/>
           </a:p>
@@ -8384,13 +8809,18 @@
           <a:lstStyle/>
           <a:p>
             <a:r>
-              <a:rPr lang="nl-NL" dirty="0">
+              <a:rPr lang="nl-NL">
                 <a:solidFill>
                   <a:srgbClr val="FFFFFF"/>
                 </a:solidFill>
               </a:rPr>
               <a:t>Het proces</a:t>
             </a:r>
+            <a:endParaRPr lang="nl-NL" dirty="0">
+              <a:solidFill>
+                <a:srgbClr val="FFFFFF"/>
+              </a:solidFill>
+            </a:endParaRPr>
           </a:p>
         </p:txBody>
       </p:sp>
@@ -8909,7 +9339,7 @@
         <p:spPr>
           <a:xfrm>
             <a:off x="6297233" y="518400"/>
-            <a:ext cx="4771607" cy="5837949"/>
+            <a:ext cx="4771607" cy="1955169"/>
           </a:xfrm>
         </p:spPr>
         <p:txBody>
@@ -8919,15 +9349,73 @@
           <a:lstStyle/>
           <a:p>
             <a:r>
-              <a:rPr lang="nl-NL" sz="2000" dirty="0">
+              <a:rPr lang="nl-NL" sz="2000">
                 <a:solidFill>
                   <a:schemeClr val="tx1">
                     <a:alpha val="80000"/>
                   </a:schemeClr>
                 </a:solidFill>
               </a:rPr>
-              <a:t>Welke technieken zijn gebruikt?</a:t>
-            </a:r>
+              <a:t>SCRUM</a:t>
+            </a:r>
+          </a:p>
+          <a:p>
+            <a:r>
+              <a:rPr lang="nl-NL" sz="2000">
+                <a:solidFill>
+                  <a:schemeClr val="tx1">
+                    <a:alpha val="80000"/>
+                  </a:schemeClr>
+                </a:solidFill>
+              </a:rPr>
+              <a:t>Hoe verliep het proces?</a:t>
+            </a:r>
+          </a:p>
+          <a:p>
+            <a:pPr lvl="1"/>
+            <a:r>
+              <a:rPr lang="nl-NL" sz="1600">
+                <a:solidFill>
+                  <a:schemeClr val="tx1">
+                    <a:alpha val="80000"/>
+                  </a:schemeClr>
+                </a:solidFill>
+              </a:rPr>
+              <a:t>GitHub Projects</a:t>
+            </a:r>
+          </a:p>
+          <a:p>
+            <a:pPr lvl="1"/>
+            <a:r>
+              <a:rPr lang="nl-NL" sz="1600">
+                <a:solidFill>
+                  <a:schemeClr val="tx1">
+                    <a:alpha val="80000"/>
+                  </a:schemeClr>
+                </a:solidFill>
+              </a:rPr>
+              <a:t>Reviewen</a:t>
+            </a:r>
+          </a:p>
+          <a:p>
+            <a:pPr lvl="1"/>
+            <a:r>
+              <a:rPr lang="nl-NL" sz="1600">
+                <a:solidFill>
+                  <a:schemeClr val="tx1">
+                    <a:alpha val="80000"/>
+                  </a:schemeClr>
+                </a:solidFill>
+              </a:rPr>
+              <a:t>DOD</a:t>
+            </a:r>
+            <a:endParaRPr lang="nl-NL" sz="1600" dirty="0">
+              <a:solidFill>
+                <a:schemeClr val="tx1">
+                  <a:alpha val="80000"/>
+                </a:schemeClr>
+              </a:solidFill>
+            </a:endParaRPr>
           </a:p>
         </p:txBody>
       </p:sp>
@@ -8993,6 +9481,36 @@
           </a:fontRef>
         </p:style>
       </p:cxnSp>
+      <p:pic>
+        <p:nvPicPr>
+          <p:cNvPr id="7" name="Afbeelding 6">
+            <a:extLst>
+              <a:ext uri="{FF2B5EF4-FFF2-40B4-BE49-F238E27FC236}">
+                <a16:creationId xmlns:a16="http://schemas.microsoft.com/office/drawing/2014/main" id="{B8E82ADB-68A5-D765-C57A-A7BFCCD5B460}"/>
+              </a:ext>
+            </a:extLst>
+          </p:cNvPr>
+          <p:cNvPicPr>
+            <a:picLocks noChangeAspect="1"/>
+          </p:cNvPicPr>
+          <p:nvPr/>
+        </p:nvPicPr>
+        <p:blipFill>
+          <a:blip r:embed="rId3"/>
+          <a:stretch>
+            <a:fillRect/>
+          </a:stretch>
+        </p:blipFill>
+        <p:spPr>
+          <a:xfrm>
+            <a:off x="6436635" y="2513357"/>
+            <a:ext cx="4557155" cy="3924640"/>
+          </a:xfrm>
+          <a:prstGeom prst="rect">
+            <a:avLst/>
+          </a:prstGeom>
+        </p:spPr>
+      </p:pic>
     </p:spTree>
     <p:extLst>
       <p:ext uri="{BB962C8B-B14F-4D97-AF65-F5344CB8AC3E}">
